--- a/translations/en-us/intermediate/MoveDistance.pptx
+++ b/translations/en-us/intermediate/MoveDistance.pptx
@@ -2,7 +2,7 @@
 <file path=ppt/presentation.xml><?xml version="1.0" encoding="utf-8"?>
 <p:presentation xmlns:a="http://schemas.openxmlformats.org/drawingml/2006/main" xmlns:r="http://schemas.openxmlformats.org/officeDocument/2006/relationships" xmlns:p="http://schemas.openxmlformats.org/presentationml/2006/main" showSpecialPlsOnTitleSld="0" saveSubsetFonts="1" autoCompressPictures="0">
   <p:sldMasterIdLst>
-    <p:sldMasterId id="2147483714" r:id="rId1"/>
+    <p:sldMasterId id="2147483726" r:id="rId1"/>
   </p:sldMasterIdLst>
   <p:notesMasterIdLst>
     <p:notesMasterId r:id="rId15"/>
@@ -11,7 +11,7 @@
     <p:handoutMasterId r:id="rId16"/>
   </p:handoutMasterIdLst>
   <p:sldIdLst>
-    <p:sldId id="369" r:id="rId2"/>
+    <p:sldId id="379" r:id="rId2"/>
     <p:sldId id="372" r:id="rId3"/>
     <p:sldId id="371" r:id="rId4"/>
     <p:sldId id="345" r:id="rId5"/>
@@ -223,7 +223,7 @@
           <a:p>
             <a:fld id="{E00FA3B4-5499-9244-86B5-B0871A9DDD84}" type="datetimeFigureOut">
               <a:rPr lang="en-US" smtClean="0"/>
-              <a:t>11/2/2015</a:t>
+              <a:t>11/13/15</a:t>
             </a:fld>
             <a:endParaRPr lang="en-US"/>
           </a:p>
@@ -389,7 +389,7 @@
           <a:p>
             <a:fld id="{FD3EFF1E-85A1-6640-AFB9-C38833E80A84}" type="datetimeFigureOut">
               <a:rPr lang="en-US" smtClean="0"/>
-              <a:t>11/2/2015</a:t>
+              <a:t>11/13/15</a:t>
             </a:fld>
             <a:endParaRPr lang="en-US"/>
           </a:p>
@@ -723,7 +723,7 @@
           <a:p>
             <a:fld id="{13967457-1E83-1040-AFF7-8D09C473DBD5}" type="slidenum">
               <a:rPr lang="en-US" smtClean="0"/>
-              <a:t>1</a:t>
+              <a:t>4</a:t>
             </a:fld>
             <a:endParaRPr lang="en-US"/>
           </a:p>
@@ -732,7 +732,7 @@
     </p:spTree>
     <p:extLst>
       <p:ext uri="{BB962C8B-B14F-4D97-AF65-F5344CB8AC3E}">
-        <p14:creationId xmlns:p14="http://schemas.microsoft.com/office/powerpoint/2010/main" val="1895296788"/>
+        <p14:creationId xmlns:p14="http://schemas.microsoft.com/office/powerpoint/2010/main" val="1606758554"/>
       </p:ext>
     </p:extLst>
   </p:cSld>
@@ -807,90 +807,6 @@
           <a:p>
             <a:fld id="{13967457-1E83-1040-AFF7-8D09C473DBD5}" type="slidenum">
               <a:rPr lang="en-US" smtClean="0"/>
-              <a:t>4</a:t>
-            </a:fld>
-            <a:endParaRPr lang="en-US"/>
-          </a:p>
-        </p:txBody>
-      </p:sp>
-    </p:spTree>
-    <p:extLst>
-      <p:ext uri="{BB962C8B-B14F-4D97-AF65-F5344CB8AC3E}">
-        <p14:creationId xmlns:p14="http://schemas.microsoft.com/office/powerpoint/2010/main" val="1606758554"/>
-      </p:ext>
-    </p:extLst>
-  </p:cSld>
-  <p:clrMapOvr>
-    <a:masterClrMapping/>
-  </p:clrMapOvr>
-</p:notes>
-</file>
-
-<file path=ppt/notesSlides/notesSlide3.xml><?xml version="1.0" encoding="utf-8"?>
-<p:notes xmlns:a="http://schemas.openxmlformats.org/drawingml/2006/main" xmlns:r="http://schemas.openxmlformats.org/officeDocument/2006/relationships" xmlns:p="http://schemas.openxmlformats.org/presentationml/2006/main">
-  <p:cSld>
-    <p:spTree>
-      <p:nvGrpSpPr>
-        <p:cNvPr id="1" name=""/>
-        <p:cNvGrpSpPr/>
-        <p:nvPr/>
-      </p:nvGrpSpPr>
-      <p:grpSpPr>
-        <a:xfrm>
-          <a:off x="0" y="0"/>
-          <a:ext cx="0" cy="0"/>
-          <a:chOff x="0" y="0"/>
-          <a:chExt cx="0" cy="0"/>
-        </a:xfrm>
-      </p:grpSpPr>
-      <p:sp>
-        <p:nvSpPr>
-          <p:cNvPr id="2" name="Slide Image Placeholder 1"/>
-          <p:cNvSpPr>
-            <a:spLocks noGrp="1" noRot="1" noChangeAspect="1"/>
-          </p:cNvSpPr>
-          <p:nvPr>
-            <p:ph type="sldImg"/>
-          </p:nvPr>
-        </p:nvSpPr>
-        <p:spPr/>
-      </p:sp>
-      <p:sp>
-        <p:nvSpPr>
-          <p:cNvPr id="3" name="Notes Placeholder 2"/>
-          <p:cNvSpPr>
-            <a:spLocks noGrp="1"/>
-          </p:cNvSpPr>
-          <p:nvPr>
-            <p:ph type="body" idx="1"/>
-          </p:nvPr>
-        </p:nvSpPr>
-        <p:spPr/>
-        <p:txBody>
-          <a:bodyPr/>
-          <a:lstStyle/>
-          <a:p>
-            <a:endParaRPr lang="en-US"/>
-          </a:p>
-        </p:txBody>
-      </p:sp>
-      <p:sp>
-        <p:nvSpPr>
-          <p:cNvPr id="4" name="Slide Number Placeholder 3"/>
-          <p:cNvSpPr>
-            <a:spLocks noGrp="1"/>
-          </p:cNvSpPr>
-          <p:nvPr>
-            <p:ph type="sldNum" sz="quarter" idx="10"/>
-          </p:nvPr>
-        </p:nvSpPr>
-        <p:spPr/>
-        <p:txBody>
-          <a:bodyPr/>
-          <a:lstStyle/>
-          <a:p>
-            <a:fld id="{13967457-1E83-1040-AFF7-8D09C473DBD5}" type="slidenum">
-              <a:rPr lang="en-US" smtClean="0"/>
               <a:t>9</a:t>
             </a:fld>
             <a:endParaRPr lang="en-US"/>
@@ -910,7 +826,7 @@
 </p:notes>
 </file>
 
-<file path=ppt/notesSlides/notesSlide4.xml><?xml version="1.0" encoding="utf-8"?>
+<file path=ppt/notesSlides/notesSlide3.xml><?xml version="1.0" encoding="utf-8"?>
 <p:notes xmlns:a="http://schemas.openxmlformats.org/drawingml/2006/main" xmlns:r="http://schemas.openxmlformats.org/officeDocument/2006/relationships" xmlns:p="http://schemas.openxmlformats.org/presentationml/2006/main">
   <p:cSld>
     <p:spTree>
@@ -1013,256 +929,20 @@
       </p:grpSpPr>
       <p:sp>
         <p:nvSpPr>
-          <p:cNvPr id="2" name="Title 1"/>
-          <p:cNvSpPr>
-            <a:spLocks noGrp="1"/>
-          </p:cNvSpPr>
-          <p:nvPr>
-            <p:ph type="ctrTitle"/>
-          </p:nvPr>
+          <p:cNvPr id="7" name="Rectangle 6"/>
+          <p:cNvSpPr/>
+          <p:nvPr/>
         </p:nvSpPr>
         <p:spPr>
           <a:xfrm>
-            <a:off x="457200" y="228600"/>
-            <a:ext cx="7772400" cy="4571999"/>
-          </a:xfrm>
-        </p:spPr>
-        <p:txBody>
-          <a:bodyPr anchor="ctr">
-            <a:noAutofit/>
-          </a:bodyPr>
-          <a:lstStyle>
-            <a:lvl1pPr>
-              <a:lnSpc>
-                <a:spcPct val="100000"/>
-              </a:lnSpc>
-              <a:defRPr sz="8800" spc="-80" baseline="0">
-                <a:solidFill>
-                  <a:schemeClr val="tx1"/>
-                </a:solidFill>
-              </a:defRPr>
-            </a:lvl1pPr>
-          </a:lstStyle>
-          <a:p>
-            <a:r>
-              <a:rPr lang="en-US" smtClean="0"/>
-              <a:t>Click to edit Master title style</a:t>
-            </a:r>
-            <a:endParaRPr lang="en-US" dirty="0"/>
-          </a:p>
-        </p:txBody>
-      </p:sp>
-      <p:sp>
-        <p:nvSpPr>
-          <p:cNvPr id="3" name="Subtitle 2"/>
-          <p:cNvSpPr>
-            <a:spLocks noGrp="1"/>
-          </p:cNvSpPr>
-          <p:nvPr>
-            <p:ph type="subTitle" idx="1"/>
-          </p:nvPr>
-        </p:nvSpPr>
-        <p:spPr>
-          <a:xfrm>
-            <a:off x="457200" y="4800600"/>
-            <a:ext cx="6858000" cy="914400"/>
-          </a:xfrm>
-        </p:spPr>
-        <p:txBody>
-          <a:bodyPr/>
-          <a:lstStyle>
-            <a:lvl1pPr marL="0" indent="0" algn="l">
-              <a:buNone/>
-              <a:defRPr b="0" cap="all" spc="120" baseline="0">
-                <a:solidFill>
-                  <a:schemeClr val="tx2"/>
-                </a:solidFill>
-                <a:latin typeface="+mj-lt"/>
-              </a:defRPr>
-            </a:lvl1pPr>
-            <a:lvl2pPr marL="457200" indent="0" algn="ctr">
-              <a:buNone/>
-              <a:defRPr>
-                <a:solidFill>
-                  <a:schemeClr val="tx1">
-                    <a:tint val="75000"/>
-                  </a:schemeClr>
-                </a:solidFill>
-              </a:defRPr>
-            </a:lvl2pPr>
-            <a:lvl3pPr marL="914400" indent="0" algn="ctr">
-              <a:buNone/>
-              <a:defRPr>
-                <a:solidFill>
-                  <a:schemeClr val="tx1">
-                    <a:tint val="75000"/>
-                  </a:schemeClr>
-                </a:solidFill>
-              </a:defRPr>
-            </a:lvl3pPr>
-            <a:lvl4pPr marL="1371600" indent="0" algn="ctr">
-              <a:buNone/>
-              <a:defRPr>
-                <a:solidFill>
-                  <a:schemeClr val="tx1">
-                    <a:tint val="75000"/>
-                  </a:schemeClr>
-                </a:solidFill>
-              </a:defRPr>
-            </a:lvl4pPr>
-            <a:lvl5pPr marL="1828800" indent="0" algn="ctr">
-              <a:buNone/>
-              <a:defRPr>
-                <a:solidFill>
-                  <a:schemeClr val="tx1">
-                    <a:tint val="75000"/>
-                  </a:schemeClr>
-                </a:solidFill>
-              </a:defRPr>
-            </a:lvl5pPr>
-            <a:lvl6pPr marL="2286000" indent="0" algn="ctr">
-              <a:buNone/>
-              <a:defRPr>
-                <a:solidFill>
-                  <a:schemeClr val="tx1">
-                    <a:tint val="75000"/>
-                  </a:schemeClr>
-                </a:solidFill>
-              </a:defRPr>
-            </a:lvl6pPr>
-            <a:lvl7pPr marL="2743200" indent="0" algn="ctr">
-              <a:buNone/>
-              <a:defRPr>
-                <a:solidFill>
-                  <a:schemeClr val="tx1">
-                    <a:tint val="75000"/>
-                  </a:schemeClr>
-                </a:solidFill>
-              </a:defRPr>
-            </a:lvl7pPr>
-            <a:lvl8pPr marL="3200400" indent="0" algn="ctr">
-              <a:buNone/>
-              <a:defRPr>
-                <a:solidFill>
-                  <a:schemeClr val="tx1">
-                    <a:tint val="75000"/>
-                  </a:schemeClr>
-                </a:solidFill>
-              </a:defRPr>
-            </a:lvl8pPr>
-            <a:lvl9pPr marL="3657600" indent="0" algn="ctr">
-              <a:buNone/>
-              <a:defRPr>
-                <a:solidFill>
-                  <a:schemeClr val="tx1">
-                    <a:tint val="75000"/>
-                  </a:schemeClr>
-                </a:solidFill>
-              </a:defRPr>
-            </a:lvl9pPr>
-          </a:lstStyle>
-          <a:p>
-            <a:r>
-              <a:rPr lang="en-US" smtClean="0"/>
-              <a:t>Click to edit Master subtitle style</a:t>
-            </a:r>
-            <a:endParaRPr lang="en-US" dirty="0"/>
-          </a:p>
-        </p:txBody>
-      </p:sp>
-      <p:sp>
-        <p:nvSpPr>
-          <p:cNvPr id="4" name="Date Placeholder 3"/>
-          <p:cNvSpPr>
-            <a:spLocks noGrp="1"/>
-          </p:cNvSpPr>
-          <p:nvPr>
-            <p:ph type="dt" sz="half" idx="10"/>
-          </p:nvPr>
-        </p:nvSpPr>
-        <p:spPr/>
-        <p:txBody>
-          <a:bodyPr/>
-          <a:lstStyle/>
-          <a:p>
-            <a:fld id="{D7D3498C-3363-483B-8C36-DC8443671A07}" type="datetime1">
-              <a:rPr lang="en-US" smtClean="0"/>
-              <a:t>11/2/2015</a:t>
-            </a:fld>
-            <a:endParaRPr lang="en-US"/>
-          </a:p>
-        </p:txBody>
-      </p:sp>
-      <p:sp>
-        <p:nvSpPr>
-          <p:cNvPr id="5" name="Footer Placeholder 4"/>
-          <p:cNvSpPr>
-            <a:spLocks noGrp="1"/>
-          </p:cNvSpPr>
-          <p:nvPr>
-            <p:ph type="ftr" sz="quarter" idx="11"/>
-          </p:nvPr>
-        </p:nvSpPr>
-        <p:spPr/>
-        <p:txBody>
-          <a:bodyPr/>
-          <a:lstStyle/>
-          <a:p>
-            <a:r>
-              <a:rPr lang="en-US" smtClean="0"/>
-              <a:t>© 2015, EV3Lessons.com, (last edit 11/02/2015)</a:t>
-            </a:r>
-            <a:endParaRPr lang="en-US"/>
-          </a:p>
-        </p:txBody>
-      </p:sp>
-      <p:sp>
-        <p:nvSpPr>
-          <p:cNvPr id="11" name="Slide Number Placeholder 6"/>
-          <p:cNvSpPr>
-            <a:spLocks noGrp="1"/>
-          </p:cNvSpPr>
-          <p:nvPr>
-            <p:ph type="sldNum" sz="quarter" idx="4"/>
-          </p:nvPr>
-        </p:nvSpPr>
-        <p:spPr>
-          <a:xfrm>
-            <a:off x="8477026" y="6358106"/>
-            <a:ext cx="666974" cy="365125"/>
-          </a:xfrm>
-          <a:prstGeom prst="rect">
-            <a:avLst/>
-          </a:prstGeom>
-        </p:spPr>
-        <p:txBody>
-          <a:bodyPr/>
-          <a:lstStyle/>
-          <a:p>
-            <a:fld id="{4DBC7FC8-25FB-FC45-8177-2B991DA6778C}" type="slidenum">
-              <a:rPr lang="en-US" smtClean="0"/>
-              <a:t>‹#›</a:t>
-            </a:fld>
-            <a:endParaRPr lang="en-US"/>
-          </a:p>
-        </p:txBody>
-      </p:sp>
-      <p:sp>
-        <p:nvSpPr>
-          <p:cNvPr id="12" name="Rectangle 11"/>
-          <p:cNvSpPr/>
-          <p:nvPr userDrawn="1"/>
-        </p:nvSpPr>
-        <p:spPr>
-          <a:xfrm>
-            <a:off x="8996106" y="2895600"/>
-            <a:ext cx="147895" cy="3962400"/>
+            <a:off x="2382" y="6400800"/>
+            <a:ext cx="9141619" cy="457200"/>
           </a:xfrm>
           <a:prstGeom prst="rect">
             <a:avLst/>
           </a:prstGeom>
           <a:solidFill>
-            <a:srgbClr val="92D050"/>
+            <a:srgbClr val="0070C0"/>
           </a:solidFill>
           <a:ln>
             <a:noFill/>
@@ -1287,14 +967,278 @@
       </p:sp>
       <p:sp>
         <p:nvSpPr>
-          <p:cNvPr id="13" name="Rectangle 12"/>
+          <p:cNvPr id="2" name="Title 1"/>
+          <p:cNvSpPr>
+            <a:spLocks noGrp="1"/>
+          </p:cNvSpPr>
+          <p:nvPr>
+            <p:ph type="ctrTitle" hasCustomPrompt="1"/>
+          </p:nvPr>
+        </p:nvSpPr>
+        <p:spPr>
+          <a:xfrm>
+            <a:off x="373553" y="471740"/>
+            <a:ext cx="4857665" cy="2001435"/>
+          </a:xfrm>
+          <a:ln>
+            <a:noFill/>
+          </a:ln>
+        </p:spPr>
+        <p:txBody>
+          <a:bodyPr anchor="b">
+            <a:normAutofit/>
+          </a:bodyPr>
+          <a:lstStyle>
+            <a:lvl1pPr algn="l">
+              <a:lnSpc>
+                <a:spcPct val="85000"/>
+              </a:lnSpc>
+              <a:defRPr sz="5400" spc="-50" baseline="0">
+                <a:solidFill>
+                  <a:schemeClr val="tx1">
+                    <a:lumMod val="85000"/>
+                    <a:lumOff val="15000"/>
+                  </a:schemeClr>
+                </a:solidFill>
+              </a:defRPr>
+            </a:lvl1pPr>
+          </a:lstStyle>
+          <a:p>
+            <a:r>
+              <a:rPr lang="en-US" dirty="0" smtClean="0"/>
+              <a:t>INTERMEDIATE PROGRAMMING LESSON</a:t>
+            </a:r>
+            <a:endParaRPr lang="en-US" dirty="0"/>
+          </a:p>
+        </p:txBody>
+      </p:sp>
+      <p:sp>
+        <p:nvSpPr>
+          <p:cNvPr id="3" name="Subtitle 2"/>
+          <p:cNvSpPr>
+            <a:spLocks noGrp="1"/>
+          </p:cNvSpPr>
+          <p:nvPr>
+            <p:ph type="subTitle" idx="1"/>
+          </p:nvPr>
+        </p:nvSpPr>
+        <p:spPr>
+          <a:xfrm>
+            <a:off x="1548051" y="3452894"/>
+            <a:ext cx="6004883" cy="401411"/>
+          </a:xfrm>
+        </p:spPr>
+        <p:txBody>
+          <a:bodyPr lIns="91440" rIns="91440">
+            <a:normAutofit/>
+          </a:bodyPr>
+          <a:lstStyle>
+            <a:lvl1pPr marL="0" indent="0" algn="ctr">
+              <a:buNone/>
+              <a:defRPr sz="2400" cap="all" spc="200" baseline="0">
+                <a:solidFill>
+                  <a:schemeClr val="tx2"/>
+                </a:solidFill>
+                <a:latin typeface="+mj-lt"/>
+              </a:defRPr>
+            </a:lvl1pPr>
+            <a:lvl2pPr marL="457200" indent="0" algn="ctr">
+              <a:buNone/>
+              <a:defRPr sz="2400"/>
+            </a:lvl2pPr>
+            <a:lvl3pPr marL="914400" indent="0" algn="ctr">
+              <a:buNone/>
+              <a:defRPr sz="2400"/>
+            </a:lvl3pPr>
+            <a:lvl4pPr marL="1371600" indent="0" algn="ctr">
+              <a:buNone/>
+              <a:defRPr sz="2000"/>
+            </a:lvl4pPr>
+            <a:lvl5pPr marL="1828800" indent="0" algn="ctr">
+              <a:buNone/>
+              <a:defRPr sz="2000"/>
+            </a:lvl5pPr>
+            <a:lvl6pPr marL="2286000" indent="0" algn="ctr">
+              <a:buNone/>
+              <a:defRPr sz="2000"/>
+            </a:lvl6pPr>
+            <a:lvl7pPr marL="2743200" indent="0" algn="ctr">
+              <a:buNone/>
+              <a:defRPr sz="2000"/>
+            </a:lvl7pPr>
+            <a:lvl8pPr marL="3200400" indent="0" algn="ctr">
+              <a:buNone/>
+              <a:defRPr sz="2000"/>
+            </a:lvl8pPr>
+            <a:lvl9pPr marL="3657600" indent="0" algn="ctr">
+              <a:buNone/>
+              <a:defRPr sz="2000"/>
+            </a:lvl9pPr>
+          </a:lstStyle>
+          <a:p>
+            <a:r>
+              <a:rPr lang="en-US" dirty="0" smtClean="0"/>
+              <a:t>Click to edit Master subtitle style</a:t>
+            </a:r>
+            <a:endParaRPr lang="en-US" dirty="0"/>
+          </a:p>
+        </p:txBody>
+      </p:sp>
+      <p:sp>
+        <p:nvSpPr>
+          <p:cNvPr id="4" name="Date Placeholder 3"/>
+          <p:cNvSpPr>
+            <a:spLocks noGrp="1"/>
+          </p:cNvSpPr>
+          <p:nvPr>
+            <p:ph type="dt" sz="half" idx="10"/>
+          </p:nvPr>
+        </p:nvSpPr>
+        <p:spPr/>
+        <p:txBody>
+          <a:bodyPr/>
+          <a:lstStyle/>
+          <a:p>
+            <a:fld id="{6B13CFBD-0392-DF42-9C65-6D1DE0580181}" type="datetime1">
+              <a:rPr lang="en-US" smtClean="0"/>
+              <a:t>11/13/15</a:t>
+            </a:fld>
+            <a:endParaRPr lang="en-US"/>
+          </a:p>
+        </p:txBody>
+      </p:sp>
+      <p:sp>
+        <p:nvSpPr>
+          <p:cNvPr id="5" name="Footer Placeholder 4"/>
+          <p:cNvSpPr>
+            <a:spLocks noGrp="1"/>
+          </p:cNvSpPr>
+          <p:nvPr>
+            <p:ph type="ftr" sz="quarter" idx="11"/>
+          </p:nvPr>
+        </p:nvSpPr>
+        <p:spPr/>
+        <p:txBody>
+          <a:bodyPr/>
+          <a:lstStyle/>
+          <a:p>
+            <a:r>
+              <a:rPr lang="sk-SK" smtClean="0"/>
+              <a:t>© 2015 EV3Lessons.com, Last edit 11/13/2015</a:t>
+            </a:r>
+            <a:endParaRPr lang="en-US"/>
+          </a:p>
+        </p:txBody>
+      </p:sp>
+      <p:sp>
+        <p:nvSpPr>
+          <p:cNvPr id="6" name="Slide Number Placeholder 5"/>
+          <p:cNvSpPr>
+            <a:spLocks noGrp="1"/>
+          </p:cNvSpPr>
+          <p:nvPr>
+            <p:ph type="sldNum" sz="quarter" idx="12"/>
+          </p:nvPr>
+        </p:nvSpPr>
+        <p:spPr/>
+        <p:txBody>
+          <a:bodyPr/>
+          <a:lstStyle/>
+          <a:p>
+            <a:fld id="{7F5CE407-6216-4202-80E4-A30DC2F709B2}" type="slidenum">
+              <a:rPr lang="en-US" smtClean="0"/>
+              <a:t>‹#›</a:t>
+            </a:fld>
+            <a:endParaRPr lang="en-US"/>
+          </a:p>
+        </p:txBody>
+      </p:sp>
+      <p:cxnSp>
+        <p:nvCxnSpPr>
+          <p:cNvPr id="9" name="Straight Connector 8"/>
+          <p:cNvCxnSpPr/>
+          <p:nvPr/>
+        </p:nvCxnSpPr>
+        <p:spPr>
+          <a:xfrm>
+            <a:off x="905744" y="3854305"/>
+            <a:ext cx="7406640" cy="0"/>
+          </a:xfrm>
+          <a:prstGeom prst="line">
+            <a:avLst/>
+          </a:prstGeom>
+          <a:ln w="6350">
+            <a:solidFill>
+              <a:schemeClr val="tx1">
+                <a:lumMod val="50000"/>
+                <a:lumOff val="50000"/>
+              </a:schemeClr>
+            </a:solidFill>
+          </a:ln>
+        </p:spPr>
+        <p:style>
+          <a:lnRef idx="1">
+            <a:schemeClr val="accent1"/>
+          </a:lnRef>
+          <a:fillRef idx="0">
+            <a:schemeClr val="accent1"/>
+          </a:fillRef>
+          <a:effectRef idx="0">
+            <a:schemeClr val="accent1"/>
+          </a:effectRef>
+          <a:fontRef idx="minor">
+            <a:schemeClr val="tx1"/>
+          </a:fontRef>
+        </p:style>
+      </p:cxnSp>
+      <p:sp>
+        <p:nvSpPr>
+          <p:cNvPr id="10" name="Rectangle 9"/>
           <p:cNvSpPr/>
           <p:nvPr userDrawn="1"/>
         </p:nvSpPr>
         <p:spPr>
           <a:xfrm>
-            <a:off x="8959042" y="0"/>
-            <a:ext cx="184958" cy="2895600"/>
+            <a:off x="0" y="6334315"/>
+            <a:ext cx="4487333" cy="92382"/>
+          </a:xfrm>
+          <a:prstGeom prst="rect">
+            <a:avLst/>
+          </a:prstGeom>
+          <a:solidFill>
+            <a:srgbClr val="00B050"/>
+          </a:solidFill>
+          <a:ln>
+            <a:noFill/>
+          </a:ln>
+        </p:spPr>
+        <p:style>
+          <a:lnRef idx="2">
+            <a:schemeClr val="accent1">
+              <a:shade val="50000"/>
+            </a:schemeClr>
+          </a:lnRef>
+          <a:fillRef idx="1">
+            <a:schemeClr val="accent1"/>
+          </a:fillRef>
+          <a:effectRef idx="0">
+            <a:schemeClr val="accent1"/>
+          </a:effectRef>
+          <a:fontRef idx="minor">
+            <a:schemeClr val="lt1"/>
+          </a:fontRef>
+        </p:style>
+      </p:sp>
+      <p:sp>
+        <p:nvSpPr>
+          <p:cNvPr id="11" name="Rectangle 10"/>
+          <p:cNvSpPr/>
+          <p:nvPr userDrawn="1"/>
+        </p:nvSpPr>
+        <p:spPr>
+          <a:xfrm>
+            <a:off x="4487333" y="6334315"/>
+            <a:ext cx="4656667" cy="92382"/>
           </a:xfrm>
           <a:prstGeom prst="rect">
             <a:avLst/>
@@ -1325,20 +1269,329 @@
       </p:sp>
       <p:sp>
         <p:nvSpPr>
-          <p:cNvPr id="14" name="Rectangle 13"/>
-          <p:cNvSpPr/>
+          <p:cNvPr id="13" name="TextBox 12"/>
+          <p:cNvSpPr txBox="1"/>
           <p:nvPr userDrawn="1"/>
         </p:nvSpPr>
         <p:spPr>
           <a:xfrm>
-            <a:off x="8913670" y="-4618"/>
-            <a:ext cx="91440" cy="6862617"/>
+            <a:off x="1481621" y="5931894"/>
+            <a:ext cx="2391085" cy="369332"/>
+          </a:xfrm>
+          <a:prstGeom prst="rect">
+            <a:avLst/>
+          </a:prstGeom>
+          <a:noFill/>
+        </p:spPr>
+        <p:txBody>
+          <a:bodyPr wrap="square" rtlCol="0">
+            <a:spAutoFit/>
+          </a:bodyPr>
+          <a:lstStyle/>
+          <a:p>
+            <a:r>
+              <a:rPr lang="en-US" dirty="0" smtClean="0"/>
+              <a:t>By </a:t>
+            </a:r>
+            <a:r>
+              <a:rPr lang="en-US" smtClean="0"/>
+              <a:t>Droids Robotics</a:t>
+            </a:r>
+            <a:endParaRPr lang="en-US"/>
+          </a:p>
+        </p:txBody>
+      </p:sp>
+      <p:pic>
+        <p:nvPicPr>
+          <p:cNvPr id="14" name="Picture 13"/>
+          <p:cNvPicPr>
+            <a:picLocks noChangeAspect="1"/>
+          </p:cNvPicPr>
+          <p:nvPr userDrawn="1"/>
+        </p:nvPicPr>
+        <p:blipFill>
+          <a:blip r:embed="rId2">
+            <a:extLst>
+              <a:ext uri="{28A0092B-C50C-407E-A947-70E740481C1C}">
+                <a14:useLocalDpi xmlns:a14="http://schemas.microsoft.com/office/drawing/2010/main" val="0"/>
+              </a:ext>
+            </a:extLst>
+          </a:blip>
+          <a:stretch>
+            <a:fillRect/>
+          </a:stretch>
+        </p:blipFill>
+        <p:spPr>
+          <a:xfrm>
+            <a:off x="164036" y="4938756"/>
+            <a:ext cx="1317585" cy="1260490"/>
+          </a:xfrm>
+          <a:prstGeom prst="rect">
+            <a:avLst/>
+          </a:prstGeom>
+        </p:spPr>
+      </p:pic>
+      <p:pic>
+        <p:nvPicPr>
+          <p:cNvPr id="15" name="Picture 14" descr="EV3Lessons.com"/>
+          <p:cNvPicPr>
+            <a:picLocks noChangeAspect="1" noChangeArrowheads="1"/>
+          </p:cNvPicPr>
+          <p:nvPr userDrawn="1"/>
+        </p:nvPicPr>
+        <p:blipFill>
+          <a:blip r:embed="rId3" cstate="email">
+            <a:extLst>
+              <a:ext uri="{28A0092B-C50C-407E-A947-70E740481C1C}">
+                <a14:useLocalDpi xmlns:a14="http://schemas.microsoft.com/office/drawing/2010/main" val="0"/>
+              </a:ext>
+            </a:extLst>
+          </a:blip>
+          <a:srcRect/>
+          <a:stretch>
+            <a:fillRect/>
+          </a:stretch>
+        </p:blipFill>
+        <p:spPr bwMode="auto">
+          <a:xfrm>
+            <a:off x="5422605" y="409394"/>
+            <a:ext cx="3487140" cy="1295224"/>
+          </a:xfrm>
+          <a:prstGeom prst="rect">
+            <a:avLst/>
+          </a:prstGeom>
+          <a:noFill/>
+          <a:extLst>
+            <a:ext uri="{909E8E84-426E-40dd-AFC4-6F175D3DCCD1}">
+              <a14:hiddenFill xmlns:a14="http://schemas.microsoft.com/office/drawing/2010/main" xmlns="">
+                <a:solidFill>
+                  <a:srgbClr val="FFFFFF"/>
+                </a:solidFill>
+              </a14:hiddenFill>
+            </a:ext>
+          </a:extLst>
+        </p:spPr>
+      </p:pic>
+    </p:spTree>
+    <p:extLst>
+      <p:ext uri="{BB962C8B-B14F-4D97-AF65-F5344CB8AC3E}">
+        <p14:creationId xmlns:p14="http://schemas.microsoft.com/office/powerpoint/2010/main" val="1116409812"/>
+      </p:ext>
+    </p:extLst>
+  </p:cSld>
+  <p:clrMapOvr>
+    <a:masterClrMapping/>
+  </p:clrMapOvr>
+</p:sldLayout>
+</file>
+
+<file path=ppt/slideLayouts/slideLayout10.xml><?xml version="1.0" encoding="utf-8"?>
+<p:sldLayout xmlns:a="http://schemas.openxmlformats.org/drawingml/2006/main" xmlns:r="http://schemas.openxmlformats.org/officeDocument/2006/relationships" xmlns:p="http://schemas.openxmlformats.org/presentationml/2006/main" type="vertTx" preserve="1">
+  <p:cSld name="Title and Vertical Text">
+    <p:spTree>
+      <p:nvGrpSpPr>
+        <p:cNvPr id="1" name=""/>
+        <p:cNvGrpSpPr/>
+        <p:nvPr/>
+      </p:nvGrpSpPr>
+      <p:grpSpPr>
+        <a:xfrm>
+          <a:off x="0" y="0"/>
+          <a:ext cx="0" cy="0"/>
+          <a:chOff x="0" y="0"/>
+          <a:chExt cx="0" cy="0"/>
+        </a:xfrm>
+      </p:grpSpPr>
+      <p:sp>
+        <p:nvSpPr>
+          <p:cNvPr id="2" name="Title 1"/>
+          <p:cNvSpPr>
+            <a:spLocks noGrp="1"/>
+          </p:cNvSpPr>
+          <p:nvPr>
+            <p:ph type="title"/>
+          </p:nvPr>
+        </p:nvSpPr>
+        <p:spPr/>
+        <p:txBody>
+          <a:bodyPr/>
+          <a:lstStyle/>
+          <a:p>
+            <a:r>
+              <a:rPr lang="en-US" smtClean="0"/>
+              <a:t>Click to edit Master title style</a:t>
+            </a:r>
+            <a:endParaRPr lang="en-US" dirty="0"/>
+          </a:p>
+        </p:txBody>
+      </p:sp>
+      <p:sp>
+        <p:nvSpPr>
+          <p:cNvPr id="3" name="Vertical Text Placeholder 2"/>
+          <p:cNvSpPr>
+            <a:spLocks noGrp="1"/>
+          </p:cNvSpPr>
+          <p:nvPr>
+            <p:ph type="body" orient="vert" idx="1"/>
+          </p:nvPr>
+        </p:nvSpPr>
+        <p:spPr/>
+        <p:txBody>
+          <a:bodyPr vert="eaVert" lIns="45720" tIns="0" rIns="45720" bIns="0"/>
+          <a:lstStyle/>
+          <a:p>
+            <a:pPr lvl="0"/>
+            <a:r>
+              <a:rPr lang="en-US" smtClean="0"/>
+              <a:t>Click to edit Master text styles</a:t>
+            </a:r>
+          </a:p>
+          <a:p>
+            <a:pPr lvl="1"/>
+            <a:r>
+              <a:rPr lang="en-US" smtClean="0"/>
+              <a:t>Second level</a:t>
+            </a:r>
+          </a:p>
+          <a:p>
+            <a:pPr lvl="2"/>
+            <a:r>
+              <a:rPr lang="en-US" smtClean="0"/>
+              <a:t>Third level</a:t>
+            </a:r>
+          </a:p>
+          <a:p>
+            <a:pPr lvl="3"/>
+            <a:r>
+              <a:rPr lang="en-US" smtClean="0"/>
+              <a:t>Fourth level</a:t>
+            </a:r>
+          </a:p>
+          <a:p>
+            <a:pPr lvl="4"/>
+            <a:r>
+              <a:rPr lang="en-US" smtClean="0"/>
+              <a:t>Fifth level</a:t>
+            </a:r>
+            <a:endParaRPr lang="en-US" dirty="0"/>
+          </a:p>
+        </p:txBody>
+      </p:sp>
+      <p:sp>
+        <p:nvSpPr>
+          <p:cNvPr id="4" name="Date Placeholder 3"/>
+          <p:cNvSpPr>
+            <a:spLocks noGrp="1"/>
+          </p:cNvSpPr>
+          <p:nvPr>
+            <p:ph type="dt" sz="half" idx="10"/>
+          </p:nvPr>
+        </p:nvSpPr>
+        <p:spPr/>
+        <p:txBody>
+          <a:bodyPr/>
+          <a:lstStyle/>
+          <a:p>
+            <a:fld id="{BF0F175E-9EAC-E14B-B7AC-8C8F25EC1DAA}" type="datetime1">
+              <a:rPr lang="en-US" smtClean="0"/>
+              <a:t>11/13/15</a:t>
+            </a:fld>
+            <a:endParaRPr lang="en-US"/>
+          </a:p>
+        </p:txBody>
+      </p:sp>
+      <p:sp>
+        <p:nvSpPr>
+          <p:cNvPr id="5" name="Footer Placeholder 4"/>
+          <p:cNvSpPr>
+            <a:spLocks noGrp="1"/>
+          </p:cNvSpPr>
+          <p:nvPr>
+            <p:ph type="ftr" sz="quarter" idx="11"/>
+          </p:nvPr>
+        </p:nvSpPr>
+        <p:spPr/>
+        <p:txBody>
+          <a:bodyPr/>
+          <a:lstStyle/>
+          <a:p>
+            <a:r>
+              <a:rPr lang="sk-SK" smtClean="0"/>
+              <a:t>© 2015 EV3Lessons.com, Last edit 11/13/2015</a:t>
+            </a:r>
+            <a:endParaRPr lang="en-US"/>
+          </a:p>
+        </p:txBody>
+      </p:sp>
+      <p:sp>
+        <p:nvSpPr>
+          <p:cNvPr id="6" name="Slide Number Placeholder 5"/>
+          <p:cNvSpPr>
+            <a:spLocks noGrp="1"/>
+          </p:cNvSpPr>
+          <p:nvPr>
+            <p:ph type="sldNum" sz="quarter" idx="12"/>
+          </p:nvPr>
+        </p:nvSpPr>
+        <p:spPr/>
+        <p:txBody>
+          <a:bodyPr/>
+          <a:lstStyle/>
+          <a:p>
+            <a:fld id="{4382A7F7-08BF-4252-8141-63FB96055BBB}" type="slidenum">
+              <a:rPr lang="en-US" smtClean="0"/>
+              <a:t>‹#›</a:t>
+            </a:fld>
+            <a:endParaRPr lang="en-US"/>
+          </a:p>
+        </p:txBody>
+      </p:sp>
+    </p:spTree>
+    <p:extLst>
+      <p:ext uri="{BB962C8B-B14F-4D97-AF65-F5344CB8AC3E}">
+        <p14:creationId xmlns:p14="http://schemas.microsoft.com/office/powerpoint/2010/main" val="1333003438"/>
+      </p:ext>
+    </p:extLst>
+  </p:cSld>
+  <p:clrMapOvr>
+    <a:masterClrMapping/>
+  </p:clrMapOvr>
+</p:sldLayout>
+</file>
+
+<file path=ppt/slideLayouts/slideLayout11.xml><?xml version="1.0" encoding="utf-8"?>
+<p:sldLayout xmlns:a="http://schemas.openxmlformats.org/drawingml/2006/main" xmlns:r="http://schemas.openxmlformats.org/officeDocument/2006/relationships" xmlns:p="http://schemas.openxmlformats.org/presentationml/2006/main" showMasterSp="0" type="vertTitleAndTx" preserve="1">
+  <p:cSld name="Vertical Title and Text">
+    <p:spTree>
+      <p:nvGrpSpPr>
+        <p:cNvPr id="1" name=""/>
+        <p:cNvGrpSpPr/>
+        <p:nvPr/>
+      </p:nvGrpSpPr>
+      <p:grpSpPr>
+        <a:xfrm>
+          <a:off x="0" y="0"/>
+          <a:ext cx="0" cy="0"/>
+          <a:chOff x="0" y="0"/>
+          <a:chExt cx="0" cy="0"/>
+        </a:xfrm>
+      </p:grpSpPr>
+      <p:sp>
+        <p:nvSpPr>
+          <p:cNvPr id="7" name="Rectangle 6"/>
+          <p:cNvSpPr/>
+          <p:nvPr/>
+        </p:nvSpPr>
+        <p:spPr>
+          <a:xfrm>
+            <a:off x="2382" y="6400800"/>
+            <a:ext cx="9141619" cy="457200"/>
           </a:xfrm>
           <a:prstGeom prst="rect">
             <a:avLst/>
           </a:prstGeom>
           <a:solidFill>
-            <a:srgbClr val="0070C0"/>
+            <a:schemeClr val="accent2"/>
           </a:solidFill>
           <a:ln>
             <a:noFill/>
@@ -1361,186 +1614,191 @@
           </a:fontRef>
         </p:style>
       </p:sp>
-    </p:spTree>
-  </p:cSld>
-  <p:clrMapOvr>
-    <a:masterClrMapping/>
-  </p:clrMapOvr>
-</p:sldLayout>
-</file>
-
-<file path=ppt/slideLayouts/slideLayout10.xml><?xml version="1.0" encoding="utf-8"?>
-<p:sldLayout xmlns:a="http://schemas.openxmlformats.org/drawingml/2006/main" xmlns:r="http://schemas.openxmlformats.org/officeDocument/2006/relationships" xmlns:p="http://schemas.openxmlformats.org/presentationml/2006/main" type="vertTitleAndTx" preserve="1">
-  <p:cSld name="Vertical Title and Text">
-    <p:spTree>
-      <p:nvGrpSpPr>
-        <p:cNvPr id="1" name=""/>
-        <p:cNvGrpSpPr/>
-        <p:nvPr/>
-      </p:nvGrpSpPr>
-      <p:grpSpPr>
-        <a:xfrm>
-          <a:off x="0" y="0"/>
-          <a:ext cx="0" cy="0"/>
-          <a:chOff x="0" y="0"/>
-          <a:chExt cx="0" cy="0"/>
-        </a:xfrm>
-      </p:grpSpPr>
-      <p:sp>
-        <p:nvSpPr>
-          <p:cNvPr id="2" name="Vertical Title 1"/>
-          <p:cNvSpPr>
-            <a:spLocks noGrp="1"/>
-          </p:cNvSpPr>
-          <p:nvPr>
-            <p:ph type="title" orient="vert"/>
-          </p:nvPr>
+      <p:sp>
+        <p:nvSpPr>
+          <p:cNvPr id="8" name="Rectangle 7"/>
+          <p:cNvSpPr/>
+          <p:nvPr/>
         </p:nvSpPr>
         <p:spPr>
           <a:xfrm>
-            <a:off x="6629400" y="274638"/>
-            <a:ext cx="2057400" cy="5851525"/>
-          </a:xfrm>
-        </p:spPr>
-        <p:txBody>
-          <a:bodyPr vert="eaVert"/>
-          <a:lstStyle/>
-          <a:p>
-            <a:r>
-              <a:rPr lang="en-US" smtClean="0"/>
-              <a:t>Click to edit Master title style</a:t>
-            </a:r>
-            <a:endParaRPr lang="en-US"/>
-          </a:p>
-        </p:txBody>
-      </p:sp>
-      <p:sp>
-        <p:nvSpPr>
-          <p:cNvPr id="3" name="Vertical Text Placeholder 2"/>
-          <p:cNvSpPr>
-            <a:spLocks noGrp="1"/>
-          </p:cNvSpPr>
-          <p:nvPr>
-            <p:ph type="body" orient="vert" idx="1"/>
-          </p:nvPr>
-        </p:nvSpPr>
-        <p:spPr>
-          <a:xfrm>
-            <a:off x="457200" y="274638"/>
-            <a:ext cx="6019800" cy="5851525"/>
-          </a:xfrm>
-        </p:spPr>
-        <p:txBody>
-          <a:bodyPr vert="eaVert"/>
-          <a:lstStyle/>
-          <a:p>
-            <a:pPr lvl="0"/>
-            <a:r>
-              <a:rPr lang="en-US" smtClean="0"/>
-              <a:t>Click to edit Master text styles</a:t>
-            </a:r>
-          </a:p>
-          <a:p>
-            <a:pPr lvl="1"/>
-            <a:r>
-              <a:rPr lang="en-US" smtClean="0"/>
-              <a:t>Second level</a:t>
-            </a:r>
-          </a:p>
-          <a:p>
-            <a:pPr lvl="2"/>
-            <a:r>
-              <a:rPr lang="en-US" smtClean="0"/>
-              <a:t>Third level</a:t>
-            </a:r>
-          </a:p>
-          <a:p>
-            <a:pPr lvl="3"/>
-            <a:r>
-              <a:rPr lang="en-US" smtClean="0"/>
-              <a:t>Fourth level</a:t>
-            </a:r>
-          </a:p>
-          <a:p>
-            <a:pPr lvl="4"/>
-            <a:r>
-              <a:rPr lang="en-US" smtClean="0"/>
-              <a:t>Fifth level</a:t>
-            </a:r>
-            <a:endParaRPr lang="en-US"/>
-          </a:p>
-        </p:txBody>
-      </p:sp>
-      <p:sp>
-        <p:nvSpPr>
-          <p:cNvPr id="4" name="Date Placeholder 3"/>
-          <p:cNvSpPr>
-            <a:spLocks noGrp="1"/>
-          </p:cNvSpPr>
-          <p:nvPr>
-            <p:ph type="dt" sz="half" idx="10"/>
-          </p:nvPr>
-        </p:nvSpPr>
-        <p:spPr/>
-        <p:txBody>
-          <a:bodyPr/>
-          <a:lstStyle/>
-          <a:p>
-            <a:fld id="{27175A08-F342-4CB7-9892-F320B2E7B9B8}" type="datetime1">
-              <a:rPr lang="en-US" smtClean="0"/>
-              <a:t>11/2/2015</a:t>
-            </a:fld>
-            <a:endParaRPr lang="en-US"/>
-          </a:p>
-        </p:txBody>
-      </p:sp>
-      <p:sp>
-        <p:nvSpPr>
-          <p:cNvPr id="5" name="Footer Placeholder 4"/>
-          <p:cNvSpPr>
-            <a:spLocks noGrp="1"/>
-          </p:cNvSpPr>
-          <p:nvPr>
-            <p:ph type="ftr" sz="quarter" idx="11"/>
-          </p:nvPr>
-        </p:nvSpPr>
-        <p:spPr/>
-        <p:txBody>
-          <a:bodyPr/>
-          <a:lstStyle/>
-          <a:p>
-            <a:r>
-              <a:rPr lang="en-US" smtClean="0"/>
-              <a:t>© 2015, EV3Lessons.com, (last edit 11/02/2015)</a:t>
-            </a:r>
-            <a:endParaRPr lang="en-US"/>
-          </a:p>
-        </p:txBody>
-      </p:sp>
-      <p:sp>
-        <p:nvSpPr>
-          <p:cNvPr id="6" name="Slide Number Placeholder 5"/>
-          <p:cNvSpPr>
-            <a:spLocks noGrp="1"/>
-          </p:cNvSpPr>
-          <p:nvPr>
-            <p:ph type="sldNum" sz="quarter" idx="12"/>
-          </p:nvPr>
-        </p:nvSpPr>
-        <p:spPr>
-          <a:xfrm rot="16200000">
-            <a:off x="8227377" y="5885497"/>
-            <a:ext cx="1315721" cy="365125"/>
+            <a:off x="12" y="6334316"/>
+            <a:ext cx="9141619" cy="64008"/>
           </a:xfrm>
           <a:prstGeom prst="rect">
             <a:avLst/>
           </a:prstGeom>
+          <a:solidFill>
+            <a:schemeClr val="accent1"/>
+          </a:solidFill>
+          <a:ln>
+            <a:noFill/>
+          </a:ln>
         </p:spPr>
+        <p:style>
+          <a:lnRef idx="2">
+            <a:schemeClr val="accent1">
+              <a:shade val="50000"/>
+            </a:schemeClr>
+          </a:lnRef>
+          <a:fillRef idx="1">
+            <a:schemeClr val="accent1"/>
+          </a:fillRef>
+          <a:effectRef idx="0">
+            <a:schemeClr val="accent1"/>
+          </a:effectRef>
+          <a:fontRef idx="minor">
+            <a:schemeClr val="lt1"/>
+          </a:fontRef>
+        </p:style>
+      </p:sp>
+      <p:sp>
+        <p:nvSpPr>
+          <p:cNvPr id="2" name="Vertical Title 1"/>
+          <p:cNvSpPr>
+            <a:spLocks noGrp="1"/>
+          </p:cNvSpPr>
+          <p:nvPr>
+            <p:ph type="title" orient="vert"/>
+          </p:nvPr>
+        </p:nvSpPr>
+        <p:spPr>
+          <a:xfrm>
+            <a:off x="6543675" y="414779"/>
+            <a:ext cx="1971675" cy="5757421"/>
+          </a:xfrm>
+        </p:spPr>
+        <p:txBody>
+          <a:bodyPr vert="eaVert"/>
+          <a:lstStyle/>
+          <a:p>
+            <a:r>
+              <a:rPr lang="en-US" smtClean="0"/>
+              <a:t>Click to edit Master title style</a:t>
+            </a:r>
+            <a:endParaRPr lang="en-US" dirty="0"/>
+          </a:p>
+        </p:txBody>
+      </p:sp>
+      <p:sp>
+        <p:nvSpPr>
+          <p:cNvPr id="3" name="Vertical Text Placeholder 2"/>
+          <p:cNvSpPr>
+            <a:spLocks noGrp="1"/>
+          </p:cNvSpPr>
+          <p:nvPr>
+            <p:ph type="body" orient="vert" idx="1"/>
+          </p:nvPr>
+        </p:nvSpPr>
+        <p:spPr>
+          <a:xfrm>
+            <a:off x="628650" y="414779"/>
+            <a:ext cx="5800725" cy="5757420"/>
+          </a:xfrm>
+        </p:spPr>
+        <p:txBody>
+          <a:bodyPr vert="eaVert" lIns="45720" tIns="0" rIns="45720" bIns="0"/>
+          <a:lstStyle/>
+          <a:p>
+            <a:pPr lvl="0"/>
+            <a:r>
+              <a:rPr lang="en-US" smtClean="0"/>
+              <a:t>Click to edit Master text styles</a:t>
+            </a:r>
+          </a:p>
+          <a:p>
+            <a:pPr lvl="1"/>
+            <a:r>
+              <a:rPr lang="en-US" smtClean="0"/>
+              <a:t>Second level</a:t>
+            </a:r>
+          </a:p>
+          <a:p>
+            <a:pPr lvl="2"/>
+            <a:r>
+              <a:rPr lang="en-US" smtClean="0"/>
+              <a:t>Third level</a:t>
+            </a:r>
+          </a:p>
+          <a:p>
+            <a:pPr lvl="3"/>
+            <a:r>
+              <a:rPr lang="en-US" smtClean="0"/>
+              <a:t>Fourth level</a:t>
+            </a:r>
+          </a:p>
+          <a:p>
+            <a:pPr lvl="4"/>
+            <a:r>
+              <a:rPr lang="en-US" smtClean="0"/>
+              <a:t>Fifth level</a:t>
+            </a:r>
+            <a:endParaRPr lang="en-US" dirty="0"/>
+          </a:p>
+        </p:txBody>
+      </p:sp>
+      <p:sp>
+        <p:nvSpPr>
+          <p:cNvPr id="4" name="Date Placeholder 3"/>
+          <p:cNvSpPr>
+            <a:spLocks noGrp="1"/>
+          </p:cNvSpPr>
+          <p:nvPr>
+            <p:ph type="dt" sz="half" idx="10"/>
+          </p:nvPr>
+        </p:nvSpPr>
+        <p:spPr/>
         <p:txBody>
           <a:bodyPr/>
           <a:lstStyle/>
           <a:p>
-            <a:fld id="{4DBC7FC8-25FB-FC45-8177-2B991DA6778C}" type="slidenum">
+            <a:fld id="{ABE2FCFC-C57A-2442-884C-F5C58B3A2465}" type="datetime1">
+              <a:rPr lang="en-US" smtClean="0"/>
+              <a:t>11/13/15</a:t>
+            </a:fld>
+            <a:endParaRPr lang="en-US"/>
+          </a:p>
+        </p:txBody>
+      </p:sp>
+      <p:sp>
+        <p:nvSpPr>
+          <p:cNvPr id="5" name="Footer Placeholder 4"/>
+          <p:cNvSpPr>
+            <a:spLocks noGrp="1"/>
+          </p:cNvSpPr>
+          <p:nvPr>
+            <p:ph type="ftr" sz="quarter" idx="11"/>
+          </p:nvPr>
+        </p:nvSpPr>
+        <p:spPr/>
+        <p:txBody>
+          <a:bodyPr/>
+          <a:lstStyle/>
+          <a:p>
+            <a:r>
+              <a:rPr lang="sk-SK" smtClean="0"/>
+              <a:t>© 2015 EV3Lessons.com, Last edit 11/13/2015</a:t>
+            </a:r>
+            <a:endParaRPr lang="en-US"/>
+          </a:p>
+        </p:txBody>
+      </p:sp>
+      <p:sp>
+        <p:nvSpPr>
+          <p:cNvPr id="6" name="Slide Number Placeholder 5"/>
+          <p:cNvSpPr>
+            <a:spLocks noGrp="1"/>
+          </p:cNvSpPr>
+          <p:nvPr>
+            <p:ph type="sldNum" sz="quarter" idx="12"/>
+          </p:nvPr>
+        </p:nvSpPr>
+        <p:spPr/>
+        <p:txBody>
+          <a:bodyPr/>
+          <a:lstStyle/>
+          <a:p>
+            <a:fld id="{4382A7F7-08BF-4252-8141-63FB96055BBB}" type="slidenum">
               <a:rPr lang="en-US" smtClean="0"/>
               <a:t>‹#›</a:t>
             </a:fld>
@@ -1549,6 +1807,11 @@
         </p:txBody>
       </p:sp>
     </p:spTree>
+    <p:extLst>
+      <p:ext uri="{BB962C8B-B14F-4D97-AF65-F5344CB8AC3E}">
+        <p14:creationId xmlns:p14="http://schemas.microsoft.com/office/powerpoint/2010/main" val="1764708081"/>
+      </p:ext>
+    </p:extLst>
   </p:cSld>
   <p:clrMapOvr>
     <a:masterClrMapping/>
@@ -1583,12 +1846,7 @@
             <p:ph type="title"/>
           </p:nvPr>
         </p:nvSpPr>
-        <p:spPr>
-          <a:xfrm>
-            <a:off x="457199" y="152718"/>
-            <a:ext cx="8245475" cy="1371600"/>
-          </a:xfrm>
-        </p:spPr>
+        <p:spPr/>
         <p:txBody>
           <a:bodyPr/>
           <a:lstStyle/>
@@ -1597,7 +1855,7 @@
               <a:rPr lang="en-US" smtClean="0"/>
               <a:t>Click to edit Master title style</a:t>
             </a:r>
-            <a:endParaRPr lang="en-US"/>
+            <a:endParaRPr lang="en-US" dirty="0"/>
           </a:p>
         </p:txBody>
       </p:sp>
@@ -1611,12 +1869,7 @@
             <p:ph idx="1"/>
           </p:nvPr>
         </p:nvSpPr>
-        <p:spPr>
-          <a:xfrm>
-            <a:off x="457200" y="1752600"/>
-            <a:ext cx="8245474" cy="4373563"/>
-          </a:xfrm>
-        </p:spPr>
+        <p:spPr/>
         <p:txBody>
           <a:bodyPr/>
           <a:lstStyle/>
@@ -1673,9 +1926,9 @@
           <a:bodyPr/>
           <a:lstStyle/>
           <a:p>
-            <a:fld id="{8B8093AD-BAFE-46C1-88FD-61FFB703EEBA}" type="datetime1">
-              <a:rPr lang="en-US" smtClean="0"/>
-              <a:t>11/2/2015</a:t>
+            <a:fld id="{6964D4EB-A2A3-5D46-A2E3-B082D53C11C5}" type="datetime1">
+              <a:rPr lang="en-US" smtClean="0"/>
+              <a:t>11/13/15</a:t>
             </a:fld>
             <a:endParaRPr lang="en-US"/>
           </a:p>
@@ -1697,8 +1950,8 @@
           <a:lstStyle/>
           <a:p>
             <a:r>
-              <a:rPr lang="en-US" smtClean="0"/>
-              <a:t>© 2015, EV3Lessons.com, (last edit 11/02/2015)</a:t>
+              <a:rPr lang="sk-SK" smtClean="0"/>
+              <a:t>© 2015 EV3Lessons.com, Last edit 11/13/2015</a:t>
             </a:r>
             <a:endParaRPr lang="en-US"/>
           </a:p>
@@ -1714,20 +1967,12 @@
             <p:ph type="sldNum" sz="quarter" idx="12"/>
           </p:nvPr>
         </p:nvSpPr>
-        <p:spPr>
-          <a:xfrm>
-            <a:off x="8398042" y="6411595"/>
-            <a:ext cx="497305" cy="365125"/>
-          </a:xfrm>
-          <a:prstGeom prst="rect">
-            <a:avLst/>
-          </a:prstGeom>
-        </p:spPr>
+        <p:spPr/>
         <p:txBody>
           <a:bodyPr/>
           <a:lstStyle/>
           <a:p>
-            <a:fld id="{4DBC7FC8-25FB-FC45-8177-2B991DA6778C}" type="slidenum">
+            <a:fld id="{4382A7F7-08BF-4252-8141-63FB96055BBB}" type="slidenum">
               <a:rPr lang="en-US" smtClean="0"/>
               <a:t>‹#›</a:t>
             </a:fld>
@@ -1736,6 +1981,11 @@
         </p:txBody>
       </p:sp>
     </p:spTree>
+    <p:extLst>
+      <p:ext uri="{BB962C8B-B14F-4D97-AF65-F5344CB8AC3E}">
+        <p14:creationId xmlns:p14="http://schemas.microsoft.com/office/powerpoint/2010/main" val="712552369"/>
+      </p:ext>
+    </p:extLst>
   </p:cSld>
   <p:clrMapOvr>
     <a:masterClrMapping/>
@@ -1744,8 +1994,16 @@
 </file>
 
 <file path=ppt/slideLayouts/slideLayout3.xml><?xml version="1.0" encoding="utf-8"?>
-<p:sldLayout xmlns:a="http://schemas.openxmlformats.org/drawingml/2006/main" xmlns:r="http://schemas.openxmlformats.org/officeDocument/2006/relationships" xmlns:p="http://schemas.openxmlformats.org/presentationml/2006/main" type="secHead" preserve="1">
+<p:sldLayout xmlns:a="http://schemas.openxmlformats.org/drawingml/2006/main" xmlns:r="http://schemas.openxmlformats.org/officeDocument/2006/relationships" xmlns:p="http://schemas.openxmlformats.org/presentationml/2006/main" showMasterSp="0" type="secHead" preserve="1">
   <p:cSld name="Section Header">
+    <p:bg>
+      <p:bgPr>
+        <a:solidFill>
+          <a:schemeClr val="bg1"/>
+        </a:solidFill>
+        <a:effectLst/>
+      </p:bgPr>
+    </p:bg>
     <p:spTree>
       <p:nvGrpSpPr>
         <p:cNvPr id="1" name=""/>
@@ -1762,32 +2020,111 @@
       </p:grpSpPr>
       <p:sp>
         <p:nvSpPr>
-          <p:cNvPr id="2" name="Title 1"/>
-          <p:cNvSpPr>
-            <a:spLocks noGrp="1"/>
-          </p:cNvSpPr>
-          <p:nvPr>
-            <p:ph type="title"/>
-          </p:nvPr>
+          <p:cNvPr id="7" name="Rectangle 6"/>
+          <p:cNvSpPr/>
+          <p:nvPr/>
         </p:nvSpPr>
         <p:spPr>
           <a:xfrm>
-            <a:off x="457200" y="1447800"/>
-            <a:ext cx="7772400" cy="4321175"/>
+            <a:off x="2382" y="6400800"/>
+            <a:ext cx="9141619" cy="457200"/>
+          </a:xfrm>
+          <a:prstGeom prst="rect">
+            <a:avLst/>
+          </a:prstGeom>
+          <a:solidFill>
+            <a:schemeClr val="accent2"/>
+          </a:solidFill>
+          <a:ln>
+            <a:noFill/>
+          </a:ln>
+        </p:spPr>
+        <p:style>
+          <a:lnRef idx="2">
+            <a:schemeClr val="accent1">
+              <a:shade val="50000"/>
+            </a:schemeClr>
+          </a:lnRef>
+          <a:fillRef idx="1">
+            <a:schemeClr val="accent1"/>
+          </a:fillRef>
+          <a:effectRef idx="0">
+            <a:schemeClr val="accent1"/>
+          </a:effectRef>
+          <a:fontRef idx="minor">
+            <a:schemeClr val="lt1"/>
+          </a:fontRef>
+        </p:style>
+      </p:sp>
+      <p:sp>
+        <p:nvSpPr>
+          <p:cNvPr id="8" name="Rectangle 7"/>
+          <p:cNvSpPr/>
+          <p:nvPr/>
+        </p:nvSpPr>
+        <p:spPr>
+          <a:xfrm>
+            <a:off x="12" y="6334316"/>
+            <a:ext cx="9141619" cy="64008"/>
+          </a:xfrm>
+          <a:prstGeom prst="rect">
+            <a:avLst/>
+          </a:prstGeom>
+          <a:solidFill>
+            <a:schemeClr val="accent1"/>
+          </a:solidFill>
+          <a:ln>
+            <a:noFill/>
+          </a:ln>
+        </p:spPr>
+        <p:style>
+          <a:lnRef idx="2">
+            <a:schemeClr val="accent1">
+              <a:shade val="50000"/>
+            </a:schemeClr>
+          </a:lnRef>
+          <a:fillRef idx="1">
+            <a:schemeClr val="accent1"/>
+          </a:fillRef>
+          <a:effectRef idx="0">
+            <a:schemeClr val="accent1"/>
+          </a:effectRef>
+          <a:fontRef idx="minor">
+            <a:schemeClr val="lt1"/>
+          </a:fontRef>
+        </p:style>
+      </p:sp>
+      <p:sp>
+        <p:nvSpPr>
+          <p:cNvPr id="2" name="Title 1"/>
+          <p:cNvSpPr>
+            <a:spLocks noGrp="1"/>
+          </p:cNvSpPr>
+          <p:nvPr>
+            <p:ph type="title"/>
+          </p:nvPr>
+        </p:nvSpPr>
+        <p:spPr>
+          <a:xfrm>
+            <a:off x="822960" y="758952"/>
+            <a:ext cx="7543800" cy="3566160"/>
           </a:xfrm>
         </p:spPr>
         <p:txBody>
-          <a:bodyPr anchor="ctr">
-            <a:noAutofit/>
+          <a:bodyPr anchor="b" anchorCtr="0">
+            <a:normAutofit/>
           </a:bodyPr>
           <a:lstStyle>
-            <a:lvl1pPr algn="l">
+            <a:lvl1pPr>
               <a:lnSpc>
-                <a:spcPct val="100000"/>
+                <a:spcPct val="85000"/>
               </a:lnSpc>
-              <a:defRPr sz="8800" b="0" cap="all" spc="-80" baseline="0">
+              <a:defRPr sz="8000" b="0">
                 <a:solidFill>
-                  <a:schemeClr val="tx1"/>
+                  <a:schemeClr val="tx1">
+                    <a:lumMod val="85000"/>
+                    <a:lumOff val="15000"/>
+                  </a:schemeClr>
                 </a:solidFill>
               </a:defRPr>
             </a:lvl1pPr>
@@ -1813,16 +2150,18 @@
         </p:nvSpPr>
         <p:spPr>
           <a:xfrm>
-            <a:off x="457200" y="228601"/>
-            <a:ext cx="7772400" cy="1066800"/>
+            <a:off x="822960" y="4453128"/>
+            <a:ext cx="7543800" cy="1143000"/>
           </a:xfrm>
         </p:spPr>
         <p:txBody>
-          <a:bodyPr anchor="b"/>
+          <a:bodyPr lIns="91440" rIns="91440" anchor="t" anchorCtr="0">
+            <a:normAutofit/>
+          </a:bodyPr>
           <a:lstStyle>
             <a:lvl1pPr marL="0" indent="0">
               <a:buNone/>
-              <a:defRPr sz="2000" b="0" cap="all" spc="120" baseline="0">
+              <a:defRPr sz="2400" cap="all" spc="200" baseline="0">
                 <a:solidFill>
                   <a:schemeClr val="tx2"/>
                 </a:solidFill>
@@ -1921,7 +2260,7 @@
       </p:sp>
       <p:sp>
         <p:nvSpPr>
-          <p:cNvPr id="7" name="Date Placeholder 6"/>
+          <p:cNvPr id="4" name="Date Placeholder 3"/>
           <p:cNvSpPr>
             <a:spLocks noGrp="1"/>
           </p:cNvSpPr>
@@ -1934,9 +2273,9 @@
           <a:bodyPr/>
           <a:lstStyle/>
           <a:p>
-            <a:fld id="{AD8ACA23-793B-4712-A6DC-ECB0EA7C8158}" type="datetime1">
-              <a:rPr lang="en-US" smtClean="0"/>
-              <a:t>11/2/2015</a:t>
+            <a:fld id="{719062A6-538C-914A-A4D7-9D77EAAE33AB}" type="datetime1">
+              <a:rPr lang="en-US" smtClean="0"/>
+              <a:t>11/13/15</a:t>
             </a:fld>
             <a:endParaRPr lang="en-US"/>
           </a:p>
@@ -1944,12 +2283,12 @@
       </p:sp>
       <p:sp>
         <p:nvSpPr>
-          <p:cNvPr id="9" name="Footer Placeholder 8"/>
-          <p:cNvSpPr>
-            <a:spLocks noGrp="1"/>
-          </p:cNvSpPr>
-          <p:nvPr>
-            <p:ph type="ftr" sz="quarter" idx="12"/>
+          <p:cNvPr id="5" name="Footer Placeholder 4"/>
+          <p:cNvSpPr>
+            <a:spLocks noGrp="1"/>
+          </p:cNvSpPr>
+          <p:nvPr>
+            <p:ph type="ftr" sz="quarter" idx="11"/>
           </p:nvPr>
         </p:nvSpPr>
         <p:spPr/>
@@ -1958,8 +2297,8 @@
           <a:lstStyle/>
           <a:p>
             <a:r>
-              <a:rPr lang="en-US" smtClean="0"/>
-              <a:t>© 2015, EV3Lessons.com, (last edit 11/02/2015)</a:t>
+              <a:rPr lang="sk-SK" smtClean="0"/>
+              <a:t>© 2015 EV3Lessons.com, Last edit 11/13/2015</a:t>
             </a:r>
             <a:endParaRPr lang="en-US"/>
           </a:p>
@@ -1967,129 +2306,71 @@
       </p:sp>
       <p:sp>
         <p:nvSpPr>
-          <p:cNvPr id="10" name="Slide Number Placeholder 5"/>
-          <p:cNvSpPr txBox="1">
-            <a:spLocks/>
-          </p:cNvSpPr>
-          <p:nvPr userDrawn="1"/>
-        </p:nvSpPr>
-        <p:spPr>
-          <a:xfrm>
-            <a:off x="8398042" y="6411595"/>
-            <a:ext cx="497305" cy="365125"/>
-          </a:xfrm>
-          <a:prstGeom prst="rect">
-            <a:avLst/>
-          </a:prstGeom>
-        </p:spPr>
+          <p:cNvPr id="6" name="Slide Number Placeholder 5"/>
+          <p:cNvSpPr>
+            <a:spLocks noGrp="1"/>
+          </p:cNvSpPr>
+          <p:nvPr>
+            <p:ph type="sldNum" sz="quarter" idx="12"/>
+          </p:nvPr>
+        </p:nvSpPr>
+        <p:spPr/>
         <p:txBody>
           <a:bodyPr/>
-          <a:lstStyle>
-            <a:defPPr>
-              <a:defRPr lang="en-US"/>
-            </a:defPPr>
-            <a:lvl1pPr marL="0" algn="l" defTabSz="457200" rtl="0" eaLnBrk="1" latinLnBrk="0" hangingPunct="1">
-              <a:defRPr sz="1800" kern="1200">
-                <a:solidFill>
-                  <a:schemeClr val="tx1"/>
-                </a:solidFill>
-                <a:latin typeface="+mn-lt"/>
-                <a:ea typeface="+mn-ea"/>
-                <a:cs typeface="+mn-cs"/>
-              </a:defRPr>
-            </a:lvl1pPr>
-            <a:lvl2pPr marL="457200" algn="l" defTabSz="457200" rtl="0" eaLnBrk="1" latinLnBrk="0" hangingPunct="1">
-              <a:defRPr sz="1800" kern="1200">
-                <a:solidFill>
-                  <a:schemeClr val="tx1"/>
-                </a:solidFill>
-                <a:latin typeface="+mn-lt"/>
-                <a:ea typeface="+mn-ea"/>
-                <a:cs typeface="+mn-cs"/>
-              </a:defRPr>
-            </a:lvl2pPr>
-            <a:lvl3pPr marL="914400" algn="l" defTabSz="457200" rtl="0" eaLnBrk="1" latinLnBrk="0" hangingPunct="1">
-              <a:defRPr sz="1800" kern="1200">
-                <a:solidFill>
-                  <a:schemeClr val="tx1"/>
-                </a:solidFill>
-                <a:latin typeface="+mn-lt"/>
-                <a:ea typeface="+mn-ea"/>
-                <a:cs typeface="+mn-cs"/>
-              </a:defRPr>
-            </a:lvl3pPr>
-            <a:lvl4pPr marL="1371600" algn="l" defTabSz="457200" rtl="0" eaLnBrk="1" latinLnBrk="0" hangingPunct="1">
-              <a:defRPr sz="1800" kern="1200">
-                <a:solidFill>
-                  <a:schemeClr val="tx1"/>
-                </a:solidFill>
-                <a:latin typeface="+mn-lt"/>
-                <a:ea typeface="+mn-ea"/>
-                <a:cs typeface="+mn-cs"/>
-              </a:defRPr>
-            </a:lvl4pPr>
-            <a:lvl5pPr marL="1828800" algn="l" defTabSz="457200" rtl="0" eaLnBrk="1" latinLnBrk="0" hangingPunct="1">
-              <a:defRPr sz="1800" kern="1200">
-                <a:solidFill>
-                  <a:schemeClr val="tx1"/>
-                </a:solidFill>
-                <a:latin typeface="+mn-lt"/>
-                <a:ea typeface="+mn-ea"/>
-                <a:cs typeface="+mn-cs"/>
-              </a:defRPr>
-            </a:lvl5pPr>
-            <a:lvl6pPr marL="2286000" algn="l" defTabSz="457200" rtl="0" eaLnBrk="1" latinLnBrk="0" hangingPunct="1">
-              <a:defRPr sz="1800" kern="1200">
-                <a:solidFill>
-                  <a:schemeClr val="tx1"/>
-                </a:solidFill>
-                <a:latin typeface="+mn-lt"/>
-                <a:ea typeface="+mn-ea"/>
-                <a:cs typeface="+mn-cs"/>
-              </a:defRPr>
-            </a:lvl6pPr>
-            <a:lvl7pPr marL="2743200" algn="l" defTabSz="457200" rtl="0" eaLnBrk="1" latinLnBrk="0" hangingPunct="1">
-              <a:defRPr sz="1800" kern="1200">
-                <a:solidFill>
-                  <a:schemeClr val="tx1"/>
-                </a:solidFill>
-                <a:latin typeface="+mn-lt"/>
-                <a:ea typeface="+mn-ea"/>
-                <a:cs typeface="+mn-cs"/>
-              </a:defRPr>
-            </a:lvl7pPr>
-            <a:lvl8pPr marL="3200400" algn="l" defTabSz="457200" rtl="0" eaLnBrk="1" latinLnBrk="0" hangingPunct="1">
-              <a:defRPr sz="1800" kern="1200">
-                <a:solidFill>
-                  <a:schemeClr val="tx1"/>
-                </a:solidFill>
-                <a:latin typeface="+mn-lt"/>
-                <a:ea typeface="+mn-ea"/>
-                <a:cs typeface="+mn-cs"/>
-              </a:defRPr>
-            </a:lvl8pPr>
-            <a:lvl9pPr marL="3657600" algn="l" defTabSz="457200" rtl="0" eaLnBrk="1" latinLnBrk="0" hangingPunct="1">
-              <a:defRPr sz="1800" kern="1200">
-                <a:solidFill>
-                  <a:schemeClr val="tx1"/>
-                </a:solidFill>
-                <a:latin typeface="+mn-lt"/>
-                <a:ea typeface="+mn-ea"/>
-                <a:cs typeface="+mn-cs"/>
-              </a:defRPr>
-            </a:lvl9pPr>
-          </a:lstStyle>
-          <a:p>
-            <a:fld id="{4DBC7FC8-25FB-FC45-8177-2B991DA6778C}" type="slidenum">
-              <a:rPr lang="en-US" smtClean="0"/>
-              <a:pPr/>
+          <a:lstStyle/>
+          <a:p>
+            <a:fld id="{162F1D00-BD13-4404-86B0-79703945A0A7}" type="slidenum">
+              <a:rPr lang="en-US" smtClean="0"/>
               <a:t>‹#›</a:t>
             </a:fld>
             <a:endParaRPr lang="en-US"/>
           </a:p>
         </p:txBody>
       </p:sp>
+      <p:cxnSp>
+        <p:nvCxnSpPr>
+          <p:cNvPr id="9" name="Straight Connector 8"/>
+          <p:cNvCxnSpPr/>
+          <p:nvPr/>
+        </p:nvCxnSpPr>
+        <p:spPr>
+          <a:xfrm>
+            <a:off x="905744" y="4343400"/>
+            <a:ext cx="7406640" cy="0"/>
+          </a:xfrm>
+          <a:prstGeom prst="line">
+            <a:avLst/>
+          </a:prstGeom>
+          <a:ln w="6350">
+            <a:solidFill>
+              <a:schemeClr val="tx1">
+                <a:lumMod val="50000"/>
+                <a:lumOff val="50000"/>
+              </a:schemeClr>
+            </a:solidFill>
+          </a:ln>
+        </p:spPr>
+        <p:style>
+          <a:lnRef idx="1">
+            <a:schemeClr val="accent1"/>
+          </a:lnRef>
+          <a:fillRef idx="0">
+            <a:schemeClr val="accent1"/>
+          </a:fillRef>
+          <a:effectRef idx="0">
+            <a:schemeClr val="accent1"/>
+          </a:effectRef>
+          <a:fontRef idx="minor">
+            <a:schemeClr val="tx1"/>
+          </a:fontRef>
+        </p:style>
+      </p:cxnSp>
     </p:spTree>
+    <p:extLst>
+      <p:ext uri="{BB962C8B-B14F-4D97-AF65-F5344CB8AC3E}">
+        <p14:creationId xmlns:p14="http://schemas.microsoft.com/office/powerpoint/2010/main" val="1190636267"/>
+      </p:ext>
+    </p:extLst>
   </p:cSld>
   <p:clrMapOvr>
     <a:masterClrMapping/>
@@ -2116,7 +2397,7 @@
       </p:grpSpPr>
       <p:sp>
         <p:nvSpPr>
-          <p:cNvPr id="2" name="Title 1"/>
+          <p:cNvPr id="8" name="Title 7"/>
           <p:cNvSpPr>
             <a:spLocks noGrp="1"/>
           </p:cNvSpPr>
@@ -2126,8 +2407,8 @@
         </p:nvSpPr>
         <p:spPr>
           <a:xfrm>
-            <a:off x="457199" y="152718"/>
-            <a:ext cx="8245475" cy="1371600"/>
+            <a:off x="822960" y="286604"/>
+            <a:ext cx="7543800" cy="1450757"/>
           </a:xfrm>
         </p:spPr>
         <p:txBody>
@@ -2138,7 +2419,7 @@
               <a:rPr lang="en-US" smtClean="0"/>
               <a:t>Click to edit Master title style</a:t>
             </a:r>
-            <a:endParaRPr lang="en-US"/>
+            <a:endParaRPr lang="en-US" dirty="0"/>
           </a:p>
         </p:txBody>
       </p:sp>
@@ -2154,41 +2435,13 @@
         </p:nvSpPr>
         <p:spPr>
           <a:xfrm>
-            <a:off x="457200" y="1574800"/>
-            <a:ext cx="3877529" cy="4525963"/>
+            <a:off x="822960" y="1845734"/>
+            <a:ext cx="3703320" cy="4023360"/>
           </a:xfrm>
         </p:spPr>
         <p:txBody>
           <a:bodyPr/>
-          <a:lstStyle>
-            <a:lvl1pPr>
-              <a:defRPr sz="2800"/>
-            </a:lvl1pPr>
-            <a:lvl2pPr>
-              <a:defRPr sz="2400"/>
-            </a:lvl2pPr>
-            <a:lvl3pPr>
-              <a:defRPr sz="2000"/>
-            </a:lvl3pPr>
-            <a:lvl4pPr>
-              <a:defRPr sz="1800"/>
-            </a:lvl4pPr>
-            <a:lvl5pPr>
-              <a:defRPr sz="1800"/>
-            </a:lvl5pPr>
-            <a:lvl6pPr>
-              <a:defRPr sz="1800"/>
-            </a:lvl6pPr>
-            <a:lvl7pPr>
-              <a:defRPr sz="1800"/>
-            </a:lvl7pPr>
-            <a:lvl8pPr>
-              <a:defRPr sz="1800"/>
-            </a:lvl8pPr>
-            <a:lvl9pPr>
-              <a:defRPr sz="1800"/>
-            </a:lvl9pPr>
-          </a:lstStyle>
+          <a:lstStyle/>
           <a:p>
             <a:pPr lvl="0"/>
             <a:r>
@@ -2239,73 +2492,45 @@
         </p:nvSpPr>
         <p:spPr>
           <a:xfrm>
-            <a:off x="4886923" y="1574800"/>
-            <a:ext cx="3815751" cy="4525963"/>
+            <a:off x="4663440" y="1845736"/>
+            <a:ext cx="3703320" cy="4023359"/>
           </a:xfrm>
         </p:spPr>
         <p:txBody>
           <a:bodyPr/>
-          <a:lstStyle>
-            <a:lvl1pPr>
-              <a:defRPr sz="2800"/>
-            </a:lvl1pPr>
-            <a:lvl2pPr>
-              <a:defRPr sz="2400"/>
-            </a:lvl2pPr>
-            <a:lvl3pPr>
-              <a:defRPr sz="2000"/>
-            </a:lvl3pPr>
-            <a:lvl4pPr>
-              <a:defRPr sz="1800"/>
-            </a:lvl4pPr>
-            <a:lvl5pPr>
-              <a:defRPr sz="1800"/>
-            </a:lvl5pPr>
-            <a:lvl6pPr>
-              <a:defRPr sz="1800"/>
-            </a:lvl6pPr>
-            <a:lvl7pPr>
-              <a:defRPr sz="1800"/>
-            </a:lvl7pPr>
-            <a:lvl8pPr>
-              <a:defRPr sz="1800"/>
-            </a:lvl8pPr>
-            <a:lvl9pPr>
-              <a:defRPr sz="1800"/>
-            </a:lvl9pPr>
-          </a:lstStyle>
+          <a:lstStyle/>
           <a:p>
             <a:pPr lvl="0"/>
             <a:r>
-              <a:rPr lang="en-US" dirty="0" smtClean="0"/>
+              <a:rPr lang="en-US" smtClean="0"/>
               <a:t>Click to edit Master text styles</a:t>
             </a:r>
           </a:p>
           <a:p>
             <a:pPr lvl="1"/>
             <a:r>
-              <a:rPr lang="en-US" dirty="0" smtClean="0"/>
+              <a:rPr lang="en-US" smtClean="0"/>
               <a:t>Second level</a:t>
             </a:r>
           </a:p>
           <a:p>
             <a:pPr lvl="2"/>
             <a:r>
-              <a:rPr lang="en-US" dirty="0" smtClean="0"/>
+              <a:rPr lang="en-US" smtClean="0"/>
               <a:t>Third level</a:t>
             </a:r>
           </a:p>
           <a:p>
             <a:pPr lvl="3"/>
             <a:r>
-              <a:rPr lang="en-US" dirty="0" smtClean="0"/>
+              <a:rPr lang="en-US" smtClean="0"/>
               <a:t>Fourth level</a:t>
             </a:r>
           </a:p>
           <a:p>
             <a:pPr lvl="4"/>
             <a:r>
-              <a:rPr lang="en-US" dirty="0" smtClean="0"/>
+              <a:rPr lang="en-US" smtClean="0"/>
               <a:t>Fifth level</a:t>
             </a:r>
             <a:endParaRPr lang="en-US" dirty="0"/>
@@ -2327,9 +2552,9 @@
           <a:bodyPr/>
           <a:lstStyle/>
           <a:p>
-            <a:fld id="{9D309D3E-54EA-4208-86A4-CDBBAEC14320}" type="datetime1">
-              <a:rPr lang="en-US" smtClean="0"/>
-              <a:t>11/2/2015</a:t>
+            <a:fld id="{FBA86DE5-4727-3C44-A125-458AC819E1C1}" type="datetime1">
+              <a:rPr lang="en-US" smtClean="0"/>
+              <a:t>11/13/15</a:t>
             </a:fld>
             <a:endParaRPr lang="en-US"/>
           </a:p>
@@ -2350,132 +2575,27 @@
           <a:bodyPr/>
           <a:lstStyle/>
           <a:p>
-            <a:r>
-              <a:rPr lang="en-US" smtClean="0"/>
-              <a:t>© 2015, EV3Lessons.com, (last edit 11/02/2015)</a:t>
-            </a:r>
-            <a:endParaRPr lang="en-US"/>
-          </a:p>
-        </p:txBody>
-      </p:sp>
-      <p:sp>
-        <p:nvSpPr>
-          <p:cNvPr id="8" name="Slide Number Placeholder 5"/>
-          <p:cNvSpPr txBox="1">
-            <a:spLocks/>
-          </p:cNvSpPr>
-          <p:nvPr userDrawn="1"/>
-        </p:nvSpPr>
-        <p:spPr>
-          <a:xfrm>
-            <a:off x="8398042" y="6411595"/>
-            <a:ext cx="497305" cy="365125"/>
-          </a:xfrm>
-          <a:prstGeom prst="rect">
-            <a:avLst/>
-          </a:prstGeom>
-        </p:spPr>
+            <a:endParaRPr lang="en-US" dirty="0"/>
+          </a:p>
+        </p:txBody>
+      </p:sp>
+      <p:sp>
+        <p:nvSpPr>
+          <p:cNvPr id="7" name="Slide Number Placeholder 6"/>
+          <p:cNvSpPr>
+            <a:spLocks noGrp="1"/>
+          </p:cNvSpPr>
+          <p:nvPr>
+            <p:ph type="sldNum" sz="quarter" idx="12"/>
+          </p:nvPr>
+        </p:nvSpPr>
+        <p:spPr/>
         <p:txBody>
           <a:bodyPr/>
-          <a:lstStyle>
-            <a:defPPr>
-              <a:defRPr lang="en-US"/>
-            </a:defPPr>
-            <a:lvl1pPr marL="0" algn="l" defTabSz="457200" rtl="0" eaLnBrk="1" latinLnBrk="0" hangingPunct="1">
-              <a:defRPr sz="1800" kern="1200">
-                <a:solidFill>
-                  <a:schemeClr val="tx1"/>
-                </a:solidFill>
-                <a:latin typeface="+mn-lt"/>
-                <a:ea typeface="+mn-ea"/>
-                <a:cs typeface="+mn-cs"/>
-              </a:defRPr>
-            </a:lvl1pPr>
-            <a:lvl2pPr marL="457200" algn="l" defTabSz="457200" rtl="0" eaLnBrk="1" latinLnBrk="0" hangingPunct="1">
-              <a:defRPr sz="1800" kern="1200">
-                <a:solidFill>
-                  <a:schemeClr val="tx1"/>
-                </a:solidFill>
-                <a:latin typeface="+mn-lt"/>
-                <a:ea typeface="+mn-ea"/>
-                <a:cs typeface="+mn-cs"/>
-              </a:defRPr>
-            </a:lvl2pPr>
-            <a:lvl3pPr marL="914400" algn="l" defTabSz="457200" rtl="0" eaLnBrk="1" latinLnBrk="0" hangingPunct="1">
-              <a:defRPr sz="1800" kern="1200">
-                <a:solidFill>
-                  <a:schemeClr val="tx1"/>
-                </a:solidFill>
-                <a:latin typeface="+mn-lt"/>
-                <a:ea typeface="+mn-ea"/>
-                <a:cs typeface="+mn-cs"/>
-              </a:defRPr>
-            </a:lvl3pPr>
-            <a:lvl4pPr marL="1371600" algn="l" defTabSz="457200" rtl="0" eaLnBrk="1" latinLnBrk="0" hangingPunct="1">
-              <a:defRPr sz="1800" kern="1200">
-                <a:solidFill>
-                  <a:schemeClr val="tx1"/>
-                </a:solidFill>
-                <a:latin typeface="+mn-lt"/>
-                <a:ea typeface="+mn-ea"/>
-                <a:cs typeface="+mn-cs"/>
-              </a:defRPr>
-            </a:lvl4pPr>
-            <a:lvl5pPr marL="1828800" algn="l" defTabSz="457200" rtl="0" eaLnBrk="1" latinLnBrk="0" hangingPunct="1">
-              <a:defRPr sz="1800" kern="1200">
-                <a:solidFill>
-                  <a:schemeClr val="tx1"/>
-                </a:solidFill>
-                <a:latin typeface="+mn-lt"/>
-                <a:ea typeface="+mn-ea"/>
-                <a:cs typeface="+mn-cs"/>
-              </a:defRPr>
-            </a:lvl5pPr>
-            <a:lvl6pPr marL="2286000" algn="l" defTabSz="457200" rtl="0" eaLnBrk="1" latinLnBrk="0" hangingPunct="1">
-              <a:defRPr sz="1800" kern="1200">
-                <a:solidFill>
-                  <a:schemeClr val="tx1"/>
-                </a:solidFill>
-                <a:latin typeface="+mn-lt"/>
-                <a:ea typeface="+mn-ea"/>
-                <a:cs typeface="+mn-cs"/>
-              </a:defRPr>
-            </a:lvl6pPr>
-            <a:lvl7pPr marL="2743200" algn="l" defTabSz="457200" rtl="0" eaLnBrk="1" latinLnBrk="0" hangingPunct="1">
-              <a:defRPr sz="1800" kern="1200">
-                <a:solidFill>
-                  <a:schemeClr val="tx1"/>
-                </a:solidFill>
-                <a:latin typeface="+mn-lt"/>
-                <a:ea typeface="+mn-ea"/>
-                <a:cs typeface="+mn-cs"/>
-              </a:defRPr>
-            </a:lvl7pPr>
-            <a:lvl8pPr marL="3200400" algn="l" defTabSz="457200" rtl="0" eaLnBrk="1" latinLnBrk="0" hangingPunct="1">
-              <a:defRPr sz="1800" kern="1200">
-                <a:solidFill>
-                  <a:schemeClr val="tx1"/>
-                </a:solidFill>
-                <a:latin typeface="+mn-lt"/>
-                <a:ea typeface="+mn-ea"/>
-                <a:cs typeface="+mn-cs"/>
-              </a:defRPr>
-            </a:lvl8pPr>
-            <a:lvl9pPr marL="3657600" algn="l" defTabSz="457200" rtl="0" eaLnBrk="1" latinLnBrk="0" hangingPunct="1">
-              <a:defRPr sz="1800" kern="1200">
-                <a:solidFill>
-                  <a:schemeClr val="tx1"/>
-                </a:solidFill>
-                <a:latin typeface="+mn-lt"/>
-                <a:ea typeface="+mn-ea"/>
-                <a:cs typeface="+mn-cs"/>
-              </a:defRPr>
-            </a:lvl9pPr>
-          </a:lstStyle>
-          <a:p>
-            <a:fld id="{4DBC7FC8-25FB-FC45-8177-2B991DA6778C}" type="slidenum">
-              <a:rPr lang="en-US" smtClean="0"/>
-              <a:pPr/>
+          <a:lstStyle/>
+          <a:p>
+            <a:fld id="{4382A7F7-08BF-4252-8141-63FB96055BBB}" type="slidenum">
+              <a:rPr lang="en-US" smtClean="0"/>
               <a:t>‹#›</a:t>
             </a:fld>
             <a:endParaRPr lang="en-US"/>
@@ -2483,6 +2603,11 @@
         </p:txBody>
       </p:sp>
     </p:spTree>
+    <p:extLst>
+      <p:ext uri="{BB962C8B-B14F-4D97-AF65-F5344CB8AC3E}">
+        <p14:creationId xmlns:p14="http://schemas.microsoft.com/office/powerpoint/2010/main" val="94953816"/>
+      </p:ext>
+    </p:extLst>
   </p:cSld>
   <p:clrMapOvr>
     <a:masterClrMapping/>
@@ -2509,59 +2634,59 @@
       </p:grpSpPr>
       <p:sp>
         <p:nvSpPr>
-          <p:cNvPr id="2" name="Title 1"/>
+          <p:cNvPr id="10" name="Title 9"/>
           <p:cNvSpPr>
             <a:spLocks noGrp="1"/>
           </p:cNvSpPr>
           <p:nvPr>
             <p:ph type="title"/>
-          </p:nvPr>
-        </p:nvSpPr>
-        <p:spPr/>
-        <p:txBody>
-          <a:bodyPr/>
-          <a:lstStyle>
-            <a:lvl1pPr>
-              <a:defRPr/>
-            </a:lvl1pPr>
-          </a:lstStyle>
-          <a:p>
-            <a:r>
-              <a:rPr lang="en-US" smtClean="0"/>
-              <a:t>Click to edit Master title style</a:t>
-            </a:r>
-            <a:endParaRPr lang="en-US"/>
-          </a:p>
-        </p:txBody>
-      </p:sp>
-      <p:sp>
-        <p:nvSpPr>
-          <p:cNvPr id="3" name="Text Placeholder 2"/>
-          <p:cNvSpPr>
-            <a:spLocks noGrp="1"/>
-          </p:cNvSpPr>
-          <p:nvPr>
-            <p:ph type="body" idx="1"/>
           </p:nvPr>
         </p:nvSpPr>
         <p:spPr>
           <a:xfrm>
-            <a:off x="1627632" y="1572768"/>
-            <a:ext cx="3291840" cy="639762"/>
+            <a:off x="822960" y="286604"/>
+            <a:ext cx="7543800" cy="1450757"/>
           </a:xfrm>
         </p:spPr>
         <p:txBody>
-          <a:bodyPr anchor="b">
-            <a:noAutofit/>
+          <a:bodyPr/>
+          <a:lstStyle/>
+          <a:p>
+            <a:r>
+              <a:rPr lang="en-US" smtClean="0"/>
+              <a:t>Click to edit Master title style</a:t>
+            </a:r>
+            <a:endParaRPr lang="en-US" dirty="0"/>
+          </a:p>
+        </p:txBody>
+      </p:sp>
+      <p:sp>
+        <p:nvSpPr>
+          <p:cNvPr id="3" name="Text Placeholder 2"/>
+          <p:cNvSpPr>
+            <a:spLocks noGrp="1"/>
+          </p:cNvSpPr>
+          <p:nvPr>
+            <p:ph type="body" idx="1"/>
+          </p:nvPr>
+        </p:nvSpPr>
+        <p:spPr>
+          <a:xfrm>
+            <a:off x="822960" y="1846052"/>
+            <a:ext cx="3703320" cy="736282"/>
+          </a:xfrm>
+        </p:spPr>
+        <p:txBody>
+          <a:bodyPr lIns="91440" rIns="91440" anchor="ctr">
+            <a:normAutofit/>
           </a:bodyPr>
           <a:lstStyle>
             <a:lvl1pPr marL="0" indent="0">
               <a:buNone/>
-              <a:defRPr sz="1800" b="0" cap="all" spc="100" baseline="0">
+              <a:defRPr sz="2000" b="0" cap="all" baseline="0">
                 <a:solidFill>
-                  <a:schemeClr val="tx1"/>
+                  <a:schemeClr val="tx2"/>
                 </a:solidFill>
-                <a:latin typeface="+mj-lt"/>
               </a:defRPr>
             </a:lvl1pPr>
             <a:lvl2pPr marL="457200" indent="0">
@@ -2618,41 +2743,13 @@
         </p:nvSpPr>
         <p:spPr>
           <a:xfrm>
-            <a:off x="1627632" y="2259366"/>
-            <a:ext cx="3291840" cy="3840480"/>
+            <a:off x="822960" y="2582334"/>
+            <a:ext cx="3703320" cy="3286760"/>
           </a:xfrm>
         </p:spPr>
         <p:txBody>
           <a:bodyPr/>
-          <a:lstStyle>
-            <a:lvl1pPr>
-              <a:defRPr sz="2400"/>
-            </a:lvl1pPr>
-            <a:lvl2pPr>
-              <a:defRPr sz="2000"/>
-            </a:lvl2pPr>
-            <a:lvl3pPr>
-              <a:defRPr sz="1800"/>
-            </a:lvl3pPr>
-            <a:lvl4pPr>
-              <a:defRPr sz="1600"/>
-            </a:lvl4pPr>
-            <a:lvl5pPr>
-              <a:defRPr sz="1600"/>
-            </a:lvl5pPr>
-            <a:lvl6pPr>
-              <a:defRPr sz="1600"/>
-            </a:lvl6pPr>
-            <a:lvl7pPr>
-              <a:defRPr sz="1600"/>
-            </a:lvl7pPr>
-            <a:lvl8pPr>
-              <a:defRPr sz="1600"/>
-            </a:lvl8pPr>
-            <a:lvl9pPr>
-              <a:defRPr sz="1600"/>
-            </a:lvl9pPr>
-          </a:lstStyle>
+          <a:lstStyle/>
           <a:p>
             <a:pPr lvl="0"/>
             <a:r>
@@ -2703,24 +2800,21 @@
         </p:nvSpPr>
         <p:spPr>
           <a:xfrm>
-            <a:off x="5093208" y="1572768"/>
-            <a:ext cx="3291840" cy="639762"/>
+            <a:off x="4663440" y="1846052"/>
+            <a:ext cx="3703320" cy="736282"/>
           </a:xfrm>
         </p:spPr>
         <p:txBody>
-          <a:bodyPr anchor="b">
-            <a:noAutofit/>
+          <a:bodyPr lIns="91440" rIns="91440" anchor="ctr">
+            <a:normAutofit/>
           </a:bodyPr>
           <a:lstStyle>
             <a:lvl1pPr marL="0" indent="0">
               <a:buNone/>
-              <a:defRPr lang="en-US" sz="1800" b="0" kern="1200" cap="all" spc="100" baseline="0" dirty="0" smtClean="0">
+              <a:defRPr sz="2000" b="0" cap="all" baseline="0">
                 <a:solidFill>
-                  <a:schemeClr val="tx1"/>
+                  <a:schemeClr val="tx2"/>
                 </a:solidFill>
-                <a:latin typeface="+mj-lt"/>
-                <a:ea typeface="+mn-ea"/>
-                <a:cs typeface="+mn-cs"/>
               </a:defRPr>
             </a:lvl1pPr>
             <a:lvl2pPr marL="457200" indent="0">
@@ -2757,13 +2851,7 @@
             </a:lvl9pPr>
           </a:lstStyle>
           <a:p>
-            <a:pPr marL="0" lvl="0" indent="0" algn="l" defTabSz="914400" rtl="0" eaLnBrk="1" latinLnBrk="0" hangingPunct="1">
-              <a:spcBef>
-                <a:spcPct val="20000"/>
-              </a:spcBef>
-              <a:buFont typeface="Arial" pitchFamily="34" charset="0"/>
-              <a:buNone/>
-            </a:pPr>
+            <a:pPr lvl="0"/>
             <a:r>
               <a:rPr lang="en-US" smtClean="0"/>
               <a:t>Click to edit Master text styles</a:t>
@@ -2783,41 +2871,13 @@
         </p:nvSpPr>
         <p:spPr>
           <a:xfrm>
-            <a:off x="5093208" y="2259366"/>
-            <a:ext cx="3291840" cy="3840480"/>
+            <a:off x="4663440" y="2582334"/>
+            <a:ext cx="3703320" cy="3286760"/>
           </a:xfrm>
         </p:spPr>
         <p:txBody>
           <a:bodyPr/>
-          <a:lstStyle>
-            <a:lvl1pPr>
-              <a:defRPr sz="2400"/>
-            </a:lvl1pPr>
-            <a:lvl2pPr>
-              <a:defRPr sz="2000"/>
-            </a:lvl2pPr>
-            <a:lvl3pPr>
-              <a:defRPr sz="1800"/>
-            </a:lvl3pPr>
-            <a:lvl4pPr>
-              <a:defRPr sz="1600"/>
-            </a:lvl4pPr>
-            <a:lvl5pPr>
-              <a:defRPr sz="1600"/>
-            </a:lvl5pPr>
-            <a:lvl6pPr>
-              <a:defRPr sz="1600"/>
-            </a:lvl6pPr>
-            <a:lvl7pPr>
-              <a:defRPr sz="1600"/>
-            </a:lvl7pPr>
-            <a:lvl8pPr>
-              <a:defRPr sz="1600"/>
-            </a:lvl8pPr>
-            <a:lvl9pPr>
-              <a:defRPr sz="1600"/>
-            </a:lvl9pPr>
-          </a:lstStyle>
+          <a:lstStyle/>
           <a:p>
             <a:pPr lvl="0"/>
             <a:r>
@@ -2871,9 +2931,9 @@
           <a:bodyPr/>
           <a:lstStyle/>
           <a:p>
-            <a:fld id="{787A5A25-A3A0-4BED-A646-2506038D95E1}" type="datetime1">
-              <a:rPr lang="en-US" smtClean="0"/>
-              <a:t>11/2/2015</a:t>
+            <a:fld id="{18F252B0-687D-184F-B682-0021640A5D63}" type="datetime1">
+              <a:rPr lang="en-US" smtClean="0"/>
+              <a:t>11/13/15</a:t>
             </a:fld>
             <a:endParaRPr lang="en-US"/>
           </a:p>
@@ -2895,8 +2955,8 @@
           <a:lstStyle/>
           <a:p>
             <a:r>
-              <a:rPr lang="en-US" smtClean="0"/>
-              <a:t>© 2015, EV3Lessons.com, (last edit 11/02/2015)</a:t>
+              <a:rPr lang="sk-SK" smtClean="0"/>
+              <a:t>© 2015 EV3Lessons.com, Last edit 11/13/2015</a:t>
             </a:r>
             <a:endParaRPr lang="en-US"/>
           </a:p>
@@ -2904,7 +2964,7 @@
       </p:sp>
       <p:sp>
         <p:nvSpPr>
-          <p:cNvPr id="10" name="Slide Number Placeholder 5"/>
+          <p:cNvPr id="9" name="Slide Number Placeholder 8"/>
           <p:cNvSpPr>
             <a:spLocks noGrp="1"/>
           </p:cNvSpPr>
@@ -2912,20 +2972,12 @@
             <p:ph type="sldNum" sz="quarter" idx="12"/>
           </p:nvPr>
         </p:nvSpPr>
-        <p:spPr>
-          <a:xfrm>
-            <a:off x="8398042" y="6411595"/>
-            <a:ext cx="497305" cy="365125"/>
-          </a:xfrm>
-          <a:prstGeom prst="rect">
-            <a:avLst/>
-          </a:prstGeom>
-        </p:spPr>
+        <p:spPr/>
         <p:txBody>
           <a:bodyPr/>
           <a:lstStyle/>
           <a:p>
-            <a:fld id="{4DBC7FC8-25FB-FC45-8177-2B991DA6778C}" type="slidenum">
+            <a:fld id="{4382A7F7-08BF-4252-8141-63FB96055BBB}" type="slidenum">
               <a:rPr lang="en-US" smtClean="0"/>
               <a:t>‹#›</a:t>
             </a:fld>
@@ -2934,6 +2986,11 @@
         </p:txBody>
       </p:sp>
     </p:spTree>
+    <p:extLst>
+      <p:ext uri="{BB962C8B-B14F-4D97-AF65-F5344CB8AC3E}">
+        <p14:creationId xmlns:p14="http://schemas.microsoft.com/office/powerpoint/2010/main" val="2002299126"/>
+      </p:ext>
+    </p:extLst>
   </p:cSld>
   <p:clrMapOvr>
     <a:masterClrMapping/>
@@ -2977,7 +3034,7 @@
               <a:rPr lang="en-US" smtClean="0"/>
               <a:t>Click to edit Master title style</a:t>
             </a:r>
-            <a:endParaRPr lang="en-US"/>
+            <a:endParaRPr lang="en-US" dirty="0"/>
           </a:p>
         </p:txBody>
       </p:sp>
@@ -2996,9 +3053,9 @@
           <a:bodyPr/>
           <a:lstStyle/>
           <a:p>
-            <a:fld id="{BB87AC23-AB54-452F-AF35-6B30BFF99D81}" type="datetime1">
-              <a:rPr lang="en-US" smtClean="0"/>
-              <a:t>11/2/2015</a:t>
+            <a:fld id="{3457AD7A-12C8-EA48-9011-B2F46261DD98}" type="datetime1">
+              <a:rPr lang="en-US" smtClean="0"/>
+              <a:t>11/13/15</a:t>
             </a:fld>
             <a:endParaRPr lang="en-US"/>
           </a:p>
@@ -3020,8 +3077,8 @@
           <a:lstStyle/>
           <a:p>
             <a:r>
-              <a:rPr lang="en-US" smtClean="0"/>
-              <a:t>© 2015, EV3Lessons.com, (last edit 11/02/2015)</a:t>
+              <a:rPr lang="sk-SK" smtClean="0"/>
+              <a:t>© 2015 EV3Lessons.com, Last edit 11/13/2015</a:t>
             </a:r>
             <a:endParaRPr lang="en-US"/>
           </a:p>
@@ -3029,7 +3086,7 @@
       </p:sp>
       <p:sp>
         <p:nvSpPr>
-          <p:cNvPr id="6" name="Slide Number Placeholder 5"/>
+          <p:cNvPr id="5" name="Slide Number Placeholder 4"/>
           <p:cNvSpPr>
             <a:spLocks noGrp="1"/>
           </p:cNvSpPr>
@@ -3037,20 +3094,12 @@
             <p:ph type="sldNum" sz="quarter" idx="12"/>
           </p:nvPr>
         </p:nvSpPr>
-        <p:spPr>
-          <a:xfrm>
-            <a:off x="8398042" y="6411595"/>
-            <a:ext cx="497305" cy="365125"/>
-          </a:xfrm>
-          <a:prstGeom prst="rect">
-            <a:avLst/>
-          </a:prstGeom>
-        </p:spPr>
+        <p:spPr/>
         <p:txBody>
           <a:bodyPr/>
           <a:lstStyle/>
           <a:p>
-            <a:fld id="{4DBC7FC8-25FB-FC45-8177-2B991DA6778C}" type="slidenum">
+            <a:fld id="{4382A7F7-08BF-4252-8141-63FB96055BBB}" type="slidenum">
               <a:rPr lang="en-US" smtClean="0"/>
               <a:t>‹#›</a:t>
             </a:fld>
@@ -3059,6 +3108,11 @@
         </p:txBody>
       </p:sp>
     </p:spTree>
+    <p:extLst>
+      <p:ext uri="{BB962C8B-B14F-4D97-AF65-F5344CB8AC3E}">
+        <p14:creationId xmlns:p14="http://schemas.microsoft.com/office/powerpoint/2010/main" val="504733668"/>
+      </p:ext>
+    </p:extLst>
   </p:cSld>
   <p:clrMapOvr>
     <a:masterClrMapping/>
@@ -3067,7 +3121,7 @@
 </file>
 
 <file path=ppt/slideLayouts/slideLayout7.xml><?xml version="1.0" encoding="utf-8"?>
-<p:sldLayout xmlns:a="http://schemas.openxmlformats.org/drawingml/2006/main" xmlns:r="http://schemas.openxmlformats.org/officeDocument/2006/relationships" xmlns:p="http://schemas.openxmlformats.org/presentationml/2006/main" type="blank" preserve="1">
+<p:sldLayout xmlns:a="http://schemas.openxmlformats.org/drawingml/2006/main" xmlns:r="http://schemas.openxmlformats.org/officeDocument/2006/relationships" xmlns:p="http://schemas.openxmlformats.org/presentationml/2006/main" showMasterSp="0" type="blank" preserve="1">
   <p:cSld name="Blank">
     <p:spTree>
       <p:nvGrpSpPr>
@@ -3085,74 +3139,150 @@
       </p:grpSpPr>
       <p:sp>
         <p:nvSpPr>
-          <p:cNvPr id="2" name="Date Placeholder 1"/>
-          <p:cNvSpPr>
-            <a:spLocks noGrp="1"/>
-          </p:cNvSpPr>
-          <p:nvPr>
-            <p:ph type="dt" sz="half" idx="10"/>
-          </p:nvPr>
-        </p:nvSpPr>
-        <p:spPr/>
-        <p:txBody>
-          <a:bodyPr/>
-          <a:lstStyle/>
-          <a:p>
-            <a:fld id="{59CF96D4-8804-4674-9B4B-6EAE1777B4F9}" type="datetime1">
-              <a:rPr lang="en-US" smtClean="0"/>
-              <a:t>11/2/2015</a:t>
-            </a:fld>
-            <a:endParaRPr lang="en-US"/>
-          </a:p>
-        </p:txBody>
-      </p:sp>
-      <p:sp>
-        <p:nvSpPr>
-          <p:cNvPr id="3" name="Footer Placeholder 2"/>
-          <p:cNvSpPr>
-            <a:spLocks noGrp="1"/>
-          </p:cNvSpPr>
-          <p:nvPr>
-            <p:ph type="ftr" sz="quarter" idx="11"/>
-          </p:nvPr>
-        </p:nvSpPr>
-        <p:spPr/>
-        <p:txBody>
-          <a:bodyPr/>
-          <a:lstStyle/>
-          <a:p>
-            <a:r>
-              <a:rPr lang="en-US" smtClean="0"/>
-              <a:t>© 2015, EV3Lessons.com, (last edit 11/02/2015)</a:t>
-            </a:r>
-            <a:endParaRPr lang="en-US"/>
-          </a:p>
-        </p:txBody>
-      </p:sp>
-      <p:sp>
-        <p:nvSpPr>
-          <p:cNvPr id="5" name="Slide Number Placeholder 5"/>
-          <p:cNvSpPr>
-            <a:spLocks noGrp="1"/>
-          </p:cNvSpPr>
-          <p:nvPr>
-            <p:ph type="sldNum" sz="quarter" idx="12"/>
-          </p:nvPr>
+          <p:cNvPr id="5" name="Rectangle 4"/>
+          <p:cNvSpPr/>
+          <p:nvPr/>
         </p:nvSpPr>
         <p:spPr>
           <a:xfrm>
-            <a:off x="8398042" y="6411595"/>
-            <a:ext cx="497305" cy="365125"/>
+            <a:off x="2382" y="6400800"/>
+            <a:ext cx="9141619" cy="457200"/>
           </a:xfrm>
           <a:prstGeom prst="rect">
             <a:avLst/>
           </a:prstGeom>
+          <a:solidFill>
+            <a:schemeClr val="accent2"/>
+          </a:solidFill>
+          <a:ln>
+            <a:noFill/>
+          </a:ln>
         </p:spPr>
+        <p:style>
+          <a:lnRef idx="2">
+            <a:schemeClr val="accent1">
+              <a:shade val="50000"/>
+            </a:schemeClr>
+          </a:lnRef>
+          <a:fillRef idx="1">
+            <a:schemeClr val="accent1"/>
+          </a:fillRef>
+          <a:effectRef idx="0">
+            <a:schemeClr val="accent1"/>
+          </a:effectRef>
+          <a:fontRef idx="minor">
+            <a:schemeClr val="lt1"/>
+          </a:fontRef>
+        </p:style>
+      </p:sp>
+      <p:sp>
+        <p:nvSpPr>
+          <p:cNvPr id="6" name="Rectangle 5"/>
+          <p:cNvSpPr/>
+          <p:nvPr/>
+        </p:nvSpPr>
+        <p:spPr>
+          <a:xfrm>
+            <a:off x="12" y="6334316"/>
+            <a:ext cx="9141619" cy="64008"/>
+          </a:xfrm>
+          <a:prstGeom prst="rect">
+            <a:avLst/>
+          </a:prstGeom>
+          <a:solidFill>
+            <a:schemeClr val="accent1"/>
+          </a:solidFill>
+          <a:ln>
+            <a:noFill/>
+          </a:ln>
+        </p:spPr>
+        <p:style>
+          <a:lnRef idx="2">
+            <a:schemeClr val="accent1">
+              <a:shade val="50000"/>
+            </a:schemeClr>
+          </a:lnRef>
+          <a:fillRef idx="1">
+            <a:schemeClr val="accent1"/>
+          </a:fillRef>
+          <a:effectRef idx="0">
+            <a:schemeClr val="accent1"/>
+          </a:effectRef>
+          <a:fontRef idx="minor">
+            <a:schemeClr val="lt1"/>
+          </a:fontRef>
+        </p:style>
+      </p:sp>
+      <p:sp>
+        <p:nvSpPr>
+          <p:cNvPr id="7" name="Date Placeholder 6"/>
+          <p:cNvSpPr>
+            <a:spLocks noGrp="1"/>
+          </p:cNvSpPr>
+          <p:nvPr>
+            <p:ph type="dt" sz="half" idx="10"/>
+          </p:nvPr>
+        </p:nvSpPr>
+        <p:spPr/>
         <p:txBody>
           <a:bodyPr/>
           <a:lstStyle/>
           <a:p>
-            <a:fld id="{4DBC7FC8-25FB-FC45-8177-2B991DA6778C}" type="slidenum">
+            <a:fld id="{77D3C5C7-2346-9A49-8660-921460E2744B}" type="datetime1">
+              <a:rPr lang="en-US" smtClean="0"/>
+              <a:t>11/13/15</a:t>
+            </a:fld>
+            <a:endParaRPr lang="en-US"/>
+          </a:p>
+        </p:txBody>
+      </p:sp>
+      <p:sp>
+        <p:nvSpPr>
+          <p:cNvPr id="8" name="Footer Placeholder 7"/>
+          <p:cNvSpPr>
+            <a:spLocks noGrp="1"/>
+          </p:cNvSpPr>
+          <p:nvPr>
+            <p:ph type="ftr" sz="quarter" idx="11"/>
+          </p:nvPr>
+        </p:nvSpPr>
+        <p:spPr/>
+        <p:txBody>
+          <a:bodyPr/>
+          <a:lstStyle>
+            <a:lvl1pPr>
+              <a:defRPr>
+                <a:solidFill>
+                  <a:srgbClr val="FFFFFF"/>
+                </a:solidFill>
+              </a:defRPr>
+            </a:lvl1pPr>
+          </a:lstStyle>
+          <a:p>
+            <a:r>
+              <a:rPr lang="sk-SK" smtClean="0"/>
+              <a:t>© 2015 EV3Lessons.com, Last edit 11/13/2015</a:t>
+            </a:r>
+            <a:endParaRPr lang="en-US"/>
+          </a:p>
+        </p:txBody>
+      </p:sp>
+      <p:sp>
+        <p:nvSpPr>
+          <p:cNvPr id="9" name="Slide Number Placeholder 8"/>
+          <p:cNvSpPr>
+            <a:spLocks noGrp="1"/>
+          </p:cNvSpPr>
+          <p:nvPr>
+            <p:ph type="sldNum" sz="quarter" idx="12"/>
+          </p:nvPr>
+        </p:nvSpPr>
+        <p:spPr/>
+        <p:txBody>
+          <a:bodyPr/>
+          <a:lstStyle/>
+          <a:p>
+            <a:fld id="{4382A7F7-08BF-4252-8141-63FB96055BBB}" type="slidenum">
               <a:rPr lang="en-US" smtClean="0"/>
               <a:t>‹#›</a:t>
             </a:fld>
@@ -3161,6 +3291,11 @@
         </p:txBody>
       </p:sp>
     </p:spTree>
+    <p:extLst>
+      <p:ext uri="{BB962C8B-B14F-4D97-AF65-F5344CB8AC3E}">
+        <p14:creationId xmlns:p14="http://schemas.microsoft.com/office/powerpoint/2010/main" val="623000482"/>
+      </p:ext>
+    </p:extLst>
   </p:cSld>
   <p:clrMapOvr>
     <a:masterClrMapping/>
@@ -3169,7 +3304,7 @@
 </file>
 
 <file path=ppt/slideLayouts/slideLayout8.xml><?xml version="1.0" encoding="utf-8"?>
-<p:sldLayout xmlns:a="http://schemas.openxmlformats.org/drawingml/2006/main" xmlns:r="http://schemas.openxmlformats.org/officeDocument/2006/relationships" xmlns:p="http://schemas.openxmlformats.org/presentationml/2006/main" type="objTx" preserve="1">
+<p:sldLayout xmlns:a="http://schemas.openxmlformats.org/drawingml/2006/main" xmlns:r="http://schemas.openxmlformats.org/officeDocument/2006/relationships" xmlns:p="http://schemas.openxmlformats.org/presentationml/2006/main" showMasterSp="0" type="objTx" preserve="1">
   <p:cSld name="Content with Caption">
     <p:spTree>
       <p:nvGrpSpPr>
@@ -3187,84 +3322,113 @@
       </p:grpSpPr>
       <p:sp>
         <p:nvSpPr>
-          <p:cNvPr id="3" name="Content Placeholder 2"/>
-          <p:cNvSpPr>
-            <a:spLocks noGrp="1"/>
-          </p:cNvSpPr>
-          <p:nvPr>
-            <p:ph idx="1"/>
-          </p:nvPr>
+          <p:cNvPr id="8" name="Rectangle 7"/>
+          <p:cNvSpPr/>
+          <p:nvPr/>
         </p:nvSpPr>
         <p:spPr>
           <a:xfrm>
-            <a:off x="3575050" y="1600200"/>
-            <a:ext cx="5111750" cy="4480560"/>
+            <a:off x="13" y="0"/>
+            <a:ext cx="3038093" cy="6858000"/>
+          </a:xfrm>
+          <a:prstGeom prst="rect">
+            <a:avLst/>
+          </a:prstGeom>
+          <a:solidFill>
+            <a:schemeClr val="accent2"/>
+          </a:solidFill>
+          <a:ln>
+            <a:noFill/>
+          </a:ln>
+        </p:spPr>
+        <p:style>
+          <a:lnRef idx="2">
+            <a:schemeClr val="accent1">
+              <a:shade val="50000"/>
+            </a:schemeClr>
+          </a:lnRef>
+          <a:fillRef idx="1">
+            <a:schemeClr val="accent1"/>
+          </a:fillRef>
+          <a:effectRef idx="0">
+            <a:schemeClr val="accent1"/>
+          </a:effectRef>
+          <a:fontRef idx="minor">
+            <a:schemeClr val="lt1"/>
+          </a:fontRef>
+        </p:style>
+      </p:sp>
+      <p:sp>
+        <p:nvSpPr>
+          <p:cNvPr id="9" name="Rectangle 8"/>
+          <p:cNvSpPr/>
+          <p:nvPr/>
+        </p:nvSpPr>
+        <p:spPr>
+          <a:xfrm>
+            <a:off x="3030053" y="0"/>
+            <a:ext cx="48006" cy="6858000"/>
+          </a:xfrm>
+          <a:prstGeom prst="rect">
+            <a:avLst/>
+          </a:prstGeom>
+          <a:solidFill>
+            <a:schemeClr val="accent1"/>
+          </a:solidFill>
+          <a:ln>
+            <a:noFill/>
+          </a:ln>
+        </p:spPr>
+        <p:style>
+          <a:lnRef idx="2">
+            <a:schemeClr val="accent1">
+              <a:shade val="50000"/>
+            </a:schemeClr>
+          </a:lnRef>
+          <a:fillRef idx="1">
+            <a:schemeClr val="accent1"/>
+          </a:fillRef>
+          <a:effectRef idx="0">
+            <a:schemeClr val="accent1"/>
+          </a:effectRef>
+          <a:fontRef idx="minor">
+            <a:schemeClr val="lt1"/>
+          </a:fontRef>
+        </p:style>
+      </p:sp>
+      <p:sp>
+        <p:nvSpPr>
+          <p:cNvPr id="2" name="Title 1"/>
+          <p:cNvSpPr>
+            <a:spLocks noGrp="1"/>
+          </p:cNvSpPr>
+          <p:nvPr>
+            <p:ph type="title"/>
+          </p:nvPr>
+        </p:nvSpPr>
+        <p:spPr>
+          <a:xfrm>
+            <a:off x="342900" y="594359"/>
+            <a:ext cx="2400300" cy="2286000"/>
           </a:xfrm>
         </p:spPr>
         <p:txBody>
-          <a:bodyPr/>
+          <a:bodyPr anchor="b">
+            <a:normAutofit/>
+          </a:bodyPr>
           <a:lstStyle>
             <a:lvl1pPr>
-              <a:defRPr sz="3200"/>
+              <a:defRPr sz="3600" b="0">
+                <a:solidFill>
+                  <a:srgbClr val="FFFFFF"/>
+                </a:solidFill>
+              </a:defRPr>
             </a:lvl1pPr>
-            <a:lvl2pPr>
-              <a:defRPr sz="2800"/>
-            </a:lvl2pPr>
-            <a:lvl3pPr>
-              <a:defRPr sz="2400"/>
-            </a:lvl3pPr>
-            <a:lvl4pPr>
-              <a:defRPr sz="2000"/>
-            </a:lvl4pPr>
-            <a:lvl5pPr>
-              <a:defRPr sz="2000"/>
-            </a:lvl5pPr>
-            <a:lvl6pPr>
-              <a:defRPr sz="2000"/>
-            </a:lvl6pPr>
-            <a:lvl7pPr>
-              <a:defRPr sz="2000"/>
-            </a:lvl7pPr>
-            <a:lvl8pPr>
-              <a:defRPr sz="2000"/>
-            </a:lvl8pPr>
-            <a:lvl9pPr>
-              <a:defRPr sz="2000"/>
-            </a:lvl9pPr>
           </a:lstStyle>
           <a:p>
-            <a:pPr lvl="0"/>
-            <a:r>
-              <a:rPr lang="en-US" smtClean="0"/>
-              <a:t>Click to edit Master text styles</a:t>
-            </a:r>
-          </a:p>
-          <a:p>
-            <a:pPr lvl="1"/>
-            <a:r>
-              <a:rPr lang="en-US" smtClean="0"/>
-              <a:t>Second level</a:t>
-            </a:r>
-          </a:p>
-          <a:p>
-            <a:pPr lvl="2"/>
-            <a:r>
-              <a:rPr lang="en-US" smtClean="0"/>
-              <a:t>Third level</a:t>
-            </a:r>
-          </a:p>
-          <a:p>
-            <a:pPr lvl="3"/>
-            <a:r>
-              <a:rPr lang="en-US" smtClean="0"/>
-              <a:t>Fourth level</a:t>
-            </a:r>
-          </a:p>
-          <a:p>
-            <a:pPr lvl="4"/>
-            <a:r>
-              <a:rPr lang="en-US" smtClean="0"/>
-              <a:t>Fifth level</a:t>
+            <a:r>
+              <a:rPr lang="en-US" smtClean="0"/>
+              <a:t>Click to edit Master title style</a:t>
             </a:r>
             <a:endParaRPr lang="en-US" dirty="0"/>
           </a:p>
@@ -3272,28 +3436,89 @@
       </p:sp>
       <p:sp>
         <p:nvSpPr>
-          <p:cNvPr id="4" name="Text Placeholder 3"/>
-          <p:cNvSpPr>
-            <a:spLocks noGrp="1"/>
-          </p:cNvSpPr>
-          <p:nvPr>
-            <p:ph type="body" sz="half" idx="2"/>
+          <p:cNvPr id="3" name="Content Placeholder 2"/>
+          <p:cNvSpPr>
+            <a:spLocks noGrp="1"/>
+          </p:cNvSpPr>
+          <p:nvPr>
+            <p:ph idx="1"/>
           </p:nvPr>
         </p:nvSpPr>
         <p:spPr>
           <a:xfrm>
-            <a:off x="457200" y="1600200"/>
-            <a:ext cx="3008313" cy="4480560"/>
+            <a:off x="3460237" y="731520"/>
+            <a:ext cx="5009393" cy="5257800"/>
           </a:xfrm>
         </p:spPr>
         <p:txBody>
-          <a:bodyPr>
+          <a:bodyPr/>
+          <a:lstStyle/>
+          <a:p>
+            <a:pPr lvl="0"/>
+            <a:r>
+              <a:rPr lang="en-US" smtClean="0"/>
+              <a:t>Click to edit Master text styles</a:t>
+            </a:r>
+          </a:p>
+          <a:p>
+            <a:pPr lvl="1"/>
+            <a:r>
+              <a:rPr lang="en-US" smtClean="0"/>
+              <a:t>Second level</a:t>
+            </a:r>
+          </a:p>
+          <a:p>
+            <a:pPr lvl="2"/>
+            <a:r>
+              <a:rPr lang="en-US" smtClean="0"/>
+              <a:t>Third level</a:t>
+            </a:r>
+          </a:p>
+          <a:p>
+            <a:pPr lvl="3"/>
+            <a:r>
+              <a:rPr lang="en-US" smtClean="0"/>
+              <a:t>Fourth level</a:t>
+            </a:r>
+          </a:p>
+          <a:p>
+            <a:pPr lvl="4"/>
+            <a:r>
+              <a:rPr lang="en-US" smtClean="0"/>
+              <a:t>Fifth level</a:t>
+            </a:r>
+            <a:endParaRPr lang="en-US" dirty="0"/>
+          </a:p>
+        </p:txBody>
+      </p:sp>
+      <p:sp>
+        <p:nvSpPr>
+          <p:cNvPr id="4" name="Text Placeholder 3"/>
+          <p:cNvSpPr>
+            <a:spLocks noGrp="1"/>
+          </p:cNvSpPr>
+          <p:nvPr>
+            <p:ph type="body" sz="half" idx="2"/>
+          </p:nvPr>
+        </p:nvSpPr>
+        <p:spPr>
+          <a:xfrm>
+            <a:off x="342900" y="2926080"/>
+            <a:ext cx="2400300" cy="3379124"/>
+          </a:xfrm>
+        </p:spPr>
+        <p:txBody>
+          <a:bodyPr lIns="91440" rIns="91440">
             <a:normAutofit/>
           </a:bodyPr>
           <a:lstStyle>
             <a:lvl1pPr marL="0" indent="0">
               <a:buNone/>
-              <a:defRPr sz="1600"/>
+              <a:defRPr sz="1500">
+                <a:solidFill>
+                  <a:srgbClr val="FFFFFF"/>
+                </a:solidFill>
+              </a:defRPr>
             </a:lvl1pPr>
             <a:lvl2pPr marL="457200" indent="0">
               <a:buNone/>
@@ -3347,14 +3572,23 @@
             <p:ph type="dt" sz="half" idx="10"/>
           </p:nvPr>
         </p:nvSpPr>
-        <p:spPr/>
+        <p:spPr>
+          <a:xfrm>
+            <a:off x="349134" y="6459786"/>
+            <a:ext cx="1963883" cy="365125"/>
+          </a:xfrm>
+        </p:spPr>
         <p:txBody>
           <a:bodyPr/>
-          <a:lstStyle/>
-          <a:p>
-            <a:fld id="{648FF9E5-2BBB-4E01-AB9C-39A1813127A6}" type="datetime1">
-              <a:rPr lang="en-US" smtClean="0"/>
-              <a:t>11/2/2015</a:t>
+          <a:lstStyle>
+            <a:lvl1pPr algn="l">
+              <a:defRPr/>
+            </a:lvl1pPr>
+          </a:lstStyle>
+          <a:p>
+            <a:fld id="{E5A27797-1683-ED47-A74A-6DEBEDA39DC8}" type="datetime1">
+              <a:rPr lang="en-US" smtClean="0"/>
+              <a:t>11/13/15</a:t>
             </a:fld>
             <a:endParaRPr lang="en-US"/>
           </a:p>
@@ -3370,66 +3604,56 @@
             <p:ph type="ftr" sz="quarter" idx="11"/>
           </p:nvPr>
         </p:nvSpPr>
-        <p:spPr/>
-        <p:txBody>
-          <a:bodyPr/>
-          <a:lstStyle/>
-          <a:p>
-            <a:r>
-              <a:rPr lang="en-US" smtClean="0"/>
-              <a:t>© 2015, EV3Lessons.com, (last edit 11/02/2015)</a:t>
-            </a:r>
-            <a:endParaRPr lang="en-US"/>
-          </a:p>
-        </p:txBody>
-      </p:sp>
-      <p:sp>
-        <p:nvSpPr>
-          <p:cNvPr id="8" name="Title 7"/>
-          <p:cNvSpPr>
-            <a:spLocks noGrp="1"/>
-          </p:cNvSpPr>
-          <p:nvPr>
-            <p:ph type="title"/>
-          </p:nvPr>
-        </p:nvSpPr>
-        <p:spPr/>
-        <p:txBody>
-          <a:bodyPr/>
-          <a:lstStyle/>
-          <a:p>
-            <a:r>
-              <a:rPr lang="en-US" smtClean="0"/>
-              <a:t>Click to edit Master title style</a:t>
-            </a:r>
-            <a:endParaRPr lang="en-US"/>
-          </a:p>
-        </p:txBody>
-      </p:sp>
-      <p:sp>
-        <p:nvSpPr>
-          <p:cNvPr id="9" name="Slide Number Placeholder 5"/>
-          <p:cNvSpPr>
-            <a:spLocks noGrp="1"/>
-          </p:cNvSpPr>
-          <p:nvPr>
-            <p:ph type="sldNum" sz="quarter" idx="12"/>
-          </p:nvPr>
-        </p:nvSpPr>
         <p:spPr>
           <a:xfrm>
-            <a:off x="8398042" y="6411595"/>
-            <a:ext cx="497305" cy="365125"/>
+            <a:off x="3600450" y="6459786"/>
+            <a:ext cx="3486150" cy="365125"/>
           </a:xfrm>
-          <a:prstGeom prst="rect">
-            <a:avLst/>
-          </a:prstGeom>
         </p:spPr>
         <p:txBody>
           <a:bodyPr/>
-          <a:lstStyle/>
-          <a:p>
-            <a:fld id="{4DBC7FC8-25FB-FC45-8177-2B991DA6778C}" type="slidenum">
+          <a:lstStyle>
+            <a:lvl1pPr algn="l">
+              <a:defRPr>
+                <a:solidFill>
+                  <a:schemeClr val="tx2"/>
+                </a:solidFill>
+              </a:defRPr>
+            </a:lvl1pPr>
+          </a:lstStyle>
+          <a:p>
+            <a:r>
+              <a:rPr lang="sk-SK" smtClean="0"/>
+              <a:t>© 2015 EV3Lessons.com, Last edit 11/13/2015</a:t>
+            </a:r>
+            <a:endParaRPr lang="en-US"/>
+          </a:p>
+        </p:txBody>
+      </p:sp>
+      <p:sp>
+        <p:nvSpPr>
+          <p:cNvPr id="7" name="Slide Number Placeholder 6"/>
+          <p:cNvSpPr>
+            <a:spLocks noGrp="1"/>
+          </p:cNvSpPr>
+          <p:nvPr>
+            <p:ph type="sldNum" sz="quarter" idx="12"/>
+          </p:nvPr>
+        </p:nvSpPr>
+        <p:spPr/>
+        <p:txBody>
+          <a:bodyPr/>
+          <a:lstStyle>
+            <a:lvl1pPr>
+              <a:defRPr>
+                <a:solidFill>
+                  <a:schemeClr val="tx2"/>
+                </a:solidFill>
+              </a:defRPr>
+            </a:lvl1pPr>
+          </a:lstStyle>
+          <a:p>
+            <a:fld id="{7F5CE407-6216-4202-80E4-A30DC2F709B2}" type="slidenum">
               <a:rPr lang="en-US" smtClean="0"/>
               <a:t>‹#›</a:t>
             </a:fld>
@@ -3438,6 +3662,11 @@
         </p:txBody>
       </p:sp>
     </p:spTree>
+    <p:extLst>
+      <p:ext uri="{BB962C8B-B14F-4D97-AF65-F5344CB8AC3E}">
+        <p14:creationId xmlns:p14="http://schemas.microsoft.com/office/powerpoint/2010/main" val="889931083"/>
+      </p:ext>
+    </p:extLst>
   </p:cSld>
   <p:clrMapOvr>
     <a:masterClrMapping/>
@@ -3446,8 +3675,8 @@
 </file>
 
 <file path=ppt/slideLayouts/slideLayout9.xml><?xml version="1.0" encoding="utf-8"?>
-<p:sldLayout xmlns:a="http://schemas.openxmlformats.org/drawingml/2006/main" xmlns:r="http://schemas.openxmlformats.org/officeDocument/2006/relationships" xmlns:p="http://schemas.openxmlformats.org/presentationml/2006/main" type="vertTx" preserve="1">
-  <p:cSld name="Title and Vertical Text">
+<p:sldLayout xmlns:a="http://schemas.openxmlformats.org/drawingml/2006/main" xmlns:r="http://schemas.openxmlformats.org/officeDocument/2006/relationships" xmlns:p="http://schemas.openxmlformats.org/presentationml/2006/main" showMasterSp="0" type="picTx" preserve="1">
+  <p:cSld name="Picture with Caption">
     <p:spTree>
       <p:nvGrpSpPr>
         <p:cNvPr id="1" name=""/>
@@ -3464,406 +3693,20 @@
       </p:grpSpPr>
       <p:sp>
         <p:nvSpPr>
-          <p:cNvPr id="2" name="Title 1"/>
-          <p:cNvSpPr>
-            <a:spLocks noGrp="1"/>
-          </p:cNvSpPr>
-          <p:nvPr>
-            <p:ph type="title"/>
-          </p:nvPr>
-        </p:nvSpPr>
-        <p:spPr/>
-        <p:txBody>
-          <a:bodyPr/>
-          <a:lstStyle/>
-          <a:p>
-            <a:r>
-              <a:rPr lang="en-US" smtClean="0"/>
-              <a:t>Click to edit Master title style</a:t>
-            </a:r>
-            <a:endParaRPr lang="en-US"/>
-          </a:p>
-        </p:txBody>
-      </p:sp>
-      <p:sp>
-        <p:nvSpPr>
-          <p:cNvPr id="3" name="Vertical Text Placeholder 2"/>
-          <p:cNvSpPr>
-            <a:spLocks noGrp="1"/>
-          </p:cNvSpPr>
-          <p:nvPr>
-            <p:ph type="body" orient="vert" idx="1"/>
-          </p:nvPr>
-        </p:nvSpPr>
-        <p:spPr/>
-        <p:txBody>
-          <a:bodyPr vert="eaVert"/>
-          <a:lstStyle/>
-          <a:p>
-            <a:pPr lvl="0"/>
-            <a:r>
-              <a:rPr lang="en-US" smtClean="0"/>
-              <a:t>Click to edit Master text styles</a:t>
-            </a:r>
-          </a:p>
-          <a:p>
-            <a:pPr lvl="1"/>
-            <a:r>
-              <a:rPr lang="en-US" smtClean="0"/>
-              <a:t>Second level</a:t>
-            </a:r>
-          </a:p>
-          <a:p>
-            <a:pPr lvl="2"/>
-            <a:r>
-              <a:rPr lang="en-US" smtClean="0"/>
-              <a:t>Third level</a:t>
-            </a:r>
-          </a:p>
-          <a:p>
-            <a:pPr lvl="3"/>
-            <a:r>
-              <a:rPr lang="en-US" smtClean="0"/>
-              <a:t>Fourth level</a:t>
-            </a:r>
-          </a:p>
-          <a:p>
-            <a:pPr lvl="4"/>
-            <a:r>
-              <a:rPr lang="en-US" smtClean="0"/>
-              <a:t>Fifth level</a:t>
-            </a:r>
-            <a:endParaRPr lang="en-US"/>
-          </a:p>
-        </p:txBody>
-      </p:sp>
-      <p:sp>
-        <p:nvSpPr>
-          <p:cNvPr id="4" name="Date Placeholder 3"/>
-          <p:cNvSpPr>
-            <a:spLocks noGrp="1"/>
-          </p:cNvSpPr>
-          <p:nvPr>
-            <p:ph type="dt" sz="half" idx="10"/>
-          </p:nvPr>
-        </p:nvSpPr>
-        <p:spPr/>
-        <p:txBody>
-          <a:bodyPr/>
-          <a:lstStyle/>
-          <a:p>
-            <a:fld id="{6F84C1F9-5206-4DCE-8294-70B29343271A}" type="datetime1">
-              <a:rPr lang="en-US" smtClean="0"/>
-              <a:t>11/2/2015</a:t>
-            </a:fld>
-            <a:endParaRPr lang="en-US"/>
-          </a:p>
-        </p:txBody>
-      </p:sp>
-      <p:sp>
-        <p:nvSpPr>
-          <p:cNvPr id="5" name="Footer Placeholder 4"/>
-          <p:cNvSpPr>
-            <a:spLocks noGrp="1"/>
-          </p:cNvSpPr>
-          <p:nvPr>
-            <p:ph type="ftr" sz="quarter" idx="11"/>
-          </p:nvPr>
-        </p:nvSpPr>
-        <p:spPr/>
-        <p:txBody>
-          <a:bodyPr/>
-          <a:lstStyle/>
-          <a:p>
-            <a:r>
-              <a:rPr lang="en-US" smtClean="0"/>
-              <a:t>© 2015, EV3Lessons.com, (last edit 11/02/2015)</a:t>
-            </a:r>
-            <a:endParaRPr lang="en-US"/>
-          </a:p>
-        </p:txBody>
-      </p:sp>
-      <p:sp>
-        <p:nvSpPr>
-          <p:cNvPr id="6" name="Slide Number Placeholder 5"/>
-          <p:cNvSpPr>
-            <a:spLocks noGrp="1"/>
-          </p:cNvSpPr>
-          <p:nvPr>
-            <p:ph type="sldNum" sz="quarter" idx="12"/>
-          </p:nvPr>
-        </p:nvSpPr>
-        <p:spPr>
-          <a:xfrm rot="16200000">
-            <a:off x="8227377" y="5885497"/>
-            <a:ext cx="1315721" cy="365125"/>
-          </a:xfrm>
-          <a:prstGeom prst="rect">
-            <a:avLst/>
-          </a:prstGeom>
-        </p:spPr>
-        <p:txBody>
-          <a:bodyPr/>
-          <a:lstStyle/>
-          <a:p>
-            <a:fld id="{4DBC7FC8-25FB-FC45-8177-2B991DA6778C}" type="slidenum">
-              <a:rPr lang="en-US" smtClean="0"/>
-              <a:t>‹#›</a:t>
-            </a:fld>
-            <a:endParaRPr lang="en-US"/>
-          </a:p>
-        </p:txBody>
-      </p:sp>
-    </p:spTree>
-  </p:cSld>
-  <p:clrMapOvr>
-    <a:masterClrMapping/>
-  </p:clrMapOvr>
-</p:sldLayout>
-</file>
-
-<file path=ppt/slideMasters/slideMaster1.xml><?xml version="1.0" encoding="utf-8"?>
-<p:sldMaster xmlns:a="http://schemas.openxmlformats.org/drawingml/2006/main" xmlns:r="http://schemas.openxmlformats.org/officeDocument/2006/relationships" xmlns:p="http://schemas.openxmlformats.org/presentationml/2006/main">
-  <p:cSld>
-    <p:bg>
-      <p:bgRef idx="1001">
-        <a:schemeClr val="bg1"/>
-      </p:bgRef>
-    </p:bg>
-    <p:spTree>
-      <p:nvGrpSpPr>
-        <p:cNvPr id="1" name=""/>
-        <p:cNvGrpSpPr/>
-        <p:nvPr/>
-      </p:nvGrpSpPr>
-      <p:grpSpPr>
-        <a:xfrm>
-          <a:off x="0" y="0"/>
-          <a:ext cx="0" cy="0"/>
-          <a:chOff x="0" y="0"/>
-          <a:chExt cx="0" cy="0"/>
-        </a:xfrm>
-      </p:grpSpPr>
-      <p:sp>
-        <p:nvSpPr>
-          <p:cNvPr id="2" name="Title Placeholder 1"/>
-          <p:cNvSpPr>
-            <a:spLocks noGrp="1"/>
-          </p:cNvSpPr>
-          <p:nvPr>
-            <p:ph type="title"/>
-          </p:nvPr>
+          <p:cNvPr id="8" name="Rectangle 7"/>
+          <p:cNvSpPr/>
+          <p:nvPr/>
         </p:nvSpPr>
         <p:spPr>
           <a:xfrm>
-            <a:off x="457199" y="152718"/>
-            <a:ext cx="8245475" cy="1371600"/>
-          </a:xfrm>
-          <a:prstGeom prst="rect">
-            <a:avLst/>
-          </a:prstGeom>
-        </p:spPr>
-        <p:txBody>
-          <a:bodyPr vert="horz" lIns="91440" tIns="45720" rIns="91440" bIns="45720" rtlCol="0" anchor="t" anchorCtr="0">
-            <a:normAutofit/>
-          </a:bodyPr>
-          <a:lstStyle/>
-          <a:p>
-            <a:r>
-              <a:rPr lang="en-US" dirty="0" smtClean="0"/>
-              <a:t>Click to edit Master title style</a:t>
-            </a:r>
-            <a:endParaRPr lang="en-US" dirty="0"/>
-          </a:p>
-        </p:txBody>
-      </p:sp>
-      <p:sp>
-        <p:nvSpPr>
-          <p:cNvPr id="3" name="Text Placeholder 2"/>
-          <p:cNvSpPr>
-            <a:spLocks noGrp="1"/>
-          </p:cNvSpPr>
-          <p:nvPr>
-            <p:ph type="body" idx="1"/>
-          </p:nvPr>
-        </p:nvSpPr>
-        <p:spPr>
-          <a:xfrm>
-            <a:off x="457200" y="1752600"/>
-            <a:ext cx="8245474" cy="4373563"/>
-          </a:xfrm>
-          <a:prstGeom prst="rect">
-            <a:avLst/>
-          </a:prstGeom>
-        </p:spPr>
-        <p:txBody>
-          <a:bodyPr vert="horz" lIns="91440" tIns="45720" rIns="91440" bIns="45720" rtlCol="0">
-            <a:normAutofit/>
-          </a:bodyPr>
-          <a:lstStyle/>
-          <a:p>
-            <a:pPr lvl="0"/>
-            <a:r>
-              <a:rPr lang="en-US" smtClean="0"/>
-              <a:t>Click to edit Master text styles</a:t>
-            </a:r>
-          </a:p>
-          <a:p>
-            <a:pPr lvl="1"/>
-            <a:r>
-              <a:rPr lang="en-US" smtClean="0"/>
-              <a:t>Second level</a:t>
-            </a:r>
-          </a:p>
-          <a:p>
-            <a:pPr lvl="2"/>
-            <a:r>
-              <a:rPr lang="en-US" smtClean="0"/>
-              <a:t>Third level</a:t>
-            </a:r>
-          </a:p>
-          <a:p>
-            <a:pPr lvl="3"/>
-            <a:r>
-              <a:rPr lang="en-US" smtClean="0"/>
-              <a:t>Fourth level</a:t>
-            </a:r>
-          </a:p>
-          <a:p>
-            <a:pPr lvl="4"/>
-            <a:r>
-              <a:rPr lang="en-US" smtClean="0"/>
-              <a:t>Fifth level</a:t>
-            </a:r>
-            <a:endParaRPr lang="en-US" dirty="0"/>
-          </a:p>
-        </p:txBody>
-      </p:sp>
-      <p:sp>
-        <p:nvSpPr>
-          <p:cNvPr id="4" name="Date Placeholder 3"/>
-          <p:cNvSpPr>
-            <a:spLocks noGrp="1"/>
-          </p:cNvSpPr>
-          <p:nvPr>
-            <p:ph type="dt" sz="half" idx="2"/>
-          </p:nvPr>
-        </p:nvSpPr>
-        <p:spPr>
-          <a:xfrm>
-            <a:off x="457200" y="6172201"/>
-            <a:ext cx="3429000" cy="304800"/>
-          </a:xfrm>
-          <a:prstGeom prst="rect">
-            <a:avLst/>
-          </a:prstGeom>
-        </p:spPr>
-        <p:txBody>
-          <a:bodyPr vert="horz" lIns="91440" tIns="45720" rIns="91440" bIns="0" rtlCol="0" anchor="b"/>
-          <a:lstStyle>
-            <a:lvl1pPr algn="l">
-              <a:defRPr sz="1000">
-                <a:solidFill>
-                  <a:schemeClr val="tx1"/>
-                </a:solidFill>
-              </a:defRPr>
-            </a:lvl1pPr>
-          </a:lstStyle>
-          <a:p>
-            <a:fld id="{237C9B8C-7996-4659-93BB-8E2ECCD8A3AA}" type="datetime1">
-              <a:rPr lang="en-US" smtClean="0"/>
-              <a:t>11/2/2015</a:t>
-            </a:fld>
-            <a:endParaRPr lang="en-US"/>
-          </a:p>
-        </p:txBody>
-      </p:sp>
-      <p:sp>
-        <p:nvSpPr>
-          <p:cNvPr id="5" name="Footer Placeholder 4"/>
-          <p:cNvSpPr>
-            <a:spLocks noGrp="1"/>
-          </p:cNvSpPr>
-          <p:nvPr>
-            <p:ph type="ftr" sz="quarter" idx="3"/>
-          </p:nvPr>
-        </p:nvSpPr>
-        <p:spPr>
-          <a:xfrm>
-            <a:off x="457200" y="6492875"/>
-            <a:ext cx="3429000" cy="283845"/>
-          </a:xfrm>
-          <a:prstGeom prst="rect">
-            <a:avLst/>
-          </a:prstGeom>
-        </p:spPr>
-        <p:txBody>
-          <a:bodyPr vert="horz" lIns="91440" tIns="45720" rIns="91440" bIns="45720" rtlCol="0" anchor="t"/>
-          <a:lstStyle>
-            <a:lvl1pPr algn="l">
-              <a:defRPr sz="1000">
-                <a:solidFill>
-                  <a:schemeClr val="tx1"/>
-                </a:solidFill>
-              </a:defRPr>
-            </a:lvl1pPr>
-          </a:lstStyle>
-          <a:p>
-            <a:r>
-              <a:rPr lang="en-US" smtClean="0"/>
-              <a:t>© 2015, EV3Lessons.com, (last edit 11/02/2015)</a:t>
-            </a:r>
-            <a:endParaRPr lang="en-US"/>
-          </a:p>
-        </p:txBody>
-      </p:sp>
-      <p:sp>
-        <p:nvSpPr>
-          <p:cNvPr id="9" name="Slide Number Placeholder 6"/>
-          <p:cNvSpPr>
-            <a:spLocks noGrp="1"/>
-          </p:cNvSpPr>
-          <p:nvPr>
-            <p:ph type="sldNum" sz="quarter" idx="4"/>
-          </p:nvPr>
-        </p:nvSpPr>
-        <p:spPr>
-          <a:xfrm>
-            <a:off x="8477026" y="6358106"/>
-            <a:ext cx="666974" cy="365125"/>
-          </a:xfrm>
-          <a:prstGeom prst="rect">
-            <a:avLst/>
-          </a:prstGeom>
-        </p:spPr>
-        <p:txBody>
-          <a:bodyPr/>
-          <a:lstStyle/>
-          <a:p>
-            <a:fld id="{4DBC7FC8-25FB-FC45-8177-2B991DA6778C}" type="slidenum">
-              <a:rPr lang="en-US" smtClean="0"/>
-              <a:t>‹#›</a:t>
-            </a:fld>
-            <a:endParaRPr lang="en-US"/>
-          </a:p>
-        </p:txBody>
-      </p:sp>
-      <p:sp>
-        <p:nvSpPr>
-          <p:cNvPr id="10" name="Rectangle 9"/>
-          <p:cNvSpPr/>
-          <p:nvPr userDrawn="1"/>
-        </p:nvSpPr>
-        <p:spPr>
-          <a:xfrm>
-            <a:off x="8996106" y="2895600"/>
-            <a:ext cx="147895" cy="3962400"/>
+            <a:off x="0" y="4953000"/>
+            <a:ext cx="9141619" cy="1905000"/>
           </a:xfrm>
           <a:prstGeom prst="rect">
             <a:avLst/>
           </a:prstGeom>
           <a:solidFill>
-            <a:srgbClr val="92D050"/>
+            <a:schemeClr val="accent2"/>
           </a:solidFill>
           <a:ln>
             <a:noFill/>
@@ -3888,14 +3731,674 @@
       </p:sp>
       <p:sp>
         <p:nvSpPr>
+          <p:cNvPr id="9" name="Rectangle 8"/>
+          <p:cNvSpPr/>
+          <p:nvPr/>
+        </p:nvSpPr>
+        <p:spPr>
+          <a:xfrm>
+            <a:off x="12" y="4915076"/>
+            <a:ext cx="9141619" cy="64008"/>
+          </a:xfrm>
+          <a:prstGeom prst="rect">
+            <a:avLst/>
+          </a:prstGeom>
+          <a:solidFill>
+            <a:schemeClr val="accent1"/>
+          </a:solidFill>
+          <a:ln>
+            <a:noFill/>
+          </a:ln>
+        </p:spPr>
+        <p:style>
+          <a:lnRef idx="2">
+            <a:schemeClr val="accent1">
+              <a:shade val="50000"/>
+            </a:schemeClr>
+          </a:lnRef>
+          <a:fillRef idx="1">
+            <a:schemeClr val="accent1"/>
+          </a:fillRef>
+          <a:effectRef idx="0">
+            <a:schemeClr val="accent1"/>
+          </a:effectRef>
+          <a:fontRef idx="minor">
+            <a:schemeClr val="lt1"/>
+          </a:fontRef>
+        </p:style>
+      </p:sp>
+      <p:sp>
+        <p:nvSpPr>
+          <p:cNvPr id="2" name="Title 1"/>
+          <p:cNvSpPr>
+            <a:spLocks noGrp="1"/>
+          </p:cNvSpPr>
+          <p:nvPr>
+            <p:ph type="title"/>
+          </p:nvPr>
+        </p:nvSpPr>
+        <p:spPr>
+          <a:xfrm>
+            <a:off x="822960" y="5074920"/>
+            <a:ext cx="7589520" cy="822960"/>
+          </a:xfrm>
+        </p:spPr>
+        <p:txBody>
+          <a:bodyPr tIns="0" bIns="0" anchor="b">
+            <a:noAutofit/>
+          </a:bodyPr>
+          <a:lstStyle>
+            <a:lvl1pPr>
+              <a:defRPr sz="3600" b="0">
+                <a:solidFill>
+                  <a:srgbClr val="FFFFFF"/>
+                </a:solidFill>
+              </a:defRPr>
+            </a:lvl1pPr>
+          </a:lstStyle>
+          <a:p>
+            <a:r>
+              <a:rPr lang="en-US" smtClean="0"/>
+              <a:t>Click to edit Master title style</a:t>
+            </a:r>
+            <a:endParaRPr lang="en-US" dirty="0"/>
+          </a:p>
+        </p:txBody>
+      </p:sp>
+      <p:sp>
+        <p:nvSpPr>
+          <p:cNvPr id="3" name="Picture Placeholder 2"/>
+          <p:cNvSpPr>
+            <a:spLocks noGrp="1" noChangeAspect="1"/>
+          </p:cNvSpPr>
+          <p:nvPr>
+            <p:ph type="pic" idx="1"/>
+          </p:nvPr>
+        </p:nvSpPr>
+        <p:spPr>
+          <a:xfrm>
+            <a:off x="12" y="0"/>
+            <a:ext cx="9143989" cy="4915076"/>
+          </a:xfrm>
+          <a:blipFill>
+            <a:blip r:embed="rId2"/>
+            <a:stretch>
+              <a:fillRect/>
+            </a:stretch>
+          </a:blipFill>
+        </p:spPr>
+        <p:txBody>
+          <a:bodyPr lIns="457200" tIns="457200" anchor="t"/>
+          <a:lstStyle>
+            <a:lvl1pPr marL="0" indent="0">
+              <a:buNone/>
+              <a:defRPr sz="3200">
+                <a:solidFill>
+                  <a:schemeClr val="bg1"/>
+                </a:solidFill>
+              </a:defRPr>
+            </a:lvl1pPr>
+            <a:lvl2pPr marL="457200" indent="0">
+              <a:buNone/>
+              <a:defRPr sz="2800"/>
+            </a:lvl2pPr>
+            <a:lvl3pPr marL="914400" indent="0">
+              <a:buNone/>
+              <a:defRPr sz="2400"/>
+            </a:lvl3pPr>
+            <a:lvl4pPr marL="1371600" indent="0">
+              <a:buNone/>
+              <a:defRPr sz="2000"/>
+            </a:lvl4pPr>
+            <a:lvl5pPr marL="1828800" indent="0">
+              <a:buNone/>
+              <a:defRPr sz="2000"/>
+            </a:lvl5pPr>
+            <a:lvl6pPr marL="2286000" indent="0">
+              <a:buNone/>
+              <a:defRPr sz="2000"/>
+            </a:lvl6pPr>
+            <a:lvl7pPr marL="2743200" indent="0">
+              <a:buNone/>
+              <a:defRPr sz="2000"/>
+            </a:lvl7pPr>
+            <a:lvl8pPr marL="3200400" indent="0">
+              <a:buNone/>
+              <a:defRPr sz="2000"/>
+            </a:lvl8pPr>
+            <a:lvl9pPr marL="3657600" indent="0">
+              <a:buNone/>
+              <a:defRPr sz="2000"/>
+            </a:lvl9pPr>
+          </a:lstStyle>
+          <a:p>
+            <a:r>
+              <a:rPr lang="en-US" smtClean="0"/>
+              <a:t>Drag picture to placeholder or click icon to add</a:t>
+            </a:r>
+            <a:endParaRPr lang="en-US" dirty="0"/>
+          </a:p>
+        </p:txBody>
+      </p:sp>
+      <p:sp>
+        <p:nvSpPr>
+          <p:cNvPr id="4" name="Text Placeholder 3"/>
+          <p:cNvSpPr>
+            <a:spLocks noGrp="1"/>
+          </p:cNvSpPr>
+          <p:nvPr>
+            <p:ph type="body" sz="half" idx="2"/>
+          </p:nvPr>
+        </p:nvSpPr>
+        <p:spPr>
+          <a:xfrm>
+            <a:off x="822959" y="5907024"/>
+            <a:ext cx="7589520" cy="594360"/>
+          </a:xfrm>
+        </p:spPr>
+        <p:txBody>
+          <a:bodyPr lIns="91440" tIns="0" rIns="91440" bIns="0">
+            <a:normAutofit/>
+          </a:bodyPr>
+          <a:lstStyle>
+            <a:lvl1pPr marL="0" indent="0">
+              <a:spcBef>
+                <a:spcPts val="0"/>
+              </a:spcBef>
+              <a:spcAft>
+                <a:spcPts val="600"/>
+              </a:spcAft>
+              <a:buNone/>
+              <a:defRPr sz="1500">
+                <a:solidFill>
+                  <a:srgbClr val="FFFFFF"/>
+                </a:solidFill>
+              </a:defRPr>
+            </a:lvl1pPr>
+            <a:lvl2pPr marL="457200" indent="0">
+              <a:buNone/>
+              <a:defRPr sz="1200"/>
+            </a:lvl2pPr>
+            <a:lvl3pPr marL="914400" indent="0">
+              <a:buNone/>
+              <a:defRPr sz="1000"/>
+            </a:lvl3pPr>
+            <a:lvl4pPr marL="1371600" indent="0">
+              <a:buNone/>
+              <a:defRPr sz="900"/>
+            </a:lvl4pPr>
+            <a:lvl5pPr marL="1828800" indent="0">
+              <a:buNone/>
+              <a:defRPr sz="900"/>
+            </a:lvl5pPr>
+            <a:lvl6pPr marL="2286000" indent="0">
+              <a:buNone/>
+              <a:defRPr sz="900"/>
+            </a:lvl6pPr>
+            <a:lvl7pPr marL="2743200" indent="0">
+              <a:buNone/>
+              <a:defRPr sz="900"/>
+            </a:lvl7pPr>
+            <a:lvl8pPr marL="3200400" indent="0">
+              <a:buNone/>
+              <a:defRPr sz="900"/>
+            </a:lvl8pPr>
+            <a:lvl9pPr marL="3657600" indent="0">
+              <a:buNone/>
+              <a:defRPr sz="900"/>
+            </a:lvl9pPr>
+          </a:lstStyle>
+          <a:p>
+            <a:pPr lvl="0"/>
+            <a:r>
+              <a:rPr lang="en-US" smtClean="0"/>
+              <a:t>Click to edit Master text styles</a:t>
+            </a:r>
+          </a:p>
+        </p:txBody>
+      </p:sp>
+      <p:sp>
+        <p:nvSpPr>
+          <p:cNvPr id="5" name="Date Placeholder 4"/>
+          <p:cNvSpPr>
+            <a:spLocks noGrp="1"/>
+          </p:cNvSpPr>
+          <p:nvPr>
+            <p:ph type="dt" sz="half" idx="10"/>
+          </p:nvPr>
+        </p:nvSpPr>
+        <p:spPr/>
+        <p:txBody>
+          <a:bodyPr/>
+          <a:lstStyle/>
+          <a:p>
+            <a:fld id="{9F9CFCDA-76FF-C942-8304-6FF0EF7EF019}" type="datetime1">
+              <a:rPr lang="en-US" smtClean="0"/>
+              <a:t>11/13/15</a:t>
+            </a:fld>
+            <a:endParaRPr lang="en-US"/>
+          </a:p>
+        </p:txBody>
+      </p:sp>
+      <p:sp>
+        <p:nvSpPr>
+          <p:cNvPr id="6" name="Footer Placeholder 5"/>
+          <p:cNvSpPr>
+            <a:spLocks noGrp="1"/>
+          </p:cNvSpPr>
+          <p:nvPr>
+            <p:ph type="ftr" sz="quarter" idx="11"/>
+          </p:nvPr>
+        </p:nvSpPr>
+        <p:spPr/>
+        <p:txBody>
+          <a:bodyPr/>
+          <a:lstStyle/>
+          <a:p>
+            <a:r>
+              <a:rPr lang="sk-SK" smtClean="0"/>
+              <a:t>© 2015 EV3Lessons.com, Last edit 11/13/2015</a:t>
+            </a:r>
+            <a:endParaRPr lang="en-US"/>
+          </a:p>
+        </p:txBody>
+      </p:sp>
+      <p:sp>
+        <p:nvSpPr>
+          <p:cNvPr id="7" name="Slide Number Placeholder 6"/>
+          <p:cNvSpPr>
+            <a:spLocks noGrp="1"/>
+          </p:cNvSpPr>
+          <p:nvPr>
+            <p:ph type="sldNum" sz="quarter" idx="12"/>
+          </p:nvPr>
+        </p:nvSpPr>
+        <p:spPr/>
+        <p:txBody>
+          <a:bodyPr/>
+          <a:lstStyle/>
+          <a:p>
+            <a:fld id="{4382A7F7-08BF-4252-8141-63FB96055BBB}" type="slidenum">
+              <a:rPr lang="en-US" smtClean="0"/>
+              <a:t>‹#›</a:t>
+            </a:fld>
+            <a:endParaRPr lang="en-US"/>
+          </a:p>
+        </p:txBody>
+      </p:sp>
+    </p:spTree>
+    <p:extLst>
+      <p:ext uri="{BB962C8B-B14F-4D97-AF65-F5344CB8AC3E}">
+        <p14:creationId xmlns:p14="http://schemas.microsoft.com/office/powerpoint/2010/main" val="553347465"/>
+      </p:ext>
+    </p:extLst>
+  </p:cSld>
+  <p:clrMapOvr>
+    <a:masterClrMapping/>
+  </p:clrMapOvr>
+</p:sldLayout>
+</file>
+
+<file path=ppt/slideMasters/slideMaster1.xml><?xml version="1.0" encoding="utf-8"?>
+<p:sldMaster xmlns:a="http://schemas.openxmlformats.org/drawingml/2006/main" xmlns:r="http://schemas.openxmlformats.org/officeDocument/2006/relationships" xmlns:p="http://schemas.openxmlformats.org/presentationml/2006/main" preserve="1">
+  <p:cSld>
+    <p:bg>
+      <p:bgRef idx="1001">
+        <a:schemeClr val="bg1"/>
+      </p:bgRef>
+    </p:bg>
+    <p:spTree>
+      <p:nvGrpSpPr>
+        <p:cNvPr id="1" name=""/>
+        <p:cNvGrpSpPr/>
+        <p:nvPr/>
+      </p:nvGrpSpPr>
+      <p:grpSpPr>
+        <a:xfrm>
+          <a:off x="0" y="0"/>
+          <a:ext cx="0" cy="0"/>
+          <a:chOff x="0" y="0"/>
+          <a:chExt cx="0" cy="0"/>
+        </a:xfrm>
+      </p:grpSpPr>
+      <p:sp>
+        <p:nvSpPr>
+          <p:cNvPr id="7" name="Rectangle 6"/>
+          <p:cNvSpPr/>
+          <p:nvPr/>
+        </p:nvSpPr>
+        <p:spPr>
+          <a:xfrm>
+            <a:off x="0" y="6400800"/>
+            <a:ext cx="9144001" cy="457200"/>
+          </a:xfrm>
+          <a:prstGeom prst="rect">
+            <a:avLst/>
+          </a:prstGeom>
+          <a:solidFill>
+            <a:srgbClr val="0070C0"/>
+          </a:solidFill>
+          <a:ln>
+            <a:solidFill>
+              <a:srgbClr val="0070C0"/>
+            </a:solidFill>
+          </a:ln>
+        </p:spPr>
+        <p:style>
+          <a:lnRef idx="2">
+            <a:schemeClr val="accent1">
+              <a:shade val="50000"/>
+            </a:schemeClr>
+          </a:lnRef>
+          <a:fillRef idx="1">
+            <a:schemeClr val="accent1"/>
+          </a:fillRef>
+          <a:effectRef idx="0">
+            <a:schemeClr val="accent1"/>
+          </a:effectRef>
+          <a:fontRef idx="minor">
+            <a:schemeClr val="lt1"/>
+          </a:fontRef>
+        </p:style>
+      </p:sp>
+      <p:sp>
+        <p:nvSpPr>
+          <p:cNvPr id="9" name="Rectangle 8"/>
+          <p:cNvSpPr/>
+          <p:nvPr/>
+        </p:nvSpPr>
+        <p:spPr>
+          <a:xfrm>
+            <a:off x="0" y="6334315"/>
+            <a:ext cx="4487333" cy="92382"/>
+          </a:xfrm>
+          <a:prstGeom prst="rect">
+            <a:avLst/>
+          </a:prstGeom>
+          <a:solidFill>
+            <a:srgbClr val="00B050"/>
+          </a:solidFill>
+          <a:ln>
+            <a:noFill/>
+          </a:ln>
+        </p:spPr>
+        <p:style>
+          <a:lnRef idx="2">
+            <a:schemeClr val="accent1">
+              <a:shade val="50000"/>
+            </a:schemeClr>
+          </a:lnRef>
+          <a:fillRef idx="1">
+            <a:schemeClr val="accent1"/>
+          </a:fillRef>
+          <a:effectRef idx="0">
+            <a:schemeClr val="accent1"/>
+          </a:effectRef>
+          <a:fontRef idx="minor">
+            <a:schemeClr val="lt1"/>
+          </a:fontRef>
+        </p:style>
+      </p:sp>
+      <p:sp>
+        <p:nvSpPr>
+          <p:cNvPr id="2" name="Title Placeholder 1"/>
+          <p:cNvSpPr>
+            <a:spLocks noGrp="1"/>
+          </p:cNvSpPr>
+          <p:nvPr>
+            <p:ph type="title"/>
+          </p:nvPr>
+        </p:nvSpPr>
+        <p:spPr>
+          <a:xfrm>
+            <a:off x="227874" y="287088"/>
+            <a:ext cx="8596812" cy="874055"/>
+          </a:xfrm>
+          <a:prstGeom prst="rect">
+            <a:avLst/>
+          </a:prstGeom>
+        </p:spPr>
+        <p:txBody>
+          <a:bodyPr vert="horz" lIns="91440" tIns="45720" rIns="91440" bIns="45720" rtlCol="0" anchor="b">
+            <a:normAutofit/>
+          </a:bodyPr>
+          <a:lstStyle/>
+          <a:p>
+            <a:r>
+              <a:rPr lang="en-US" smtClean="0"/>
+              <a:t>Click to edit Master title style</a:t>
+            </a:r>
+            <a:endParaRPr lang="en-US" dirty="0"/>
+          </a:p>
+        </p:txBody>
+      </p:sp>
+      <p:sp>
+        <p:nvSpPr>
+          <p:cNvPr id="3" name="Text Placeholder 2"/>
+          <p:cNvSpPr>
+            <a:spLocks noGrp="1"/>
+          </p:cNvSpPr>
+          <p:nvPr>
+            <p:ph type="body" idx="1"/>
+          </p:nvPr>
+        </p:nvSpPr>
+        <p:spPr>
+          <a:xfrm>
+            <a:off x="227874" y="1505616"/>
+            <a:ext cx="8596811" cy="4654528"/>
+          </a:xfrm>
+          <a:prstGeom prst="rect">
+            <a:avLst/>
+          </a:prstGeom>
+        </p:spPr>
+        <p:txBody>
+          <a:bodyPr vert="horz" lIns="0" tIns="45720" rIns="0" bIns="45720" rtlCol="0">
+            <a:normAutofit/>
+          </a:bodyPr>
+          <a:lstStyle/>
+          <a:p>
+            <a:pPr lvl="0"/>
+            <a:r>
+              <a:rPr lang="en-US" smtClean="0"/>
+              <a:t>Click to edit Master text styles</a:t>
+            </a:r>
+          </a:p>
+          <a:p>
+            <a:pPr lvl="1"/>
+            <a:r>
+              <a:rPr lang="en-US" smtClean="0"/>
+              <a:t>Second level</a:t>
+            </a:r>
+          </a:p>
+          <a:p>
+            <a:pPr lvl="2"/>
+            <a:r>
+              <a:rPr lang="en-US" smtClean="0"/>
+              <a:t>Third level</a:t>
+            </a:r>
+          </a:p>
+          <a:p>
+            <a:pPr lvl="3"/>
+            <a:r>
+              <a:rPr lang="en-US" smtClean="0"/>
+              <a:t>Fourth level</a:t>
+            </a:r>
+          </a:p>
+          <a:p>
+            <a:pPr lvl="4"/>
+            <a:r>
+              <a:rPr lang="en-US" smtClean="0"/>
+              <a:t>Fifth level</a:t>
+            </a:r>
+            <a:endParaRPr lang="en-US" dirty="0"/>
+          </a:p>
+        </p:txBody>
+      </p:sp>
+      <p:sp>
+        <p:nvSpPr>
+          <p:cNvPr id="4" name="Date Placeholder 3"/>
+          <p:cNvSpPr>
+            <a:spLocks noGrp="1"/>
+          </p:cNvSpPr>
+          <p:nvPr>
+            <p:ph type="dt" sz="half" idx="2"/>
+          </p:nvPr>
+        </p:nvSpPr>
+        <p:spPr>
+          <a:xfrm>
+            <a:off x="822961" y="6459786"/>
+            <a:ext cx="1854203" cy="365125"/>
+          </a:xfrm>
+          <a:prstGeom prst="rect">
+            <a:avLst/>
+          </a:prstGeom>
+        </p:spPr>
+        <p:txBody>
+          <a:bodyPr vert="horz" lIns="91440" tIns="45720" rIns="91440" bIns="45720" rtlCol="0" anchor="ctr"/>
+          <a:lstStyle>
+            <a:lvl1pPr algn="l">
+              <a:defRPr sz="900">
+                <a:solidFill>
+                  <a:srgbClr val="FFFFFF"/>
+                </a:solidFill>
+              </a:defRPr>
+            </a:lvl1pPr>
+          </a:lstStyle>
+          <a:p>
+            <a:fld id="{0604F77D-FCB8-A946-86A9-D14BD65D0D3D}" type="datetime1">
+              <a:rPr lang="en-US" smtClean="0"/>
+              <a:t>11/13/15</a:t>
+            </a:fld>
+            <a:endParaRPr lang="en-US" dirty="0"/>
+          </a:p>
+        </p:txBody>
+      </p:sp>
+      <p:sp>
+        <p:nvSpPr>
+          <p:cNvPr id="5" name="Footer Placeholder 4"/>
+          <p:cNvSpPr>
+            <a:spLocks noGrp="1"/>
+          </p:cNvSpPr>
+          <p:nvPr>
+            <p:ph type="ftr" sz="quarter" idx="3"/>
+          </p:nvPr>
+        </p:nvSpPr>
+        <p:spPr>
+          <a:xfrm>
+            <a:off x="2764639" y="6459786"/>
+            <a:ext cx="3617103" cy="365125"/>
+          </a:xfrm>
+          <a:prstGeom prst="rect">
+            <a:avLst/>
+          </a:prstGeom>
+        </p:spPr>
+        <p:txBody>
+          <a:bodyPr vert="horz" lIns="91440" tIns="45720" rIns="91440" bIns="45720" rtlCol="0" anchor="ctr"/>
+          <a:lstStyle>
+            <a:lvl1pPr algn="ctr">
+              <a:defRPr sz="900" cap="all" baseline="0">
+                <a:solidFill>
+                  <a:srgbClr val="FFFFFF"/>
+                </a:solidFill>
+              </a:defRPr>
+            </a:lvl1pPr>
+          </a:lstStyle>
+          <a:p>
+            <a:r>
+              <a:rPr lang="sk-SK" smtClean="0"/>
+              <a:t>© 2015 EV3Lessons.com, Last edit 11/13/2015</a:t>
+            </a:r>
+            <a:endParaRPr lang="en-US" dirty="0"/>
+          </a:p>
+        </p:txBody>
+      </p:sp>
+      <p:sp>
+        <p:nvSpPr>
+          <p:cNvPr id="6" name="Slide Number Placeholder 5"/>
+          <p:cNvSpPr>
+            <a:spLocks noGrp="1"/>
+          </p:cNvSpPr>
+          <p:nvPr>
+            <p:ph type="sldNum" sz="quarter" idx="4"/>
+          </p:nvPr>
+        </p:nvSpPr>
+        <p:spPr>
+          <a:xfrm>
+            <a:off x="7425344" y="6459786"/>
+            <a:ext cx="984019" cy="365125"/>
+          </a:xfrm>
+          <a:prstGeom prst="rect">
+            <a:avLst/>
+          </a:prstGeom>
+        </p:spPr>
+        <p:txBody>
+          <a:bodyPr vert="horz" lIns="91440" tIns="45720" rIns="91440" bIns="45720" rtlCol="0" anchor="ctr"/>
+          <a:lstStyle>
+            <a:lvl1pPr algn="r">
+              <a:defRPr sz="1050">
+                <a:solidFill>
+                  <a:srgbClr val="FFFFFF"/>
+                </a:solidFill>
+              </a:defRPr>
+            </a:lvl1pPr>
+          </a:lstStyle>
+          <a:p>
+            <a:fld id="{4382A7F7-08BF-4252-8141-63FB96055BBB}" type="slidenum">
+              <a:rPr lang="en-US" smtClean="0"/>
+              <a:t>‹#›</a:t>
+            </a:fld>
+            <a:endParaRPr lang="en-US"/>
+          </a:p>
+        </p:txBody>
+      </p:sp>
+      <p:cxnSp>
+        <p:nvCxnSpPr>
+          <p:cNvPr id="10" name="Straight Connector 9"/>
+          <p:cNvCxnSpPr/>
+          <p:nvPr/>
+        </p:nvCxnSpPr>
+        <p:spPr>
+          <a:xfrm flipV="1">
+            <a:off x="227874" y="1335314"/>
+            <a:ext cx="8596811" cy="1"/>
+          </a:xfrm>
+          <a:prstGeom prst="line">
+            <a:avLst/>
+          </a:prstGeom>
+          <a:ln w="6350">
+            <a:solidFill>
+              <a:schemeClr val="tx1">
+                <a:lumMod val="50000"/>
+                <a:lumOff val="50000"/>
+              </a:schemeClr>
+            </a:solidFill>
+          </a:ln>
+        </p:spPr>
+        <p:style>
+          <a:lnRef idx="1">
+            <a:schemeClr val="accent1"/>
+          </a:lnRef>
+          <a:fillRef idx="0">
+            <a:schemeClr val="accent1"/>
+          </a:fillRef>
+          <a:effectRef idx="0">
+            <a:schemeClr val="accent1"/>
+          </a:effectRef>
+          <a:fontRef idx="minor">
+            <a:schemeClr val="tx1"/>
+          </a:fontRef>
+        </p:style>
+      </p:cxnSp>
+      <p:sp>
+        <p:nvSpPr>
           <p:cNvPr id="11" name="Rectangle 10"/>
           <p:cNvSpPr/>
           <p:nvPr userDrawn="1"/>
         </p:nvSpPr>
         <p:spPr>
           <a:xfrm>
-            <a:off x="8959042" y="0"/>
-            <a:ext cx="184958" cy="2895600"/>
+            <a:off x="4487333" y="6334315"/>
+            <a:ext cx="4656667" cy="92382"/>
           </a:xfrm>
           <a:prstGeom prst="rect">
             <a:avLst/>
@@ -3924,70 +4427,44 @@
           </a:fontRef>
         </p:style>
       </p:sp>
-      <p:sp>
-        <p:nvSpPr>
-          <p:cNvPr id="13" name="Rectangle 12"/>
-          <p:cNvSpPr/>
-          <p:nvPr userDrawn="1"/>
-        </p:nvSpPr>
-        <p:spPr>
-          <a:xfrm>
-            <a:off x="8913670" y="-4618"/>
-            <a:ext cx="91440" cy="6862617"/>
-          </a:xfrm>
-          <a:prstGeom prst="rect">
-            <a:avLst/>
-          </a:prstGeom>
-          <a:solidFill>
-            <a:srgbClr val="0070C0"/>
-          </a:solidFill>
-          <a:ln>
-            <a:noFill/>
-          </a:ln>
-        </p:spPr>
-        <p:style>
-          <a:lnRef idx="2">
-            <a:schemeClr val="accent1">
-              <a:shade val="50000"/>
-            </a:schemeClr>
-          </a:lnRef>
-          <a:fillRef idx="1">
-            <a:schemeClr val="accent1"/>
-          </a:fillRef>
-          <a:effectRef idx="0">
-            <a:schemeClr val="accent1"/>
-          </a:effectRef>
-          <a:fontRef idx="minor">
-            <a:schemeClr val="lt1"/>
-          </a:fontRef>
-        </p:style>
-      </p:sp>
     </p:spTree>
+    <p:extLst>
+      <p:ext uri="{BB962C8B-B14F-4D97-AF65-F5344CB8AC3E}">
+        <p14:creationId xmlns:p14="http://schemas.microsoft.com/office/powerpoint/2010/main" val="640994141"/>
+      </p:ext>
+    </p:extLst>
   </p:cSld>
   <p:clrMap bg1="lt1" tx1="dk1" bg2="lt2" tx2="dk2" accent1="accent1" accent2="accent2" accent3="accent3" accent4="accent4" accent5="accent5" accent6="accent6" hlink="hlink" folHlink="folHlink"/>
   <p:sldLayoutIdLst>
-    <p:sldLayoutId id="2147483715" r:id="rId1"/>
-    <p:sldLayoutId id="2147483716" r:id="rId2"/>
-    <p:sldLayoutId id="2147483717" r:id="rId3"/>
-    <p:sldLayoutId id="2147483718" r:id="rId4"/>
-    <p:sldLayoutId id="2147483719" r:id="rId5"/>
-    <p:sldLayoutId id="2147483720" r:id="rId6"/>
-    <p:sldLayoutId id="2147483721" r:id="rId7"/>
-    <p:sldLayoutId id="2147483722" r:id="rId8"/>
-    <p:sldLayoutId id="2147483724" r:id="rId9"/>
-    <p:sldLayoutId id="2147483725" r:id="rId10"/>
+    <p:sldLayoutId id="2147483727" r:id="rId1"/>
+    <p:sldLayoutId id="2147483728" r:id="rId2"/>
+    <p:sldLayoutId id="2147483729" r:id="rId3"/>
+    <p:sldLayoutId id="2147483730" r:id="rId4"/>
+    <p:sldLayoutId id="2147483731" r:id="rId5"/>
+    <p:sldLayoutId id="2147483732" r:id="rId6"/>
+    <p:sldLayoutId id="2147483733" r:id="rId7"/>
+    <p:sldLayoutId id="2147483734" r:id="rId8"/>
+    <p:sldLayoutId id="2147483735" r:id="rId9"/>
+    <p:sldLayoutId id="2147483736" r:id="rId10"/>
+    <p:sldLayoutId id="2147483737" r:id="rId11"/>
   </p:sldLayoutIdLst>
   <p:hf hdr="0" dt="0"/>
   <p:txStyles>
     <p:titleStyle>
       <a:lvl1pPr algn="l" defTabSz="914400" rtl="0" eaLnBrk="1" latinLnBrk="0" hangingPunct="1">
+        <a:lnSpc>
+          <a:spcPct val="85000"/>
+        </a:lnSpc>
         <a:spcBef>
           <a:spcPct val="0"/>
         </a:spcBef>
         <a:buNone/>
-        <a:defRPr sz="3600" kern="1200" cap="all" spc="-60" baseline="0">
+        <a:defRPr sz="4800" kern="1200" spc="-50" baseline="0">
           <a:solidFill>
-            <a:schemeClr val="tx2"/>
+            <a:schemeClr val="tx1">
+              <a:lumMod val="75000"/>
+              <a:lumOff val="25000"/>
+            </a:schemeClr>
           </a:solidFill>
           <a:latin typeface="+mj-lt"/>
           <a:ea typeface="+mj-ea"/>
@@ -3996,162 +4473,244 @@
       </a:lvl1pPr>
     </p:titleStyle>
     <p:bodyStyle>
-      <a:lvl1pPr marL="0" indent="0" algn="l" defTabSz="914400" rtl="0" eaLnBrk="1" latinLnBrk="0" hangingPunct="1">
+      <a:lvl1pPr marL="91440" indent="-91440" algn="l" defTabSz="914400" rtl="0" eaLnBrk="1" latinLnBrk="0" hangingPunct="1">
+        <a:lnSpc>
+          <a:spcPct val="90000"/>
+        </a:lnSpc>
         <a:spcBef>
-          <a:spcPct val="20000"/>
+          <a:spcPts val="1200"/>
         </a:spcBef>
         <a:spcAft>
-          <a:spcPts val="600"/>
+          <a:spcPts val="200"/>
         </a:spcAft>
-        <a:buFont typeface="Arial" pitchFamily="34" charset="0"/>
-        <a:buNone/>
-        <a:defRPr sz="2000" b="1" kern="1200">
+        <a:buClr>
+          <a:schemeClr val="accent1"/>
+        </a:buClr>
+        <a:buSzPct val="100000"/>
+        <a:buFont typeface="Calibri" panose="020F0502020204030204" pitchFamily="34" charset="0"/>
+        <a:buChar char=" "/>
+        <a:defRPr sz="2000" kern="1200">
           <a:solidFill>
-            <a:schemeClr val="tx1"/>
+            <a:schemeClr val="tx1">
+              <a:lumMod val="75000"/>
+              <a:lumOff val="25000"/>
+            </a:schemeClr>
           </a:solidFill>
           <a:latin typeface="+mn-lt"/>
           <a:ea typeface="+mn-ea"/>
           <a:cs typeface="+mn-cs"/>
         </a:defRPr>
       </a:lvl1pPr>
-      <a:lvl2pPr marL="457200" indent="-182880" algn="l" defTabSz="914400" rtl="0" eaLnBrk="1" latinLnBrk="0" hangingPunct="1">
+      <a:lvl2pPr marL="384048" indent="-182880" algn="l" defTabSz="914400" rtl="0" eaLnBrk="1" latinLnBrk="0" hangingPunct="1">
+        <a:lnSpc>
+          <a:spcPct val="90000"/>
+        </a:lnSpc>
         <a:spcBef>
-          <a:spcPct val="20000"/>
+          <a:spcPts val="200"/>
         </a:spcBef>
+        <a:spcAft>
+          <a:spcPts val="400"/>
+        </a:spcAft>
         <a:buClr>
-          <a:schemeClr val="tx2"/>
+          <a:schemeClr val="accent1"/>
         </a:buClr>
-        <a:buFont typeface="Arial" pitchFamily="34" charset="0"/>
-        <a:buChar char="•"/>
-        <a:defRPr sz="2000" kern="1200">
+        <a:buFont typeface="Calibri" pitchFamily="34" charset="0"/>
+        <a:buChar char="◦"/>
+        <a:defRPr sz="1800" kern="1200">
           <a:solidFill>
-            <a:schemeClr val="tx1"/>
+            <a:schemeClr val="tx1">
+              <a:lumMod val="75000"/>
+              <a:lumOff val="25000"/>
+            </a:schemeClr>
           </a:solidFill>
           <a:latin typeface="+mn-lt"/>
           <a:ea typeface="+mn-ea"/>
           <a:cs typeface="+mn-cs"/>
         </a:defRPr>
       </a:lvl2pPr>
-      <a:lvl3pPr marL="1143000" indent="-228600" algn="l" defTabSz="914400" rtl="0" eaLnBrk="1" latinLnBrk="0" hangingPunct="1">
+      <a:lvl3pPr marL="566928" indent="-182880" algn="l" defTabSz="914400" rtl="0" eaLnBrk="1" latinLnBrk="0" hangingPunct="1">
+        <a:lnSpc>
+          <a:spcPct val="90000"/>
+        </a:lnSpc>
         <a:spcBef>
-          <a:spcPct val="20000"/>
+          <a:spcPts val="200"/>
         </a:spcBef>
+        <a:spcAft>
+          <a:spcPts val="400"/>
+        </a:spcAft>
         <a:buClr>
-          <a:schemeClr val="tx2"/>
+          <a:schemeClr val="accent1"/>
         </a:buClr>
-        <a:buFont typeface="Arial" pitchFamily="34" charset="0"/>
-        <a:buChar char="•"/>
-        <a:defRPr sz="1800" kern="1200">
+        <a:buFont typeface="Calibri" pitchFamily="34" charset="0"/>
+        <a:buChar char="◦"/>
+        <a:defRPr sz="1400" kern="1200">
           <a:solidFill>
-            <a:schemeClr val="tx1"/>
+            <a:schemeClr val="tx1">
+              <a:lumMod val="75000"/>
+              <a:lumOff val="25000"/>
+            </a:schemeClr>
           </a:solidFill>
           <a:latin typeface="+mn-lt"/>
           <a:ea typeface="+mn-ea"/>
           <a:cs typeface="+mn-cs"/>
         </a:defRPr>
       </a:lvl3pPr>
-      <a:lvl4pPr marL="1600200" indent="-228600" algn="l" defTabSz="914400" rtl="0" eaLnBrk="1" latinLnBrk="0" hangingPunct="1">
+      <a:lvl4pPr marL="749808" indent="-182880" algn="l" defTabSz="914400" rtl="0" eaLnBrk="1" latinLnBrk="0" hangingPunct="1">
+        <a:lnSpc>
+          <a:spcPct val="90000"/>
+        </a:lnSpc>
         <a:spcBef>
-          <a:spcPct val="20000"/>
+          <a:spcPts val="200"/>
         </a:spcBef>
+        <a:spcAft>
+          <a:spcPts val="400"/>
+        </a:spcAft>
         <a:buClr>
-          <a:schemeClr val="tx2"/>
+          <a:schemeClr val="accent1"/>
         </a:buClr>
-        <a:buFont typeface="Arial" pitchFamily="34" charset="0"/>
-        <a:buChar char="•"/>
-        <a:defRPr sz="1800" kern="1200">
+        <a:buFont typeface="Calibri" pitchFamily="34" charset="0"/>
+        <a:buChar char="◦"/>
+        <a:defRPr sz="1400" kern="1200">
           <a:solidFill>
-            <a:schemeClr val="tx1"/>
+            <a:schemeClr val="tx1">
+              <a:lumMod val="75000"/>
+              <a:lumOff val="25000"/>
+            </a:schemeClr>
           </a:solidFill>
           <a:latin typeface="+mn-lt"/>
           <a:ea typeface="+mn-ea"/>
           <a:cs typeface="+mn-cs"/>
         </a:defRPr>
       </a:lvl4pPr>
-      <a:lvl5pPr marL="2057400" indent="-228600" algn="l" defTabSz="914400" rtl="0" eaLnBrk="1" latinLnBrk="0" hangingPunct="1">
+      <a:lvl5pPr marL="932688" indent="-182880" algn="l" defTabSz="914400" rtl="0" eaLnBrk="1" latinLnBrk="0" hangingPunct="1">
+        <a:lnSpc>
+          <a:spcPct val="90000"/>
+        </a:lnSpc>
         <a:spcBef>
-          <a:spcPct val="20000"/>
+          <a:spcPts val="200"/>
         </a:spcBef>
+        <a:spcAft>
+          <a:spcPts val="400"/>
+        </a:spcAft>
         <a:buClr>
-          <a:schemeClr val="tx2"/>
+          <a:schemeClr val="accent1"/>
         </a:buClr>
-        <a:buFont typeface="Arial" pitchFamily="34" charset="0"/>
-        <a:buChar char="•"/>
-        <a:defRPr sz="1800" kern="1200" baseline="0">
+        <a:buFont typeface="Calibri" pitchFamily="34" charset="0"/>
+        <a:buChar char="◦"/>
+        <a:defRPr sz="1400" kern="1200">
           <a:solidFill>
-            <a:schemeClr val="tx1"/>
+            <a:schemeClr val="tx1">
+              <a:lumMod val="75000"/>
+              <a:lumOff val="25000"/>
+            </a:schemeClr>
           </a:solidFill>
           <a:latin typeface="+mn-lt"/>
           <a:ea typeface="+mn-ea"/>
           <a:cs typeface="+mn-cs"/>
         </a:defRPr>
       </a:lvl5pPr>
-      <a:lvl6pPr marL="2514600" indent="-228600" algn="l" defTabSz="914400" rtl="0" eaLnBrk="1" latinLnBrk="0" hangingPunct="1">
+      <a:lvl6pPr marL="1100000" indent="-228600" algn="l" defTabSz="914400" rtl="0" eaLnBrk="1" latinLnBrk="0" hangingPunct="1">
+        <a:lnSpc>
+          <a:spcPct val="90000"/>
+        </a:lnSpc>
         <a:spcBef>
-          <a:spcPct val="20000"/>
+          <a:spcPts val="200"/>
         </a:spcBef>
+        <a:spcAft>
+          <a:spcPts val="400"/>
+        </a:spcAft>
         <a:buClr>
-          <a:schemeClr val="tx2"/>
+          <a:schemeClr val="accent1"/>
         </a:buClr>
-        <a:buFont typeface="Arial" pitchFamily="34" charset="0"/>
-        <a:buChar char="•"/>
-        <a:defRPr sz="1600" kern="1200">
+        <a:buFont typeface="Calibri" pitchFamily="34" charset="0"/>
+        <a:buChar char="◦"/>
+        <a:defRPr sz="1400" kern="1200">
           <a:solidFill>
-            <a:schemeClr val="tx1"/>
+            <a:schemeClr val="tx1">
+              <a:lumMod val="75000"/>
+              <a:lumOff val="25000"/>
+            </a:schemeClr>
           </a:solidFill>
           <a:latin typeface="+mn-lt"/>
           <a:ea typeface="+mn-ea"/>
           <a:cs typeface="+mn-cs"/>
         </a:defRPr>
       </a:lvl6pPr>
-      <a:lvl7pPr marL="2971800" indent="-228600" algn="l" defTabSz="914400" rtl="0" eaLnBrk="1" latinLnBrk="0" hangingPunct="1">
+      <a:lvl7pPr marL="1300000" indent="-228600" algn="l" defTabSz="914400" rtl="0" eaLnBrk="1" latinLnBrk="0" hangingPunct="1">
+        <a:lnSpc>
+          <a:spcPct val="90000"/>
+        </a:lnSpc>
         <a:spcBef>
-          <a:spcPct val="20000"/>
+          <a:spcPts val="200"/>
         </a:spcBef>
+        <a:spcAft>
+          <a:spcPts val="400"/>
+        </a:spcAft>
         <a:buClr>
-          <a:schemeClr val="tx2"/>
+          <a:schemeClr val="accent1"/>
         </a:buClr>
-        <a:buFont typeface="Arial" pitchFamily="34" charset="0"/>
-        <a:buChar char="•"/>
-        <a:defRPr sz="1600" kern="1200">
+        <a:buFont typeface="Calibri" pitchFamily="34" charset="0"/>
+        <a:buChar char="◦"/>
+        <a:defRPr sz="1400" kern="1200">
           <a:solidFill>
-            <a:schemeClr val="tx1"/>
+            <a:schemeClr val="tx1">
+              <a:lumMod val="75000"/>
+              <a:lumOff val="25000"/>
+            </a:schemeClr>
           </a:solidFill>
           <a:latin typeface="+mn-lt"/>
           <a:ea typeface="+mn-ea"/>
           <a:cs typeface="+mn-cs"/>
         </a:defRPr>
       </a:lvl7pPr>
-      <a:lvl8pPr marL="3429000" indent="-228600" algn="l" defTabSz="914400" rtl="0" eaLnBrk="1" latinLnBrk="0" hangingPunct="1">
+      <a:lvl8pPr marL="1500000" indent="-228600" algn="l" defTabSz="914400" rtl="0" eaLnBrk="1" latinLnBrk="0" hangingPunct="1">
+        <a:lnSpc>
+          <a:spcPct val="90000"/>
+        </a:lnSpc>
         <a:spcBef>
-          <a:spcPct val="20000"/>
+          <a:spcPts val="200"/>
         </a:spcBef>
+        <a:spcAft>
+          <a:spcPts val="400"/>
+        </a:spcAft>
         <a:buClr>
-          <a:schemeClr val="tx2"/>
+          <a:schemeClr val="accent1"/>
         </a:buClr>
-        <a:buFont typeface="Arial" pitchFamily="34" charset="0"/>
-        <a:buChar char="•"/>
-        <a:defRPr sz="1600" kern="1200">
+        <a:buFont typeface="Calibri" pitchFamily="34" charset="0"/>
+        <a:buChar char="◦"/>
+        <a:defRPr sz="1400" kern="1200">
           <a:solidFill>
-            <a:schemeClr val="tx1"/>
+            <a:schemeClr val="tx1">
+              <a:lumMod val="75000"/>
+              <a:lumOff val="25000"/>
+            </a:schemeClr>
           </a:solidFill>
           <a:latin typeface="+mn-lt"/>
           <a:ea typeface="+mn-ea"/>
           <a:cs typeface="+mn-cs"/>
         </a:defRPr>
       </a:lvl8pPr>
-      <a:lvl9pPr marL="3886200" indent="-228600" algn="l" defTabSz="914400" rtl="0" eaLnBrk="1" latinLnBrk="0" hangingPunct="1">
+      <a:lvl9pPr marL="1700000" indent="-228600" algn="l" defTabSz="914400" rtl="0" eaLnBrk="1" latinLnBrk="0" hangingPunct="1">
+        <a:lnSpc>
+          <a:spcPct val="90000"/>
+        </a:lnSpc>
         <a:spcBef>
-          <a:spcPct val="20000"/>
+          <a:spcPts val="200"/>
         </a:spcBef>
+        <a:spcAft>
+          <a:spcPts val="400"/>
+        </a:spcAft>
         <a:buClr>
-          <a:schemeClr val="tx2"/>
+          <a:schemeClr val="accent1"/>
         </a:buClr>
-        <a:buFont typeface="Arial" pitchFamily="34" charset="0"/>
-        <a:buChar char="•"/>
-        <a:defRPr sz="1600" kern="1200">
+        <a:buFont typeface="Calibri" pitchFamily="34" charset="0"/>
+        <a:buChar char="◦"/>
+        <a:defRPr sz="1400" kern="1200">
           <a:solidFill>
-            <a:schemeClr val="tx1"/>
+            <a:schemeClr val="tx1">
+              <a:lumMod val="75000"/>
+              <a:lumOff val="25000"/>
+            </a:schemeClr>
           </a:solidFill>
           <a:latin typeface="+mn-lt"/>
           <a:ea typeface="+mn-ea"/>
@@ -4285,202 +4844,64 @@
             <p:ph type="ctrTitle"/>
           </p:nvPr>
         </p:nvSpPr>
-        <p:spPr>
-          <a:xfrm>
-            <a:off x="402305" y="311631"/>
-            <a:ext cx="4182799" cy="1923569"/>
-          </a:xfrm>
-        </p:spPr>
-        <p:txBody>
-          <a:bodyPr/>
-          <a:lstStyle/>
-          <a:p>
-            <a:pPr algn="ctr"/>
-            <a:r>
-              <a:rPr lang="en-US" sz="3200" dirty="0" smtClean="0"/>
-              <a:t>INTERMEDIATE PROGRAMMING</a:t>
-            </a:r>
-            <a:r>
-              <a:rPr lang="en-US" sz="4000" dirty="0" smtClean="0"/>
-              <a:t/>
-            </a:r>
-            <a:br>
-              <a:rPr lang="en-US" sz="4000" dirty="0" smtClean="0"/>
-            </a:br>
-            <a:r>
-              <a:rPr lang="en-US" sz="3200" dirty="0" smtClean="0"/>
-              <a:t>Lesson</a:t>
-            </a:r>
-            <a:endParaRPr lang="en-US" sz="3200" dirty="0"/>
-          </a:p>
-        </p:txBody>
-      </p:sp>
-      <p:sp>
-        <p:nvSpPr>
-          <p:cNvPr id="7" name="TextBox 6"/>
-          <p:cNvSpPr txBox="1"/>
-          <p:nvPr/>
-        </p:nvSpPr>
-        <p:spPr>
-          <a:xfrm>
-            <a:off x="1689186" y="5949643"/>
-            <a:ext cx="4750545" cy="523220"/>
-          </a:xfrm>
-          <a:prstGeom prst="rect">
-            <a:avLst/>
-          </a:prstGeom>
-          <a:noFill/>
-        </p:spPr>
-        <p:txBody>
-          <a:bodyPr wrap="square" rtlCol="0">
-            <a:spAutoFit/>
+        <p:spPr/>
+        <p:txBody>
+          <a:bodyPr>
+            <a:normAutofit fontScale="90000"/>
           </a:bodyPr>
           <a:lstStyle/>
           <a:p>
             <a:r>
-              <a:rPr lang="en-US" sz="2800" dirty="0" smtClean="0"/>
-              <a:t>By: Droids Robotics</a:t>
-            </a:r>
-          </a:p>
-        </p:txBody>
-      </p:sp>
-      <p:sp>
-        <p:nvSpPr>
-          <p:cNvPr id="4" name="TextBox 3"/>
-          <p:cNvSpPr txBox="1"/>
-          <p:nvPr/>
-        </p:nvSpPr>
-        <p:spPr>
-          <a:xfrm>
-            <a:off x="550088" y="2713113"/>
-            <a:ext cx="8187512" cy="954107"/>
-          </a:xfrm>
-          <a:prstGeom prst="rect">
-            <a:avLst/>
-          </a:prstGeom>
-          <a:noFill/>
-        </p:spPr>
-        <p:txBody>
-          <a:bodyPr wrap="square" rtlCol="0">
-            <a:spAutoFit/>
+              <a:rPr lang="en-US" dirty="0" smtClean="0"/>
+              <a:t>INTERMEDIATE PROGRAMMING LESSON</a:t>
+            </a:r>
+            <a:endParaRPr lang="en-US" dirty="0"/>
+          </a:p>
+        </p:txBody>
+      </p:sp>
+      <p:sp>
+        <p:nvSpPr>
+          <p:cNvPr id="3" name="Subtitle 2"/>
+          <p:cNvSpPr>
+            <a:spLocks noGrp="1"/>
+          </p:cNvSpPr>
+          <p:nvPr>
+            <p:ph type="subTitle" idx="1"/>
+          </p:nvPr>
+        </p:nvSpPr>
+        <p:spPr/>
+        <p:txBody>
+          <a:bodyPr>
+            <a:normAutofit lnSpcReduction="10000"/>
           </a:bodyPr>
           <a:lstStyle/>
           <a:p>
             <a:r>
-              <a:rPr lang="en-US" sz="2800" dirty="0" err="1" smtClean="0">
-                <a:solidFill>
-                  <a:srgbClr val="FF0000"/>
-                </a:solidFill>
-              </a:rPr>
-              <a:t>Move_Distance</a:t>
-            </a:r>
-            <a:r>
-              <a:rPr lang="en-US" sz="2800" dirty="0" smtClean="0">
-                <a:solidFill>
-                  <a:srgbClr val="FF0000"/>
-                </a:solidFill>
-              </a:rPr>
-              <a:t> My Block (Move_CM)</a:t>
-            </a:r>
-            <a:endParaRPr lang="en-US" sz="2800" dirty="0">
-              <a:solidFill>
-                <a:srgbClr val="FF0000"/>
-              </a:solidFill>
-            </a:endParaRPr>
-          </a:p>
-          <a:p>
-            <a:endParaRPr lang="en-US" sz="2800" dirty="0"/>
-          </a:p>
-        </p:txBody>
-      </p:sp>
-      <p:pic>
-        <p:nvPicPr>
-          <p:cNvPr id="1026" name="Picture 2" descr="EV3Lessons.com"/>
-          <p:cNvPicPr>
-            <a:picLocks noChangeAspect="1" noChangeArrowheads="1"/>
-          </p:cNvPicPr>
-          <p:nvPr/>
-        </p:nvPicPr>
-        <p:blipFill>
-          <a:blip r:embed="rId3">
-            <a:extLst>
-              <a:ext uri="{28A0092B-C50C-407E-A947-70E740481C1C}">
-                <a14:useLocalDpi xmlns:a14="http://schemas.microsoft.com/office/drawing/2010/main" val="0"/>
-              </a:ext>
-            </a:extLst>
-          </a:blip>
-          <a:srcRect/>
-          <a:stretch>
-            <a:fillRect/>
-          </a:stretch>
-        </p:blipFill>
-        <p:spPr bwMode="auto">
-          <a:xfrm>
-            <a:off x="4585105" y="436041"/>
-            <a:ext cx="4231698" cy="1571774"/>
-          </a:xfrm>
-          <a:prstGeom prst="rect">
-            <a:avLst/>
-          </a:prstGeom>
-          <a:noFill/>
-          <a:extLst>
-            <a:ext uri="{909E8E84-426E-40DD-AFC4-6F175D3DCCD1}">
-              <a14:hiddenFill xmlns:a14="http://schemas.microsoft.com/office/drawing/2010/main">
-                <a:solidFill>
-                  <a:srgbClr val="FFFFFF"/>
-                </a:solidFill>
-              </a14:hiddenFill>
-            </a:ext>
-          </a:extLst>
-        </p:spPr>
-      </p:pic>
-      <p:pic>
-        <p:nvPicPr>
-          <p:cNvPr id="8" name="Picture 7"/>
-          <p:cNvPicPr>
-            <a:picLocks noChangeAspect="1"/>
-          </p:cNvPicPr>
-          <p:nvPr/>
-        </p:nvPicPr>
-        <p:blipFill>
-          <a:blip r:embed="rId4">
-            <a:extLst>
-              <a:ext uri="{28A0092B-C50C-407E-A947-70E740481C1C}">
-                <a14:useLocalDpi xmlns:a14="http://schemas.microsoft.com/office/drawing/2010/main" val="0"/>
-              </a:ext>
-            </a:extLst>
-          </a:blip>
-          <a:stretch>
-            <a:fillRect/>
-          </a:stretch>
-        </p:blipFill>
-        <p:spPr>
-          <a:xfrm>
-            <a:off x="402305" y="5241747"/>
-            <a:ext cx="1286881" cy="1231116"/>
-          </a:xfrm>
-          <a:prstGeom prst="rect">
-            <a:avLst/>
-          </a:prstGeom>
-        </p:spPr>
-      </p:pic>
+              <a:rPr lang="en-US" dirty="0" smtClean="0"/>
+              <a:t>MOVE Distance My Block (</a:t>
+            </a:r>
+            <a:r>
+              <a:rPr lang="en-US" dirty="0" err="1" smtClean="0"/>
+              <a:t>Move_CM</a:t>
+            </a:r>
+            <a:r>
+              <a:rPr lang="en-US" dirty="0" smtClean="0"/>
+              <a:t>)</a:t>
+            </a:r>
+            <a:endParaRPr lang="en-US" dirty="0"/>
+          </a:p>
+        </p:txBody>
+      </p:sp>
     </p:spTree>
     <p:extLst>
       <p:ext uri="{BB962C8B-B14F-4D97-AF65-F5344CB8AC3E}">
-        <p14:creationId xmlns:p14="http://schemas.microsoft.com/office/powerpoint/2010/main" val="2433538225"/>
+        <p14:creationId xmlns:p14="http://schemas.microsoft.com/office/powerpoint/2010/main" val="1372848060"/>
       </p:ext>
     </p:extLst>
   </p:cSld>
   <p:clrMapOvr>
     <a:masterClrMapping/>
   </p:clrMapOvr>
-  <p:timing>
-    <p:tnLst>
-      <p:par>
-        <p:cTn id="1" dur="indefinite" restart="never" nodeType="tmRoot"/>
-      </p:par>
-    </p:tnLst>
-  </p:timing>
 </p:sld>
 </file>
 
@@ -4550,7 +4971,19 @@
               <a:rPr lang="en-US" dirty="0" smtClean="0">
                 <a:cs typeface="Courier"/>
               </a:rPr>
-              <a:t>STEP 3A: WIRE THE My BLOCK</a:t>
+              <a:t>STEP 3A: </a:t>
+            </a:r>
+            <a:r>
+              <a:rPr lang="en-US" dirty="0" smtClean="0">
+                <a:cs typeface="Courier"/>
+              </a:rPr>
+              <a:t>Wire the My </a:t>
+            </a:r>
+            <a:r>
+              <a:rPr lang="en-US" dirty="0" smtClean="0">
+                <a:cs typeface="Courier"/>
+              </a:rPr>
+              <a:t>BLOCK</a:t>
             </a:r>
             <a:endParaRPr lang="en-US" dirty="0"/>
           </a:p>
@@ -4689,23 +5122,25 @@
         </p:nvSpPr>
         <p:spPr/>
         <p:txBody>
-          <a:bodyPr/>
+          <a:bodyPr>
+            <a:normAutofit/>
+          </a:bodyPr>
           <a:lstStyle/>
           <a:p>
             <a:r>
               <a:rPr lang="en-US" dirty="0" smtClean="0"/>
-              <a:t>Step 3b: COMPLETED </a:t>
-            </a:r>
-            <a:r>
-              <a:rPr lang="en-US" dirty="0" smtClean="0">
+              <a:t>Step 3b: </a:t>
+            </a:r>
+            <a:r>
+              <a:rPr lang="en-US" dirty="0" smtClean="0"/>
+              <a:t>Completed </a:t>
+            </a:r>
+            <a:r>
+              <a:rPr lang="en-US" dirty="0" err="1" smtClean="0">
                 <a:latin typeface="Courier"/>
                 <a:cs typeface="Courier"/>
               </a:rPr>
-              <a:t>Move_CM </a:t>
-            </a:r>
-            <a:r>
-              <a:rPr lang="en-US" dirty="0" smtClean="0"/>
-              <a:t>MY BLOCK</a:t>
+              <a:t>Move_CM</a:t>
             </a:r>
             <a:endParaRPr lang="en-US" dirty="0"/>
           </a:p>
@@ -4779,8 +5214,8 @@
         </p:blipFill>
         <p:spPr>
           <a:xfrm>
-            <a:off x="1965901" y="1362958"/>
-            <a:ext cx="5471910" cy="5129917"/>
+            <a:off x="2207172" y="1413392"/>
+            <a:ext cx="4891766" cy="4586032"/>
           </a:xfrm>
           <a:prstGeom prst="rect">
             <a:avLst/>
@@ -4840,55 +5275,64 @@
           <a:lstStyle/>
           <a:p>
             <a:r>
+              <a:rPr lang="en-US" smtClean="0"/>
+              <a:t>Discussion</a:t>
+            </a:r>
+            <a:endParaRPr lang="en-US" dirty="0"/>
+          </a:p>
+        </p:txBody>
+      </p:sp>
+      <p:sp>
+        <p:nvSpPr>
+          <p:cNvPr id="3" name="Content Placeholder 2"/>
+          <p:cNvSpPr>
+            <a:spLocks noGrp="1"/>
+          </p:cNvSpPr>
+          <p:nvPr>
+            <p:ph idx="1"/>
+          </p:nvPr>
+        </p:nvSpPr>
+        <p:spPr/>
+        <p:txBody>
+          <a:bodyPr/>
+          <a:lstStyle/>
+          <a:p>
+            <a:r>
               <a:rPr lang="en-US" dirty="0" smtClean="0"/>
-              <a:t>DISCUSSION</a:t>
-            </a:r>
-            <a:endParaRPr lang="en-US" dirty="0"/>
-          </a:p>
-        </p:txBody>
-      </p:sp>
-      <p:sp>
-        <p:nvSpPr>
-          <p:cNvPr id="3" name="Content Placeholder 2"/>
-          <p:cNvSpPr>
-            <a:spLocks noGrp="1"/>
-          </p:cNvSpPr>
-          <p:nvPr>
-            <p:ph idx="1"/>
-          </p:nvPr>
-        </p:nvSpPr>
-        <p:spPr>
-          <a:xfrm>
-            <a:off x="457200" y="1051560"/>
-            <a:ext cx="8245474" cy="4960620"/>
-          </a:xfrm>
-        </p:spPr>
-        <p:txBody>
-          <a:bodyPr>
-            <a:normAutofit lnSpcReduction="10000"/>
-          </a:bodyPr>
-          <a:lstStyle/>
-          <a:p>
+              <a:t>Why is a </a:t>
+            </a:r>
+            <a:r>
+              <a:rPr lang="en-US" dirty="0" err="1" smtClean="0"/>
+              <a:t>Move_CM</a:t>
+            </a:r>
             <a:r>
               <a:rPr lang="en-US" dirty="0" smtClean="0"/>
-              <a:t>Why is a Move_CM My Block useful?</a:t>
+              <a:t> My Block useful?</a:t>
             </a:r>
           </a:p>
           <a:p>
             <a:pPr lvl="1"/>
             <a:r>
-              <a:rPr lang="en-US" b="0" dirty="0" smtClean="0"/>
+              <a:rPr lang="en-US" dirty="0" smtClean="0"/>
               <a:t>You can measure distances in centimeters and input this number into your block instead of programming in degrees or rotations</a:t>
             </a:r>
           </a:p>
           <a:p>
             <a:pPr lvl="1"/>
-            <a:endParaRPr lang="en-US" b="0" dirty="0"/>
+            <a:endParaRPr lang="en-US" dirty="0" smtClean="0"/>
           </a:p>
           <a:p>
             <a:r>
               <a:rPr lang="en-US" dirty="0" smtClean="0"/>
-              <a:t>Will changing the inputs in one copy of Move_CM impact another copy of it?</a:t>
+              <a:t>Will changing the inputs in one copy of </a:t>
+            </a:r>
+            <a:r>
+              <a:rPr lang="en-US" dirty="0" err="1" smtClean="0"/>
+              <a:t>Move_CM</a:t>
+            </a:r>
+            <a:r>
+              <a:rPr lang="en-US" dirty="0" smtClean="0"/>
+              <a:t> impact another copy of it?</a:t>
             </a:r>
           </a:p>
           <a:p>
@@ -4900,24 +5344,19 @@
           </a:p>
           <a:p>
             <a:pPr lvl="1"/>
-            <a:endParaRPr lang="en-US" dirty="0"/>
+            <a:endParaRPr lang="en-US" dirty="0" smtClean="0"/>
           </a:p>
           <a:p>
             <a:r>
               <a:rPr lang="en-US" dirty="0" smtClean="0"/>
               <a:t>Can you alter a My Block after it is made?</a:t>
             </a:r>
-            <a:endParaRPr lang="en-US" dirty="0"/>
           </a:p>
           <a:p>
             <a:pPr lvl="1"/>
             <a:r>
               <a:rPr lang="en-US" dirty="0" smtClean="0"/>
-              <a:t>You can change any of the contents, but not the grey blocks (input and output parameters). </a:t>
-            </a:r>
-            <a:r>
-              <a:rPr lang="en-US" dirty="0"/>
-              <a:t>If you need to make changes to the parameters, you must remake your My Block.</a:t>
+              <a:t>You can change any of the contents, but not the grey blocks (input and output parameters). If you need to make changes to the parameters, you must remake your My Block.</a:t>
             </a:r>
           </a:p>
           <a:p>
@@ -4966,6 +5405,7 @@
           <a:p>
             <a:fld id="{4DBC7FC8-25FB-FC45-8177-2B991DA6778C}" type="slidenum">
               <a:rPr lang="en-US" smtClean="0"/>
+              <a:pPr/>
               <a:t>12</a:t>
             </a:fld>
             <a:endParaRPr lang="en-US"/>
@@ -5103,7 +5543,7 @@
             <a:spLocks noGrp="1"/>
           </p:cNvSpPr>
           <p:nvPr>
-            <p:ph type="sldNum" sz="quarter" idx="4294967295"/>
+            <p:ph type="sldNum" sz="quarter" idx="12"/>
           </p:nvPr>
         </p:nvSpPr>
         <p:spPr>
@@ -5759,22 +6199,56 @@
         </p:nvSpPr>
         <p:spPr/>
         <p:txBody>
+          <a:bodyPr>
+            <a:normAutofit/>
+          </a:bodyPr>
+          <a:lstStyle/>
+          <a:p>
+            <a:r>
+              <a:rPr lang="en-US" dirty="0" smtClean="0"/>
+              <a:t>Why a Move Distance My Block?</a:t>
+            </a:r>
+            <a:endParaRPr lang="en-US" dirty="0"/>
+          </a:p>
+        </p:txBody>
+      </p:sp>
+      <p:sp>
+        <p:nvSpPr>
+          <p:cNvPr id="3" name="Content Placeholder 2"/>
+          <p:cNvSpPr>
+            <a:spLocks noGrp="1"/>
+          </p:cNvSpPr>
+          <p:nvPr>
+            <p:ph idx="1"/>
+          </p:nvPr>
+        </p:nvSpPr>
+        <p:spPr/>
+        <p:txBody>
           <a:bodyPr/>
           <a:lstStyle/>
           <a:p>
             <a:r>
-              <a:rPr lang="en-US" dirty="0" smtClean="0"/>
-              <a:t>Why IS A </a:t>
-            </a:r>
-            <a:r>
-              <a:rPr lang="en-US" dirty="0" smtClean="0">
-                <a:cs typeface="Courier"/>
-              </a:rPr>
-              <a:t>Move DISTANCE </a:t>
-            </a:r>
-            <a:r>
-              <a:rPr lang="en-US" dirty="0" smtClean="0"/>
-              <a:t>My Block a Good IDEA?</a:t>
+              <a:rPr lang="en-US" smtClean="0"/>
+              <a:t>Built-in move blocks will not take inputs (values) in centimeters or inches.  </a:t>
+            </a:r>
+          </a:p>
+          <a:p>
+            <a:r>
+              <a:rPr lang="en-US" smtClean="0"/>
+              <a:t>It is much easier to measure distance with a ruler than degrees or rotations.</a:t>
+            </a:r>
+          </a:p>
+          <a:p>
+            <a:r>
+              <a:rPr lang="en-US" smtClean="0"/>
+              <a:t>If you change your robot design to have bigger or smaller wheels later on, you don’t have to re-measure every movement of your robot</a:t>
+            </a:r>
+          </a:p>
+          <a:p>
+            <a:pPr lvl="1"/>
+            <a:r>
+              <a:rPr lang="en-US" smtClean="0"/>
+              <a:t>Instead of changing distances in every single program you wrote, just go into your new Move Distance Block and change the value for how many inches/cm one motor rotation would take.</a:t>
             </a:r>
             <a:endParaRPr lang="en-US" dirty="0"/>
           </a:p>
@@ -5782,117 +6256,6 @@
       </p:sp>
       <p:sp>
         <p:nvSpPr>
-          <p:cNvPr id="3" name="Content Placeholder 2"/>
-          <p:cNvSpPr>
-            <a:spLocks noGrp="1"/>
-          </p:cNvSpPr>
-          <p:nvPr>
-            <p:ph idx="1"/>
-          </p:nvPr>
-        </p:nvSpPr>
-        <p:spPr>
-          <a:xfrm>
-            <a:off x="457200" y="1524318"/>
-            <a:ext cx="8019826" cy="4373563"/>
-          </a:xfrm>
-        </p:spPr>
-        <p:txBody>
-          <a:bodyPr>
-            <a:noAutofit/>
-          </a:bodyPr>
-          <a:lstStyle/>
-          <a:p>
-            <a:pPr marL="285750" indent="-285750">
-              <a:buFont typeface="Arial"/>
-              <a:buChar char="•"/>
-            </a:pPr>
-            <a:r>
-              <a:rPr lang="en-US" dirty="0"/>
-              <a:t>Built-in move blocks will not take inputs (values) in </a:t>
-            </a:r>
-            <a:r>
-              <a:rPr lang="en-US" dirty="0" smtClean="0"/>
-              <a:t>centimeters </a:t>
-            </a:r>
-            <a:r>
-              <a:rPr lang="en-US" dirty="0"/>
-              <a:t>or inches.  </a:t>
-            </a:r>
-            <a:endParaRPr lang="en-US" dirty="0" smtClean="0"/>
-          </a:p>
-          <a:p>
-            <a:pPr marL="285750" indent="-285750">
-              <a:buFont typeface="Arial"/>
-              <a:buChar char="•"/>
-            </a:pPr>
-            <a:r>
-              <a:rPr lang="en-US" dirty="0" smtClean="0"/>
-              <a:t>It is much easier to measure distance with a ruler than degrees or rotations.</a:t>
-            </a:r>
-          </a:p>
-          <a:p>
-            <a:pPr marL="285750" indent="-285750">
-              <a:buFont typeface="Arial"/>
-              <a:buChar char="•"/>
-            </a:pPr>
-            <a:r>
-              <a:rPr lang="en-US" dirty="0" smtClean="0"/>
-              <a:t>If you change </a:t>
-            </a:r>
-            <a:r>
-              <a:rPr lang="en-US" dirty="0"/>
-              <a:t>your robot design to have bigger or smaller </a:t>
-            </a:r>
-            <a:r>
-              <a:rPr lang="en-US" dirty="0" smtClean="0"/>
-              <a:t>wheels later on, you don’t have to re-measure </a:t>
-            </a:r>
-            <a:r>
-              <a:rPr lang="en-US" dirty="0"/>
-              <a:t>every movement of your </a:t>
-            </a:r>
-            <a:r>
-              <a:rPr lang="en-US" dirty="0" smtClean="0"/>
-              <a:t>robot</a:t>
-            </a:r>
-          </a:p>
-          <a:p>
-            <a:pPr marL="742950" lvl="1" indent="-285750">
-              <a:buFont typeface="Arial"/>
-              <a:buChar char="•"/>
-            </a:pPr>
-            <a:r>
-              <a:rPr lang="en-US" dirty="0" smtClean="0"/>
-              <a:t>Instead </a:t>
-            </a:r>
-            <a:r>
-              <a:rPr lang="en-US" dirty="0"/>
-              <a:t>of changing distances in every single program you wrote, just go into your </a:t>
-            </a:r>
-            <a:r>
-              <a:rPr lang="en-US" dirty="0" smtClean="0"/>
-              <a:t>new </a:t>
-            </a:r>
-            <a:r>
-              <a:rPr lang="en-US" dirty="0" smtClean="0">
-                <a:cs typeface="Courier"/>
-              </a:rPr>
-              <a:t>Move Distance </a:t>
-            </a:r>
-            <a:r>
-              <a:rPr lang="en-US" dirty="0"/>
-              <a:t>Block and change the value for how many inches/cm one motor rotation would take</a:t>
-            </a:r>
-            <a:r>
-              <a:rPr lang="en-US" dirty="0" smtClean="0"/>
-              <a:t>.</a:t>
-            </a:r>
-            <a:endParaRPr lang="en-US" dirty="0"/>
-          </a:p>
-        </p:txBody>
-      </p:sp>
-      <p:sp>
-        <p:nvSpPr>
           <p:cNvPr id="4" name="Footer Placeholder 3"/>
           <p:cNvSpPr>
             <a:spLocks noGrp="1"/>
@@ -5910,6 +6273,30 @@
               <a:rPr lang="en-US" smtClean="0"/>
               <a:t>© 2015, EV3Lessons.com, (last edit 11/02/2015)</a:t>
             </a:r>
+            <a:endParaRPr lang="en-US"/>
+          </a:p>
+        </p:txBody>
+      </p:sp>
+      <p:sp>
+        <p:nvSpPr>
+          <p:cNvPr id="7" name="Slide Number Placeholder 6"/>
+          <p:cNvSpPr>
+            <a:spLocks noGrp="1"/>
+          </p:cNvSpPr>
+          <p:nvPr>
+            <p:ph type="sldNum" sz="quarter" idx="12"/>
+          </p:nvPr>
+        </p:nvSpPr>
+        <p:spPr/>
+        <p:txBody>
+          <a:bodyPr/>
+          <a:lstStyle/>
+          <a:p>
+            <a:fld id="{4DBC7FC8-25FB-FC45-8177-2B991DA6778C}" type="slidenum">
+              <a:rPr lang="en-US" smtClean="0"/>
+              <a:pPr/>
+              <a:t>3</a:t>
+            </a:fld>
             <a:endParaRPr lang="en-US"/>
           </a:p>
         </p:txBody>
@@ -5936,7 +6323,7 @@
         </p:blipFill>
         <p:spPr>
           <a:xfrm>
-            <a:off x="4579936" y="5496620"/>
+            <a:off x="2783884" y="4508648"/>
             <a:ext cx="3484790" cy="1138177"/>
           </a:xfrm>
           <a:prstGeom prst="rect">
@@ -5944,37 +6331,6 @@
           </a:prstGeom>
         </p:spPr>
       </p:pic>
-      <p:sp>
-        <p:nvSpPr>
-          <p:cNvPr id="7" name="Slide Number Placeholder 6"/>
-          <p:cNvSpPr>
-            <a:spLocks noGrp="1"/>
-          </p:cNvSpPr>
-          <p:nvPr>
-            <p:ph type="sldNum" sz="quarter" idx="4294967295"/>
-          </p:nvPr>
-        </p:nvSpPr>
-        <p:spPr>
-          <a:xfrm>
-            <a:off x="8477026" y="6358106"/>
-            <a:ext cx="666974" cy="365125"/>
-          </a:xfrm>
-          <a:prstGeom prst="rect">
-            <a:avLst/>
-          </a:prstGeom>
-        </p:spPr>
-        <p:txBody>
-          <a:bodyPr/>
-          <a:lstStyle/>
-          <a:p>
-            <a:fld id="{4DBC7FC8-25FB-FC45-8177-2B991DA6778C}" type="slidenum">
-              <a:rPr lang="en-US" smtClean="0"/>
-              <a:t>3</a:t>
-            </a:fld>
-            <a:endParaRPr lang="en-US"/>
-          </a:p>
-        </p:txBody>
-      </p:sp>
     </p:spTree>
     <p:extLst>
       <p:ext uri="{BB962C8B-B14F-4D97-AF65-F5344CB8AC3E}">
@@ -6047,7 +6403,7 @@
         </p:nvSpPr>
         <p:spPr>
           <a:xfrm>
-            <a:off x="457200" y="1550884"/>
+            <a:off x="227874" y="1519353"/>
             <a:ext cx="7940842" cy="4373563"/>
           </a:xfrm>
         </p:spPr>
@@ -6058,7 +6414,7 @@
           <a:lstStyle/>
           <a:p>
             <a:r>
-              <a:rPr lang="en-US" dirty="0" smtClean="0"/>
+              <a:rPr lang="en-US" b="1" dirty="0" smtClean="0"/>
               <a:t>STEP 1: </a:t>
             </a:r>
             <a:r>
@@ -6091,7 +6447,7 @@
           </a:p>
           <a:p>
             <a:r>
-              <a:rPr lang="en-US" dirty="0" smtClean="0"/>
+              <a:rPr lang="en-US" b="1" dirty="0" smtClean="0"/>
               <a:t>STEP 2: </a:t>
             </a:r>
             <a:r>
@@ -6104,7 +6460,7 @@
           </a:p>
           <a:p>
             <a:r>
-              <a:rPr lang="en-US" dirty="0" smtClean="0"/>
+              <a:rPr lang="en-US" b="1" dirty="0" smtClean="0"/>
               <a:t>STEP 3: </a:t>
             </a:r>
             <a:r>
@@ -6214,7 +6570,12 @@
             <p:ph type="title"/>
           </p:nvPr>
         </p:nvSpPr>
-        <p:spPr/>
+        <p:spPr>
+          <a:xfrm>
+            <a:off x="274784" y="465764"/>
+            <a:ext cx="8596812" cy="874055"/>
+          </a:xfrm>
+        </p:spPr>
         <p:txBody>
           <a:bodyPr>
             <a:normAutofit fontScale="90000"/>
@@ -6223,7 +6584,43 @@
           <a:p>
             <a:r>
               <a:rPr lang="en-US" dirty="0" smtClean="0"/>
-              <a:t>Step 1A: How Many MOTOR degrees does your robot move in 1 centimeter?</a:t>
+              <a:t>Step 1A: How Many </a:t>
+            </a:r>
+            <a:r>
+              <a:rPr lang="en-US" dirty="0"/>
+              <a:t>D</a:t>
+            </a:r>
+            <a:r>
+              <a:rPr lang="en-US" dirty="0" smtClean="0"/>
+              <a:t>egrees Does The </a:t>
+            </a:r>
+            <a:r>
+              <a:rPr lang="en-US" dirty="0" smtClean="0"/>
+              <a:t>R</a:t>
+            </a:r>
+            <a:r>
+              <a:rPr lang="en-US" dirty="0" smtClean="0"/>
+              <a:t>obot </a:t>
+            </a:r>
+            <a:r>
+              <a:rPr lang="en-US" dirty="0"/>
+              <a:t>M</a:t>
+            </a:r>
+            <a:r>
+              <a:rPr lang="en-US" dirty="0" smtClean="0"/>
+              <a:t>ove </a:t>
+            </a:r>
+            <a:r>
+              <a:rPr lang="en-US" dirty="0" smtClean="0"/>
+              <a:t>in 1 </a:t>
+            </a:r>
+            <a:r>
+              <a:rPr lang="en-US" dirty="0" smtClean="0"/>
+              <a:t>CM</a:t>
+            </a:r>
+            <a:r>
+              <a:rPr lang="en-US" dirty="0" smtClean="0"/>
+              <a:t>?</a:t>
             </a:r>
             <a:endParaRPr lang="en-US" dirty="0"/>
           </a:p>
@@ -6283,7 +6680,7 @@
         </p:nvSpPr>
         <p:spPr>
           <a:xfrm>
-            <a:off x="536787" y="1868359"/>
+            <a:off x="274784" y="1582537"/>
             <a:ext cx="7742722" cy="2062103"/>
           </a:xfrm>
           <a:prstGeom prst="rect">
@@ -6668,7 +7065,11 @@
           <a:p>
             <a:r>
               <a:rPr lang="en-US" dirty="0" smtClean="0"/>
-              <a:t>Step 1A: ALTERNATE METHOD</a:t>
+              <a:t>Step 1A: </a:t>
+            </a:r>
+            <a:r>
+              <a:rPr lang="en-US" dirty="0" smtClean="0"/>
+              <a:t>Alternative Method</a:t>
             </a:r>
             <a:endParaRPr lang="en-US" dirty="0"/>
           </a:p>
@@ -6728,7 +7129,7 @@
         </p:nvSpPr>
         <p:spPr>
           <a:xfrm>
-            <a:off x="457200" y="1407194"/>
+            <a:off x="310055" y="1419101"/>
             <a:ext cx="7742722" cy="2800767"/>
           </a:xfrm>
           <a:prstGeom prst="rect">
@@ -7024,7 +7425,7 @@
         </p:blipFill>
         <p:spPr>
           <a:xfrm>
-            <a:off x="829698" y="2282497"/>
+            <a:off x="798167" y="1841062"/>
             <a:ext cx="6113004" cy="3169706"/>
           </a:xfrm>
           <a:prstGeom prst="rect">
@@ -7044,12 +7445,22 @@
         </p:nvSpPr>
         <p:spPr/>
         <p:txBody>
-          <a:bodyPr/>
+          <a:bodyPr>
+            <a:normAutofit/>
+          </a:bodyPr>
           <a:lstStyle/>
           <a:p>
             <a:r>
               <a:rPr lang="en-US" dirty="0" smtClean="0"/>
-              <a:t>Step 1B: PROGRAM Your robot to move 1CM</a:t>
+              <a:t>Step 1B: </a:t>
+            </a:r>
+            <a:r>
+              <a:rPr lang="en-US" dirty="0" smtClean="0"/>
+              <a:t>Program Move </a:t>
+            </a:r>
+            <a:r>
+              <a:rPr lang="en-US" dirty="0" smtClean="0"/>
+              <a:t>1CM</a:t>
             </a:r>
             <a:endParaRPr lang="en-US" dirty="0"/>
           </a:p>
@@ -7109,7 +7520,7 @@
         </p:nvSpPr>
         <p:spPr>
           <a:xfrm>
-            <a:off x="5545499" y="4334930"/>
+            <a:off x="5513968" y="3893495"/>
             <a:ext cx="3157175" cy="923330"/>
           </a:xfrm>
           <a:prstGeom prst="rect">
@@ -7141,7 +7552,7 @@
         </p:nvCxnSpPr>
         <p:spPr>
           <a:xfrm rot="5400000">
-            <a:off x="5848920" y="3446150"/>
+            <a:off x="5817389" y="3004715"/>
             <a:ext cx="8323" cy="3700267"/>
           </a:xfrm>
           <a:prstGeom prst="bentConnector3">
@@ -7214,12 +7625,34 @@
         </p:nvSpPr>
         <p:spPr/>
         <p:txBody>
-          <a:bodyPr/>
+          <a:bodyPr>
+            <a:normAutofit/>
+          </a:bodyPr>
           <a:lstStyle/>
           <a:p>
             <a:r>
               <a:rPr lang="en-US" dirty="0" smtClean="0"/>
-              <a:t>Step 2: degree to Centimeters conversion</a:t>
+              <a:t>Step 2: </a:t>
+            </a:r>
+            <a:r>
+              <a:rPr lang="en-US" dirty="0" smtClean="0"/>
+              <a:t>Degree </a:t>
+            </a:r>
+            <a:r>
+              <a:rPr lang="en-US" dirty="0" smtClean="0"/>
+              <a:t>to </a:t>
+            </a:r>
+            <a:r>
+              <a:rPr lang="en-US" dirty="0" smtClean="0"/>
+              <a:t>CM </a:t>
+            </a:r>
+            <a:r>
+              <a:rPr lang="en-US" dirty="0"/>
+              <a:t>C</a:t>
+            </a:r>
+            <a:r>
+              <a:rPr lang="en-US" dirty="0" smtClean="0"/>
+              <a:t>onversion</a:t>
             </a:r>
             <a:endParaRPr lang="en-US" dirty="0"/>
           </a:p>
@@ -7388,7 +7821,7 @@
         </p:blipFill>
         <p:spPr>
           <a:xfrm>
-            <a:off x="4762339" y="1381973"/>
+            <a:off x="4762339" y="1623710"/>
             <a:ext cx="3871327" cy="834871"/>
           </a:xfrm>
           <a:prstGeom prst="rect">
@@ -7431,7 +7864,7 @@
         </p:nvSpPr>
         <p:spPr>
           <a:xfrm>
-            <a:off x="457200" y="1367750"/>
+            <a:off x="278423" y="1623683"/>
             <a:ext cx="4400026" cy="4373563"/>
           </a:xfrm>
         </p:spPr>
@@ -7678,7 +8111,7 @@
         </p:nvSpPr>
         <p:spPr>
           <a:xfrm>
-            <a:off x="5486400" y="1264920"/>
+            <a:off x="5486400" y="1506657"/>
             <a:ext cx="3160294" cy="1047789"/>
           </a:xfrm>
           <a:prstGeom prst="rect">
@@ -7724,7 +8157,7 @@
         </p:nvSpPr>
         <p:spPr>
           <a:xfrm>
-            <a:off x="8702674" y="1566366"/>
+            <a:off x="8702674" y="1808103"/>
             <a:ext cx="234892" cy="201335"/>
           </a:xfrm>
           <a:prstGeom prst="rect">
@@ -7793,58 +8226,58 @@
 </file>
 
 <file path=ppt/theme/theme1.xml><?xml version="1.0" encoding="utf-8"?>
-<a:theme xmlns:a="http://schemas.openxmlformats.org/drawingml/2006/main" name="Essential">
+<a:theme xmlns:a="http://schemas.openxmlformats.org/drawingml/2006/main" name="Retrospect">
   <a:themeElements>
-    <a:clrScheme name="Essential">
+    <a:clrScheme name="Blue II">
       <a:dk1>
-        <a:srgbClr val="000000"/>
+        <a:sysClr val="windowText" lastClr="000000"/>
       </a:dk1>
       <a:lt1>
-        <a:srgbClr val="FFFFFF"/>
+        <a:sysClr val="window" lastClr="FFFFFF"/>
       </a:lt1>
       <a:dk2>
-        <a:srgbClr val="D1282E"/>
+        <a:srgbClr val="335B74"/>
       </a:dk2>
       <a:lt2>
-        <a:srgbClr val="C8C8B1"/>
+        <a:srgbClr val="DFE3E5"/>
       </a:lt2>
       <a:accent1>
-        <a:srgbClr val="7A7A7A"/>
+        <a:srgbClr val="1CADE4"/>
       </a:accent1>
       <a:accent2>
-        <a:srgbClr val="F5C201"/>
+        <a:srgbClr val="2683C6"/>
       </a:accent2>
       <a:accent3>
-        <a:srgbClr val="526DB0"/>
+        <a:srgbClr val="27CED7"/>
       </a:accent3>
       <a:accent4>
-        <a:srgbClr val="989AAC"/>
+        <a:srgbClr val="42BA97"/>
       </a:accent4>
       <a:accent5>
-        <a:srgbClr val="DC5924"/>
+        <a:srgbClr val="3E8853"/>
       </a:accent5>
       <a:accent6>
-        <a:srgbClr val="B4B392"/>
+        <a:srgbClr val="62A39F"/>
       </a:accent6>
       <a:hlink>
-        <a:srgbClr val="CC9900"/>
+        <a:srgbClr val="6EAC1C"/>
       </a:hlink>
       <a:folHlink>
-        <a:srgbClr val="969696"/>
+        <a:srgbClr val="B26B02"/>
       </a:folHlink>
     </a:clrScheme>
-    <a:fontScheme name="Essential">
+    <a:fontScheme name="Retrospect">
       <a:majorFont>
-        <a:latin typeface="Arial Black"/>
+        <a:latin typeface="Calibri Light" panose="020F0302020204030204"/>
         <a:ea typeface=""/>
         <a:cs typeface=""/>
         <a:font script="Jpan" typeface="ＭＳ Ｐゴシック"/>
-        <a:font script="Hang" typeface="HY견고딕"/>
-        <a:font script="Hans" typeface="微软雅黑"/>
-        <a:font script="Hant" typeface="微軟正黑體"/>
-        <a:font script="Arab" typeface="Tahoma"/>
-        <a:font script="Hebr" typeface="Tahoma"/>
-        <a:font script="Thai" typeface="Tahoma"/>
+        <a:font script="Hang" typeface="맑은 고딕"/>
+        <a:font script="Hans" typeface="宋体"/>
+        <a:font script="Hant" typeface="新細明體"/>
+        <a:font script="Arab" typeface="Times New Roman"/>
+        <a:font script="Hebr" typeface="Times New Roman"/>
+        <a:font script="Thai" typeface="Angsana New"/>
         <a:font script="Ethi" typeface="Nyala"/>
         <a:font script="Beng" typeface="Vrinda"/>
         <a:font script="Gujr" typeface="Shruti"/>
@@ -7870,13 +8303,13 @@
         <a:font script="Geor" typeface="Sylfaen"/>
       </a:majorFont>
       <a:minorFont>
-        <a:latin typeface="Arial"/>
+        <a:latin typeface="Calibri" panose="020F0502020204030204"/>
         <a:ea typeface=""/>
         <a:cs typeface=""/>
         <a:font script="Jpan" typeface="ＭＳ Ｐゴシック"/>
-        <a:font script="Hang" typeface="돋움"/>
-        <a:font script="Hans" typeface="黑体"/>
-        <a:font script="Hant" typeface="微軟正黑體"/>
+        <a:font script="Hang" typeface="맑은 고딕"/>
+        <a:font script="Hans" typeface="宋体"/>
+        <a:font script="Hant" typeface="新細明體"/>
         <a:font script="Arab" typeface="Arial"/>
         <a:font script="Hebr" typeface="Arial"/>
         <a:font script="Thai" typeface="Cordia New"/>
@@ -7905,7 +8338,7 @@
         <a:font script="Geor" typeface="Sylfaen"/>
       </a:minorFont>
     </a:fontScheme>
-    <a:fmtScheme name="Essential">
+    <a:fmtScheme name="Retrospect">
       <a:fillStyleLst>
         <a:solidFill>
           <a:schemeClr val="phClr"/>
@@ -7914,48 +8347,77 @@
           <a:gsLst>
             <a:gs pos="0">
               <a:schemeClr val="phClr">
-                <a:tint val="60000"/>
-                <a:satMod val="250000"/>
+                <a:tint val="65000"/>
+                <a:shade val="92000"/>
+                <a:satMod val="130000"/>
               </a:schemeClr>
             </a:gs>
-            <a:gs pos="35000">
+            <a:gs pos="45000">
               <a:schemeClr val="phClr">
-                <a:tint val="47000"/>
-                <a:satMod val="275000"/>
+                <a:tint val="60000"/>
+                <a:shade val="99000"/>
+                <a:satMod val="120000"/>
               </a:schemeClr>
             </a:gs>
             <a:gs pos="100000">
               <a:schemeClr val="phClr">
-                <a:tint val="25000"/>
-                <a:satMod val="300000"/>
+                <a:tint val="55000"/>
+                <a:satMod val="140000"/>
               </a:schemeClr>
             </a:gs>
           </a:gsLst>
-          <a:lin ang="16200000" scaled="1"/>
+          <a:path path="circle">
+            <a:fillToRect l="100000" t="100000" r="100000" b="100000"/>
+          </a:path>
         </a:gradFill>
-        <a:solidFill>
-          <a:schemeClr val="phClr">
-            <a:satMod val="110000"/>
-          </a:schemeClr>
-        </a:solidFill>
+        <a:gradFill rotWithShape="1">
+          <a:gsLst>
+            <a:gs pos="0">
+              <a:schemeClr val="phClr">
+                <a:shade val="85000"/>
+                <a:satMod val="130000"/>
+              </a:schemeClr>
+            </a:gs>
+            <a:gs pos="34000">
+              <a:schemeClr val="phClr">
+                <a:shade val="87000"/>
+                <a:satMod val="125000"/>
+              </a:schemeClr>
+            </a:gs>
+            <a:gs pos="70000">
+              <a:schemeClr val="phClr">
+                <a:tint val="100000"/>
+                <a:shade val="90000"/>
+                <a:satMod val="130000"/>
+              </a:schemeClr>
+            </a:gs>
+            <a:gs pos="100000">
+              <a:schemeClr val="phClr">
+                <a:tint val="100000"/>
+                <a:shade val="100000"/>
+                <a:satMod val="110000"/>
+              </a:schemeClr>
+            </a:gs>
+          </a:gsLst>
+          <a:path path="circle">
+            <a:fillToRect l="100000" t="100000" r="100000" b="100000"/>
+          </a:path>
+        </a:gradFill>
       </a:fillStyleLst>
       <a:lnStyleLst>
         <a:ln w="12700" cap="flat" cmpd="sng" algn="ctr">
-          <a:solidFill>
-            <a:schemeClr val="phClr">
-              <a:shade val="95000"/>
-              <a:satMod val="105000"/>
-            </a:schemeClr>
-          </a:solidFill>
-          <a:prstDash val="solid"/>
-        </a:ln>
-        <a:ln w="28575" cap="flat" cmpd="sng" algn="ctr">
           <a:solidFill>
             <a:schemeClr val="phClr"/>
           </a:solidFill>
           <a:prstDash val="solid"/>
         </a:ln>
-        <a:ln w="41275" cap="flat" cmpd="sng" algn="ctr">
+        <a:ln w="15875" cap="flat" cmpd="sng" algn="ctr">
+          <a:solidFill>
+            <a:schemeClr val="phClr"/>
+          </a:solidFill>
+          <a:prstDash val="solid"/>
+        </a:ln>
+        <a:ln w="25400" cap="flat" cmpd="sng" algn="ctr">
           <a:solidFill>
             <a:schemeClr val="phClr"/>
           </a:solidFill>
@@ -7968,16 +8430,16 @@
         </a:effectStyle>
         <a:effectStyle>
           <a:effectLst>
-            <a:outerShdw blurRad="39999" dist="23000" algn="bl" rotWithShape="0">
+            <a:outerShdw blurRad="38100" dist="25400" dir="2700000" algn="br" rotWithShape="0">
               <a:srgbClr val="000000">
-                <a:alpha val="40000"/>
+                <a:alpha val="60000"/>
               </a:srgbClr>
             </a:outerShdw>
           </a:effectLst>
         </a:effectStyle>
         <a:effectStyle>
           <a:effectLst>
-            <a:outerShdw blurRad="38100" dist="19050" algn="bl" rotWithShape="0">
+            <a:outerShdw blurRad="44450" dist="25400" dir="2700000" algn="br" rotWithShape="0">
               <a:srgbClr val="000000">
                 <a:alpha val="60000"/>
               </a:srgbClr>
@@ -7987,10 +8449,12 @@
             <a:camera prst="orthographicFront">
               <a:rot lat="0" lon="0" rev="0"/>
             </a:camera>
-            <a:lightRig rig="balanced" dir="l"/>
+            <a:lightRig rig="threePt" dir="t">
+              <a:rot lat="0" lon="0" rev="19800000"/>
+            </a:lightRig>
           </a:scene3d>
-          <a:sp3d prstMaterial="plastic">
-            <a:bevelT w="38100" h="31750"/>
+          <a:sp3d prstMaterial="flat">
+            <a:bevelT w="25400" h="31750"/>
           </a:sp3d>
         </a:effectStyle>
       </a:effectStyleLst>
@@ -7998,50 +8462,49 @@
         <a:solidFill>
           <a:schemeClr val="phClr"/>
         </a:solidFill>
-        <a:blipFill rotWithShape="1">
-          <a:blip xmlns:r="http://schemas.openxmlformats.org/officeDocument/2006/relationships" r:embed="rId1">
-            <a:duotone>
-              <a:schemeClr val="phClr">
-                <a:tint val="96000"/>
-              </a:schemeClr>
-              <a:schemeClr val="phClr">
-                <a:shade val="94000"/>
-              </a:schemeClr>
-            </a:duotone>
-          </a:blip>
-          <a:tile tx="0" ty="0" sx="100000" sy="100000" flip="none" algn="tl"/>
-        </a:blipFill>
+        <a:solidFill>
+          <a:schemeClr val="phClr">
+            <a:tint val="90000"/>
+            <a:shade val="97000"/>
+            <a:satMod val="130000"/>
+          </a:schemeClr>
+        </a:solidFill>
         <a:gradFill rotWithShape="1">
           <a:gsLst>
             <a:gs pos="0">
               <a:schemeClr val="phClr">
-                <a:tint val="84000"/>
-                <a:satMod val="110000"/>
+                <a:tint val="96000"/>
+                <a:shade val="99000"/>
+                <a:satMod val="140000"/>
               </a:schemeClr>
             </a:gs>
-            <a:gs pos="44000">
+            <a:gs pos="65000">
               <a:schemeClr val="phClr">
-                <a:tint val="93000"/>
-                <a:satMod val="115000"/>
+                <a:tint val="100000"/>
+                <a:shade val="80000"/>
+                <a:satMod val="130000"/>
               </a:schemeClr>
             </a:gs>
             <a:gs pos="100000">
               <a:schemeClr val="phClr">
                 <a:tint val="100000"/>
-                <a:shade val="59000"/>
+                <a:shade val="48000"/>
                 <a:satMod val="120000"/>
               </a:schemeClr>
             </a:gs>
           </a:gsLst>
-          <a:path path="circle">
-            <a:fillToRect l="40000" t="60000" r="60000" b="40000"/>
-          </a:path>
+          <a:lin ang="16200000" scaled="0"/>
         </a:gradFill>
       </a:bgFillStyleLst>
     </a:fmtScheme>
   </a:themeElements>
   <a:objectDefaults/>
   <a:extraClrSchemeLst/>
+  <a:extLst>
+    <a:ext uri="{05A4C25C-085E-4340-85A3-A5531E510DB2}">
+      <thm15:themeFamily xmlns:thm15="http://schemas.microsoft.com/office/thememl/2012/main" name="Retrospect" id="{5F128B03-DCCA-4EEB-AB3B-CF2899314A46}" vid="{3F1AAB62-24C6-49D2-8E01-B56FAC9A3DCD}"/>
+    </a:ext>
+  </a:extLst>
 </a:theme>
 </file>
 

--- a/translations/en-us/intermediate/MoveDistance.pptx
+++ b/translations/en-us/intermediate/MoveDistance.pptx
@@ -3,27 +3,28 @@
 <p:presentation xmlns:a="http://schemas.openxmlformats.org/drawingml/2006/main" xmlns:r="http://schemas.openxmlformats.org/officeDocument/2006/relationships" xmlns:p="http://schemas.openxmlformats.org/presentationml/2006/main" showSpecialPlsOnTitleSld="0" saveSubsetFonts="1" autoCompressPictures="0">
   <p:sldMasterIdLst>
     <p:sldMasterId id="2147483726" r:id="rId1"/>
+    <p:sldMasterId id="2147483750" r:id="rId2"/>
   </p:sldMasterIdLst>
   <p:notesMasterIdLst>
-    <p:notesMasterId r:id="rId15"/>
+    <p:notesMasterId r:id="rId16"/>
   </p:notesMasterIdLst>
   <p:handoutMasterIdLst>
-    <p:handoutMasterId r:id="rId16"/>
+    <p:handoutMasterId r:id="rId17"/>
   </p:handoutMasterIdLst>
   <p:sldIdLst>
-    <p:sldId id="379" r:id="rId2"/>
-    <p:sldId id="372" r:id="rId3"/>
-    <p:sldId id="371" r:id="rId4"/>
-    <p:sldId id="345" r:id="rId5"/>
-    <p:sldId id="375" r:id="rId6"/>
-    <p:sldId id="376" r:id="rId7"/>
-    <p:sldId id="374" r:id="rId8"/>
-    <p:sldId id="357" r:id="rId9"/>
-    <p:sldId id="373" r:id="rId10"/>
-    <p:sldId id="378" r:id="rId11"/>
-    <p:sldId id="355" r:id="rId12"/>
-    <p:sldId id="377" r:id="rId13"/>
-    <p:sldId id="370" r:id="rId14"/>
+    <p:sldId id="379" r:id="rId3"/>
+    <p:sldId id="372" r:id="rId4"/>
+    <p:sldId id="371" r:id="rId5"/>
+    <p:sldId id="345" r:id="rId6"/>
+    <p:sldId id="375" r:id="rId7"/>
+    <p:sldId id="376" r:id="rId8"/>
+    <p:sldId id="374" r:id="rId9"/>
+    <p:sldId id="357" r:id="rId10"/>
+    <p:sldId id="373" r:id="rId11"/>
+    <p:sldId id="378" r:id="rId12"/>
+    <p:sldId id="355" r:id="rId13"/>
+    <p:sldId id="377" r:id="rId14"/>
+    <p:sldId id="370" r:id="rId15"/>
   </p:sldIdLst>
   <p:sldSz cx="9144000" cy="6858000" type="screen4x3"/>
   <p:notesSz cx="6858000" cy="9144000"/>
@@ -223,7 +224,7 @@
           <a:p>
             <a:fld id="{E00FA3B4-5499-9244-86B5-B0871A9DDD84}" type="datetimeFigureOut">
               <a:rPr lang="en-US" smtClean="0"/>
-              <a:t>11/13/15</a:t>
+              <a:t>7/6/2016</a:t>
             </a:fld>
             <a:endParaRPr lang="en-US"/>
           </a:p>
@@ -389,7 +390,7 @@
           <a:p>
             <a:fld id="{FD3EFF1E-85A1-6640-AFB9-C38833E80A84}" type="datetimeFigureOut">
               <a:rPr lang="en-US" smtClean="0"/>
-              <a:t>11/13/15</a:t>
+              <a:t>7/6/2016</a:t>
             </a:fld>
             <a:endParaRPr lang="en-US"/>
           </a:p>
@@ -453,38 +454,37 @@
           <a:p>
             <a:pPr lvl="0"/>
             <a:r>
-              <a:rPr lang="en-US" smtClean="0"/>
+              <a:rPr lang="en-US"/>
               <a:t>Click to edit Master text styles</a:t>
             </a:r>
           </a:p>
           <a:p>
             <a:pPr lvl="1"/>
             <a:r>
-              <a:rPr lang="en-US" smtClean="0"/>
+              <a:rPr lang="en-US"/>
               <a:t>Second level</a:t>
             </a:r>
           </a:p>
           <a:p>
             <a:pPr lvl="2"/>
             <a:r>
-              <a:rPr lang="en-US" smtClean="0"/>
+              <a:rPr lang="en-US"/>
               <a:t>Third level</a:t>
             </a:r>
           </a:p>
           <a:p>
             <a:pPr lvl="3"/>
             <a:r>
-              <a:rPr lang="en-US" smtClean="0"/>
+              <a:rPr lang="en-US"/>
               <a:t>Fourth level</a:t>
             </a:r>
           </a:p>
           <a:p>
             <a:pPr lvl="4"/>
             <a:r>
-              <a:rPr lang="en-US" smtClean="0"/>
+              <a:rPr lang="en-US"/>
               <a:t>Fifth level</a:t>
             </a:r>
-            <a:endParaRPr lang="en-US"/>
           </a:p>
         </p:txBody>
       </p:sp>
@@ -1005,10 +1005,9 @@
           </a:lstStyle>
           <a:p>
             <a:r>
-              <a:rPr lang="en-US" dirty="0" smtClean="0"/>
+              <a:rPr lang="en-US" dirty="0"/>
               <a:t>INTERMEDIATE PROGRAMMING LESSON</a:t>
             </a:r>
-            <a:endParaRPr lang="en-US" dirty="0"/>
           </a:p>
         </p:txBody>
       </p:sp>
@@ -1077,10 +1076,9 @@
           </a:lstStyle>
           <a:p>
             <a:r>
-              <a:rPr lang="en-US" dirty="0" smtClean="0"/>
+              <a:rPr lang="en-US" dirty="0"/>
               <a:t>Click to edit Master subtitle style</a:t>
             </a:r>
-            <a:endParaRPr lang="en-US" dirty="0"/>
           </a:p>
         </p:txBody>
       </p:sp>
@@ -1099,9 +1097,9 @@
           <a:bodyPr/>
           <a:lstStyle/>
           <a:p>
-            <a:fld id="{6B13CFBD-0392-DF42-9C65-6D1DE0580181}" type="datetime1">
+            <a:fld id="{FFDA73B5-4D47-4C12-B031-C6EB4DD47DF2}" type="datetime1">
               <a:rPr lang="en-US" smtClean="0"/>
-              <a:t>11/13/15</a:t>
+              <a:t>7/6/2016</a:t>
             </a:fld>
             <a:endParaRPr lang="en-US"/>
           </a:p>
@@ -1123,10 +1121,9 @@
           <a:lstStyle/>
           <a:p>
             <a:r>
-              <a:rPr lang="sk-SK" smtClean="0"/>
-              <a:t>© 2015 EV3Lessons.com, Last edit 11/13/2015</a:t>
-            </a:r>
-            <a:endParaRPr lang="en-US"/>
+              <a:rPr lang="en-US"/>
+              <a:t>Copytight © 2015 EV3Lessons.com, Last edit 7/06/2016</a:t>
+            </a:r>
           </a:p>
         </p:txBody>
       </p:sp>
@@ -1267,70 +1264,6 @@
           </a:fontRef>
         </p:style>
       </p:sp>
-      <p:sp>
-        <p:nvSpPr>
-          <p:cNvPr id="13" name="TextBox 12"/>
-          <p:cNvSpPr txBox="1"/>
-          <p:nvPr userDrawn="1"/>
-        </p:nvSpPr>
-        <p:spPr>
-          <a:xfrm>
-            <a:off x="1481621" y="5931894"/>
-            <a:ext cx="2391085" cy="369332"/>
-          </a:xfrm>
-          <a:prstGeom prst="rect">
-            <a:avLst/>
-          </a:prstGeom>
-          <a:noFill/>
-        </p:spPr>
-        <p:txBody>
-          <a:bodyPr wrap="square" rtlCol="0">
-            <a:spAutoFit/>
-          </a:bodyPr>
-          <a:lstStyle/>
-          <a:p>
-            <a:r>
-              <a:rPr lang="en-US" dirty="0" smtClean="0"/>
-              <a:t>By </a:t>
-            </a:r>
-            <a:r>
-              <a:rPr lang="en-US" smtClean="0"/>
-              <a:t>Droids Robotics</a:t>
-            </a:r>
-            <a:endParaRPr lang="en-US"/>
-          </a:p>
-        </p:txBody>
-      </p:sp>
-      <p:pic>
-        <p:nvPicPr>
-          <p:cNvPr id="14" name="Picture 13"/>
-          <p:cNvPicPr>
-            <a:picLocks noChangeAspect="1"/>
-          </p:cNvPicPr>
-          <p:nvPr userDrawn="1"/>
-        </p:nvPicPr>
-        <p:blipFill>
-          <a:blip r:embed="rId2">
-            <a:extLst>
-              <a:ext uri="{28A0092B-C50C-407E-A947-70E740481C1C}">
-                <a14:useLocalDpi xmlns:a14="http://schemas.microsoft.com/office/drawing/2010/main" val="0"/>
-              </a:ext>
-            </a:extLst>
-          </a:blip>
-          <a:stretch>
-            <a:fillRect/>
-          </a:stretch>
-        </p:blipFill>
-        <p:spPr>
-          <a:xfrm>
-            <a:off x="164036" y="4938756"/>
-            <a:ext cx="1317585" cy="1260490"/>
-          </a:xfrm>
-          <a:prstGeom prst="rect">
-            <a:avLst/>
-          </a:prstGeom>
-        </p:spPr>
-      </p:pic>
       <p:pic>
         <p:nvPicPr>
           <p:cNvPr id="15" name="Picture 14" descr="EV3Lessons.com"/>
@@ -1340,7 +1273,7 @@
           <p:nvPr userDrawn="1"/>
         </p:nvPicPr>
         <p:blipFill>
-          <a:blip r:embed="rId3" cstate="email">
+          <a:blip r:embed="rId2" cstate="email">
             <a:extLst>
               <a:ext uri="{28A0092B-C50C-407E-A947-70E740481C1C}">
                 <a14:useLocalDpi xmlns:a14="http://schemas.microsoft.com/office/drawing/2010/main" val="0"/>
@@ -1418,83 +1351,83 @@
           <a:lstStyle/>
           <a:p>
             <a:r>
+              <a:rPr lang="en-US"/>
+              <a:t>Click to edit Master title style</a:t>
+            </a:r>
+            <a:endParaRPr lang="en-US" dirty="0"/>
+          </a:p>
+        </p:txBody>
+      </p:sp>
+      <p:sp>
+        <p:nvSpPr>
+          <p:cNvPr id="3" name="Vertical Text Placeholder 2"/>
+          <p:cNvSpPr>
+            <a:spLocks noGrp="1"/>
+          </p:cNvSpPr>
+          <p:nvPr>
+            <p:ph type="body" orient="vert" idx="1"/>
+          </p:nvPr>
+        </p:nvSpPr>
+        <p:spPr/>
+        <p:txBody>
+          <a:bodyPr vert="eaVert" lIns="45720" tIns="0" rIns="45720" bIns="0"/>
+          <a:lstStyle/>
+          <a:p>
+            <a:pPr lvl="0"/>
+            <a:r>
+              <a:rPr lang="en-US"/>
+              <a:t>Click to edit Master text styles</a:t>
+            </a:r>
+          </a:p>
+          <a:p>
+            <a:pPr lvl="1"/>
+            <a:r>
+              <a:rPr lang="en-US"/>
+              <a:t>Second level</a:t>
+            </a:r>
+          </a:p>
+          <a:p>
+            <a:pPr lvl="2"/>
+            <a:r>
+              <a:rPr lang="en-US"/>
+              <a:t>Third level</a:t>
+            </a:r>
+          </a:p>
+          <a:p>
+            <a:pPr lvl="3"/>
+            <a:r>
+              <a:rPr lang="en-US"/>
+              <a:t>Fourth level</a:t>
+            </a:r>
+          </a:p>
+          <a:p>
+            <a:pPr lvl="4"/>
+            <a:r>
+              <a:rPr lang="en-US"/>
+              <a:t>Fifth level</a:t>
+            </a:r>
+            <a:endParaRPr lang="en-US" dirty="0"/>
+          </a:p>
+        </p:txBody>
+      </p:sp>
+      <p:sp>
+        <p:nvSpPr>
+          <p:cNvPr id="4" name="Date Placeholder 3"/>
+          <p:cNvSpPr>
+            <a:spLocks noGrp="1"/>
+          </p:cNvSpPr>
+          <p:nvPr>
+            <p:ph type="dt" sz="half" idx="10"/>
+          </p:nvPr>
+        </p:nvSpPr>
+        <p:spPr/>
+        <p:txBody>
+          <a:bodyPr/>
+          <a:lstStyle/>
+          <a:p>
+            <a:fld id="{5325B47E-7241-4EF1-9178-D9CE84F0FCC1}" type="datetime1">
               <a:rPr lang="en-US" smtClean="0"/>
-              <a:t>Click to edit Master title style</a:t>
-            </a:r>
-            <a:endParaRPr lang="en-US" dirty="0"/>
-          </a:p>
-        </p:txBody>
-      </p:sp>
-      <p:sp>
-        <p:nvSpPr>
-          <p:cNvPr id="3" name="Vertical Text Placeholder 2"/>
-          <p:cNvSpPr>
-            <a:spLocks noGrp="1"/>
-          </p:cNvSpPr>
-          <p:nvPr>
-            <p:ph type="body" orient="vert" idx="1"/>
-          </p:nvPr>
-        </p:nvSpPr>
-        <p:spPr/>
-        <p:txBody>
-          <a:bodyPr vert="eaVert" lIns="45720" tIns="0" rIns="45720" bIns="0"/>
-          <a:lstStyle/>
-          <a:p>
-            <a:pPr lvl="0"/>
-            <a:r>
-              <a:rPr lang="en-US" smtClean="0"/>
-              <a:t>Click to edit Master text styles</a:t>
-            </a:r>
-          </a:p>
-          <a:p>
-            <a:pPr lvl="1"/>
-            <a:r>
-              <a:rPr lang="en-US" smtClean="0"/>
-              <a:t>Second level</a:t>
-            </a:r>
-          </a:p>
-          <a:p>
-            <a:pPr lvl="2"/>
-            <a:r>
-              <a:rPr lang="en-US" smtClean="0"/>
-              <a:t>Third level</a:t>
-            </a:r>
-          </a:p>
-          <a:p>
-            <a:pPr lvl="3"/>
-            <a:r>
-              <a:rPr lang="en-US" smtClean="0"/>
-              <a:t>Fourth level</a:t>
-            </a:r>
-          </a:p>
-          <a:p>
-            <a:pPr lvl="4"/>
-            <a:r>
-              <a:rPr lang="en-US" smtClean="0"/>
-              <a:t>Fifth level</a:t>
-            </a:r>
-            <a:endParaRPr lang="en-US" dirty="0"/>
-          </a:p>
-        </p:txBody>
-      </p:sp>
-      <p:sp>
-        <p:nvSpPr>
-          <p:cNvPr id="4" name="Date Placeholder 3"/>
-          <p:cNvSpPr>
-            <a:spLocks noGrp="1"/>
-          </p:cNvSpPr>
-          <p:nvPr>
-            <p:ph type="dt" sz="half" idx="10"/>
-          </p:nvPr>
-        </p:nvSpPr>
-        <p:spPr/>
-        <p:txBody>
-          <a:bodyPr/>
-          <a:lstStyle/>
-          <a:p>
-            <a:fld id="{BF0F175E-9EAC-E14B-B7AC-8C8F25EC1DAA}" type="datetime1">
-              <a:rPr lang="en-US" smtClean="0"/>
-              <a:t>11/13/15</a:t>
+              <a:t>7/6/2016</a:t>
             </a:fld>
             <a:endParaRPr lang="en-US"/>
           </a:p>
@@ -1516,10 +1449,9 @@
           <a:lstStyle/>
           <a:p>
             <a:r>
-              <a:rPr lang="sk-SK" smtClean="0"/>
-              <a:t>© 2015 EV3Lessons.com, Last edit 11/13/2015</a:t>
-            </a:r>
-            <a:endParaRPr lang="en-US"/>
+              <a:rPr lang="en-US"/>
+              <a:t>Copytight © 2015 EV3Lessons.com, Last edit 7/06/2016</a:t>
+            </a:r>
           </a:p>
         </p:txBody>
       </p:sp>
@@ -1673,7 +1605,7 @@
           <a:lstStyle/>
           <a:p>
             <a:r>
-              <a:rPr lang="en-US" smtClean="0"/>
+              <a:rPr lang="en-US"/>
               <a:t>Click to edit Master title style</a:t>
             </a:r>
             <a:endParaRPr lang="en-US" dirty="0"/>
@@ -1702,59 +1634,59 @@
           <a:p>
             <a:pPr lvl="0"/>
             <a:r>
+              <a:rPr lang="en-US"/>
+              <a:t>Click to edit Master text styles</a:t>
+            </a:r>
+          </a:p>
+          <a:p>
+            <a:pPr lvl="1"/>
+            <a:r>
+              <a:rPr lang="en-US"/>
+              <a:t>Second level</a:t>
+            </a:r>
+          </a:p>
+          <a:p>
+            <a:pPr lvl="2"/>
+            <a:r>
+              <a:rPr lang="en-US"/>
+              <a:t>Third level</a:t>
+            </a:r>
+          </a:p>
+          <a:p>
+            <a:pPr lvl="3"/>
+            <a:r>
+              <a:rPr lang="en-US"/>
+              <a:t>Fourth level</a:t>
+            </a:r>
+          </a:p>
+          <a:p>
+            <a:pPr lvl="4"/>
+            <a:r>
+              <a:rPr lang="en-US"/>
+              <a:t>Fifth level</a:t>
+            </a:r>
+            <a:endParaRPr lang="en-US" dirty="0"/>
+          </a:p>
+        </p:txBody>
+      </p:sp>
+      <p:sp>
+        <p:nvSpPr>
+          <p:cNvPr id="4" name="Date Placeholder 3"/>
+          <p:cNvSpPr>
+            <a:spLocks noGrp="1"/>
+          </p:cNvSpPr>
+          <p:nvPr>
+            <p:ph type="dt" sz="half" idx="10"/>
+          </p:nvPr>
+        </p:nvSpPr>
+        <p:spPr/>
+        <p:txBody>
+          <a:bodyPr/>
+          <a:lstStyle/>
+          <a:p>
+            <a:fld id="{8A0E6C95-474F-43A9-9CA0-2486568B0A34}" type="datetime1">
               <a:rPr lang="en-US" smtClean="0"/>
-              <a:t>Click to edit Master text styles</a:t>
-            </a:r>
-          </a:p>
-          <a:p>
-            <a:pPr lvl="1"/>
-            <a:r>
-              <a:rPr lang="en-US" smtClean="0"/>
-              <a:t>Second level</a:t>
-            </a:r>
-          </a:p>
-          <a:p>
-            <a:pPr lvl="2"/>
-            <a:r>
-              <a:rPr lang="en-US" smtClean="0"/>
-              <a:t>Third level</a:t>
-            </a:r>
-          </a:p>
-          <a:p>
-            <a:pPr lvl="3"/>
-            <a:r>
-              <a:rPr lang="en-US" smtClean="0"/>
-              <a:t>Fourth level</a:t>
-            </a:r>
-          </a:p>
-          <a:p>
-            <a:pPr lvl="4"/>
-            <a:r>
-              <a:rPr lang="en-US" smtClean="0"/>
-              <a:t>Fifth level</a:t>
-            </a:r>
-            <a:endParaRPr lang="en-US" dirty="0"/>
-          </a:p>
-        </p:txBody>
-      </p:sp>
-      <p:sp>
-        <p:nvSpPr>
-          <p:cNvPr id="4" name="Date Placeholder 3"/>
-          <p:cNvSpPr>
-            <a:spLocks noGrp="1"/>
-          </p:cNvSpPr>
-          <p:nvPr>
-            <p:ph type="dt" sz="half" idx="10"/>
-          </p:nvPr>
-        </p:nvSpPr>
-        <p:spPr/>
-        <p:txBody>
-          <a:bodyPr/>
-          <a:lstStyle/>
-          <a:p>
-            <a:fld id="{ABE2FCFC-C57A-2442-884C-F5C58B3A2465}" type="datetime1">
-              <a:rPr lang="en-US" smtClean="0"/>
-              <a:t>11/13/15</a:t>
+              <a:t>7/6/2016</a:t>
             </a:fld>
             <a:endParaRPr lang="en-US"/>
           </a:p>
@@ -1776,10 +1708,9 @@
           <a:lstStyle/>
           <a:p>
             <a:r>
-              <a:rPr lang="sk-SK" smtClean="0"/>
-              <a:t>© 2015 EV3Lessons.com, Last edit 11/13/2015</a:t>
-            </a:r>
-            <a:endParaRPr lang="en-US"/>
+              <a:rPr lang="en-US"/>
+              <a:t>Copytight © 2015 EV3Lessons.com, Last edit 7/06/2016</a:t>
+            </a:r>
           </a:p>
         </p:txBody>
       </p:sp>
@@ -1819,7 +1750,533 @@
 </p:sldLayout>
 </file>
 
-<file path=ppt/slideLayouts/slideLayout2.xml><?xml version="1.0" encoding="utf-8"?>
+<file path=ppt/slideLayouts/slideLayout12.xml><?xml version="1.0" encoding="utf-8"?>
+<p:sldLayout xmlns:a="http://schemas.openxmlformats.org/drawingml/2006/main" xmlns:r="http://schemas.openxmlformats.org/officeDocument/2006/relationships" xmlns:p="http://schemas.openxmlformats.org/presentationml/2006/main" showMasterSp="0" type="title" preserve="1">
+  <p:cSld name="Title Slide">
+    <p:spTree>
+      <p:nvGrpSpPr>
+        <p:cNvPr id="1" name=""/>
+        <p:cNvGrpSpPr/>
+        <p:nvPr/>
+      </p:nvGrpSpPr>
+      <p:grpSpPr>
+        <a:xfrm>
+          <a:off x="0" y="0"/>
+          <a:ext cx="0" cy="0"/>
+          <a:chOff x="0" y="0"/>
+          <a:chExt cx="0" cy="0"/>
+        </a:xfrm>
+      </p:grpSpPr>
+      <p:sp>
+        <p:nvSpPr>
+          <p:cNvPr id="7" name="Rectangle 6"/>
+          <p:cNvSpPr/>
+          <p:nvPr/>
+        </p:nvSpPr>
+        <p:spPr>
+          <a:xfrm>
+            <a:off x="2382" y="6400800"/>
+            <a:ext cx="9141619" cy="457200"/>
+          </a:xfrm>
+          <a:prstGeom prst="rect">
+            <a:avLst/>
+          </a:prstGeom>
+          <a:solidFill>
+            <a:srgbClr val="0070C0"/>
+          </a:solidFill>
+          <a:ln>
+            <a:noFill/>
+          </a:ln>
+        </p:spPr>
+        <p:style>
+          <a:lnRef idx="2">
+            <a:schemeClr val="accent1">
+              <a:shade val="50000"/>
+            </a:schemeClr>
+          </a:lnRef>
+          <a:fillRef idx="1">
+            <a:schemeClr val="accent1"/>
+          </a:fillRef>
+          <a:effectRef idx="0">
+            <a:schemeClr val="accent1"/>
+          </a:effectRef>
+          <a:fontRef idx="minor">
+            <a:schemeClr val="lt1"/>
+          </a:fontRef>
+        </p:style>
+      </p:sp>
+      <p:sp>
+        <p:nvSpPr>
+          <p:cNvPr id="2" name="Title 1"/>
+          <p:cNvSpPr>
+            <a:spLocks noGrp="1"/>
+          </p:cNvSpPr>
+          <p:nvPr>
+            <p:ph type="ctrTitle" hasCustomPrompt="1"/>
+          </p:nvPr>
+        </p:nvSpPr>
+        <p:spPr>
+          <a:xfrm>
+            <a:off x="196279" y="154094"/>
+            <a:ext cx="3853207" cy="1870649"/>
+          </a:xfrm>
+          <a:ln>
+            <a:noFill/>
+          </a:ln>
+        </p:spPr>
+        <p:txBody>
+          <a:bodyPr anchor="ctr">
+            <a:normAutofit/>
+          </a:bodyPr>
+          <a:lstStyle>
+            <a:lvl1pPr algn="l">
+              <a:lnSpc>
+                <a:spcPct val="85000"/>
+              </a:lnSpc>
+              <a:defRPr sz="4000" spc="-50" baseline="0">
+                <a:solidFill>
+                  <a:schemeClr val="tx1">
+                    <a:lumMod val="85000"/>
+                    <a:lumOff val="15000"/>
+                  </a:schemeClr>
+                </a:solidFill>
+              </a:defRPr>
+            </a:lvl1pPr>
+          </a:lstStyle>
+          <a:p>
+            <a:r>
+              <a:rPr lang="en-US" dirty="0"/>
+              <a:t>INTERMEDIATE PROGRAMMING LESSON</a:t>
+            </a:r>
+          </a:p>
+        </p:txBody>
+      </p:sp>
+      <p:sp>
+        <p:nvSpPr>
+          <p:cNvPr id="3" name="Subtitle 2"/>
+          <p:cNvSpPr>
+            <a:spLocks noGrp="1"/>
+          </p:cNvSpPr>
+          <p:nvPr>
+            <p:ph type="subTitle" idx="1"/>
+          </p:nvPr>
+        </p:nvSpPr>
+        <p:spPr>
+          <a:xfrm>
+            <a:off x="1548051" y="3452894"/>
+            <a:ext cx="6004883" cy="401411"/>
+          </a:xfrm>
+        </p:spPr>
+        <p:txBody>
+          <a:bodyPr lIns="91440" rIns="91440">
+            <a:normAutofit/>
+          </a:bodyPr>
+          <a:lstStyle>
+            <a:lvl1pPr marL="0" indent="0" algn="ctr">
+              <a:buNone/>
+              <a:defRPr sz="2400" cap="all" spc="200" baseline="0">
+                <a:solidFill>
+                  <a:schemeClr val="tx2"/>
+                </a:solidFill>
+                <a:latin typeface="+mj-lt"/>
+              </a:defRPr>
+            </a:lvl1pPr>
+            <a:lvl2pPr marL="457200" indent="0" algn="ctr">
+              <a:buNone/>
+              <a:defRPr sz="2400"/>
+            </a:lvl2pPr>
+            <a:lvl3pPr marL="914400" indent="0" algn="ctr">
+              <a:buNone/>
+              <a:defRPr sz="2400"/>
+            </a:lvl3pPr>
+            <a:lvl4pPr marL="1371600" indent="0" algn="ctr">
+              <a:buNone/>
+              <a:defRPr sz="2000"/>
+            </a:lvl4pPr>
+            <a:lvl5pPr marL="1828800" indent="0" algn="ctr">
+              <a:buNone/>
+              <a:defRPr sz="2000"/>
+            </a:lvl5pPr>
+            <a:lvl6pPr marL="2286000" indent="0" algn="ctr">
+              <a:buNone/>
+              <a:defRPr sz="2000"/>
+            </a:lvl6pPr>
+            <a:lvl7pPr marL="2743200" indent="0" algn="ctr">
+              <a:buNone/>
+              <a:defRPr sz="2000"/>
+            </a:lvl7pPr>
+            <a:lvl8pPr marL="3200400" indent="0" algn="ctr">
+              <a:buNone/>
+              <a:defRPr sz="2000"/>
+            </a:lvl8pPr>
+            <a:lvl9pPr marL="3657600" indent="0" algn="ctr">
+              <a:buNone/>
+              <a:defRPr sz="2000"/>
+            </a:lvl9pPr>
+          </a:lstStyle>
+          <a:p>
+            <a:r>
+              <a:rPr lang="en-US"/>
+              <a:t>Click to edit Master subtitle style</a:t>
+            </a:r>
+            <a:endParaRPr lang="en-US" dirty="0"/>
+          </a:p>
+        </p:txBody>
+      </p:sp>
+      <p:sp>
+        <p:nvSpPr>
+          <p:cNvPr id="4" name="Date Placeholder 3"/>
+          <p:cNvSpPr>
+            <a:spLocks noGrp="1"/>
+          </p:cNvSpPr>
+          <p:nvPr>
+            <p:ph type="dt" sz="half" idx="10"/>
+          </p:nvPr>
+        </p:nvSpPr>
+        <p:spPr/>
+        <p:txBody>
+          <a:bodyPr/>
+          <a:lstStyle/>
+          <a:p>
+            <a:fld id="{572895A2-2FAB-40D9-BB30-AA72D76004B4}" type="datetime1">
+              <a:rPr lang="en-US" smtClean="0"/>
+              <a:t>7/6/2016</a:t>
+            </a:fld>
+            <a:endParaRPr lang="en-US"/>
+          </a:p>
+        </p:txBody>
+      </p:sp>
+      <p:sp>
+        <p:nvSpPr>
+          <p:cNvPr id="5" name="Footer Placeholder 4"/>
+          <p:cNvSpPr>
+            <a:spLocks noGrp="1"/>
+          </p:cNvSpPr>
+          <p:nvPr>
+            <p:ph type="ftr" sz="quarter" idx="11"/>
+          </p:nvPr>
+        </p:nvSpPr>
+        <p:spPr/>
+        <p:txBody>
+          <a:bodyPr/>
+          <a:lstStyle/>
+          <a:p>
+            <a:r>
+              <a:rPr lang="en-US"/>
+              <a:t>Copytight © 2015 EV3Lessons.com, Last edit 7/06/2016</a:t>
+            </a:r>
+          </a:p>
+        </p:txBody>
+      </p:sp>
+      <p:sp>
+        <p:nvSpPr>
+          <p:cNvPr id="6" name="Slide Number Placeholder 5"/>
+          <p:cNvSpPr>
+            <a:spLocks noGrp="1"/>
+          </p:cNvSpPr>
+          <p:nvPr>
+            <p:ph type="sldNum" sz="quarter" idx="12"/>
+          </p:nvPr>
+        </p:nvSpPr>
+        <p:spPr/>
+        <p:txBody>
+          <a:bodyPr/>
+          <a:lstStyle/>
+          <a:p>
+            <a:fld id="{7F5CE407-6216-4202-80E4-A30DC2F709B2}" type="slidenum">
+              <a:rPr lang="en-US" smtClean="0"/>
+              <a:t>‹#›</a:t>
+            </a:fld>
+            <a:endParaRPr lang="en-US"/>
+          </a:p>
+        </p:txBody>
+      </p:sp>
+      <p:cxnSp>
+        <p:nvCxnSpPr>
+          <p:cNvPr id="9" name="Straight Connector 8"/>
+          <p:cNvCxnSpPr/>
+          <p:nvPr/>
+        </p:nvCxnSpPr>
+        <p:spPr>
+          <a:xfrm>
+            <a:off x="905744" y="3854305"/>
+            <a:ext cx="7406640" cy="0"/>
+          </a:xfrm>
+          <a:prstGeom prst="line">
+            <a:avLst/>
+          </a:prstGeom>
+          <a:ln w="6350">
+            <a:solidFill>
+              <a:schemeClr val="tx1">
+                <a:lumMod val="50000"/>
+                <a:lumOff val="50000"/>
+              </a:schemeClr>
+            </a:solidFill>
+          </a:ln>
+        </p:spPr>
+        <p:style>
+          <a:lnRef idx="1">
+            <a:schemeClr val="accent1"/>
+          </a:lnRef>
+          <a:fillRef idx="0">
+            <a:schemeClr val="accent1"/>
+          </a:fillRef>
+          <a:effectRef idx="0">
+            <a:schemeClr val="accent1"/>
+          </a:effectRef>
+          <a:fontRef idx="minor">
+            <a:schemeClr val="tx1"/>
+          </a:fontRef>
+        </p:style>
+      </p:cxnSp>
+      <p:sp>
+        <p:nvSpPr>
+          <p:cNvPr id="10" name="Rectangle 9"/>
+          <p:cNvSpPr/>
+          <p:nvPr/>
+        </p:nvSpPr>
+        <p:spPr>
+          <a:xfrm>
+            <a:off x="0" y="6334315"/>
+            <a:ext cx="4487333" cy="92382"/>
+          </a:xfrm>
+          <a:prstGeom prst="rect">
+            <a:avLst/>
+          </a:prstGeom>
+          <a:solidFill>
+            <a:srgbClr val="00B050"/>
+          </a:solidFill>
+          <a:ln>
+            <a:noFill/>
+          </a:ln>
+        </p:spPr>
+        <p:style>
+          <a:lnRef idx="2">
+            <a:schemeClr val="accent1">
+              <a:shade val="50000"/>
+            </a:schemeClr>
+          </a:lnRef>
+          <a:fillRef idx="1">
+            <a:schemeClr val="accent1"/>
+          </a:fillRef>
+          <a:effectRef idx="0">
+            <a:schemeClr val="accent1"/>
+          </a:effectRef>
+          <a:fontRef idx="minor">
+            <a:schemeClr val="lt1"/>
+          </a:fontRef>
+        </p:style>
+      </p:sp>
+      <p:sp>
+        <p:nvSpPr>
+          <p:cNvPr id="11" name="Rectangle 10"/>
+          <p:cNvSpPr/>
+          <p:nvPr/>
+        </p:nvSpPr>
+        <p:spPr>
+          <a:xfrm>
+            <a:off x="4487333" y="6334315"/>
+            <a:ext cx="4656667" cy="92382"/>
+          </a:xfrm>
+          <a:prstGeom prst="rect">
+            <a:avLst/>
+          </a:prstGeom>
+          <a:solidFill>
+            <a:srgbClr val="7030A0"/>
+          </a:solidFill>
+          <a:ln>
+            <a:noFill/>
+          </a:ln>
+        </p:spPr>
+        <p:style>
+          <a:lnRef idx="2">
+            <a:schemeClr val="accent1">
+              <a:shade val="50000"/>
+            </a:schemeClr>
+          </a:lnRef>
+          <a:fillRef idx="1">
+            <a:schemeClr val="accent1"/>
+          </a:fillRef>
+          <a:effectRef idx="0">
+            <a:schemeClr val="accent1"/>
+          </a:effectRef>
+          <a:fontRef idx="minor">
+            <a:schemeClr val="lt1"/>
+          </a:fontRef>
+        </p:style>
+      </p:sp>
+      <p:sp>
+        <p:nvSpPr>
+          <p:cNvPr id="8" name="TextBox 7"/>
+          <p:cNvSpPr txBox="1"/>
+          <p:nvPr/>
+        </p:nvSpPr>
+        <p:spPr>
+          <a:xfrm>
+            <a:off x="2363695" y="3959525"/>
+            <a:ext cx="4373593" cy="369332"/>
+          </a:xfrm>
+          <a:prstGeom prst="rect">
+            <a:avLst/>
+          </a:prstGeom>
+          <a:noFill/>
+        </p:spPr>
+        <p:txBody>
+          <a:bodyPr wrap="square" rtlCol="0">
+            <a:spAutoFit/>
+          </a:bodyPr>
+          <a:lstStyle/>
+          <a:p>
+            <a:pPr algn="ctr"/>
+            <a:r>
+              <a:rPr lang="en-US" dirty="0">
+                <a:latin typeface="+mj-lt"/>
+              </a:rPr>
+              <a:t>By</a:t>
+            </a:r>
+            <a:r>
+              <a:rPr lang="en-US" baseline="0" dirty="0">
+                <a:latin typeface="+mj-lt"/>
+              </a:rPr>
+              <a:t> Sanjay and Arvind Seshan</a:t>
+            </a:r>
+            <a:endParaRPr lang="en-US" dirty="0">
+              <a:latin typeface="+mj-lt"/>
+            </a:endParaRPr>
+          </a:p>
+        </p:txBody>
+      </p:sp>
+      <p:pic>
+        <p:nvPicPr>
+          <p:cNvPr id="1026" name="Picture 2" descr="EV3Lessons.com"/>
+          <p:cNvPicPr>
+            <a:picLocks noChangeAspect="1" noChangeArrowheads="1"/>
+          </p:cNvPicPr>
+          <p:nvPr/>
+        </p:nvPicPr>
+        <p:blipFill>
+          <a:blip r:embed="rId2">
+            <a:extLst>
+              <a:ext uri="{28A0092B-C50C-407E-A947-70E740481C1C}">
+                <a14:useLocalDpi xmlns:a14="http://schemas.microsoft.com/office/drawing/2010/main" val="0"/>
+              </a:ext>
+            </a:extLst>
+          </a:blip>
+          <a:srcRect/>
+          <a:stretch>
+            <a:fillRect/>
+          </a:stretch>
+        </p:blipFill>
+        <p:spPr bwMode="auto">
+          <a:xfrm>
+            <a:off x="3955687" y="139554"/>
+            <a:ext cx="5075507" cy="1885189"/>
+          </a:xfrm>
+          <a:prstGeom prst="rect">
+            <a:avLst/>
+          </a:prstGeom>
+          <a:noFill/>
+          <a:extLst>
+            <a:ext uri="{909E8E84-426E-40DD-AFC4-6F175D3DCCD1}">
+              <a14:hiddenFill xmlns:a14="http://schemas.microsoft.com/office/drawing/2010/main">
+                <a:solidFill>
+                  <a:srgbClr val="FFFFFF"/>
+                </a:solidFill>
+              </a14:hiddenFill>
+            </a:ext>
+          </a:extLst>
+        </p:spPr>
+      </p:pic>
+      <p:sp>
+        <p:nvSpPr>
+          <p:cNvPr id="13" name="Rectangle 12"/>
+          <p:cNvSpPr/>
+          <p:nvPr userDrawn="1"/>
+        </p:nvSpPr>
+        <p:spPr>
+          <a:xfrm>
+            <a:off x="0" y="6334315"/>
+            <a:ext cx="4487333" cy="92382"/>
+          </a:xfrm>
+          <a:prstGeom prst="rect">
+            <a:avLst/>
+          </a:prstGeom>
+          <a:solidFill>
+            <a:srgbClr val="00B050"/>
+          </a:solidFill>
+          <a:ln>
+            <a:noFill/>
+          </a:ln>
+        </p:spPr>
+        <p:style>
+          <a:lnRef idx="2">
+            <a:schemeClr val="accent1">
+              <a:shade val="50000"/>
+            </a:schemeClr>
+          </a:lnRef>
+          <a:fillRef idx="1">
+            <a:schemeClr val="accent1"/>
+          </a:fillRef>
+          <a:effectRef idx="0">
+            <a:schemeClr val="accent1"/>
+          </a:effectRef>
+          <a:fontRef idx="minor">
+            <a:schemeClr val="lt1"/>
+          </a:fontRef>
+        </p:style>
+      </p:sp>
+      <p:sp>
+        <p:nvSpPr>
+          <p:cNvPr id="14" name="Rectangle 13"/>
+          <p:cNvSpPr/>
+          <p:nvPr userDrawn="1"/>
+        </p:nvSpPr>
+        <p:spPr>
+          <a:xfrm>
+            <a:off x="4487333" y="6334315"/>
+            <a:ext cx="4656667" cy="92382"/>
+          </a:xfrm>
+          <a:prstGeom prst="rect">
+            <a:avLst/>
+          </a:prstGeom>
+          <a:solidFill>
+            <a:srgbClr val="7030A0"/>
+          </a:solidFill>
+          <a:ln>
+            <a:noFill/>
+          </a:ln>
+        </p:spPr>
+        <p:style>
+          <a:lnRef idx="2">
+            <a:schemeClr val="accent1">
+              <a:shade val="50000"/>
+            </a:schemeClr>
+          </a:lnRef>
+          <a:fillRef idx="1">
+            <a:schemeClr val="accent1"/>
+          </a:fillRef>
+          <a:effectRef idx="0">
+            <a:schemeClr val="accent1"/>
+          </a:effectRef>
+          <a:fontRef idx="minor">
+            <a:schemeClr val="lt1"/>
+          </a:fontRef>
+        </p:style>
+      </p:sp>
+    </p:spTree>
+    <p:extLst>
+      <p:ext uri="{BB962C8B-B14F-4D97-AF65-F5344CB8AC3E}">
+        <p14:creationId xmlns:p14="http://schemas.microsoft.com/office/powerpoint/2010/main" val="3445039666"/>
+      </p:ext>
+    </p:extLst>
+  </p:cSld>
+  <p:clrMapOvr>
+    <a:masterClrMapping/>
+  </p:clrMapOvr>
+</p:sldLayout>
+</file>
+
+<file path=ppt/slideLayouts/slideLayout13.xml><?xml version="1.0" encoding="utf-8"?>
 <p:sldLayout xmlns:a="http://schemas.openxmlformats.org/drawingml/2006/main" xmlns:r="http://schemas.openxmlformats.org/officeDocument/2006/relationships" xmlns:p="http://schemas.openxmlformats.org/presentationml/2006/main" type="obj" preserve="1">
   <p:cSld name="Title and Content">
     <p:spTree>
@@ -1852,83 +2309,83 @@
           <a:lstStyle/>
           <a:p>
             <a:r>
+              <a:rPr lang="en-US"/>
+              <a:t>Click to edit Master title style</a:t>
+            </a:r>
+            <a:endParaRPr lang="en-US" dirty="0"/>
+          </a:p>
+        </p:txBody>
+      </p:sp>
+      <p:sp>
+        <p:nvSpPr>
+          <p:cNvPr id="3" name="Content Placeholder 2"/>
+          <p:cNvSpPr>
+            <a:spLocks noGrp="1"/>
+          </p:cNvSpPr>
+          <p:nvPr>
+            <p:ph idx="1"/>
+          </p:nvPr>
+        </p:nvSpPr>
+        <p:spPr/>
+        <p:txBody>
+          <a:bodyPr/>
+          <a:lstStyle/>
+          <a:p>
+            <a:pPr lvl="0"/>
+            <a:r>
+              <a:rPr lang="en-US"/>
+              <a:t>Edit Master text styles</a:t>
+            </a:r>
+          </a:p>
+          <a:p>
+            <a:pPr lvl="1"/>
+            <a:r>
+              <a:rPr lang="en-US"/>
+              <a:t>Second level</a:t>
+            </a:r>
+          </a:p>
+          <a:p>
+            <a:pPr lvl="2"/>
+            <a:r>
+              <a:rPr lang="en-US"/>
+              <a:t>Third level</a:t>
+            </a:r>
+          </a:p>
+          <a:p>
+            <a:pPr lvl="3"/>
+            <a:r>
+              <a:rPr lang="en-US"/>
+              <a:t>Fourth level</a:t>
+            </a:r>
+          </a:p>
+          <a:p>
+            <a:pPr lvl="4"/>
+            <a:r>
+              <a:rPr lang="en-US"/>
+              <a:t>Fifth level</a:t>
+            </a:r>
+            <a:endParaRPr lang="en-US" dirty="0"/>
+          </a:p>
+        </p:txBody>
+      </p:sp>
+      <p:sp>
+        <p:nvSpPr>
+          <p:cNvPr id="4" name="Date Placeholder 3"/>
+          <p:cNvSpPr>
+            <a:spLocks noGrp="1"/>
+          </p:cNvSpPr>
+          <p:nvPr>
+            <p:ph type="dt" sz="half" idx="10"/>
+          </p:nvPr>
+        </p:nvSpPr>
+        <p:spPr/>
+        <p:txBody>
+          <a:bodyPr/>
+          <a:lstStyle/>
+          <a:p>
+            <a:fld id="{7EA232B7-6933-4E43-94A2-9C134E606B88}" type="datetime1">
               <a:rPr lang="en-US" smtClean="0"/>
-              <a:t>Click to edit Master title style</a:t>
-            </a:r>
-            <a:endParaRPr lang="en-US" dirty="0"/>
-          </a:p>
-        </p:txBody>
-      </p:sp>
-      <p:sp>
-        <p:nvSpPr>
-          <p:cNvPr id="3" name="Content Placeholder 2"/>
-          <p:cNvSpPr>
-            <a:spLocks noGrp="1"/>
-          </p:cNvSpPr>
-          <p:nvPr>
-            <p:ph idx="1"/>
-          </p:nvPr>
-        </p:nvSpPr>
-        <p:spPr/>
-        <p:txBody>
-          <a:bodyPr/>
-          <a:lstStyle/>
-          <a:p>
-            <a:pPr lvl="0"/>
-            <a:r>
-              <a:rPr lang="en-US" smtClean="0"/>
-              <a:t>Click to edit Master text styles</a:t>
-            </a:r>
-          </a:p>
-          <a:p>
-            <a:pPr lvl="1"/>
-            <a:r>
-              <a:rPr lang="en-US" smtClean="0"/>
-              <a:t>Second level</a:t>
-            </a:r>
-          </a:p>
-          <a:p>
-            <a:pPr lvl="2"/>
-            <a:r>
-              <a:rPr lang="en-US" smtClean="0"/>
-              <a:t>Third level</a:t>
-            </a:r>
-          </a:p>
-          <a:p>
-            <a:pPr lvl="3"/>
-            <a:r>
-              <a:rPr lang="en-US" smtClean="0"/>
-              <a:t>Fourth level</a:t>
-            </a:r>
-          </a:p>
-          <a:p>
-            <a:pPr lvl="4"/>
-            <a:r>
-              <a:rPr lang="en-US" smtClean="0"/>
-              <a:t>Fifth level</a:t>
-            </a:r>
-            <a:endParaRPr lang="en-US" dirty="0"/>
-          </a:p>
-        </p:txBody>
-      </p:sp>
-      <p:sp>
-        <p:nvSpPr>
-          <p:cNvPr id="4" name="Date Placeholder 3"/>
-          <p:cNvSpPr>
-            <a:spLocks noGrp="1"/>
-          </p:cNvSpPr>
-          <p:nvPr>
-            <p:ph type="dt" sz="half" idx="10"/>
-          </p:nvPr>
-        </p:nvSpPr>
-        <p:spPr/>
-        <p:txBody>
-          <a:bodyPr/>
-          <a:lstStyle/>
-          <a:p>
-            <a:fld id="{6964D4EB-A2A3-5D46-A2E3-B082D53C11C5}" type="datetime1">
-              <a:rPr lang="en-US" smtClean="0"/>
-              <a:t>11/13/15</a:t>
+              <a:t>7/6/2016</a:t>
             </a:fld>
             <a:endParaRPr lang="en-US"/>
           </a:p>
@@ -1950,10 +2407,9 @@
           <a:lstStyle/>
           <a:p>
             <a:r>
-              <a:rPr lang="sk-SK" smtClean="0"/>
-              <a:t>© 2015 EV3Lessons.com, Last edit 11/13/2015</a:t>
-            </a:r>
-            <a:endParaRPr lang="en-US"/>
+              <a:rPr lang="en-US"/>
+              <a:t>Copytight © 2015 EV3Lessons.com, Last edit 7/06/2016</a:t>
+            </a:r>
           </a:p>
         </p:txBody>
       </p:sp>
@@ -1983,7 +2439,7 @@
     </p:spTree>
     <p:extLst>
       <p:ext uri="{BB962C8B-B14F-4D97-AF65-F5344CB8AC3E}">
-        <p14:creationId xmlns:p14="http://schemas.microsoft.com/office/powerpoint/2010/main" val="712552369"/>
+        <p14:creationId xmlns:p14="http://schemas.microsoft.com/office/powerpoint/2010/main" val="2711642917"/>
       </p:ext>
     </p:extLst>
   </p:cSld>
@@ -1993,7 +2449,7 @@
 </p:sldLayout>
 </file>
 
-<file path=ppt/slideLayouts/slideLayout3.xml><?xml version="1.0" encoding="utf-8"?>
+<file path=ppt/slideLayouts/slideLayout14.xml><?xml version="1.0" encoding="utf-8"?>
 <p:sldLayout xmlns:a="http://schemas.openxmlformats.org/drawingml/2006/main" xmlns:r="http://schemas.openxmlformats.org/officeDocument/2006/relationships" xmlns:p="http://schemas.openxmlformats.org/presentationml/2006/main" showMasterSp="0" type="secHead" preserve="1">
   <p:cSld name="Section Header">
     <p:bg>
@@ -2131,7 +2587,7 @@
           </a:lstStyle>
           <a:p>
             <a:r>
-              <a:rPr lang="en-US" smtClean="0"/>
+              <a:rPr lang="en-US"/>
               <a:t>Click to edit Master title style</a:t>
             </a:r>
             <a:endParaRPr lang="en-US" dirty="0"/>
@@ -2252,30 +2708,30 @@
           <a:p>
             <a:pPr lvl="0"/>
             <a:r>
+              <a:rPr lang="en-US"/>
+              <a:t>Edit Master text styles</a:t>
+            </a:r>
+          </a:p>
+        </p:txBody>
+      </p:sp>
+      <p:sp>
+        <p:nvSpPr>
+          <p:cNvPr id="4" name="Date Placeholder 3"/>
+          <p:cNvSpPr>
+            <a:spLocks noGrp="1"/>
+          </p:cNvSpPr>
+          <p:nvPr>
+            <p:ph type="dt" sz="half" idx="10"/>
+          </p:nvPr>
+        </p:nvSpPr>
+        <p:spPr/>
+        <p:txBody>
+          <a:bodyPr/>
+          <a:lstStyle/>
+          <a:p>
+            <a:fld id="{45B4FDE7-3A6F-43AB-8CC4-C2C3DB65659A}" type="datetime1">
               <a:rPr lang="en-US" smtClean="0"/>
-              <a:t>Click to edit Master text styles</a:t>
-            </a:r>
-          </a:p>
-        </p:txBody>
-      </p:sp>
-      <p:sp>
-        <p:nvSpPr>
-          <p:cNvPr id="4" name="Date Placeholder 3"/>
-          <p:cNvSpPr>
-            <a:spLocks noGrp="1"/>
-          </p:cNvSpPr>
-          <p:nvPr>
-            <p:ph type="dt" sz="half" idx="10"/>
-          </p:nvPr>
-        </p:nvSpPr>
-        <p:spPr/>
-        <p:txBody>
-          <a:bodyPr/>
-          <a:lstStyle/>
-          <a:p>
-            <a:fld id="{719062A6-538C-914A-A4D7-9D77EAAE33AB}" type="datetime1">
-              <a:rPr lang="en-US" smtClean="0"/>
-              <a:t>11/13/15</a:t>
+              <a:t>7/6/2016</a:t>
             </a:fld>
             <a:endParaRPr lang="en-US"/>
           </a:p>
@@ -2297,10 +2753,9 @@
           <a:lstStyle/>
           <a:p>
             <a:r>
-              <a:rPr lang="sk-SK" smtClean="0"/>
-              <a:t>© 2015 EV3Lessons.com, Last edit 11/13/2015</a:t>
-            </a:r>
-            <a:endParaRPr lang="en-US"/>
+              <a:rPr lang="en-US"/>
+              <a:t>Copytight © 2015 EV3Lessons.com, Last edit 7/06/2016</a:t>
+            </a:r>
           </a:p>
         </p:txBody>
       </p:sp>
@@ -2368,7 +2823,7 @@
     </p:spTree>
     <p:extLst>
       <p:ext uri="{BB962C8B-B14F-4D97-AF65-F5344CB8AC3E}">
-        <p14:creationId xmlns:p14="http://schemas.microsoft.com/office/powerpoint/2010/main" val="1190636267"/>
+        <p14:creationId xmlns:p14="http://schemas.microsoft.com/office/powerpoint/2010/main" val="3484314354"/>
       </p:ext>
     </p:extLst>
   </p:cSld>
@@ -2378,7 +2833,7 @@
 </p:sldLayout>
 </file>
 
-<file path=ppt/slideLayouts/slideLayout4.xml><?xml version="1.0" encoding="utf-8"?>
+<file path=ppt/slideLayouts/slideLayout15.xml><?xml version="1.0" encoding="utf-8"?>
 <p:sldLayout xmlns:a="http://schemas.openxmlformats.org/drawingml/2006/main" xmlns:r="http://schemas.openxmlformats.org/officeDocument/2006/relationships" xmlns:p="http://schemas.openxmlformats.org/presentationml/2006/main" type="twoObj" preserve="1">
   <p:cSld name="Two Content">
     <p:spTree>
@@ -2416,7 +2871,7 @@
           <a:lstStyle/>
           <a:p>
             <a:r>
-              <a:rPr lang="en-US" smtClean="0"/>
+              <a:rPr lang="en-US"/>
               <a:t>Click to edit Master title style</a:t>
             </a:r>
             <a:endParaRPr lang="en-US" dirty="0"/>
@@ -2445,35 +2900,35 @@
           <a:p>
             <a:pPr lvl="0"/>
             <a:r>
-              <a:rPr lang="en-US" smtClean="0"/>
-              <a:t>Click to edit Master text styles</a:t>
+              <a:rPr lang="en-US"/>
+              <a:t>Edit Master text styles</a:t>
             </a:r>
           </a:p>
           <a:p>
             <a:pPr lvl="1"/>
             <a:r>
-              <a:rPr lang="en-US" smtClean="0"/>
+              <a:rPr lang="en-US"/>
               <a:t>Second level</a:t>
             </a:r>
           </a:p>
           <a:p>
             <a:pPr lvl="2"/>
             <a:r>
-              <a:rPr lang="en-US" smtClean="0"/>
+              <a:rPr lang="en-US"/>
               <a:t>Third level</a:t>
             </a:r>
           </a:p>
           <a:p>
             <a:pPr lvl="3"/>
             <a:r>
-              <a:rPr lang="en-US" smtClean="0"/>
+              <a:rPr lang="en-US"/>
               <a:t>Fourth level</a:t>
             </a:r>
           </a:p>
           <a:p>
             <a:pPr lvl="4"/>
             <a:r>
-              <a:rPr lang="en-US" smtClean="0"/>
+              <a:rPr lang="en-US"/>
               <a:t>Fifth level</a:t>
             </a:r>
             <a:endParaRPr lang="en-US" dirty="0"/>
@@ -2502,59 +2957,59 @@
           <a:p>
             <a:pPr lvl="0"/>
             <a:r>
+              <a:rPr lang="en-US"/>
+              <a:t>Edit Master text styles</a:t>
+            </a:r>
+          </a:p>
+          <a:p>
+            <a:pPr lvl="1"/>
+            <a:r>
+              <a:rPr lang="en-US"/>
+              <a:t>Second level</a:t>
+            </a:r>
+          </a:p>
+          <a:p>
+            <a:pPr lvl="2"/>
+            <a:r>
+              <a:rPr lang="en-US"/>
+              <a:t>Third level</a:t>
+            </a:r>
+          </a:p>
+          <a:p>
+            <a:pPr lvl="3"/>
+            <a:r>
+              <a:rPr lang="en-US"/>
+              <a:t>Fourth level</a:t>
+            </a:r>
+          </a:p>
+          <a:p>
+            <a:pPr lvl="4"/>
+            <a:r>
+              <a:rPr lang="en-US"/>
+              <a:t>Fifth level</a:t>
+            </a:r>
+            <a:endParaRPr lang="en-US" dirty="0"/>
+          </a:p>
+        </p:txBody>
+      </p:sp>
+      <p:sp>
+        <p:nvSpPr>
+          <p:cNvPr id="5" name="Date Placeholder 4"/>
+          <p:cNvSpPr>
+            <a:spLocks noGrp="1"/>
+          </p:cNvSpPr>
+          <p:nvPr>
+            <p:ph type="dt" sz="half" idx="10"/>
+          </p:nvPr>
+        </p:nvSpPr>
+        <p:spPr/>
+        <p:txBody>
+          <a:bodyPr/>
+          <a:lstStyle/>
+          <a:p>
+            <a:fld id="{94C8EE6C-F386-40F1-BAA1-2D05A7DD93CB}" type="datetime1">
               <a:rPr lang="en-US" smtClean="0"/>
-              <a:t>Click to edit Master text styles</a:t>
-            </a:r>
-          </a:p>
-          <a:p>
-            <a:pPr lvl="1"/>
-            <a:r>
-              <a:rPr lang="en-US" smtClean="0"/>
-              <a:t>Second level</a:t>
-            </a:r>
-          </a:p>
-          <a:p>
-            <a:pPr lvl="2"/>
-            <a:r>
-              <a:rPr lang="en-US" smtClean="0"/>
-              <a:t>Third level</a:t>
-            </a:r>
-          </a:p>
-          <a:p>
-            <a:pPr lvl="3"/>
-            <a:r>
-              <a:rPr lang="en-US" smtClean="0"/>
-              <a:t>Fourth level</a:t>
-            </a:r>
-          </a:p>
-          <a:p>
-            <a:pPr lvl="4"/>
-            <a:r>
-              <a:rPr lang="en-US" smtClean="0"/>
-              <a:t>Fifth level</a:t>
-            </a:r>
-            <a:endParaRPr lang="en-US" dirty="0"/>
-          </a:p>
-        </p:txBody>
-      </p:sp>
-      <p:sp>
-        <p:nvSpPr>
-          <p:cNvPr id="5" name="Date Placeholder 4"/>
-          <p:cNvSpPr>
-            <a:spLocks noGrp="1"/>
-          </p:cNvSpPr>
-          <p:nvPr>
-            <p:ph type="dt" sz="half" idx="10"/>
-          </p:nvPr>
-        </p:nvSpPr>
-        <p:spPr/>
-        <p:txBody>
-          <a:bodyPr/>
-          <a:lstStyle/>
-          <a:p>
-            <a:fld id="{FBA86DE5-4727-3C44-A125-458AC819E1C1}" type="datetime1">
-              <a:rPr lang="en-US" smtClean="0"/>
-              <a:t>11/13/15</a:t>
+              <a:t>7/6/2016</a:t>
             </a:fld>
             <a:endParaRPr lang="en-US"/>
           </a:p>
@@ -2575,6 +3030,10 @@
           <a:bodyPr/>
           <a:lstStyle/>
           <a:p>
+            <a:r>
+              <a:rPr lang="en-US"/>
+              <a:t>Copytight © 2015 EV3Lessons.com, Last edit 7/06/2016</a:t>
+            </a:r>
             <a:endParaRPr lang="en-US" dirty="0"/>
           </a:p>
         </p:txBody>
@@ -2605,7 +3064,7 @@
     </p:spTree>
     <p:extLst>
       <p:ext uri="{BB962C8B-B14F-4D97-AF65-F5344CB8AC3E}">
-        <p14:creationId xmlns:p14="http://schemas.microsoft.com/office/powerpoint/2010/main" val="94953816"/>
+        <p14:creationId xmlns:p14="http://schemas.microsoft.com/office/powerpoint/2010/main" val="1529546829"/>
       </p:ext>
     </p:extLst>
   </p:cSld>
@@ -2615,7 +3074,7 @@
 </p:sldLayout>
 </file>
 
-<file path=ppt/slideLayouts/slideLayout5.xml><?xml version="1.0" encoding="utf-8"?>
+<file path=ppt/slideLayouts/slideLayout16.xml><?xml version="1.0" encoding="utf-8"?>
 <p:sldLayout xmlns:a="http://schemas.openxmlformats.org/drawingml/2006/main" xmlns:r="http://schemas.openxmlformats.org/officeDocument/2006/relationships" xmlns:p="http://schemas.openxmlformats.org/presentationml/2006/main" type="twoTxTwoObj" preserve="1">
   <p:cSld name="Comparison">
     <p:spTree>
@@ -2653,7 +3112,7 @@
           <a:lstStyle/>
           <a:p>
             <a:r>
-              <a:rPr lang="en-US" smtClean="0"/>
+              <a:rPr lang="en-US"/>
               <a:t>Click to edit Master title style</a:t>
             </a:r>
             <a:endParaRPr lang="en-US" dirty="0"/>
@@ -2725,8 +3184,8 @@
           <a:p>
             <a:pPr lvl="0"/>
             <a:r>
-              <a:rPr lang="en-US" smtClean="0"/>
-              <a:t>Click to edit Master text styles</a:t>
+              <a:rPr lang="en-US"/>
+              <a:t>Edit Master text styles</a:t>
             </a:r>
           </a:p>
         </p:txBody>
@@ -2753,35 +3212,35 @@
           <a:p>
             <a:pPr lvl="0"/>
             <a:r>
-              <a:rPr lang="en-US" smtClean="0"/>
-              <a:t>Click to edit Master text styles</a:t>
+              <a:rPr lang="en-US"/>
+              <a:t>Edit Master text styles</a:t>
             </a:r>
           </a:p>
           <a:p>
             <a:pPr lvl="1"/>
             <a:r>
-              <a:rPr lang="en-US" smtClean="0"/>
+              <a:rPr lang="en-US"/>
               <a:t>Second level</a:t>
             </a:r>
           </a:p>
           <a:p>
             <a:pPr lvl="2"/>
             <a:r>
-              <a:rPr lang="en-US" smtClean="0"/>
+              <a:rPr lang="en-US"/>
               <a:t>Third level</a:t>
             </a:r>
           </a:p>
           <a:p>
             <a:pPr lvl="3"/>
             <a:r>
-              <a:rPr lang="en-US" smtClean="0"/>
+              <a:rPr lang="en-US"/>
               <a:t>Fourth level</a:t>
             </a:r>
           </a:p>
           <a:p>
             <a:pPr lvl="4"/>
             <a:r>
-              <a:rPr lang="en-US" smtClean="0"/>
+              <a:rPr lang="en-US"/>
               <a:t>Fifth level</a:t>
             </a:r>
             <a:endParaRPr lang="en-US" dirty="0"/>
@@ -2853,8 +3312,8 @@
           <a:p>
             <a:pPr lvl="0"/>
             <a:r>
-              <a:rPr lang="en-US" smtClean="0"/>
-              <a:t>Click to edit Master text styles</a:t>
+              <a:rPr lang="en-US"/>
+              <a:t>Edit Master text styles</a:t>
             </a:r>
           </a:p>
         </p:txBody>
@@ -2881,59 +3340,59 @@
           <a:p>
             <a:pPr lvl="0"/>
             <a:r>
+              <a:rPr lang="en-US"/>
+              <a:t>Edit Master text styles</a:t>
+            </a:r>
+          </a:p>
+          <a:p>
+            <a:pPr lvl="1"/>
+            <a:r>
+              <a:rPr lang="en-US"/>
+              <a:t>Second level</a:t>
+            </a:r>
+          </a:p>
+          <a:p>
+            <a:pPr lvl="2"/>
+            <a:r>
+              <a:rPr lang="en-US"/>
+              <a:t>Third level</a:t>
+            </a:r>
+          </a:p>
+          <a:p>
+            <a:pPr lvl="3"/>
+            <a:r>
+              <a:rPr lang="en-US"/>
+              <a:t>Fourth level</a:t>
+            </a:r>
+          </a:p>
+          <a:p>
+            <a:pPr lvl="4"/>
+            <a:r>
+              <a:rPr lang="en-US"/>
+              <a:t>Fifth level</a:t>
+            </a:r>
+            <a:endParaRPr lang="en-US" dirty="0"/>
+          </a:p>
+        </p:txBody>
+      </p:sp>
+      <p:sp>
+        <p:nvSpPr>
+          <p:cNvPr id="7" name="Date Placeholder 6"/>
+          <p:cNvSpPr>
+            <a:spLocks noGrp="1"/>
+          </p:cNvSpPr>
+          <p:nvPr>
+            <p:ph type="dt" sz="half" idx="10"/>
+          </p:nvPr>
+        </p:nvSpPr>
+        <p:spPr/>
+        <p:txBody>
+          <a:bodyPr/>
+          <a:lstStyle/>
+          <a:p>
+            <a:fld id="{12855211-F34D-49C5-8F06-9E0BDFA3F36F}" type="datetime1">
               <a:rPr lang="en-US" smtClean="0"/>
-              <a:t>Click to edit Master text styles</a:t>
-            </a:r>
-          </a:p>
-          <a:p>
-            <a:pPr lvl="1"/>
-            <a:r>
-              <a:rPr lang="en-US" smtClean="0"/>
-              <a:t>Second level</a:t>
-            </a:r>
-          </a:p>
-          <a:p>
-            <a:pPr lvl="2"/>
-            <a:r>
-              <a:rPr lang="en-US" smtClean="0"/>
-              <a:t>Third level</a:t>
-            </a:r>
-          </a:p>
-          <a:p>
-            <a:pPr lvl="3"/>
-            <a:r>
-              <a:rPr lang="en-US" smtClean="0"/>
-              <a:t>Fourth level</a:t>
-            </a:r>
-          </a:p>
-          <a:p>
-            <a:pPr lvl="4"/>
-            <a:r>
-              <a:rPr lang="en-US" smtClean="0"/>
-              <a:t>Fifth level</a:t>
-            </a:r>
-            <a:endParaRPr lang="en-US" dirty="0"/>
-          </a:p>
-        </p:txBody>
-      </p:sp>
-      <p:sp>
-        <p:nvSpPr>
-          <p:cNvPr id="7" name="Date Placeholder 6"/>
-          <p:cNvSpPr>
-            <a:spLocks noGrp="1"/>
-          </p:cNvSpPr>
-          <p:nvPr>
-            <p:ph type="dt" sz="half" idx="10"/>
-          </p:nvPr>
-        </p:nvSpPr>
-        <p:spPr/>
-        <p:txBody>
-          <a:bodyPr/>
-          <a:lstStyle/>
-          <a:p>
-            <a:fld id="{18F252B0-687D-184F-B682-0021640A5D63}" type="datetime1">
-              <a:rPr lang="en-US" smtClean="0"/>
-              <a:t>11/13/15</a:t>
+              <a:t>7/6/2016</a:t>
             </a:fld>
             <a:endParaRPr lang="en-US"/>
           </a:p>
@@ -2955,10 +3414,9 @@
           <a:lstStyle/>
           <a:p>
             <a:r>
-              <a:rPr lang="sk-SK" smtClean="0"/>
-              <a:t>© 2015 EV3Lessons.com, Last edit 11/13/2015</a:t>
-            </a:r>
-            <a:endParaRPr lang="en-US"/>
+              <a:rPr lang="en-US"/>
+              <a:t>Copytight © 2015 EV3Lessons.com, Last edit 7/06/2016</a:t>
+            </a:r>
           </a:p>
         </p:txBody>
       </p:sp>
@@ -2988,7 +3446,7 @@
     </p:spTree>
     <p:extLst>
       <p:ext uri="{BB962C8B-B14F-4D97-AF65-F5344CB8AC3E}">
-        <p14:creationId xmlns:p14="http://schemas.microsoft.com/office/powerpoint/2010/main" val="2002299126"/>
+        <p14:creationId xmlns:p14="http://schemas.microsoft.com/office/powerpoint/2010/main" val="109810318"/>
       </p:ext>
     </p:extLst>
   </p:cSld>
@@ -2998,7 +3456,7 @@
 </p:sldLayout>
 </file>
 
-<file path=ppt/slideLayouts/slideLayout6.xml><?xml version="1.0" encoding="utf-8"?>
+<file path=ppt/slideLayouts/slideLayout17.xml><?xml version="1.0" encoding="utf-8"?>
 <p:sldLayout xmlns:a="http://schemas.openxmlformats.org/drawingml/2006/main" xmlns:r="http://schemas.openxmlformats.org/officeDocument/2006/relationships" xmlns:p="http://schemas.openxmlformats.org/presentationml/2006/main" type="titleOnly" preserve="1">
   <p:cSld name="Title Only">
     <p:spTree>
@@ -3031,31 +3489,31 @@
           <a:lstStyle/>
           <a:p>
             <a:r>
+              <a:rPr lang="en-US"/>
+              <a:t>Click to edit Master title style</a:t>
+            </a:r>
+            <a:endParaRPr lang="en-US" dirty="0"/>
+          </a:p>
+        </p:txBody>
+      </p:sp>
+      <p:sp>
+        <p:nvSpPr>
+          <p:cNvPr id="3" name="Date Placeholder 2"/>
+          <p:cNvSpPr>
+            <a:spLocks noGrp="1"/>
+          </p:cNvSpPr>
+          <p:nvPr>
+            <p:ph type="dt" sz="half" idx="10"/>
+          </p:nvPr>
+        </p:nvSpPr>
+        <p:spPr/>
+        <p:txBody>
+          <a:bodyPr/>
+          <a:lstStyle/>
+          <a:p>
+            <a:fld id="{D9D9BF5A-F22C-422A-B687-4D54AB8B3370}" type="datetime1">
               <a:rPr lang="en-US" smtClean="0"/>
-              <a:t>Click to edit Master title style</a:t>
-            </a:r>
-            <a:endParaRPr lang="en-US" dirty="0"/>
-          </a:p>
-        </p:txBody>
-      </p:sp>
-      <p:sp>
-        <p:nvSpPr>
-          <p:cNvPr id="3" name="Date Placeholder 2"/>
-          <p:cNvSpPr>
-            <a:spLocks noGrp="1"/>
-          </p:cNvSpPr>
-          <p:nvPr>
-            <p:ph type="dt" sz="half" idx="10"/>
-          </p:nvPr>
-        </p:nvSpPr>
-        <p:spPr/>
-        <p:txBody>
-          <a:bodyPr/>
-          <a:lstStyle/>
-          <a:p>
-            <a:fld id="{3457AD7A-12C8-EA48-9011-B2F46261DD98}" type="datetime1">
-              <a:rPr lang="en-US" smtClean="0"/>
-              <a:t>11/13/15</a:t>
+              <a:t>7/6/2016</a:t>
             </a:fld>
             <a:endParaRPr lang="en-US"/>
           </a:p>
@@ -3077,10 +3535,9 @@
           <a:lstStyle/>
           <a:p>
             <a:r>
-              <a:rPr lang="sk-SK" smtClean="0"/>
-              <a:t>© 2015 EV3Lessons.com, Last edit 11/13/2015</a:t>
-            </a:r>
-            <a:endParaRPr lang="en-US"/>
+              <a:rPr lang="en-US"/>
+              <a:t>Copytight © 2015 EV3Lessons.com, Last edit 7/06/2016</a:t>
+            </a:r>
           </a:p>
         </p:txBody>
       </p:sp>
@@ -3110,7 +3567,7 @@
     </p:spTree>
     <p:extLst>
       <p:ext uri="{BB962C8B-B14F-4D97-AF65-F5344CB8AC3E}">
-        <p14:creationId xmlns:p14="http://schemas.microsoft.com/office/powerpoint/2010/main" val="504733668"/>
+        <p14:creationId xmlns:p14="http://schemas.microsoft.com/office/powerpoint/2010/main" val="2132306160"/>
       </p:ext>
     </p:extLst>
   </p:cSld>
@@ -3120,7 +3577,7 @@
 </p:sldLayout>
 </file>
 
-<file path=ppt/slideLayouts/slideLayout7.xml><?xml version="1.0" encoding="utf-8"?>
+<file path=ppt/slideLayouts/slideLayout18.xml><?xml version="1.0" encoding="utf-8"?>
 <p:sldLayout xmlns:a="http://schemas.openxmlformats.org/drawingml/2006/main" xmlns:r="http://schemas.openxmlformats.org/officeDocument/2006/relationships" xmlns:p="http://schemas.openxmlformats.org/presentationml/2006/main" showMasterSp="0" type="blank" preserve="1">
   <p:cSld name="Blank">
     <p:spTree>
@@ -3228,9 +3685,9 @@
           <a:bodyPr/>
           <a:lstStyle/>
           <a:p>
-            <a:fld id="{77D3C5C7-2346-9A49-8660-921460E2744B}" type="datetime1">
+            <a:fld id="{49777C6A-CC9E-476A-A8CB-6D2F1A445E9F}" type="datetime1">
               <a:rPr lang="en-US" smtClean="0"/>
-              <a:t>11/13/15</a:t>
+              <a:t>7/6/2016</a:t>
             </a:fld>
             <a:endParaRPr lang="en-US"/>
           </a:p>
@@ -3260,10 +3717,9 @@
           </a:lstStyle>
           <a:p>
             <a:r>
-              <a:rPr lang="sk-SK" smtClean="0"/>
-              <a:t>© 2015 EV3Lessons.com, Last edit 11/13/2015</a:t>
-            </a:r>
-            <a:endParaRPr lang="en-US"/>
+              <a:rPr lang="en-US"/>
+              <a:t>Copytight © 2015 EV3Lessons.com, Last edit 7/06/2016</a:t>
+            </a:r>
           </a:p>
         </p:txBody>
       </p:sp>
@@ -3293,7 +3749,7 @@
     </p:spTree>
     <p:extLst>
       <p:ext uri="{BB962C8B-B14F-4D97-AF65-F5344CB8AC3E}">
-        <p14:creationId xmlns:p14="http://schemas.microsoft.com/office/powerpoint/2010/main" val="623000482"/>
+        <p14:creationId xmlns:p14="http://schemas.microsoft.com/office/powerpoint/2010/main" val="2793530389"/>
       </p:ext>
     </p:extLst>
   </p:cSld>
@@ -3303,7 +3759,7 @@
 </p:sldLayout>
 </file>
 
-<file path=ppt/slideLayouts/slideLayout8.xml><?xml version="1.0" encoding="utf-8"?>
+<file path=ppt/slideLayouts/slideLayout19.xml><?xml version="1.0" encoding="utf-8"?>
 <p:sldLayout xmlns:a="http://schemas.openxmlformats.org/drawingml/2006/main" xmlns:r="http://schemas.openxmlformats.org/officeDocument/2006/relationships" xmlns:p="http://schemas.openxmlformats.org/presentationml/2006/main" showMasterSp="0" type="objTx" preserve="1">
   <p:cSld name="Content with Caption">
     <p:spTree>
@@ -3427,7 +3883,7 @@
           </a:lstStyle>
           <a:p>
             <a:r>
-              <a:rPr lang="en-US" smtClean="0"/>
+              <a:rPr lang="en-US"/>
               <a:t>Click to edit Master title style</a:t>
             </a:r>
             <a:endParaRPr lang="en-US" dirty="0"/>
@@ -3456,35 +3912,35 @@
           <a:p>
             <a:pPr lvl="0"/>
             <a:r>
-              <a:rPr lang="en-US" smtClean="0"/>
-              <a:t>Click to edit Master text styles</a:t>
+              <a:rPr lang="en-US"/>
+              <a:t>Edit Master text styles</a:t>
             </a:r>
           </a:p>
           <a:p>
             <a:pPr lvl="1"/>
             <a:r>
-              <a:rPr lang="en-US" smtClean="0"/>
+              <a:rPr lang="en-US"/>
               <a:t>Second level</a:t>
             </a:r>
           </a:p>
           <a:p>
             <a:pPr lvl="2"/>
             <a:r>
-              <a:rPr lang="en-US" smtClean="0"/>
+              <a:rPr lang="en-US"/>
               <a:t>Third level</a:t>
             </a:r>
           </a:p>
           <a:p>
             <a:pPr lvl="3"/>
             <a:r>
-              <a:rPr lang="en-US" smtClean="0"/>
+              <a:rPr lang="en-US"/>
               <a:t>Fourth level</a:t>
             </a:r>
           </a:p>
           <a:p>
             <a:pPr lvl="4"/>
             <a:r>
-              <a:rPr lang="en-US" smtClean="0"/>
+              <a:rPr lang="en-US"/>
               <a:t>Fifth level</a:t>
             </a:r>
             <a:endParaRPr lang="en-US" dirty="0"/>
@@ -3556,8 +4012,8 @@
           <a:p>
             <a:pPr lvl="0"/>
             <a:r>
-              <a:rPr lang="en-US" smtClean="0"/>
-              <a:t>Click to edit Master text styles</a:t>
+              <a:rPr lang="en-US"/>
+              <a:t>Edit Master text styles</a:t>
             </a:r>
           </a:p>
         </p:txBody>
@@ -3586,9 +4042,9 @@
             </a:lvl1pPr>
           </a:lstStyle>
           <a:p>
-            <a:fld id="{E5A27797-1683-ED47-A74A-6DEBEDA39DC8}" type="datetime1">
+            <a:fld id="{CAB636F8-040F-4A36-83DD-2DD4FC328617}" type="datetime1">
               <a:rPr lang="en-US" smtClean="0"/>
-              <a:t>11/13/15</a:t>
+              <a:t>7/6/2016</a:t>
             </a:fld>
             <a:endParaRPr lang="en-US"/>
           </a:p>
@@ -3623,10 +4079,9 @@
           </a:lstStyle>
           <a:p>
             <a:r>
-              <a:rPr lang="sk-SK" smtClean="0"/>
-              <a:t>© 2015 EV3Lessons.com, Last edit 11/13/2015</a:t>
-            </a:r>
-            <a:endParaRPr lang="en-US"/>
+              <a:rPr lang="en-US"/>
+              <a:t>Copytight © 2015 EV3Lessons.com, Last edit 7/06/2016</a:t>
+            </a:r>
           </a:p>
         </p:txBody>
       </p:sp>
@@ -3664,7 +4119,7 @@
     </p:spTree>
     <p:extLst>
       <p:ext uri="{BB962C8B-B14F-4D97-AF65-F5344CB8AC3E}">
-        <p14:creationId xmlns:p14="http://schemas.microsoft.com/office/powerpoint/2010/main" val="889931083"/>
+        <p14:creationId xmlns:p14="http://schemas.microsoft.com/office/powerpoint/2010/main" val="472224381"/>
       </p:ext>
     </p:extLst>
   </p:cSld>
@@ -3674,7 +4129,180 @@
 </p:sldLayout>
 </file>
 
-<file path=ppt/slideLayouts/slideLayout9.xml><?xml version="1.0" encoding="utf-8"?>
+<file path=ppt/slideLayouts/slideLayout2.xml><?xml version="1.0" encoding="utf-8"?>
+<p:sldLayout xmlns:a="http://schemas.openxmlformats.org/drawingml/2006/main" xmlns:r="http://schemas.openxmlformats.org/officeDocument/2006/relationships" xmlns:p="http://schemas.openxmlformats.org/presentationml/2006/main" type="obj" preserve="1">
+  <p:cSld name="Title and Content">
+    <p:spTree>
+      <p:nvGrpSpPr>
+        <p:cNvPr id="1" name=""/>
+        <p:cNvGrpSpPr/>
+        <p:nvPr/>
+      </p:nvGrpSpPr>
+      <p:grpSpPr>
+        <a:xfrm>
+          <a:off x="0" y="0"/>
+          <a:ext cx="0" cy="0"/>
+          <a:chOff x="0" y="0"/>
+          <a:chExt cx="0" cy="0"/>
+        </a:xfrm>
+      </p:grpSpPr>
+      <p:sp>
+        <p:nvSpPr>
+          <p:cNvPr id="2" name="Title 1"/>
+          <p:cNvSpPr>
+            <a:spLocks noGrp="1"/>
+          </p:cNvSpPr>
+          <p:nvPr>
+            <p:ph type="title"/>
+          </p:nvPr>
+        </p:nvSpPr>
+        <p:spPr/>
+        <p:txBody>
+          <a:bodyPr/>
+          <a:lstStyle/>
+          <a:p>
+            <a:r>
+              <a:rPr lang="en-US"/>
+              <a:t>Click to edit Master title style</a:t>
+            </a:r>
+            <a:endParaRPr lang="en-US" dirty="0"/>
+          </a:p>
+        </p:txBody>
+      </p:sp>
+      <p:sp>
+        <p:nvSpPr>
+          <p:cNvPr id="3" name="Content Placeholder 2"/>
+          <p:cNvSpPr>
+            <a:spLocks noGrp="1"/>
+          </p:cNvSpPr>
+          <p:nvPr>
+            <p:ph idx="1"/>
+          </p:nvPr>
+        </p:nvSpPr>
+        <p:spPr/>
+        <p:txBody>
+          <a:bodyPr/>
+          <a:lstStyle/>
+          <a:p>
+            <a:pPr lvl="0"/>
+            <a:r>
+              <a:rPr lang="en-US"/>
+              <a:t>Click to edit Master text styles</a:t>
+            </a:r>
+          </a:p>
+          <a:p>
+            <a:pPr lvl="1"/>
+            <a:r>
+              <a:rPr lang="en-US"/>
+              <a:t>Second level</a:t>
+            </a:r>
+          </a:p>
+          <a:p>
+            <a:pPr lvl="2"/>
+            <a:r>
+              <a:rPr lang="en-US"/>
+              <a:t>Third level</a:t>
+            </a:r>
+          </a:p>
+          <a:p>
+            <a:pPr lvl="3"/>
+            <a:r>
+              <a:rPr lang="en-US"/>
+              <a:t>Fourth level</a:t>
+            </a:r>
+          </a:p>
+          <a:p>
+            <a:pPr lvl="4"/>
+            <a:r>
+              <a:rPr lang="en-US"/>
+              <a:t>Fifth level</a:t>
+            </a:r>
+            <a:endParaRPr lang="en-US" dirty="0"/>
+          </a:p>
+        </p:txBody>
+      </p:sp>
+      <p:sp>
+        <p:nvSpPr>
+          <p:cNvPr id="4" name="Date Placeholder 3"/>
+          <p:cNvSpPr>
+            <a:spLocks noGrp="1"/>
+          </p:cNvSpPr>
+          <p:nvPr>
+            <p:ph type="dt" sz="half" idx="10"/>
+          </p:nvPr>
+        </p:nvSpPr>
+        <p:spPr/>
+        <p:txBody>
+          <a:bodyPr/>
+          <a:lstStyle/>
+          <a:p>
+            <a:fld id="{50DFE116-022A-45C4-8A2D-FD19E89DEC6F}" type="datetime1">
+              <a:rPr lang="en-US" smtClean="0"/>
+              <a:t>7/6/2016</a:t>
+            </a:fld>
+            <a:endParaRPr lang="en-US"/>
+          </a:p>
+        </p:txBody>
+      </p:sp>
+      <p:sp>
+        <p:nvSpPr>
+          <p:cNvPr id="5" name="Footer Placeholder 4"/>
+          <p:cNvSpPr>
+            <a:spLocks noGrp="1"/>
+          </p:cNvSpPr>
+          <p:nvPr>
+            <p:ph type="ftr" sz="quarter" idx="11"/>
+          </p:nvPr>
+        </p:nvSpPr>
+        <p:spPr/>
+        <p:txBody>
+          <a:bodyPr/>
+          <a:lstStyle/>
+          <a:p>
+            <a:r>
+              <a:rPr lang="en-US"/>
+              <a:t>Copytight © 2015 EV3Lessons.com, Last edit 7/06/2016</a:t>
+            </a:r>
+          </a:p>
+        </p:txBody>
+      </p:sp>
+      <p:sp>
+        <p:nvSpPr>
+          <p:cNvPr id="6" name="Slide Number Placeholder 5"/>
+          <p:cNvSpPr>
+            <a:spLocks noGrp="1"/>
+          </p:cNvSpPr>
+          <p:nvPr>
+            <p:ph type="sldNum" sz="quarter" idx="12"/>
+          </p:nvPr>
+        </p:nvSpPr>
+        <p:spPr/>
+        <p:txBody>
+          <a:bodyPr/>
+          <a:lstStyle/>
+          <a:p>
+            <a:fld id="{4382A7F7-08BF-4252-8141-63FB96055BBB}" type="slidenum">
+              <a:rPr lang="en-US" smtClean="0"/>
+              <a:t>‹#›</a:t>
+            </a:fld>
+            <a:endParaRPr lang="en-US"/>
+          </a:p>
+        </p:txBody>
+      </p:sp>
+    </p:spTree>
+    <p:extLst>
+      <p:ext uri="{BB962C8B-B14F-4D97-AF65-F5344CB8AC3E}">
+        <p14:creationId xmlns:p14="http://schemas.microsoft.com/office/powerpoint/2010/main" val="712552369"/>
+      </p:ext>
+    </p:extLst>
+  </p:cSld>
+  <p:clrMapOvr>
+    <a:masterClrMapping/>
+  </p:clrMapOvr>
+</p:sldLayout>
+</file>
+
+<file path=ppt/slideLayouts/slideLayout20.xml><?xml version="1.0" encoding="utf-8"?>
 <p:sldLayout xmlns:a="http://schemas.openxmlformats.org/drawingml/2006/main" xmlns:r="http://schemas.openxmlformats.org/officeDocument/2006/relationships" xmlns:p="http://schemas.openxmlformats.org/presentationml/2006/main" showMasterSp="0" type="picTx" preserve="1">
   <p:cSld name="Picture with Caption">
     <p:spTree>
@@ -3798,7 +4426,7 @@
           </a:lstStyle>
           <a:p>
             <a:r>
-              <a:rPr lang="en-US" smtClean="0"/>
+              <a:rPr lang="en-US"/>
               <a:t>Click to edit Master title style</a:t>
             </a:r>
             <a:endParaRPr lang="en-US" dirty="0"/>
@@ -3873,8 +4501,8 @@
           </a:lstStyle>
           <a:p>
             <a:r>
-              <a:rPr lang="en-US" smtClean="0"/>
-              <a:t>Drag picture to placeholder or click icon to add</a:t>
+              <a:rPr lang="en-US"/>
+              <a:t>Click icon to add picture</a:t>
             </a:r>
             <a:endParaRPr lang="en-US" dirty="0"/>
           </a:p>
@@ -3951,30 +4579,30 @@
           <a:p>
             <a:pPr lvl="0"/>
             <a:r>
+              <a:rPr lang="en-US"/>
+              <a:t>Edit Master text styles</a:t>
+            </a:r>
+          </a:p>
+        </p:txBody>
+      </p:sp>
+      <p:sp>
+        <p:nvSpPr>
+          <p:cNvPr id="5" name="Date Placeholder 4"/>
+          <p:cNvSpPr>
+            <a:spLocks noGrp="1"/>
+          </p:cNvSpPr>
+          <p:nvPr>
+            <p:ph type="dt" sz="half" idx="10"/>
+          </p:nvPr>
+        </p:nvSpPr>
+        <p:spPr/>
+        <p:txBody>
+          <a:bodyPr/>
+          <a:lstStyle/>
+          <a:p>
+            <a:fld id="{0D00353D-7D0A-455D-B6CF-6C3C611ADDE8}" type="datetime1">
               <a:rPr lang="en-US" smtClean="0"/>
-              <a:t>Click to edit Master text styles</a:t>
-            </a:r>
-          </a:p>
-        </p:txBody>
-      </p:sp>
-      <p:sp>
-        <p:nvSpPr>
-          <p:cNvPr id="5" name="Date Placeholder 4"/>
-          <p:cNvSpPr>
-            <a:spLocks noGrp="1"/>
-          </p:cNvSpPr>
-          <p:nvPr>
-            <p:ph type="dt" sz="half" idx="10"/>
-          </p:nvPr>
-        </p:nvSpPr>
-        <p:spPr/>
-        <p:txBody>
-          <a:bodyPr/>
-          <a:lstStyle/>
-          <a:p>
-            <a:fld id="{9F9CFCDA-76FF-C942-8304-6FF0EF7EF019}" type="datetime1">
-              <a:rPr lang="en-US" smtClean="0"/>
-              <a:t>11/13/15</a:t>
+              <a:t>7/6/2016</a:t>
             </a:fld>
             <a:endParaRPr lang="en-US"/>
           </a:p>
@@ -3996,10 +4624,2485 @@
           <a:lstStyle/>
           <a:p>
             <a:r>
-              <a:rPr lang="sk-SK" smtClean="0"/>
-              <a:t>© 2015 EV3Lessons.com, Last edit 11/13/2015</a:t>
-            </a:r>
+              <a:rPr lang="en-US"/>
+              <a:t>Copytight © 2015 EV3Lessons.com, Last edit 7/06/2016</a:t>
+            </a:r>
+          </a:p>
+        </p:txBody>
+      </p:sp>
+      <p:sp>
+        <p:nvSpPr>
+          <p:cNvPr id="7" name="Slide Number Placeholder 6"/>
+          <p:cNvSpPr>
+            <a:spLocks noGrp="1"/>
+          </p:cNvSpPr>
+          <p:nvPr>
+            <p:ph type="sldNum" sz="quarter" idx="12"/>
+          </p:nvPr>
+        </p:nvSpPr>
+        <p:spPr/>
+        <p:txBody>
+          <a:bodyPr/>
+          <a:lstStyle/>
+          <a:p>
+            <a:fld id="{4382A7F7-08BF-4252-8141-63FB96055BBB}" type="slidenum">
+              <a:rPr lang="en-US" smtClean="0"/>
+              <a:t>‹#›</a:t>
+            </a:fld>
             <a:endParaRPr lang="en-US"/>
+          </a:p>
+        </p:txBody>
+      </p:sp>
+    </p:spTree>
+    <p:extLst>
+      <p:ext uri="{BB962C8B-B14F-4D97-AF65-F5344CB8AC3E}">
+        <p14:creationId xmlns:p14="http://schemas.microsoft.com/office/powerpoint/2010/main" val="3572218270"/>
+      </p:ext>
+    </p:extLst>
+  </p:cSld>
+  <p:clrMapOvr>
+    <a:masterClrMapping/>
+  </p:clrMapOvr>
+</p:sldLayout>
+</file>
+
+<file path=ppt/slideLayouts/slideLayout21.xml><?xml version="1.0" encoding="utf-8"?>
+<p:sldLayout xmlns:a="http://schemas.openxmlformats.org/drawingml/2006/main" xmlns:r="http://schemas.openxmlformats.org/officeDocument/2006/relationships" xmlns:p="http://schemas.openxmlformats.org/presentationml/2006/main" type="vertTx" preserve="1">
+  <p:cSld name="Title and Vertical Text">
+    <p:spTree>
+      <p:nvGrpSpPr>
+        <p:cNvPr id="1" name=""/>
+        <p:cNvGrpSpPr/>
+        <p:nvPr/>
+      </p:nvGrpSpPr>
+      <p:grpSpPr>
+        <a:xfrm>
+          <a:off x="0" y="0"/>
+          <a:ext cx="0" cy="0"/>
+          <a:chOff x="0" y="0"/>
+          <a:chExt cx="0" cy="0"/>
+        </a:xfrm>
+      </p:grpSpPr>
+      <p:sp>
+        <p:nvSpPr>
+          <p:cNvPr id="2" name="Title 1"/>
+          <p:cNvSpPr>
+            <a:spLocks noGrp="1"/>
+          </p:cNvSpPr>
+          <p:nvPr>
+            <p:ph type="title"/>
+          </p:nvPr>
+        </p:nvSpPr>
+        <p:spPr/>
+        <p:txBody>
+          <a:bodyPr/>
+          <a:lstStyle/>
+          <a:p>
+            <a:r>
+              <a:rPr lang="en-US"/>
+              <a:t>Click to edit Master title style</a:t>
+            </a:r>
+            <a:endParaRPr lang="en-US" dirty="0"/>
+          </a:p>
+        </p:txBody>
+      </p:sp>
+      <p:sp>
+        <p:nvSpPr>
+          <p:cNvPr id="3" name="Vertical Text Placeholder 2"/>
+          <p:cNvSpPr>
+            <a:spLocks noGrp="1"/>
+          </p:cNvSpPr>
+          <p:nvPr>
+            <p:ph type="body" orient="vert" idx="1"/>
+          </p:nvPr>
+        </p:nvSpPr>
+        <p:spPr/>
+        <p:txBody>
+          <a:bodyPr vert="eaVert" lIns="45720" tIns="0" rIns="45720" bIns="0"/>
+          <a:lstStyle/>
+          <a:p>
+            <a:pPr lvl="0"/>
+            <a:r>
+              <a:rPr lang="en-US"/>
+              <a:t>Edit Master text styles</a:t>
+            </a:r>
+          </a:p>
+          <a:p>
+            <a:pPr lvl="1"/>
+            <a:r>
+              <a:rPr lang="en-US"/>
+              <a:t>Second level</a:t>
+            </a:r>
+          </a:p>
+          <a:p>
+            <a:pPr lvl="2"/>
+            <a:r>
+              <a:rPr lang="en-US"/>
+              <a:t>Third level</a:t>
+            </a:r>
+          </a:p>
+          <a:p>
+            <a:pPr lvl="3"/>
+            <a:r>
+              <a:rPr lang="en-US"/>
+              <a:t>Fourth level</a:t>
+            </a:r>
+          </a:p>
+          <a:p>
+            <a:pPr lvl="4"/>
+            <a:r>
+              <a:rPr lang="en-US"/>
+              <a:t>Fifth level</a:t>
+            </a:r>
+            <a:endParaRPr lang="en-US" dirty="0"/>
+          </a:p>
+        </p:txBody>
+      </p:sp>
+      <p:sp>
+        <p:nvSpPr>
+          <p:cNvPr id="4" name="Date Placeholder 3"/>
+          <p:cNvSpPr>
+            <a:spLocks noGrp="1"/>
+          </p:cNvSpPr>
+          <p:nvPr>
+            <p:ph type="dt" sz="half" idx="10"/>
+          </p:nvPr>
+        </p:nvSpPr>
+        <p:spPr/>
+        <p:txBody>
+          <a:bodyPr/>
+          <a:lstStyle/>
+          <a:p>
+            <a:fld id="{12CF0575-AC5A-445B-96BD-8E118C9EDC87}" type="datetime1">
+              <a:rPr lang="en-US" smtClean="0"/>
+              <a:t>7/6/2016</a:t>
+            </a:fld>
+            <a:endParaRPr lang="en-US"/>
+          </a:p>
+        </p:txBody>
+      </p:sp>
+      <p:sp>
+        <p:nvSpPr>
+          <p:cNvPr id="5" name="Footer Placeholder 4"/>
+          <p:cNvSpPr>
+            <a:spLocks noGrp="1"/>
+          </p:cNvSpPr>
+          <p:nvPr>
+            <p:ph type="ftr" sz="quarter" idx="11"/>
+          </p:nvPr>
+        </p:nvSpPr>
+        <p:spPr/>
+        <p:txBody>
+          <a:bodyPr/>
+          <a:lstStyle/>
+          <a:p>
+            <a:r>
+              <a:rPr lang="en-US"/>
+              <a:t>Copytight © 2015 EV3Lessons.com, Last edit 7/06/2016</a:t>
+            </a:r>
+          </a:p>
+        </p:txBody>
+      </p:sp>
+      <p:sp>
+        <p:nvSpPr>
+          <p:cNvPr id="6" name="Slide Number Placeholder 5"/>
+          <p:cNvSpPr>
+            <a:spLocks noGrp="1"/>
+          </p:cNvSpPr>
+          <p:nvPr>
+            <p:ph type="sldNum" sz="quarter" idx="12"/>
+          </p:nvPr>
+        </p:nvSpPr>
+        <p:spPr/>
+        <p:txBody>
+          <a:bodyPr/>
+          <a:lstStyle/>
+          <a:p>
+            <a:fld id="{4382A7F7-08BF-4252-8141-63FB96055BBB}" type="slidenum">
+              <a:rPr lang="en-US" smtClean="0"/>
+              <a:t>‹#›</a:t>
+            </a:fld>
+            <a:endParaRPr lang="en-US"/>
+          </a:p>
+        </p:txBody>
+      </p:sp>
+    </p:spTree>
+    <p:extLst>
+      <p:ext uri="{BB962C8B-B14F-4D97-AF65-F5344CB8AC3E}">
+        <p14:creationId xmlns:p14="http://schemas.microsoft.com/office/powerpoint/2010/main" val="4262810032"/>
+      </p:ext>
+    </p:extLst>
+  </p:cSld>
+  <p:clrMapOvr>
+    <a:masterClrMapping/>
+  </p:clrMapOvr>
+</p:sldLayout>
+</file>
+
+<file path=ppt/slideLayouts/slideLayout22.xml><?xml version="1.0" encoding="utf-8"?>
+<p:sldLayout xmlns:a="http://schemas.openxmlformats.org/drawingml/2006/main" xmlns:r="http://schemas.openxmlformats.org/officeDocument/2006/relationships" xmlns:p="http://schemas.openxmlformats.org/presentationml/2006/main" showMasterSp="0" type="vertTitleAndTx" preserve="1">
+  <p:cSld name="Vertical Title and Text">
+    <p:spTree>
+      <p:nvGrpSpPr>
+        <p:cNvPr id="1" name=""/>
+        <p:cNvGrpSpPr/>
+        <p:nvPr/>
+      </p:nvGrpSpPr>
+      <p:grpSpPr>
+        <a:xfrm>
+          <a:off x="0" y="0"/>
+          <a:ext cx="0" cy="0"/>
+          <a:chOff x="0" y="0"/>
+          <a:chExt cx="0" cy="0"/>
+        </a:xfrm>
+      </p:grpSpPr>
+      <p:sp>
+        <p:nvSpPr>
+          <p:cNvPr id="7" name="Rectangle 6"/>
+          <p:cNvSpPr/>
+          <p:nvPr/>
+        </p:nvSpPr>
+        <p:spPr>
+          <a:xfrm>
+            <a:off x="2382" y="6400800"/>
+            <a:ext cx="9141619" cy="457200"/>
+          </a:xfrm>
+          <a:prstGeom prst="rect">
+            <a:avLst/>
+          </a:prstGeom>
+          <a:solidFill>
+            <a:schemeClr val="accent2"/>
+          </a:solidFill>
+          <a:ln>
+            <a:noFill/>
+          </a:ln>
+        </p:spPr>
+        <p:style>
+          <a:lnRef idx="2">
+            <a:schemeClr val="accent1">
+              <a:shade val="50000"/>
+            </a:schemeClr>
+          </a:lnRef>
+          <a:fillRef idx="1">
+            <a:schemeClr val="accent1"/>
+          </a:fillRef>
+          <a:effectRef idx="0">
+            <a:schemeClr val="accent1"/>
+          </a:effectRef>
+          <a:fontRef idx="minor">
+            <a:schemeClr val="lt1"/>
+          </a:fontRef>
+        </p:style>
+      </p:sp>
+      <p:sp>
+        <p:nvSpPr>
+          <p:cNvPr id="8" name="Rectangle 7"/>
+          <p:cNvSpPr/>
+          <p:nvPr/>
+        </p:nvSpPr>
+        <p:spPr>
+          <a:xfrm>
+            <a:off x="12" y="6334316"/>
+            <a:ext cx="9141619" cy="64008"/>
+          </a:xfrm>
+          <a:prstGeom prst="rect">
+            <a:avLst/>
+          </a:prstGeom>
+          <a:solidFill>
+            <a:schemeClr val="accent1"/>
+          </a:solidFill>
+          <a:ln>
+            <a:noFill/>
+          </a:ln>
+        </p:spPr>
+        <p:style>
+          <a:lnRef idx="2">
+            <a:schemeClr val="accent1">
+              <a:shade val="50000"/>
+            </a:schemeClr>
+          </a:lnRef>
+          <a:fillRef idx="1">
+            <a:schemeClr val="accent1"/>
+          </a:fillRef>
+          <a:effectRef idx="0">
+            <a:schemeClr val="accent1"/>
+          </a:effectRef>
+          <a:fontRef idx="minor">
+            <a:schemeClr val="lt1"/>
+          </a:fontRef>
+        </p:style>
+      </p:sp>
+      <p:sp>
+        <p:nvSpPr>
+          <p:cNvPr id="2" name="Vertical Title 1"/>
+          <p:cNvSpPr>
+            <a:spLocks noGrp="1"/>
+          </p:cNvSpPr>
+          <p:nvPr>
+            <p:ph type="title" orient="vert"/>
+          </p:nvPr>
+        </p:nvSpPr>
+        <p:spPr>
+          <a:xfrm>
+            <a:off x="6543675" y="414779"/>
+            <a:ext cx="1971675" cy="5757421"/>
+          </a:xfrm>
+        </p:spPr>
+        <p:txBody>
+          <a:bodyPr vert="eaVert"/>
+          <a:lstStyle/>
+          <a:p>
+            <a:r>
+              <a:rPr lang="en-US"/>
+              <a:t>Click to edit Master title style</a:t>
+            </a:r>
+            <a:endParaRPr lang="en-US" dirty="0"/>
+          </a:p>
+        </p:txBody>
+      </p:sp>
+      <p:sp>
+        <p:nvSpPr>
+          <p:cNvPr id="3" name="Vertical Text Placeholder 2"/>
+          <p:cNvSpPr>
+            <a:spLocks noGrp="1"/>
+          </p:cNvSpPr>
+          <p:nvPr>
+            <p:ph type="body" orient="vert" idx="1"/>
+          </p:nvPr>
+        </p:nvSpPr>
+        <p:spPr>
+          <a:xfrm>
+            <a:off x="628650" y="414779"/>
+            <a:ext cx="5800725" cy="5757420"/>
+          </a:xfrm>
+        </p:spPr>
+        <p:txBody>
+          <a:bodyPr vert="eaVert" lIns="45720" tIns="0" rIns="45720" bIns="0"/>
+          <a:lstStyle/>
+          <a:p>
+            <a:pPr lvl="0"/>
+            <a:r>
+              <a:rPr lang="en-US"/>
+              <a:t>Edit Master text styles</a:t>
+            </a:r>
+          </a:p>
+          <a:p>
+            <a:pPr lvl="1"/>
+            <a:r>
+              <a:rPr lang="en-US"/>
+              <a:t>Second level</a:t>
+            </a:r>
+          </a:p>
+          <a:p>
+            <a:pPr lvl="2"/>
+            <a:r>
+              <a:rPr lang="en-US"/>
+              <a:t>Third level</a:t>
+            </a:r>
+          </a:p>
+          <a:p>
+            <a:pPr lvl="3"/>
+            <a:r>
+              <a:rPr lang="en-US"/>
+              <a:t>Fourth level</a:t>
+            </a:r>
+          </a:p>
+          <a:p>
+            <a:pPr lvl="4"/>
+            <a:r>
+              <a:rPr lang="en-US"/>
+              <a:t>Fifth level</a:t>
+            </a:r>
+            <a:endParaRPr lang="en-US" dirty="0"/>
+          </a:p>
+        </p:txBody>
+      </p:sp>
+      <p:sp>
+        <p:nvSpPr>
+          <p:cNvPr id="4" name="Date Placeholder 3"/>
+          <p:cNvSpPr>
+            <a:spLocks noGrp="1"/>
+          </p:cNvSpPr>
+          <p:nvPr>
+            <p:ph type="dt" sz="half" idx="10"/>
+          </p:nvPr>
+        </p:nvSpPr>
+        <p:spPr/>
+        <p:txBody>
+          <a:bodyPr/>
+          <a:lstStyle/>
+          <a:p>
+            <a:fld id="{325EDF6A-14D0-4714-9811-5F77F93AE8A6}" type="datetime1">
+              <a:rPr lang="en-US" smtClean="0"/>
+              <a:t>7/6/2016</a:t>
+            </a:fld>
+            <a:endParaRPr lang="en-US"/>
+          </a:p>
+        </p:txBody>
+      </p:sp>
+      <p:sp>
+        <p:nvSpPr>
+          <p:cNvPr id="5" name="Footer Placeholder 4"/>
+          <p:cNvSpPr>
+            <a:spLocks noGrp="1"/>
+          </p:cNvSpPr>
+          <p:nvPr>
+            <p:ph type="ftr" sz="quarter" idx="11"/>
+          </p:nvPr>
+        </p:nvSpPr>
+        <p:spPr/>
+        <p:txBody>
+          <a:bodyPr/>
+          <a:lstStyle/>
+          <a:p>
+            <a:r>
+              <a:rPr lang="en-US"/>
+              <a:t>Copytight © 2015 EV3Lessons.com, Last edit 7/06/2016</a:t>
+            </a:r>
+          </a:p>
+        </p:txBody>
+      </p:sp>
+      <p:sp>
+        <p:nvSpPr>
+          <p:cNvPr id="6" name="Slide Number Placeholder 5"/>
+          <p:cNvSpPr>
+            <a:spLocks noGrp="1"/>
+          </p:cNvSpPr>
+          <p:nvPr>
+            <p:ph type="sldNum" sz="quarter" idx="12"/>
+          </p:nvPr>
+        </p:nvSpPr>
+        <p:spPr/>
+        <p:txBody>
+          <a:bodyPr/>
+          <a:lstStyle/>
+          <a:p>
+            <a:fld id="{4382A7F7-08BF-4252-8141-63FB96055BBB}" type="slidenum">
+              <a:rPr lang="en-US" smtClean="0"/>
+              <a:t>‹#›</a:t>
+            </a:fld>
+            <a:endParaRPr lang="en-US"/>
+          </a:p>
+        </p:txBody>
+      </p:sp>
+    </p:spTree>
+    <p:extLst>
+      <p:ext uri="{BB962C8B-B14F-4D97-AF65-F5344CB8AC3E}">
+        <p14:creationId xmlns:p14="http://schemas.microsoft.com/office/powerpoint/2010/main" val="2819461333"/>
+      </p:ext>
+    </p:extLst>
+  </p:cSld>
+  <p:clrMapOvr>
+    <a:masterClrMapping/>
+  </p:clrMapOvr>
+</p:sldLayout>
+</file>
+
+<file path=ppt/slideLayouts/slideLayout3.xml><?xml version="1.0" encoding="utf-8"?>
+<p:sldLayout xmlns:a="http://schemas.openxmlformats.org/drawingml/2006/main" xmlns:r="http://schemas.openxmlformats.org/officeDocument/2006/relationships" xmlns:p="http://schemas.openxmlformats.org/presentationml/2006/main" showMasterSp="0" type="secHead" preserve="1">
+  <p:cSld name="Section Header">
+    <p:bg>
+      <p:bgPr>
+        <a:solidFill>
+          <a:schemeClr val="bg1"/>
+        </a:solidFill>
+        <a:effectLst/>
+      </p:bgPr>
+    </p:bg>
+    <p:spTree>
+      <p:nvGrpSpPr>
+        <p:cNvPr id="1" name=""/>
+        <p:cNvGrpSpPr/>
+        <p:nvPr/>
+      </p:nvGrpSpPr>
+      <p:grpSpPr>
+        <a:xfrm>
+          <a:off x="0" y="0"/>
+          <a:ext cx="0" cy="0"/>
+          <a:chOff x="0" y="0"/>
+          <a:chExt cx="0" cy="0"/>
+        </a:xfrm>
+      </p:grpSpPr>
+      <p:sp>
+        <p:nvSpPr>
+          <p:cNvPr id="7" name="Rectangle 6"/>
+          <p:cNvSpPr/>
+          <p:nvPr/>
+        </p:nvSpPr>
+        <p:spPr>
+          <a:xfrm>
+            <a:off x="2382" y="6400800"/>
+            <a:ext cx="9141619" cy="457200"/>
+          </a:xfrm>
+          <a:prstGeom prst="rect">
+            <a:avLst/>
+          </a:prstGeom>
+          <a:solidFill>
+            <a:schemeClr val="accent2"/>
+          </a:solidFill>
+          <a:ln>
+            <a:noFill/>
+          </a:ln>
+        </p:spPr>
+        <p:style>
+          <a:lnRef idx="2">
+            <a:schemeClr val="accent1">
+              <a:shade val="50000"/>
+            </a:schemeClr>
+          </a:lnRef>
+          <a:fillRef idx="1">
+            <a:schemeClr val="accent1"/>
+          </a:fillRef>
+          <a:effectRef idx="0">
+            <a:schemeClr val="accent1"/>
+          </a:effectRef>
+          <a:fontRef idx="minor">
+            <a:schemeClr val="lt1"/>
+          </a:fontRef>
+        </p:style>
+      </p:sp>
+      <p:sp>
+        <p:nvSpPr>
+          <p:cNvPr id="8" name="Rectangle 7"/>
+          <p:cNvSpPr/>
+          <p:nvPr/>
+        </p:nvSpPr>
+        <p:spPr>
+          <a:xfrm>
+            <a:off x="12" y="6334316"/>
+            <a:ext cx="9141619" cy="64008"/>
+          </a:xfrm>
+          <a:prstGeom prst="rect">
+            <a:avLst/>
+          </a:prstGeom>
+          <a:solidFill>
+            <a:schemeClr val="accent1"/>
+          </a:solidFill>
+          <a:ln>
+            <a:noFill/>
+          </a:ln>
+        </p:spPr>
+        <p:style>
+          <a:lnRef idx="2">
+            <a:schemeClr val="accent1">
+              <a:shade val="50000"/>
+            </a:schemeClr>
+          </a:lnRef>
+          <a:fillRef idx="1">
+            <a:schemeClr val="accent1"/>
+          </a:fillRef>
+          <a:effectRef idx="0">
+            <a:schemeClr val="accent1"/>
+          </a:effectRef>
+          <a:fontRef idx="minor">
+            <a:schemeClr val="lt1"/>
+          </a:fontRef>
+        </p:style>
+      </p:sp>
+      <p:sp>
+        <p:nvSpPr>
+          <p:cNvPr id="2" name="Title 1"/>
+          <p:cNvSpPr>
+            <a:spLocks noGrp="1"/>
+          </p:cNvSpPr>
+          <p:nvPr>
+            <p:ph type="title"/>
+          </p:nvPr>
+        </p:nvSpPr>
+        <p:spPr>
+          <a:xfrm>
+            <a:off x="822960" y="758952"/>
+            <a:ext cx="7543800" cy="3566160"/>
+          </a:xfrm>
+        </p:spPr>
+        <p:txBody>
+          <a:bodyPr anchor="b" anchorCtr="0">
+            <a:normAutofit/>
+          </a:bodyPr>
+          <a:lstStyle>
+            <a:lvl1pPr>
+              <a:lnSpc>
+                <a:spcPct val="85000"/>
+              </a:lnSpc>
+              <a:defRPr sz="8000" b="0">
+                <a:solidFill>
+                  <a:schemeClr val="tx1">
+                    <a:lumMod val="85000"/>
+                    <a:lumOff val="15000"/>
+                  </a:schemeClr>
+                </a:solidFill>
+              </a:defRPr>
+            </a:lvl1pPr>
+          </a:lstStyle>
+          <a:p>
+            <a:r>
+              <a:rPr lang="en-US"/>
+              <a:t>Click to edit Master title style</a:t>
+            </a:r>
+            <a:endParaRPr lang="en-US" dirty="0"/>
+          </a:p>
+        </p:txBody>
+      </p:sp>
+      <p:sp>
+        <p:nvSpPr>
+          <p:cNvPr id="3" name="Text Placeholder 2"/>
+          <p:cNvSpPr>
+            <a:spLocks noGrp="1"/>
+          </p:cNvSpPr>
+          <p:nvPr>
+            <p:ph type="body" idx="1"/>
+          </p:nvPr>
+        </p:nvSpPr>
+        <p:spPr>
+          <a:xfrm>
+            <a:off x="822960" y="4453128"/>
+            <a:ext cx="7543800" cy="1143000"/>
+          </a:xfrm>
+        </p:spPr>
+        <p:txBody>
+          <a:bodyPr lIns="91440" rIns="91440" anchor="t" anchorCtr="0">
+            <a:normAutofit/>
+          </a:bodyPr>
+          <a:lstStyle>
+            <a:lvl1pPr marL="0" indent="0">
+              <a:buNone/>
+              <a:defRPr sz="2400" cap="all" spc="200" baseline="0">
+                <a:solidFill>
+                  <a:schemeClr val="tx2"/>
+                </a:solidFill>
+                <a:latin typeface="+mj-lt"/>
+              </a:defRPr>
+            </a:lvl1pPr>
+            <a:lvl2pPr marL="457200" indent="0">
+              <a:buNone/>
+              <a:defRPr sz="1800">
+                <a:solidFill>
+                  <a:schemeClr val="tx1">
+                    <a:tint val="75000"/>
+                  </a:schemeClr>
+                </a:solidFill>
+              </a:defRPr>
+            </a:lvl2pPr>
+            <a:lvl3pPr marL="914400" indent="0">
+              <a:buNone/>
+              <a:defRPr sz="1600">
+                <a:solidFill>
+                  <a:schemeClr val="tx1">
+                    <a:tint val="75000"/>
+                  </a:schemeClr>
+                </a:solidFill>
+              </a:defRPr>
+            </a:lvl3pPr>
+            <a:lvl4pPr marL="1371600" indent="0">
+              <a:buNone/>
+              <a:defRPr sz="1400">
+                <a:solidFill>
+                  <a:schemeClr val="tx1">
+                    <a:tint val="75000"/>
+                  </a:schemeClr>
+                </a:solidFill>
+              </a:defRPr>
+            </a:lvl4pPr>
+            <a:lvl5pPr marL="1828800" indent="0">
+              <a:buNone/>
+              <a:defRPr sz="1400">
+                <a:solidFill>
+                  <a:schemeClr val="tx1">
+                    <a:tint val="75000"/>
+                  </a:schemeClr>
+                </a:solidFill>
+              </a:defRPr>
+            </a:lvl5pPr>
+            <a:lvl6pPr marL="2286000" indent="0">
+              <a:buNone/>
+              <a:defRPr sz="1400">
+                <a:solidFill>
+                  <a:schemeClr val="tx1">
+                    <a:tint val="75000"/>
+                  </a:schemeClr>
+                </a:solidFill>
+              </a:defRPr>
+            </a:lvl6pPr>
+            <a:lvl7pPr marL="2743200" indent="0">
+              <a:buNone/>
+              <a:defRPr sz="1400">
+                <a:solidFill>
+                  <a:schemeClr val="tx1">
+                    <a:tint val="75000"/>
+                  </a:schemeClr>
+                </a:solidFill>
+              </a:defRPr>
+            </a:lvl7pPr>
+            <a:lvl8pPr marL="3200400" indent="0">
+              <a:buNone/>
+              <a:defRPr sz="1400">
+                <a:solidFill>
+                  <a:schemeClr val="tx1">
+                    <a:tint val="75000"/>
+                  </a:schemeClr>
+                </a:solidFill>
+              </a:defRPr>
+            </a:lvl8pPr>
+            <a:lvl9pPr marL="3657600" indent="0">
+              <a:buNone/>
+              <a:defRPr sz="1400">
+                <a:solidFill>
+                  <a:schemeClr val="tx1">
+                    <a:tint val="75000"/>
+                  </a:schemeClr>
+                </a:solidFill>
+              </a:defRPr>
+            </a:lvl9pPr>
+          </a:lstStyle>
+          <a:p>
+            <a:pPr lvl="0"/>
+            <a:r>
+              <a:rPr lang="en-US"/>
+              <a:t>Click to edit Master text styles</a:t>
+            </a:r>
+          </a:p>
+        </p:txBody>
+      </p:sp>
+      <p:sp>
+        <p:nvSpPr>
+          <p:cNvPr id="4" name="Date Placeholder 3"/>
+          <p:cNvSpPr>
+            <a:spLocks noGrp="1"/>
+          </p:cNvSpPr>
+          <p:nvPr>
+            <p:ph type="dt" sz="half" idx="10"/>
+          </p:nvPr>
+        </p:nvSpPr>
+        <p:spPr/>
+        <p:txBody>
+          <a:bodyPr/>
+          <a:lstStyle/>
+          <a:p>
+            <a:fld id="{4B7525E5-E152-493C-9BF9-5DD827C69D60}" type="datetime1">
+              <a:rPr lang="en-US" smtClean="0"/>
+              <a:t>7/6/2016</a:t>
+            </a:fld>
+            <a:endParaRPr lang="en-US"/>
+          </a:p>
+        </p:txBody>
+      </p:sp>
+      <p:sp>
+        <p:nvSpPr>
+          <p:cNvPr id="5" name="Footer Placeholder 4"/>
+          <p:cNvSpPr>
+            <a:spLocks noGrp="1"/>
+          </p:cNvSpPr>
+          <p:nvPr>
+            <p:ph type="ftr" sz="quarter" idx="11"/>
+          </p:nvPr>
+        </p:nvSpPr>
+        <p:spPr/>
+        <p:txBody>
+          <a:bodyPr/>
+          <a:lstStyle/>
+          <a:p>
+            <a:r>
+              <a:rPr lang="en-US"/>
+              <a:t>Copytight © 2015 EV3Lessons.com, Last edit 7/06/2016</a:t>
+            </a:r>
+          </a:p>
+        </p:txBody>
+      </p:sp>
+      <p:sp>
+        <p:nvSpPr>
+          <p:cNvPr id="6" name="Slide Number Placeholder 5"/>
+          <p:cNvSpPr>
+            <a:spLocks noGrp="1"/>
+          </p:cNvSpPr>
+          <p:nvPr>
+            <p:ph type="sldNum" sz="quarter" idx="12"/>
+          </p:nvPr>
+        </p:nvSpPr>
+        <p:spPr/>
+        <p:txBody>
+          <a:bodyPr/>
+          <a:lstStyle/>
+          <a:p>
+            <a:fld id="{162F1D00-BD13-4404-86B0-79703945A0A7}" type="slidenum">
+              <a:rPr lang="en-US" smtClean="0"/>
+              <a:t>‹#›</a:t>
+            </a:fld>
+            <a:endParaRPr lang="en-US"/>
+          </a:p>
+        </p:txBody>
+      </p:sp>
+      <p:cxnSp>
+        <p:nvCxnSpPr>
+          <p:cNvPr id="9" name="Straight Connector 8"/>
+          <p:cNvCxnSpPr/>
+          <p:nvPr/>
+        </p:nvCxnSpPr>
+        <p:spPr>
+          <a:xfrm>
+            <a:off x="905744" y="4343400"/>
+            <a:ext cx="7406640" cy="0"/>
+          </a:xfrm>
+          <a:prstGeom prst="line">
+            <a:avLst/>
+          </a:prstGeom>
+          <a:ln w="6350">
+            <a:solidFill>
+              <a:schemeClr val="tx1">
+                <a:lumMod val="50000"/>
+                <a:lumOff val="50000"/>
+              </a:schemeClr>
+            </a:solidFill>
+          </a:ln>
+        </p:spPr>
+        <p:style>
+          <a:lnRef idx="1">
+            <a:schemeClr val="accent1"/>
+          </a:lnRef>
+          <a:fillRef idx="0">
+            <a:schemeClr val="accent1"/>
+          </a:fillRef>
+          <a:effectRef idx="0">
+            <a:schemeClr val="accent1"/>
+          </a:effectRef>
+          <a:fontRef idx="minor">
+            <a:schemeClr val="tx1"/>
+          </a:fontRef>
+        </p:style>
+      </p:cxnSp>
+    </p:spTree>
+    <p:extLst>
+      <p:ext uri="{BB962C8B-B14F-4D97-AF65-F5344CB8AC3E}">
+        <p14:creationId xmlns:p14="http://schemas.microsoft.com/office/powerpoint/2010/main" val="1190636267"/>
+      </p:ext>
+    </p:extLst>
+  </p:cSld>
+  <p:clrMapOvr>
+    <a:masterClrMapping/>
+  </p:clrMapOvr>
+</p:sldLayout>
+</file>
+
+<file path=ppt/slideLayouts/slideLayout4.xml><?xml version="1.0" encoding="utf-8"?>
+<p:sldLayout xmlns:a="http://schemas.openxmlformats.org/drawingml/2006/main" xmlns:r="http://schemas.openxmlformats.org/officeDocument/2006/relationships" xmlns:p="http://schemas.openxmlformats.org/presentationml/2006/main" type="twoObj" preserve="1">
+  <p:cSld name="Two Content">
+    <p:spTree>
+      <p:nvGrpSpPr>
+        <p:cNvPr id="1" name=""/>
+        <p:cNvGrpSpPr/>
+        <p:nvPr/>
+      </p:nvGrpSpPr>
+      <p:grpSpPr>
+        <a:xfrm>
+          <a:off x="0" y="0"/>
+          <a:ext cx="0" cy="0"/>
+          <a:chOff x="0" y="0"/>
+          <a:chExt cx="0" cy="0"/>
+        </a:xfrm>
+      </p:grpSpPr>
+      <p:sp>
+        <p:nvSpPr>
+          <p:cNvPr id="8" name="Title 7"/>
+          <p:cNvSpPr>
+            <a:spLocks noGrp="1"/>
+          </p:cNvSpPr>
+          <p:nvPr>
+            <p:ph type="title"/>
+          </p:nvPr>
+        </p:nvSpPr>
+        <p:spPr>
+          <a:xfrm>
+            <a:off x="822960" y="286604"/>
+            <a:ext cx="7543800" cy="1450757"/>
+          </a:xfrm>
+        </p:spPr>
+        <p:txBody>
+          <a:bodyPr/>
+          <a:lstStyle/>
+          <a:p>
+            <a:r>
+              <a:rPr lang="en-US"/>
+              <a:t>Click to edit Master title style</a:t>
+            </a:r>
+            <a:endParaRPr lang="en-US" dirty="0"/>
+          </a:p>
+        </p:txBody>
+      </p:sp>
+      <p:sp>
+        <p:nvSpPr>
+          <p:cNvPr id="3" name="Content Placeholder 2"/>
+          <p:cNvSpPr>
+            <a:spLocks noGrp="1"/>
+          </p:cNvSpPr>
+          <p:nvPr>
+            <p:ph sz="half" idx="1"/>
+          </p:nvPr>
+        </p:nvSpPr>
+        <p:spPr>
+          <a:xfrm>
+            <a:off x="822960" y="1845734"/>
+            <a:ext cx="3703320" cy="4023360"/>
+          </a:xfrm>
+        </p:spPr>
+        <p:txBody>
+          <a:bodyPr/>
+          <a:lstStyle/>
+          <a:p>
+            <a:pPr lvl="0"/>
+            <a:r>
+              <a:rPr lang="en-US"/>
+              <a:t>Click to edit Master text styles</a:t>
+            </a:r>
+          </a:p>
+          <a:p>
+            <a:pPr lvl="1"/>
+            <a:r>
+              <a:rPr lang="en-US"/>
+              <a:t>Second level</a:t>
+            </a:r>
+          </a:p>
+          <a:p>
+            <a:pPr lvl="2"/>
+            <a:r>
+              <a:rPr lang="en-US"/>
+              <a:t>Third level</a:t>
+            </a:r>
+          </a:p>
+          <a:p>
+            <a:pPr lvl="3"/>
+            <a:r>
+              <a:rPr lang="en-US"/>
+              <a:t>Fourth level</a:t>
+            </a:r>
+          </a:p>
+          <a:p>
+            <a:pPr lvl="4"/>
+            <a:r>
+              <a:rPr lang="en-US"/>
+              <a:t>Fifth level</a:t>
+            </a:r>
+            <a:endParaRPr lang="en-US" dirty="0"/>
+          </a:p>
+        </p:txBody>
+      </p:sp>
+      <p:sp>
+        <p:nvSpPr>
+          <p:cNvPr id="4" name="Content Placeholder 3"/>
+          <p:cNvSpPr>
+            <a:spLocks noGrp="1"/>
+          </p:cNvSpPr>
+          <p:nvPr>
+            <p:ph sz="half" idx="2"/>
+          </p:nvPr>
+        </p:nvSpPr>
+        <p:spPr>
+          <a:xfrm>
+            <a:off x="4663440" y="1845736"/>
+            <a:ext cx="3703320" cy="4023359"/>
+          </a:xfrm>
+        </p:spPr>
+        <p:txBody>
+          <a:bodyPr/>
+          <a:lstStyle/>
+          <a:p>
+            <a:pPr lvl="0"/>
+            <a:r>
+              <a:rPr lang="en-US"/>
+              <a:t>Click to edit Master text styles</a:t>
+            </a:r>
+          </a:p>
+          <a:p>
+            <a:pPr lvl="1"/>
+            <a:r>
+              <a:rPr lang="en-US"/>
+              <a:t>Second level</a:t>
+            </a:r>
+          </a:p>
+          <a:p>
+            <a:pPr lvl="2"/>
+            <a:r>
+              <a:rPr lang="en-US"/>
+              <a:t>Third level</a:t>
+            </a:r>
+          </a:p>
+          <a:p>
+            <a:pPr lvl="3"/>
+            <a:r>
+              <a:rPr lang="en-US"/>
+              <a:t>Fourth level</a:t>
+            </a:r>
+          </a:p>
+          <a:p>
+            <a:pPr lvl="4"/>
+            <a:r>
+              <a:rPr lang="en-US"/>
+              <a:t>Fifth level</a:t>
+            </a:r>
+            <a:endParaRPr lang="en-US" dirty="0"/>
+          </a:p>
+        </p:txBody>
+      </p:sp>
+      <p:sp>
+        <p:nvSpPr>
+          <p:cNvPr id="5" name="Date Placeholder 4"/>
+          <p:cNvSpPr>
+            <a:spLocks noGrp="1"/>
+          </p:cNvSpPr>
+          <p:nvPr>
+            <p:ph type="dt" sz="half" idx="10"/>
+          </p:nvPr>
+        </p:nvSpPr>
+        <p:spPr/>
+        <p:txBody>
+          <a:bodyPr/>
+          <a:lstStyle/>
+          <a:p>
+            <a:fld id="{FECDBB99-88E0-49BC-A615-1923AC1D1092}" type="datetime1">
+              <a:rPr lang="en-US" smtClean="0"/>
+              <a:t>7/6/2016</a:t>
+            </a:fld>
+            <a:endParaRPr lang="en-US"/>
+          </a:p>
+        </p:txBody>
+      </p:sp>
+      <p:sp>
+        <p:nvSpPr>
+          <p:cNvPr id="6" name="Footer Placeholder 5"/>
+          <p:cNvSpPr>
+            <a:spLocks noGrp="1"/>
+          </p:cNvSpPr>
+          <p:nvPr>
+            <p:ph type="ftr" sz="quarter" idx="11"/>
+          </p:nvPr>
+        </p:nvSpPr>
+        <p:spPr/>
+        <p:txBody>
+          <a:bodyPr/>
+          <a:lstStyle/>
+          <a:p>
+            <a:r>
+              <a:rPr lang="en-US"/>
+              <a:t>Copytight © 2015 EV3Lessons.com, Last edit 7/06/2016</a:t>
+            </a:r>
+            <a:endParaRPr lang="en-US" dirty="0"/>
+          </a:p>
+        </p:txBody>
+      </p:sp>
+      <p:sp>
+        <p:nvSpPr>
+          <p:cNvPr id="7" name="Slide Number Placeholder 6"/>
+          <p:cNvSpPr>
+            <a:spLocks noGrp="1"/>
+          </p:cNvSpPr>
+          <p:nvPr>
+            <p:ph type="sldNum" sz="quarter" idx="12"/>
+          </p:nvPr>
+        </p:nvSpPr>
+        <p:spPr/>
+        <p:txBody>
+          <a:bodyPr/>
+          <a:lstStyle/>
+          <a:p>
+            <a:fld id="{4382A7F7-08BF-4252-8141-63FB96055BBB}" type="slidenum">
+              <a:rPr lang="en-US" smtClean="0"/>
+              <a:t>‹#›</a:t>
+            </a:fld>
+            <a:endParaRPr lang="en-US"/>
+          </a:p>
+        </p:txBody>
+      </p:sp>
+    </p:spTree>
+    <p:extLst>
+      <p:ext uri="{BB962C8B-B14F-4D97-AF65-F5344CB8AC3E}">
+        <p14:creationId xmlns:p14="http://schemas.microsoft.com/office/powerpoint/2010/main" val="94953816"/>
+      </p:ext>
+    </p:extLst>
+  </p:cSld>
+  <p:clrMapOvr>
+    <a:masterClrMapping/>
+  </p:clrMapOvr>
+</p:sldLayout>
+</file>
+
+<file path=ppt/slideLayouts/slideLayout5.xml><?xml version="1.0" encoding="utf-8"?>
+<p:sldLayout xmlns:a="http://schemas.openxmlformats.org/drawingml/2006/main" xmlns:r="http://schemas.openxmlformats.org/officeDocument/2006/relationships" xmlns:p="http://schemas.openxmlformats.org/presentationml/2006/main" type="twoTxTwoObj" preserve="1">
+  <p:cSld name="Comparison">
+    <p:spTree>
+      <p:nvGrpSpPr>
+        <p:cNvPr id="1" name=""/>
+        <p:cNvGrpSpPr/>
+        <p:nvPr/>
+      </p:nvGrpSpPr>
+      <p:grpSpPr>
+        <a:xfrm>
+          <a:off x="0" y="0"/>
+          <a:ext cx="0" cy="0"/>
+          <a:chOff x="0" y="0"/>
+          <a:chExt cx="0" cy="0"/>
+        </a:xfrm>
+      </p:grpSpPr>
+      <p:sp>
+        <p:nvSpPr>
+          <p:cNvPr id="10" name="Title 9"/>
+          <p:cNvSpPr>
+            <a:spLocks noGrp="1"/>
+          </p:cNvSpPr>
+          <p:nvPr>
+            <p:ph type="title"/>
+          </p:nvPr>
+        </p:nvSpPr>
+        <p:spPr>
+          <a:xfrm>
+            <a:off x="822960" y="286604"/>
+            <a:ext cx="7543800" cy="1450757"/>
+          </a:xfrm>
+        </p:spPr>
+        <p:txBody>
+          <a:bodyPr/>
+          <a:lstStyle/>
+          <a:p>
+            <a:r>
+              <a:rPr lang="en-US"/>
+              <a:t>Click to edit Master title style</a:t>
+            </a:r>
+            <a:endParaRPr lang="en-US" dirty="0"/>
+          </a:p>
+        </p:txBody>
+      </p:sp>
+      <p:sp>
+        <p:nvSpPr>
+          <p:cNvPr id="3" name="Text Placeholder 2"/>
+          <p:cNvSpPr>
+            <a:spLocks noGrp="1"/>
+          </p:cNvSpPr>
+          <p:nvPr>
+            <p:ph type="body" idx="1"/>
+          </p:nvPr>
+        </p:nvSpPr>
+        <p:spPr>
+          <a:xfrm>
+            <a:off x="822960" y="1846052"/>
+            <a:ext cx="3703320" cy="736282"/>
+          </a:xfrm>
+        </p:spPr>
+        <p:txBody>
+          <a:bodyPr lIns="91440" rIns="91440" anchor="ctr">
+            <a:normAutofit/>
+          </a:bodyPr>
+          <a:lstStyle>
+            <a:lvl1pPr marL="0" indent="0">
+              <a:buNone/>
+              <a:defRPr sz="2000" b="0" cap="all" baseline="0">
+                <a:solidFill>
+                  <a:schemeClr val="tx2"/>
+                </a:solidFill>
+              </a:defRPr>
+            </a:lvl1pPr>
+            <a:lvl2pPr marL="457200" indent="0">
+              <a:buNone/>
+              <a:defRPr sz="2000" b="1"/>
+            </a:lvl2pPr>
+            <a:lvl3pPr marL="914400" indent="0">
+              <a:buNone/>
+              <a:defRPr sz="1800" b="1"/>
+            </a:lvl3pPr>
+            <a:lvl4pPr marL="1371600" indent="0">
+              <a:buNone/>
+              <a:defRPr sz="1600" b="1"/>
+            </a:lvl4pPr>
+            <a:lvl5pPr marL="1828800" indent="0">
+              <a:buNone/>
+              <a:defRPr sz="1600" b="1"/>
+            </a:lvl5pPr>
+            <a:lvl6pPr marL="2286000" indent="0">
+              <a:buNone/>
+              <a:defRPr sz="1600" b="1"/>
+            </a:lvl6pPr>
+            <a:lvl7pPr marL="2743200" indent="0">
+              <a:buNone/>
+              <a:defRPr sz="1600" b="1"/>
+            </a:lvl7pPr>
+            <a:lvl8pPr marL="3200400" indent="0">
+              <a:buNone/>
+              <a:defRPr sz="1600" b="1"/>
+            </a:lvl8pPr>
+            <a:lvl9pPr marL="3657600" indent="0">
+              <a:buNone/>
+              <a:defRPr sz="1600" b="1"/>
+            </a:lvl9pPr>
+          </a:lstStyle>
+          <a:p>
+            <a:pPr lvl="0"/>
+            <a:r>
+              <a:rPr lang="en-US"/>
+              <a:t>Click to edit Master text styles</a:t>
+            </a:r>
+          </a:p>
+        </p:txBody>
+      </p:sp>
+      <p:sp>
+        <p:nvSpPr>
+          <p:cNvPr id="4" name="Content Placeholder 3"/>
+          <p:cNvSpPr>
+            <a:spLocks noGrp="1"/>
+          </p:cNvSpPr>
+          <p:nvPr>
+            <p:ph sz="half" idx="2"/>
+          </p:nvPr>
+        </p:nvSpPr>
+        <p:spPr>
+          <a:xfrm>
+            <a:off x="822960" y="2582334"/>
+            <a:ext cx="3703320" cy="3286760"/>
+          </a:xfrm>
+        </p:spPr>
+        <p:txBody>
+          <a:bodyPr/>
+          <a:lstStyle/>
+          <a:p>
+            <a:pPr lvl="0"/>
+            <a:r>
+              <a:rPr lang="en-US"/>
+              <a:t>Click to edit Master text styles</a:t>
+            </a:r>
+          </a:p>
+          <a:p>
+            <a:pPr lvl="1"/>
+            <a:r>
+              <a:rPr lang="en-US"/>
+              <a:t>Second level</a:t>
+            </a:r>
+          </a:p>
+          <a:p>
+            <a:pPr lvl="2"/>
+            <a:r>
+              <a:rPr lang="en-US"/>
+              <a:t>Third level</a:t>
+            </a:r>
+          </a:p>
+          <a:p>
+            <a:pPr lvl="3"/>
+            <a:r>
+              <a:rPr lang="en-US"/>
+              <a:t>Fourth level</a:t>
+            </a:r>
+          </a:p>
+          <a:p>
+            <a:pPr lvl="4"/>
+            <a:r>
+              <a:rPr lang="en-US"/>
+              <a:t>Fifth level</a:t>
+            </a:r>
+            <a:endParaRPr lang="en-US" dirty="0"/>
+          </a:p>
+        </p:txBody>
+      </p:sp>
+      <p:sp>
+        <p:nvSpPr>
+          <p:cNvPr id="5" name="Text Placeholder 4"/>
+          <p:cNvSpPr>
+            <a:spLocks noGrp="1"/>
+          </p:cNvSpPr>
+          <p:nvPr>
+            <p:ph type="body" sz="quarter" idx="3"/>
+          </p:nvPr>
+        </p:nvSpPr>
+        <p:spPr>
+          <a:xfrm>
+            <a:off x="4663440" y="1846052"/>
+            <a:ext cx="3703320" cy="736282"/>
+          </a:xfrm>
+        </p:spPr>
+        <p:txBody>
+          <a:bodyPr lIns="91440" rIns="91440" anchor="ctr">
+            <a:normAutofit/>
+          </a:bodyPr>
+          <a:lstStyle>
+            <a:lvl1pPr marL="0" indent="0">
+              <a:buNone/>
+              <a:defRPr sz="2000" b="0" cap="all" baseline="0">
+                <a:solidFill>
+                  <a:schemeClr val="tx2"/>
+                </a:solidFill>
+              </a:defRPr>
+            </a:lvl1pPr>
+            <a:lvl2pPr marL="457200" indent="0">
+              <a:buNone/>
+              <a:defRPr sz="2000" b="1"/>
+            </a:lvl2pPr>
+            <a:lvl3pPr marL="914400" indent="0">
+              <a:buNone/>
+              <a:defRPr sz="1800" b="1"/>
+            </a:lvl3pPr>
+            <a:lvl4pPr marL="1371600" indent="0">
+              <a:buNone/>
+              <a:defRPr sz="1600" b="1"/>
+            </a:lvl4pPr>
+            <a:lvl5pPr marL="1828800" indent="0">
+              <a:buNone/>
+              <a:defRPr sz="1600" b="1"/>
+            </a:lvl5pPr>
+            <a:lvl6pPr marL="2286000" indent="0">
+              <a:buNone/>
+              <a:defRPr sz="1600" b="1"/>
+            </a:lvl6pPr>
+            <a:lvl7pPr marL="2743200" indent="0">
+              <a:buNone/>
+              <a:defRPr sz="1600" b="1"/>
+            </a:lvl7pPr>
+            <a:lvl8pPr marL="3200400" indent="0">
+              <a:buNone/>
+              <a:defRPr sz="1600" b="1"/>
+            </a:lvl8pPr>
+            <a:lvl9pPr marL="3657600" indent="0">
+              <a:buNone/>
+              <a:defRPr sz="1600" b="1"/>
+            </a:lvl9pPr>
+          </a:lstStyle>
+          <a:p>
+            <a:pPr lvl="0"/>
+            <a:r>
+              <a:rPr lang="en-US"/>
+              <a:t>Click to edit Master text styles</a:t>
+            </a:r>
+          </a:p>
+        </p:txBody>
+      </p:sp>
+      <p:sp>
+        <p:nvSpPr>
+          <p:cNvPr id="6" name="Content Placeholder 5"/>
+          <p:cNvSpPr>
+            <a:spLocks noGrp="1"/>
+          </p:cNvSpPr>
+          <p:nvPr>
+            <p:ph sz="quarter" idx="4"/>
+          </p:nvPr>
+        </p:nvSpPr>
+        <p:spPr>
+          <a:xfrm>
+            <a:off x="4663440" y="2582334"/>
+            <a:ext cx="3703320" cy="3286760"/>
+          </a:xfrm>
+        </p:spPr>
+        <p:txBody>
+          <a:bodyPr/>
+          <a:lstStyle/>
+          <a:p>
+            <a:pPr lvl="0"/>
+            <a:r>
+              <a:rPr lang="en-US"/>
+              <a:t>Click to edit Master text styles</a:t>
+            </a:r>
+          </a:p>
+          <a:p>
+            <a:pPr lvl="1"/>
+            <a:r>
+              <a:rPr lang="en-US"/>
+              <a:t>Second level</a:t>
+            </a:r>
+          </a:p>
+          <a:p>
+            <a:pPr lvl="2"/>
+            <a:r>
+              <a:rPr lang="en-US"/>
+              <a:t>Third level</a:t>
+            </a:r>
+          </a:p>
+          <a:p>
+            <a:pPr lvl="3"/>
+            <a:r>
+              <a:rPr lang="en-US"/>
+              <a:t>Fourth level</a:t>
+            </a:r>
+          </a:p>
+          <a:p>
+            <a:pPr lvl="4"/>
+            <a:r>
+              <a:rPr lang="en-US"/>
+              <a:t>Fifth level</a:t>
+            </a:r>
+            <a:endParaRPr lang="en-US" dirty="0"/>
+          </a:p>
+        </p:txBody>
+      </p:sp>
+      <p:sp>
+        <p:nvSpPr>
+          <p:cNvPr id="7" name="Date Placeholder 6"/>
+          <p:cNvSpPr>
+            <a:spLocks noGrp="1"/>
+          </p:cNvSpPr>
+          <p:nvPr>
+            <p:ph type="dt" sz="half" idx="10"/>
+          </p:nvPr>
+        </p:nvSpPr>
+        <p:spPr/>
+        <p:txBody>
+          <a:bodyPr/>
+          <a:lstStyle/>
+          <a:p>
+            <a:fld id="{D6C78686-3407-46C4-920C-F51B64F20514}" type="datetime1">
+              <a:rPr lang="en-US" smtClean="0"/>
+              <a:t>7/6/2016</a:t>
+            </a:fld>
+            <a:endParaRPr lang="en-US"/>
+          </a:p>
+        </p:txBody>
+      </p:sp>
+      <p:sp>
+        <p:nvSpPr>
+          <p:cNvPr id="8" name="Footer Placeholder 7"/>
+          <p:cNvSpPr>
+            <a:spLocks noGrp="1"/>
+          </p:cNvSpPr>
+          <p:nvPr>
+            <p:ph type="ftr" sz="quarter" idx="11"/>
+          </p:nvPr>
+        </p:nvSpPr>
+        <p:spPr/>
+        <p:txBody>
+          <a:bodyPr/>
+          <a:lstStyle/>
+          <a:p>
+            <a:r>
+              <a:rPr lang="en-US"/>
+              <a:t>Copytight © 2015 EV3Lessons.com, Last edit 7/06/2016</a:t>
+            </a:r>
+          </a:p>
+        </p:txBody>
+      </p:sp>
+      <p:sp>
+        <p:nvSpPr>
+          <p:cNvPr id="9" name="Slide Number Placeholder 8"/>
+          <p:cNvSpPr>
+            <a:spLocks noGrp="1"/>
+          </p:cNvSpPr>
+          <p:nvPr>
+            <p:ph type="sldNum" sz="quarter" idx="12"/>
+          </p:nvPr>
+        </p:nvSpPr>
+        <p:spPr/>
+        <p:txBody>
+          <a:bodyPr/>
+          <a:lstStyle/>
+          <a:p>
+            <a:fld id="{4382A7F7-08BF-4252-8141-63FB96055BBB}" type="slidenum">
+              <a:rPr lang="en-US" smtClean="0"/>
+              <a:t>‹#›</a:t>
+            </a:fld>
+            <a:endParaRPr lang="en-US"/>
+          </a:p>
+        </p:txBody>
+      </p:sp>
+    </p:spTree>
+    <p:extLst>
+      <p:ext uri="{BB962C8B-B14F-4D97-AF65-F5344CB8AC3E}">
+        <p14:creationId xmlns:p14="http://schemas.microsoft.com/office/powerpoint/2010/main" val="2002299126"/>
+      </p:ext>
+    </p:extLst>
+  </p:cSld>
+  <p:clrMapOvr>
+    <a:masterClrMapping/>
+  </p:clrMapOvr>
+</p:sldLayout>
+</file>
+
+<file path=ppt/slideLayouts/slideLayout6.xml><?xml version="1.0" encoding="utf-8"?>
+<p:sldLayout xmlns:a="http://schemas.openxmlformats.org/drawingml/2006/main" xmlns:r="http://schemas.openxmlformats.org/officeDocument/2006/relationships" xmlns:p="http://schemas.openxmlformats.org/presentationml/2006/main" type="titleOnly" preserve="1">
+  <p:cSld name="Title Only">
+    <p:spTree>
+      <p:nvGrpSpPr>
+        <p:cNvPr id="1" name=""/>
+        <p:cNvGrpSpPr/>
+        <p:nvPr/>
+      </p:nvGrpSpPr>
+      <p:grpSpPr>
+        <a:xfrm>
+          <a:off x="0" y="0"/>
+          <a:ext cx="0" cy="0"/>
+          <a:chOff x="0" y="0"/>
+          <a:chExt cx="0" cy="0"/>
+        </a:xfrm>
+      </p:grpSpPr>
+      <p:sp>
+        <p:nvSpPr>
+          <p:cNvPr id="2" name="Title 1"/>
+          <p:cNvSpPr>
+            <a:spLocks noGrp="1"/>
+          </p:cNvSpPr>
+          <p:nvPr>
+            <p:ph type="title"/>
+          </p:nvPr>
+        </p:nvSpPr>
+        <p:spPr/>
+        <p:txBody>
+          <a:bodyPr/>
+          <a:lstStyle/>
+          <a:p>
+            <a:r>
+              <a:rPr lang="en-US"/>
+              <a:t>Click to edit Master title style</a:t>
+            </a:r>
+            <a:endParaRPr lang="en-US" dirty="0"/>
+          </a:p>
+        </p:txBody>
+      </p:sp>
+      <p:sp>
+        <p:nvSpPr>
+          <p:cNvPr id="3" name="Date Placeholder 2"/>
+          <p:cNvSpPr>
+            <a:spLocks noGrp="1"/>
+          </p:cNvSpPr>
+          <p:nvPr>
+            <p:ph type="dt" sz="half" idx="10"/>
+          </p:nvPr>
+        </p:nvSpPr>
+        <p:spPr/>
+        <p:txBody>
+          <a:bodyPr/>
+          <a:lstStyle/>
+          <a:p>
+            <a:fld id="{926DB5E4-BF92-4A6E-81A8-60F64D43764C}" type="datetime1">
+              <a:rPr lang="en-US" smtClean="0"/>
+              <a:t>7/6/2016</a:t>
+            </a:fld>
+            <a:endParaRPr lang="en-US"/>
+          </a:p>
+        </p:txBody>
+      </p:sp>
+      <p:sp>
+        <p:nvSpPr>
+          <p:cNvPr id="4" name="Footer Placeholder 3"/>
+          <p:cNvSpPr>
+            <a:spLocks noGrp="1"/>
+          </p:cNvSpPr>
+          <p:nvPr>
+            <p:ph type="ftr" sz="quarter" idx="11"/>
+          </p:nvPr>
+        </p:nvSpPr>
+        <p:spPr/>
+        <p:txBody>
+          <a:bodyPr/>
+          <a:lstStyle/>
+          <a:p>
+            <a:r>
+              <a:rPr lang="en-US"/>
+              <a:t>Copytight © 2015 EV3Lessons.com, Last edit 7/06/2016</a:t>
+            </a:r>
+          </a:p>
+        </p:txBody>
+      </p:sp>
+      <p:sp>
+        <p:nvSpPr>
+          <p:cNvPr id="5" name="Slide Number Placeholder 4"/>
+          <p:cNvSpPr>
+            <a:spLocks noGrp="1"/>
+          </p:cNvSpPr>
+          <p:nvPr>
+            <p:ph type="sldNum" sz="quarter" idx="12"/>
+          </p:nvPr>
+        </p:nvSpPr>
+        <p:spPr/>
+        <p:txBody>
+          <a:bodyPr/>
+          <a:lstStyle/>
+          <a:p>
+            <a:fld id="{4382A7F7-08BF-4252-8141-63FB96055BBB}" type="slidenum">
+              <a:rPr lang="en-US" smtClean="0"/>
+              <a:t>‹#›</a:t>
+            </a:fld>
+            <a:endParaRPr lang="en-US"/>
+          </a:p>
+        </p:txBody>
+      </p:sp>
+    </p:spTree>
+    <p:extLst>
+      <p:ext uri="{BB962C8B-B14F-4D97-AF65-F5344CB8AC3E}">
+        <p14:creationId xmlns:p14="http://schemas.microsoft.com/office/powerpoint/2010/main" val="504733668"/>
+      </p:ext>
+    </p:extLst>
+  </p:cSld>
+  <p:clrMapOvr>
+    <a:masterClrMapping/>
+  </p:clrMapOvr>
+</p:sldLayout>
+</file>
+
+<file path=ppt/slideLayouts/slideLayout7.xml><?xml version="1.0" encoding="utf-8"?>
+<p:sldLayout xmlns:a="http://schemas.openxmlformats.org/drawingml/2006/main" xmlns:r="http://schemas.openxmlformats.org/officeDocument/2006/relationships" xmlns:p="http://schemas.openxmlformats.org/presentationml/2006/main" showMasterSp="0" type="blank" preserve="1">
+  <p:cSld name="Blank">
+    <p:spTree>
+      <p:nvGrpSpPr>
+        <p:cNvPr id="1" name=""/>
+        <p:cNvGrpSpPr/>
+        <p:nvPr/>
+      </p:nvGrpSpPr>
+      <p:grpSpPr>
+        <a:xfrm>
+          <a:off x="0" y="0"/>
+          <a:ext cx="0" cy="0"/>
+          <a:chOff x="0" y="0"/>
+          <a:chExt cx="0" cy="0"/>
+        </a:xfrm>
+      </p:grpSpPr>
+      <p:sp>
+        <p:nvSpPr>
+          <p:cNvPr id="5" name="Rectangle 4"/>
+          <p:cNvSpPr/>
+          <p:nvPr/>
+        </p:nvSpPr>
+        <p:spPr>
+          <a:xfrm>
+            <a:off x="2382" y="6400800"/>
+            <a:ext cx="9141619" cy="457200"/>
+          </a:xfrm>
+          <a:prstGeom prst="rect">
+            <a:avLst/>
+          </a:prstGeom>
+          <a:solidFill>
+            <a:schemeClr val="accent2"/>
+          </a:solidFill>
+          <a:ln>
+            <a:noFill/>
+          </a:ln>
+        </p:spPr>
+        <p:style>
+          <a:lnRef idx="2">
+            <a:schemeClr val="accent1">
+              <a:shade val="50000"/>
+            </a:schemeClr>
+          </a:lnRef>
+          <a:fillRef idx="1">
+            <a:schemeClr val="accent1"/>
+          </a:fillRef>
+          <a:effectRef idx="0">
+            <a:schemeClr val="accent1"/>
+          </a:effectRef>
+          <a:fontRef idx="minor">
+            <a:schemeClr val="lt1"/>
+          </a:fontRef>
+        </p:style>
+      </p:sp>
+      <p:sp>
+        <p:nvSpPr>
+          <p:cNvPr id="6" name="Rectangle 5"/>
+          <p:cNvSpPr/>
+          <p:nvPr/>
+        </p:nvSpPr>
+        <p:spPr>
+          <a:xfrm>
+            <a:off x="12" y="6334316"/>
+            <a:ext cx="9141619" cy="64008"/>
+          </a:xfrm>
+          <a:prstGeom prst="rect">
+            <a:avLst/>
+          </a:prstGeom>
+          <a:solidFill>
+            <a:schemeClr val="accent1"/>
+          </a:solidFill>
+          <a:ln>
+            <a:noFill/>
+          </a:ln>
+        </p:spPr>
+        <p:style>
+          <a:lnRef idx="2">
+            <a:schemeClr val="accent1">
+              <a:shade val="50000"/>
+            </a:schemeClr>
+          </a:lnRef>
+          <a:fillRef idx="1">
+            <a:schemeClr val="accent1"/>
+          </a:fillRef>
+          <a:effectRef idx="0">
+            <a:schemeClr val="accent1"/>
+          </a:effectRef>
+          <a:fontRef idx="minor">
+            <a:schemeClr val="lt1"/>
+          </a:fontRef>
+        </p:style>
+      </p:sp>
+      <p:sp>
+        <p:nvSpPr>
+          <p:cNvPr id="7" name="Date Placeholder 6"/>
+          <p:cNvSpPr>
+            <a:spLocks noGrp="1"/>
+          </p:cNvSpPr>
+          <p:nvPr>
+            <p:ph type="dt" sz="half" idx="10"/>
+          </p:nvPr>
+        </p:nvSpPr>
+        <p:spPr/>
+        <p:txBody>
+          <a:bodyPr/>
+          <a:lstStyle/>
+          <a:p>
+            <a:fld id="{FBB88050-A3C3-4F14-B737-AC5556212625}" type="datetime1">
+              <a:rPr lang="en-US" smtClean="0"/>
+              <a:t>7/6/2016</a:t>
+            </a:fld>
+            <a:endParaRPr lang="en-US"/>
+          </a:p>
+        </p:txBody>
+      </p:sp>
+      <p:sp>
+        <p:nvSpPr>
+          <p:cNvPr id="8" name="Footer Placeholder 7"/>
+          <p:cNvSpPr>
+            <a:spLocks noGrp="1"/>
+          </p:cNvSpPr>
+          <p:nvPr>
+            <p:ph type="ftr" sz="quarter" idx="11"/>
+          </p:nvPr>
+        </p:nvSpPr>
+        <p:spPr/>
+        <p:txBody>
+          <a:bodyPr/>
+          <a:lstStyle>
+            <a:lvl1pPr>
+              <a:defRPr>
+                <a:solidFill>
+                  <a:srgbClr val="FFFFFF"/>
+                </a:solidFill>
+              </a:defRPr>
+            </a:lvl1pPr>
+          </a:lstStyle>
+          <a:p>
+            <a:r>
+              <a:rPr lang="en-US"/>
+              <a:t>Copytight © 2015 EV3Lessons.com, Last edit 7/06/2016</a:t>
+            </a:r>
+          </a:p>
+        </p:txBody>
+      </p:sp>
+      <p:sp>
+        <p:nvSpPr>
+          <p:cNvPr id="9" name="Slide Number Placeholder 8"/>
+          <p:cNvSpPr>
+            <a:spLocks noGrp="1"/>
+          </p:cNvSpPr>
+          <p:nvPr>
+            <p:ph type="sldNum" sz="quarter" idx="12"/>
+          </p:nvPr>
+        </p:nvSpPr>
+        <p:spPr/>
+        <p:txBody>
+          <a:bodyPr/>
+          <a:lstStyle/>
+          <a:p>
+            <a:fld id="{4382A7F7-08BF-4252-8141-63FB96055BBB}" type="slidenum">
+              <a:rPr lang="en-US" smtClean="0"/>
+              <a:t>‹#›</a:t>
+            </a:fld>
+            <a:endParaRPr lang="en-US"/>
+          </a:p>
+        </p:txBody>
+      </p:sp>
+    </p:spTree>
+    <p:extLst>
+      <p:ext uri="{BB962C8B-B14F-4D97-AF65-F5344CB8AC3E}">
+        <p14:creationId xmlns:p14="http://schemas.microsoft.com/office/powerpoint/2010/main" val="623000482"/>
+      </p:ext>
+    </p:extLst>
+  </p:cSld>
+  <p:clrMapOvr>
+    <a:masterClrMapping/>
+  </p:clrMapOvr>
+</p:sldLayout>
+</file>
+
+<file path=ppt/slideLayouts/slideLayout8.xml><?xml version="1.0" encoding="utf-8"?>
+<p:sldLayout xmlns:a="http://schemas.openxmlformats.org/drawingml/2006/main" xmlns:r="http://schemas.openxmlformats.org/officeDocument/2006/relationships" xmlns:p="http://schemas.openxmlformats.org/presentationml/2006/main" showMasterSp="0" type="objTx" preserve="1">
+  <p:cSld name="Content with Caption">
+    <p:spTree>
+      <p:nvGrpSpPr>
+        <p:cNvPr id="1" name=""/>
+        <p:cNvGrpSpPr/>
+        <p:nvPr/>
+      </p:nvGrpSpPr>
+      <p:grpSpPr>
+        <a:xfrm>
+          <a:off x="0" y="0"/>
+          <a:ext cx="0" cy="0"/>
+          <a:chOff x="0" y="0"/>
+          <a:chExt cx="0" cy="0"/>
+        </a:xfrm>
+      </p:grpSpPr>
+      <p:sp>
+        <p:nvSpPr>
+          <p:cNvPr id="8" name="Rectangle 7"/>
+          <p:cNvSpPr/>
+          <p:nvPr/>
+        </p:nvSpPr>
+        <p:spPr>
+          <a:xfrm>
+            <a:off x="13" y="0"/>
+            <a:ext cx="3038093" cy="6858000"/>
+          </a:xfrm>
+          <a:prstGeom prst="rect">
+            <a:avLst/>
+          </a:prstGeom>
+          <a:solidFill>
+            <a:schemeClr val="accent2"/>
+          </a:solidFill>
+          <a:ln>
+            <a:noFill/>
+          </a:ln>
+        </p:spPr>
+        <p:style>
+          <a:lnRef idx="2">
+            <a:schemeClr val="accent1">
+              <a:shade val="50000"/>
+            </a:schemeClr>
+          </a:lnRef>
+          <a:fillRef idx="1">
+            <a:schemeClr val="accent1"/>
+          </a:fillRef>
+          <a:effectRef idx="0">
+            <a:schemeClr val="accent1"/>
+          </a:effectRef>
+          <a:fontRef idx="minor">
+            <a:schemeClr val="lt1"/>
+          </a:fontRef>
+        </p:style>
+      </p:sp>
+      <p:sp>
+        <p:nvSpPr>
+          <p:cNvPr id="9" name="Rectangle 8"/>
+          <p:cNvSpPr/>
+          <p:nvPr/>
+        </p:nvSpPr>
+        <p:spPr>
+          <a:xfrm>
+            <a:off x="3030053" y="0"/>
+            <a:ext cx="48006" cy="6858000"/>
+          </a:xfrm>
+          <a:prstGeom prst="rect">
+            <a:avLst/>
+          </a:prstGeom>
+          <a:solidFill>
+            <a:schemeClr val="accent1"/>
+          </a:solidFill>
+          <a:ln>
+            <a:noFill/>
+          </a:ln>
+        </p:spPr>
+        <p:style>
+          <a:lnRef idx="2">
+            <a:schemeClr val="accent1">
+              <a:shade val="50000"/>
+            </a:schemeClr>
+          </a:lnRef>
+          <a:fillRef idx="1">
+            <a:schemeClr val="accent1"/>
+          </a:fillRef>
+          <a:effectRef idx="0">
+            <a:schemeClr val="accent1"/>
+          </a:effectRef>
+          <a:fontRef idx="minor">
+            <a:schemeClr val="lt1"/>
+          </a:fontRef>
+        </p:style>
+      </p:sp>
+      <p:sp>
+        <p:nvSpPr>
+          <p:cNvPr id="2" name="Title 1"/>
+          <p:cNvSpPr>
+            <a:spLocks noGrp="1"/>
+          </p:cNvSpPr>
+          <p:nvPr>
+            <p:ph type="title"/>
+          </p:nvPr>
+        </p:nvSpPr>
+        <p:spPr>
+          <a:xfrm>
+            <a:off x="342900" y="594359"/>
+            <a:ext cx="2400300" cy="2286000"/>
+          </a:xfrm>
+        </p:spPr>
+        <p:txBody>
+          <a:bodyPr anchor="b">
+            <a:normAutofit/>
+          </a:bodyPr>
+          <a:lstStyle>
+            <a:lvl1pPr>
+              <a:defRPr sz="3600" b="0">
+                <a:solidFill>
+                  <a:srgbClr val="FFFFFF"/>
+                </a:solidFill>
+              </a:defRPr>
+            </a:lvl1pPr>
+          </a:lstStyle>
+          <a:p>
+            <a:r>
+              <a:rPr lang="en-US"/>
+              <a:t>Click to edit Master title style</a:t>
+            </a:r>
+            <a:endParaRPr lang="en-US" dirty="0"/>
+          </a:p>
+        </p:txBody>
+      </p:sp>
+      <p:sp>
+        <p:nvSpPr>
+          <p:cNvPr id="3" name="Content Placeholder 2"/>
+          <p:cNvSpPr>
+            <a:spLocks noGrp="1"/>
+          </p:cNvSpPr>
+          <p:nvPr>
+            <p:ph idx="1"/>
+          </p:nvPr>
+        </p:nvSpPr>
+        <p:spPr>
+          <a:xfrm>
+            <a:off x="3460237" y="731520"/>
+            <a:ext cx="5009393" cy="5257800"/>
+          </a:xfrm>
+        </p:spPr>
+        <p:txBody>
+          <a:bodyPr/>
+          <a:lstStyle/>
+          <a:p>
+            <a:pPr lvl="0"/>
+            <a:r>
+              <a:rPr lang="en-US"/>
+              <a:t>Click to edit Master text styles</a:t>
+            </a:r>
+          </a:p>
+          <a:p>
+            <a:pPr lvl="1"/>
+            <a:r>
+              <a:rPr lang="en-US"/>
+              <a:t>Second level</a:t>
+            </a:r>
+          </a:p>
+          <a:p>
+            <a:pPr lvl="2"/>
+            <a:r>
+              <a:rPr lang="en-US"/>
+              <a:t>Third level</a:t>
+            </a:r>
+          </a:p>
+          <a:p>
+            <a:pPr lvl="3"/>
+            <a:r>
+              <a:rPr lang="en-US"/>
+              <a:t>Fourth level</a:t>
+            </a:r>
+          </a:p>
+          <a:p>
+            <a:pPr lvl="4"/>
+            <a:r>
+              <a:rPr lang="en-US"/>
+              <a:t>Fifth level</a:t>
+            </a:r>
+            <a:endParaRPr lang="en-US" dirty="0"/>
+          </a:p>
+        </p:txBody>
+      </p:sp>
+      <p:sp>
+        <p:nvSpPr>
+          <p:cNvPr id="4" name="Text Placeholder 3"/>
+          <p:cNvSpPr>
+            <a:spLocks noGrp="1"/>
+          </p:cNvSpPr>
+          <p:nvPr>
+            <p:ph type="body" sz="half" idx="2"/>
+          </p:nvPr>
+        </p:nvSpPr>
+        <p:spPr>
+          <a:xfrm>
+            <a:off x="342900" y="2926080"/>
+            <a:ext cx="2400300" cy="3379124"/>
+          </a:xfrm>
+        </p:spPr>
+        <p:txBody>
+          <a:bodyPr lIns="91440" rIns="91440">
+            <a:normAutofit/>
+          </a:bodyPr>
+          <a:lstStyle>
+            <a:lvl1pPr marL="0" indent="0">
+              <a:buNone/>
+              <a:defRPr sz="1500">
+                <a:solidFill>
+                  <a:srgbClr val="FFFFFF"/>
+                </a:solidFill>
+              </a:defRPr>
+            </a:lvl1pPr>
+            <a:lvl2pPr marL="457200" indent="0">
+              <a:buNone/>
+              <a:defRPr sz="1200"/>
+            </a:lvl2pPr>
+            <a:lvl3pPr marL="914400" indent="0">
+              <a:buNone/>
+              <a:defRPr sz="1000"/>
+            </a:lvl3pPr>
+            <a:lvl4pPr marL="1371600" indent="0">
+              <a:buNone/>
+              <a:defRPr sz="900"/>
+            </a:lvl4pPr>
+            <a:lvl5pPr marL="1828800" indent="0">
+              <a:buNone/>
+              <a:defRPr sz="900"/>
+            </a:lvl5pPr>
+            <a:lvl6pPr marL="2286000" indent="0">
+              <a:buNone/>
+              <a:defRPr sz="900"/>
+            </a:lvl6pPr>
+            <a:lvl7pPr marL="2743200" indent="0">
+              <a:buNone/>
+              <a:defRPr sz="900"/>
+            </a:lvl7pPr>
+            <a:lvl8pPr marL="3200400" indent="0">
+              <a:buNone/>
+              <a:defRPr sz="900"/>
+            </a:lvl8pPr>
+            <a:lvl9pPr marL="3657600" indent="0">
+              <a:buNone/>
+              <a:defRPr sz="900"/>
+            </a:lvl9pPr>
+          </a:lstStyle>
+          <a:p>
+            <a:pPr lvl="0"/>
+            <a:r>
+              <a:rPr lang="en-US"/>
+              <a:t>Click to edit Master text styles</a:t>
+            </a:r>
+          </a:p>
+        </p:txBody>
+      </p:sp>
+      <p:sp>
+        <p:nvSpPr>
+          <p:cNvPr id="5" name="Date Placeholder 4"/>
+          <p:cNvSpPr>
+            <a:spLocks noGrp="1"/>
+          </p:cNvSpPr>
+          <p:nvPr>
+            <p:ph type="dt" sz="half" idx="10"/>
+          </p:nvPr>
+        </p:nvSpPr>
+        <p:spPr>
+          <a:xfrm>
+            <a:off x="349134" y="6459786"/>
+            <a:ext cx="1963883" cy="365125"/>
+          </a:xfrm>
+        </p:spPr>
+        <p:txBody>
+          <a:bodyPr/>
+          <a:lstStyle>
+            <a:lvl1pPr algn="l">
+              <a:defRPr/>
+            </a:lvl1pPr>
+          </a:lstStyle>
+          <a:p>
+            <a:fld id="{7D984CD8-ECD1-41E2-840B-30CBDD89B79E}" type="datetime1">
+              <a:rPr lang="en-US" smtClean="0"/>
+              <a:t>7/6/2016</a:t>
+            </a:fld>
+            <a:endParaRPr lang="en-US"/>
+          </a:p>
+        </p:txBody>
+      </p:sp>
+      <p:sp>
+        <p:nvSpPr>
+          <p:cNvPr id="6" name="Footer Placeholder 5"/>
+          <p:cNvSpPr>
+            <a:spLocks noGrp="1"/>
+          </p:cNvSpPr>
+          <p:nvPr>
+            <p:ph type="ftr" sz="quarter" idx="11"/>
+          </p:nvPr>
+        </p:nvSpPr>
+        <p:spPr>
+          <a:xfrm>
+            <a:off x="3600450" y="6459786"/>
+            <a:ext cx="3486150" cy="365125"/>
+          </a:xfrm>
+        </p:spPr>
+        <p:txBody>
+          <a:bodyPr/>
+          <a:lstStyle>
+            <a:lvl1pPr algn="l">
+              <a:defRPr>
+                <a:solidFill>
+                  <a:schemeClr val="tx2"/>
+                </a:solidFill>
+              </a:defRPr>
+            </a:lvl1pPr>
+          </a:lstStyle>
+          <a:p>
+            <a:r>
+              <a:rPr lang="en-US"/>
+              <a:t>Copytight © 2015 EV3Lessons.com, Last edit 7/06/2016</a:t>
+            </a:r>
+          </a:p>
+        </p:txBody>
+      </p:sp>
+      <p:sp>
+        <p:nvSpPr>
+          <p:cNvPr id="7" name="Slide Number Placeholder 6"/>
+          <p:cNvSpPr>
+            <a:spLocks noGrp="1"/>
+          </p:cNvSpPr>
+          <p:nvPr>
+            <p:ph type="sldNum" sz="quarter" idx="12"/>
+          </p:nvPr>
+        </p:nvSpPr>
+        <p:spPr/>
+        <p:txBody>
+          <a:bodyPr/>
+          <a:lstStyle>
+            <a:lvl1pPr>
+              <a:defRPr>
+                <a:solidFill>
+                  <a:schemeClr val="tx2"/>
+                </a:solidFill>
+              </a:defRPr>
+            </a:lvl1pPr>
+          </a:lstStyle>
+          <a:p>
+            <a:fld id="{7F5CE407-6216-4202-80E4-A30DC2F709B2}" type="slidenum">
+              <a:rPr lang="en-US" smtClean="0"/>
+              <a:t>‹#›</a:t>
+            </a:fld>
+            <a:endParaRPr lang="en-US"/>
+          </a:p>
+        </p:txBody>
+      </p:sp>
+    </p:spTree>
+    <p:extLst>
+      <p:ext uri="{BB962C8B-B14F-4D97-AF65-F5344CB8AC3E}">
+        <p14:creationId xmlns:p14="http://schemas.microsoft.com/office/powerpoint/2010/main" val="889931083"/>
+      </p:ext>
+    </p:extLst>
+  </p:cSld>
+  <p:clrMapOvr>
+    <a:masterClrMapping/>
+  </p:clrMapOvr>
+</p:sldLayout>
+</file>
+
+<file path=ppt/slideLayouts/slideLayout9.xml><?xml version="1.0" encoding="utf-8"?>
+<p:sldLayout xmlns:a="http://schemas.openxmlformats.org/drawingml/2006/main" xmlns:r="http://schemas.openxmlformats.org/officeDocument/2006/relationships" xmlns:p="http://schemas.openxmlformats.org/presentationml/2006/main" showMasterSp="0" type="picTx" preserve="1">
+  <p:cSld name="Picture with Caption">
+    <p:spTree>
+      <p:nvGrpSpPr>
+        <p:cNvPr id="1" name=""/>
+        <p:cNvGrpSpPr/>
+        <p:nvPr/>
+      </p:nvGrpSpPr>
+      <p:grpSpPr>
+        <a:xfrm>
+          <a:off x="0" y="0"/>
+          <a:ext cx="0" cy="0"/>
+          <a:chOff x="0" y="0"/>
+          <a:chExt cx="0" cy="0"/>
+        </a:xfrm>
+      </p:grpSpPr>
+      <p:sp>
+        <p:nvSpPr>
+          <p:cNvPr id="8" name="Rectangle 7"/>
+          <p:cNvSpPr/>
+          <p:nvPr/>
+        </p:nvSpPr>
+        <p:spPr>
+          <a:xfrm>
+            <a:off x="0" y="4953000"/>
+            <a:ext cx="9141619" cy="1905000"/>
+          </a:xfrm>
+          <a:prstGeom prst="rect">
+            <a:avLst/>
+          </a:prstGeom>
+          <a:solidFill>
+            <a:schemeClr val="accent2"/>
+          </a:solidFill>
+          <a:ln>
+            <a:noFill/>
+          </a:ln>
+        </p:spPr>
+        <p:style>
+          <a:lnRef idx="2">
+            <a:schemeClr val="accent1">
+              <a:shade val="50000"/>
+            </a:schemeClr>
+          </a:lnRef>
+          <a:fillRef idx="1">
+            <a:schemeClr val="accent1"/>
+          </a:fillRef>
+          <a:effectRef idx="0">
+            <a:schemeClr val="accent1"/>
+          </a:effectRef>
+          <a:fontRef idx="minor">
+            <a:schemeClr val="lt1"/>
+          </a:fontRef>
+        </p:style>
+      </p:sp>
+      <p:sp>
+        <p:nvSpPr>
+          <p:cNvPr id="9" name="Rectangle 8"/>
+          <p:cNvSpPr/>
+          <p:nvPr/>
+        </p:nvSpPr>
+        <p:spPr>
+          <a:xfrm>
+            <a:off x="12" y="4915076"/>
+            <a:ext cx="9141619" cy="64008"/>
+          </a:xfrm>
+          <a:prstGeom prst="rect">
+            <a:avLst/>
+          </a:prstGeom>
+          <a:solidFill>
+            <a:schemeClr val="accent1"/>
+          </a:solidFill>
+          <a:ln>
+            <a:noFill/>
+          </a:ln>
+        </p:spPr>
+        <p:style>
+          <a:lnRef idx="2">
+            <a:schemeClr val="accent1">
+              <a:shade val="50000"/>
+            </a:schemeClr>
+          </a:lnRef>
+          <a:fillRef idx="1">
+            <a:schemeClr val="accent1"/>
+          </a:fillRef>
+          <a:effectRef idx="0">
+            <a:schemeClr val="accent1"/>
+          </a:effectRef>
+          <a:fontRef idx="minor">
+            <a:schemeClr val="lt1"/>
+          </a:fontRef>
+        </p:style>
+      </p:sp>
+      <p:sp>
+        <p:nvSpPr>
+          <p:cNvPr id="2" name="Title 1"/>
+          <p:cNvSpPr>
+            <a:spLocks noGrp="1"/>
+          </p:cNvSpPr>
+          <p:nvPr>
+            <p:ph type="title"/>
+          </p:nvPr>
+        </p:nvSpPr>
+        <p:spPr>
+          <a:xfrm>
+            <a:off x="822960" y="5074920"/>
+            <a:ext cx="7589520" cy="822960"/>
+          </a:xfrm>
+        </p:spPr>
+        <p:txBody>
+          <a:bodyPr tIns="0" bIns="0" anchor="b">
+            <a:noAutofit/>
+          </a:bodyPr>
+          <a:lstStyle>
+            <a:lvl1pPr>
+              <a:defRPr sz="3600" b="0">
+                <a:solidFill>
+                  <a:srgbClr val="FFFFFF"/>
+                </a:solidFill>
+              </a:defRPr>
+            </a:lvl1pPr>
+          </a:lstStyle>
+          <a:p>
+            <a:r>
+              <a:rPr lang="en-US"/>
+              <a:t>Click to edit Master title style</a:t>
+            </a:r>
+            <a:endParaRPr lang="en-US" dirty="0"/>
+          </a:p>
+        </p:txBody>
+      </p:sp>
+      <p:sp>
+        <p:nvSpPr>
+          <p:cNvPr id="3" name="Picture Placeholder 2"/>
+          <p:cNvSpPr>
+            <a:spLocks noGrp="1" noChangeAspect="1"/>
+          </p:cNvSpPr>
+          <p:nvPr>
+            <p:ph type="pic" idx="1"/>
+          </p:nvPr>
+        </p:nvSpPr>
+        <p:spPr>
+          <a:xfrm>
+            <a:off x="12" y="0"/>
+            <a:ext cx="9143989" cy="4915076"/>
+          </a:xfrm>
+          <a:blipFill>
+            <a:blip r:embed="rId2"/>
+            <a:stretch>
+              <a:fillRect/>
+            </a:stretch>
+          </a:blipFill>
+        </p:spPr>
+        <p:txBody>
+          <a:bodyPr lIns="457200" tIns="457200" anchor="t"/>
+          <a:lstStyle>
+            <a:lvl1pPr marL="0" indent="0">
+              <a:buNone/>
+              <a:defRPr sz="3200">
+                <a:solidFill>
+                  <a:schemeClr val="bg1"/>
+                </a:solidFill>
+              </a:defRPr>
+            </a:lvl1pPr>
+            <a:lvl2pPr marL="457200" indent="0">
+              <a:buNone/>
+              <a:defRPr sz="2800"/>
+            </a:lvl2pPr>
+            <a:lvl3pPr marL="914400" indent="0">
+              <a:buNone/>
+              <a:defRPr sz="2400"/>
+            </a:lvl3pPr>
+            <a:lvl4pPr marL="1371600" indent="0">
+              <a:buNone/>
+              <a:defRPr sz="2000"/>
+            </a:lvl4pPr>
+            <a:lvl5pPr marL="1828800" indent="0">
+              <a:buNone/>
+              <a:defRPr sz="2000"/>
+            </a:lvl5pPr>
+            <a:lvl6pPr marL="2286000" indent="0">
+              <a:buNone/>
+              <a:defRPr sz="2000"/>
+            </a:lvl6pPr>
+            <a:lvl7pPr marL="2743200" indent="0">
+              <a:buNone/>
+              <a:defRPr sz="2000"/>
+            </a:lvl7pPr>
+            <a:lvl8pPr marL="3200400" indent="0">
+              <a:buNone/>
+              <a:defRPr sz="2000"/>
+            </a:lvl8pPr>
+            <a:lvl9pPr marL="3657600" indent="0">
+              <a:buNone/>
+              <a:defRPr sz="2000"/>
+            </a:lvl9pPr>
+          </a:lstStyle>
+          <a:p>
+            <a:r>
+              <a:rPr lang="en-US"/>
+              <a:t>Drag picture to placeholder or click icon to add</a:t>
+            </a:r>
+            <a:endParaRPr lang="en-US" dirty="0"/>
+          </a:p>
+        </p:txBody>
+      </p:sp>
+      <p:sp>
+        <p:nvSpPr>
+          <p:cNvPr id="4" name="Text Placeholder 3"/>
+          <p:cNvSpPr>
+            <a:spLocks noGrp="1"/>
+          </p:cNvSpPr>
+          <p:nvPr>
+            <p:ph type="body" sz="half" idx="2"/>
+          </p:nvPr>
+        </p:nvSpPr>
+        <p:spPr>
+          <a:xfrm>
+            <a:off x="822959" y="5907024"/>
+            <a:ext cx="7589520" cy="594360"/>
+          </a:xfrm>
+        </p:spPr>
+        <p:txBody>
+          <a:bodyPr lIns="91440" tIns="0" rIns="91440" bIns="0">
+            <a:normAutofit/>
+          </a:bodyPr>
+          <a:lstStyle>
+            <a:lvl1pPr marL="0" indent="0">
+              <a:spcBef>
+                <a:spcPts val="0"/>
+              </a:spcBef>
+              <a:spcAft>
+                <a:spcPts val="600"/>
+              </a:spcAft>
+              <a:buNone/>
+              <a:defRPr sz="1500">
+                <a:solidFill>
+                  <a:srgbClr val="FFFFFF"/>
+                </a:solidFill>
+              </a:defRPr>
+            </a:lvl1pPr>
+            <a:lvl2pPr marL="457200" indent="0">
+              <a:buNone/>
+              <a:defRPr sz="1200"/>
+            </a:lvl2pPr>
+            <a:lvl3pPr marL="914400" indent="0">
+              <a:buNone/>
+              <a:defRPr sz="1000"/>
+            </a:lvl3pPr>
+            <a:lvl4pPr marL="1371600" indent="0">
+              <a:buNone/>
+              <a:defRPr sz="900"/>
+            </a:lvl4pPr>
+            <a:lvl5pPr marL="1828800" indent="0">
+              <a:buNone/>
+              <a:defRPr sz="900"/>
+            </a:lvl5pPr>
+            <a:lvl6pPr marL="2286000" indent="0">
+              <a:buNone/>
+              <a:defRPr sz="900"/>
+            </a:lvl6pPr>
+            <a:lvl7pPr marL="2743200" indent="0">
+              <a:buNone/>
+              <a:defRPr sz="900"/>
+            </a:lvl7pPr>
+            <a:lvl8pPr marL="3200400" indent="0">
+              <a:buNone/>
+              <a:defRPr sz="900"/>
+            </a:lvl8pPr>
+            <a:lvl9pPr marL="3657600" indent="0">
+              <a:buNone/>
+              <a:defRPr sz="900"/>
+            </a:lvl9pPr>
+          </a:lstStyle>
+          <a:p>
+            <a:pPr lvl="0"/>
+            <a:r>
+              <a:rPr lang="en-US"/>
+              <a:t>Click to edit Master text styles</a:t>
+            </a:r>
+          </a:p>
+        </p:txBody>
+      </p:sp>
+      <p:sp>
+        <p:nvSpPr>
+          <p:cNvPr id="5" name="Date Placeholder 4"/>
+          <p:cNvSpPr>
+            <a:spLocks noGrp="1"/>
+          </p:cNvSpPr>
+          <p:nvPr>
+            <p:ph type="dt" sz="half" idx="10"/>
+          </p:nvPr>
+        </p:nvSpPr>
+        <p:spPr/>
+        <p:txBody>
+          <a:bodyPr/>
+          <a:lstStyle/>
+          <a:p>
+            <a:fld id="{00FA5C16-E78E-45B0-9285-96EBEDCF97EF}" type="datetime1">
+              <a:rPr lang="en-US" smtClean="0"/>
+              <a:t>7/6/2016</a:t>
+            </a:fld>
+            <a:endParaRPr lang="en-US"/>
+          </a:p>
+        </p:txBody>
+      </p:sp>
+      <p:sp>
+        <p:nvSpPr>
+          <p:cNvPr id="6" name="Footer Placeholder 5"/>
+          <p:cNvSpPr>
+            <a:spLocks noGrp="1"/>
+          </p:cNvSpPr>
+          <p:nvPr>
+            <p:ph type="ftr" sz="quarter" idx="11"/>
+          </p:nvPr>
+        </p:nvSpPr>
+        <p:spPr/>
+        <p:txBody>
+          <a:bodyPr/>
+          <a:lstStyle/>
+          <a:p>
+            <a:r>
+              <a:rPr lang="en-US"/>
+              <a:t>Copytight © 2015 EV3Lessons.com, Last edit 7/06/2016</a:t>
+            </a:r>
           </a:p>
         </p:txBody>
       </p:sp>
@@ -4165,7 +7268,7 @@
           <a:lstStyle/>
           <a:p>
             <a:r>
-              <a:rPr lang="en-US" smtClean="0"/>
+              <a:rPr lang="en-US"/>
               <a:t>Click to edit Master title style</a:t>
             </a:r>
             <a:endParaRPr lang="en-US" dirty="0"/>
@@ -4199,35 +7302,35 @@
           <a:p>
             <a:pPr lvl="0"/>
             <a:r>
-              <a:rPr lang="en-US" smtClean="0"/>
+              <a:rPr lang="en-US"/>
               <a:t>Click to edit Master text styles</a:t>
             </a:r>
           </a:p>
           <a:p>
             <a:pPr lvl="1"/>
             <a:r>
-              <a:rPr lang="en-US" smtClean="0"/>
+              <a:rPr lang="en-US"/>
               <a:t>Second level</a:t>
             </a:r>
           </a:p>
           <a:p>
             <a:pPr lvl="2"/>
             <a:r>
-              <a:rPr lang="en-US" smtClean="0"/>
+              <a:rPr lang="en-US"/>
               <a:t>Third level</a:t>
             </a:r>
           </a:p>
           <a:p>
             <a:pPr lvl="3"/>
             <a:r>
-              <a:rPr lang="en-US" smtClean="0"/>
+              <a:rPr lang="en-US"/>
               <a:t>Fourth level</a:t>
             </a:r>
           </a:p>
           <a:p>
             <a:pPr lvl="4"/>
             <a:r>
-              <a:rPr lang="en-US" smtClean="0"/>
+              <a:rPr lang="en-US"/>
               <a:t>Fifth level</a:t>
             </a:r>
             <a:endParaRPr lang="en-US" dirty="0"/>
@@ -4265,9 +7368,9 @@
             </a:lvl1pPr>
           </a:lstStyle>
           <a:p>
-            <a:fld id="{0604F77D-FCB8-A946-86A9-D14BD65D0D3D}" type="datetime1">
+            <a:fld id="{9D404A58-D6A3-4A1D-AB67-D80AE18AD20B}" type="datetime1">
               <a:rPr lang="en-US" smtClean="0"/>
-              <a:t>11/13/15</a:t>
+              <a:t>7/6/2016</a:t>
             </a:fld>
             <a:endParaRPr lang="en-US" dirty="0"/>
           </a:p>
@@ -4305,8 +7408,8 @@
           </a:lstStyle>
           <a:p>
             <a:r>
-              <a:rPr lang="sk-SK" smtClean="0"/>
-              <a:t>© 2015 EV3Lessons.com, Last edit 11/13/2015</a:t>
+              <a:rPr lang="en-US"/>
+              <a:t>Copytight © 2015 EV3Lessons.com, Last edit 7/06/2016</a:t>
             </a:r>
             <a:endParaRPr lang="en-US" dirty="0"/>
           </a:p>
@@ -4817,6 +7920,822 @@
 </p:sldMaster>
 </file>
 
+<file path=ppt/slideMasters/slideMaster2.xml><?xml version="1.0" encoding="utf-8"?>
+<p:sldMaster xmlns:a="http://schemas.openxmlformats.org/drawingml/2006/main" xmlns:r="http://schemas.openxmlformats.org/officeDocument/2006/relationships" xmlns:p="http://schemas.openxmlformats.org/presentationml/2006/main" preserve="1">
+  <p:cSld>
+    <p:bg>
+      <p:bgRef idx="1001">
+        <a:schemeClr val="bg1"/>
+      </p:bgRef>
+    </p:bg>
+    <p:spTree>
+      <p:nvGrpSpPr>
+        <p:cNvPr id="1" name=""/>
+        <p:cNvGrpSpPr/>
+        <p:nvPr/>
+      </p:nvGrpSpPr>
+      <p:grpSpPr>
+        <a:xfrm>
+          <a:off x="0" y="0"/>
+          <a:ext cx="0" cy="0"/>
+          <a:chOff x="0" y="0"/>
+          <a:chExt cx="0" cy="0"/>
+        </a:xfrm>
+      </p:grpSpPr>
+      <p:sp>
+        <p:nvSpPr>
+          <p:cNvPr id="7" name="Rectangle 6"/>
+          <p:cNvSpPr/>
+          <p:nvPr/>
+        </p:nvSpPr>
+        <p:spPr>
+          <a:xfrm>
+            <a:off x="0" y="6400800"/>
+            <a:ext cx="9144001" cy="457200"/>
+          </a:xfrm>
+          <a:prstGeom prst="rect">
+            <a:avLst/>
+          </a:prstGeom>
+          <a:solidFill>
+            <a:srgbClr val="0070C0"/>
+          </a:solidFill>
+          <a:ln>
+            <a:solidFill>
+              <a:srgbClr val="0070C0"/>
+            </a:solidFill>
+          </a:ln>
+        </p:spPr>
+        <p:style>
+          <a:lnRef idx="2">
+            <a:schemeClr val="accent1">
+              <a:shade val="50000"/>
+            </a:schemeClr>
+          </a:lnRef>
+          <a:fillRef idx="1">
+            <a:schemeClr val="accent1"/>
+          </a:fillRef>
+          <a:effectRef idx="0">
+            <a:schemeClr val="accent1"/>
+          </a:effectRef>
+          <a:fontRef idx="minor">
+            <a:schemeClr val="lt1"/>
+          </a:fontRef>
+        </p:style>
+      </p:sp>
+      <p:sp>
+        <p:nvSpPr>
+          <p:cNvPr id="9" name="Rectangle 8"/>
+          <p:cNvSpPr/>
+          <p:nvPr/>
+        </p:nvSpPr>
+        <p:spPr>
+          <a:xfrm>
+            <a:off x="0" y="6334315"/>
+            <a:ext cx="4487333" cy="92382"/>
+          </a:xfrm>
+          <a:prstGeom prst="rect">
+            <a:avLst/>
+          </a:prstGeom>
+          <a:solidFill>
+            <a:srgbClr val="00B050"/>
+          </a:solidFill>
+          <a:ln>
+            <a:noFill/>
+          </a:ln>
+        </p:spPr>
+        <p:style>
+          <a:lnRef idx="2">
+            <a:schemeClr val="accent1">
+              <a:shade val="50000"/>
+            </a:schemeClr>
+          </a:lnRef>
+          <a:fillRef idx="1">
+            <a:schemeClr val="accent1"/>
+          </a:fillRef>
+          <a:effectRef idx="0">
+            <a:schemeClr val="accent1"/>
+          </a:effectRef>
+          <a:fontRef idx="minor">
+            <a:schemeClr val="lt1"/>
+          </a:fontRef>
+        </p:style>
+      </p:sp>
+      <p:sp>
+        <p:nvSpPr>
+          <p:cNvPr id="2" name="Title Placeholder 1"/>
+          <p:cNvSpPr>
+            <a:spLocks noGrp="1"/>
+          </p:cNvSpPr>
+          <p:nvPr>
+            <p:ph type="title"/>
+          </p:nvPr>
+        </p:nvSpPr>
+        <p:spPr>
+          <a:xfrm>
+            <a:off x="227874" y="287088"/>
+            <a:ext cx="8596812" cy="874055"/>
+          </a:xfrm>
+          <a:prstGeom prst="rect">
+            <a:avLst/>
+          </a:prstGeom>
+        </p:spPr>
+        <p:txBody>
+          <a:bodyPr vert="horz" lIns="91440" tIns="45720" rIns="91440" bIns="45720" rtlCol="0" anchor="b">
+            <a:normAutofit/>
+          </a:bodyPr>
+          <a:lstStyle/>
+          <a:p>
+            <a:r>
+              <a:rPr lang="en-US"/>
+              <a:t>Click to edit Master title style</a:t>
+            </a:r>
+            <a:endParaRPr lang="en-US" dirty="0"/>
+          </a:p>
+        </p:txBody>
+      </p:sp>
+      <p:sp>
+        <p:nvSpPr>
+          <p:cNvPr id="3" name="Text Placeholder 2"/>
+          <p:cNvSpPr>
+            <a:spLocks noGrp="1"/>
+          </p:cNvSpPr>
+          <p:nvPr>
+            <p:ph type="body" idx="1"/>
+          </p:nvPr>
+        </p:nvSpPr>
+        <p:spPr>
+          <a:xfrm>
+            <a:off x="227874" y="1505616"/>
+            <a:ext cx="8596811" cy="4654528"/>
+          </a:xfrm>
+          <a:prstGeom prst="rect">
+            <a:avLst/>
+          </a:prstGeom>
+        </p:spPr>
+        <p:txBody>
+          <a:bodyPr vert="horz" lIns="0" tIns="45720" rIns="0" bIns="45720" rtlCol="0">
+            <a:normAutofit/>
+          </a:bodyPr>
+          <a:lstStyle/>
+          <a:p>
+            <a:pPr lvl="0"/>
+            <a:r>
+              <a:rPr lang="en-US"/>
+              <a:t>Edit Master text styles</a:t>
+            </a:r>
+          </a:p>
+          <a:p>
+            <a:pPr lvl="1"/>
+            <a:r>
+              <a:rPr lang="en-US"/>
+              <a:t>Second level</a:t>
+            </a:r>
+          </a:p>
+          <a:p>
+            <a:pPr lvl="2"/>
+            <a:r>
+              <a:rPr lang="en-US"/>
+              <a:t>Third level</a:t>
+            </a:r>
+          </a:p>
+          <a:p>
+            <a:pPr lvl="3"/>
+            <a:r>
+              <a:rPr lang="en-US"/>
+              <a:t>Fourth level</a:t>
+            </a:r>
+          </a:p>
+          <a:p>
+            <a:pPr lvl="4"/>
+            <a:r>
+              <a:rPr lang="en-US"/>
+              <a:t>Fifth level</a:t>
+            </a:r>
+            <a:endParaRPr lang="en-US" dirty="0"/>
+          </a:p>
+        </p:txBody>
+      </p:sp>
+      <p:sp>
+        <p:nvSpPr>
+          <p:cNvPr id="4" name="Date Placeholder 3"/>
+          <p:cNvSpPr>
+            <a:spLocks noGrp="1"/>
+          </p:cNvSpPr>
+          <p:nvPr>
+            <p:ph type="dt" sz="half" idx="2"/>
+          </p:nvPr>
+        </p:nvSpPr>
+        <p:spPr>
+          <a:xfrm>
+            <a:off x="822961" y="6459786"/>
+            <a:ext cx="1854203" cy="365125"/>
+          </a:xfrm>
+          <a:prstGeom prst="rect">
+            <a:avLst/>
+          </a:prstGeom>
+        </p:spPr>
+        <p:txBody>
+          <a:bodyPr vert="horz" lIns="91440" tIns="45720" rIns="91440" bIns="45720" rtlCol="0" anchor="ctr"/>
+          <a:lstStyle>
+            <a:lvl1pPr algn="l">
+              <a:defRPr sz="900">
+                <a:solidFill>
+                  <a:srgbClr val="FFFFFF"/>
+                </a:solidFill>
+              </a:defRPr>
+            </a:lvl1pPr>
+          </a:lstStyle>
+          <a:p>
+            <a:fld id="{3E849573-F806-4A61-8973-234EE3BAF147}" type="datetime1">
+              <a:rPr lang="en-US" smtClean="0"/>
+              <a:t>7/6/2016</a:t>
+            </a:fld>
+            <a:endParaRPr lang="en-US" dirty="0"/>
+          </a:p>
+        </p:txBody>
+      </p:sp>
+      <p:sp>
+        <p:nvSpPr>
+          <p:cNvPr id="5" name="Footer Placeholder 4"/>
+          <p:cNvSpPr>
+            <a:spLocks noGrp="1"/>
+          </p:cNvSpPr>
+          <p:nvPr>
+            <p:ph type="ftr" sz="quarter" idx="3"/>
+          </p:nvPr>
+        </p:nvSpPr>
+        <p:spPr>
+          <a:xfrm>
+            <a:off x="2764639" y="6459786"/>
+            <a:ext cx="3617103" cy="365125"/>
+          </a:xfrm>
+          <a:prstGeom prst="rect">
+            <a:avLst/>
+          </a:prstGeom>
+        </p:spPr>
+        <p:txBody>
+          <a:bodyPr vert="horz" lIns="91440" tIns="45720" rIns="91440" bIns="45720" rtlCol="0" anchor="ctr"/>
+          <a:lstStyle>
+            <a:lvl1pPr algn="ctr">
+              <a:defRPr sz="900" cap="all" baseline="0">
+                <a:solidFill>
+                  <a:srgbClr val="FFFFFF"/>
+                </a:solidFill>
+              </a:defRPr>
+            </a:lvl1pPr>
+          </a:lstStyle>
+          <a:p>
+            <a:r>
+              <a:rPr lang="en-US"/>
+              <a:t>Copytight © 2015 EV3Lessons.com, Last edit 7/06/2016</a:t>
+            </a:r>
+            <a:endParaRPr lang="en-US" dirty="0"/>
+          </a:p>
+        </p:txBody>
+      </p:sp>
+      <p:sp>
+        <p:nvSpPr>
+          <p:cNvPr id="6" name="Slide Number Placeholder 5"/>
+          <p:cNvSpPr>
+            <a:spLocks noGrp="1"/>
+          </p:cNvSpPr>
+          <p:nvPr>
+            <p:ph type="sldNum" sz="quarter" idx="4"/>
+          </p:nvPr>
+        </p:nvSpPr>
+        <p:spPr>
+          <a:xfrm>
+            <a:off x="7425344" y="6459786"/>
+            <a:ext cx="984019" cy="365125"/>
+          </a:xfrm>
+          <a:prstGeom prst="rect">
+            <a:avLst/>
+          </a:prstGeom>
+        </p:spPr>
+        <p:txBody>
+          <a:bodyPr vert="horz" lIns="91440" tIns="45720" rIns="91440" bIns="45720" rtlCol="0" anchor="ctr"/>
+          <a:lstStyle>
+            <a:lvl1pPr algn="r">
+              <a:defRPr sz="1050">
+                <a:solidFill>
+                  <a:srgbClr val="FFFFFF"/>
+                </a:solidFill>
+              </a:defRPr>
+            </a:lvl1pPr>
+          </a:lstStyle>
+          <a:p>
+            <a:fld id="{4382A7F7-08BF-4252-8141-63FB96055BBB}" type="slidenum">
+              <a:rPr lang="en-US" smtClean="0"/>
+              <a:t>‹#›</a:t>
+            </a:fld>
+            <a:endParaRPr lang="en-US"/>
+          </a:p>
+        </p:txBody>
+      </p:sp>
+      <p:cxnSp>
+        <p:nvCxnSpPr>
+          <p:cNvPr id="10" name="Straight Connector 9"/>
+          <p:cNvCxnSpPr/>
+          <p:nvPr/>
+        </p:nvCxnSpPr>
+        <p:spPr>
+          <a:xfrm flipV="1">
+            <a:off x="227874" y="1335314"/>
+            <a:ext cx="8596811" cy="1"/>
+          </a:xfrm>
+          <a:prstGeom prst="line">
+            <a:avLst/>
+          </a:prstGeom>
+          <a:ln w="6350">
+            <a:solidFill>
+              <a:schemeClr val="tx1">
+                <a:lumMod val="50000"/>
+                <a:lumOff val="50000"/>
+              </a:schemeClr>
+            </a:solidFill>
+          </a:ln>
+        </p:spPr>
+        <p:style>
+          <a:lnRef idx="1">
+            <a:schemeClr val="accent1"/>
+          </a:lnRef>
+          <a:fillRef idx="0">
+            <a:schemeClr val="accent1"/>
+          </a:fillRef>
+          <a:effectRef idx="0">
+            <a:schemeClr val="accent1"/>
+          </a:effectRef>
+          <a:fontRef idx="minor">
+            <a:schemeClr val="tx1"/>
+          </a:fontRef>
+        </p:style>
+      </p:cxnSp>
+      <p:sp>
+        <p:nvSpPr>
+          <p:cNvPr id="11" name="Rectangle 10"/>
+          <p:cNvSpPr/>
+          <p:nvPr/>
+        </p:nvSpPr>
+        <p:spPr>
+          <a:xfrm>
+            <a:off x="4487333" y="6334315"/>
+            <a:ext cx="4656667" cy="92382"/>
+          </a:xfrm>
+          <a:prstGeom prst="rect">
+            <a:avLst/>
+          </a:prstGeom>
+          <a:solidFill>
+            <a:srgbClr val="7030A0"/>
+          </a:solidFill>
+          <a:ln>
+            <a:noFill/>
+          </a:ln>
+        </p:spPr>
+        <p:style>
+          <a:lnRef idx="2">
+            <a:schemeClr val="accent1">
+              <a:shade val="50000"/>
+            </a:schemeClr>
+          </a:lnRef>
+          <a:fillRef idx="1">
+            <a:schemeClr val="accent1"/>
+          </a:fillRef>
+          <a:effectRef idx="0">
+            <a:schemeClr val="accent1"/>
+          </a:effectRef>
+          <a:fontRef idx="minor">
+            <a:schemeClr val="lt1"/>
+          </a:fontRef>
+        </p:style>
+      </p:sp>
+      <p:sp>
+        <p:nvSpPr>
+          <p:cNvPr id="12" name="Rectangle 11"/>
+          <p:cNvSpPr/>
+          <p:nvPr userDrawn="1"/>
+        </p:nvSpPr>
+        <p:spPr>
+          <a:xfrm>
+            <a:off x="4487333" y="6334315"/>
+            <a:ext cx="4656667" cy="92382"/>
+          </a:xfrm>
+          <a:prstGeom prst="rect">
+            <a:avLst/>
+          </a:prstGeom>
+          <a:solidFill>
+            <a:srgbClr val="7030A0"/>
+          </a:solidFill>
+          <a:ln>
+            <a:noFill/>
+          </a:ln>
+        </p:spPr>
+        <p:style>
+          <a:lnRef idx="2">
+            <a:schemeClr val="accent1">
+              <a:shade val="50000"/>
+            </a:schemeClr>
+          </a:lnRef>
+          <a:fillRef idx="1">
+            <a:schemeClr val="accent1"/>
+          </a:fillRef>
+          <a:effectRef idx="0">
+            <a:schemeClr val="accent1"/>
+          </a:effectRef>
+          <a:fontRef idx="minor">
+            <a:schemeClr val="lt1"/>
+          </a:fontRef>
+        </p:style>
+      </p:sp>
+    </p:spTree>
+    <p:extLst>
+      <p:ext uri="{BB962C8B-B14F-4D97-AF65-F5344CB8AC3E}">
+        <p14:creationId xmlns:p14="http://schemas.microsoft.com/office/powerpoint/2010/main" val="3610519442"/>
+      </p:ext>
+    </p:extLst>
+  </p:cSld>
+  <p:clrMap bg1="lt1" tx1="dk1" bg2="lt2" tx2="dk2" accent1="accent1" accent2="accent2" accent3="accent3" accent4="accent4" accent5="accent5" accent6="accent6" hlink="hlink" folHlink="folHlink"/>
+  <p:sldLayoutIdLst>
+    <p:sldLayoutId id="2147483751" r:id="rId1"/>
+    <p:sldLayoutId id="2147483752" r:id="rId2"/>
+    <p:sldLayoutId id="2147483753" r:id="rId3"/>
+    <p:sldLayoutId id="2147483754" r:id="rId4"/>
+    <p:sldLayoutId id="2147483755" r:id="rId5"/>
+    <p:sldLayoutId id="2147483756" r:id="rId6"/>
+    <p:sldLayoutId id="2147483757" r:id="rId7"/>
+    <p:sldLayoutId id="2147483758" r:id="rId8"/>
+    <p:sldLayoutId id="2147483759" r:id="rId9"/>
+    <p:sldLayoutId id="2147483760" r:id="rId10"/>
+    <p:sldLayoutId id="2147483761" r:id="rId11"/>
+  </p:sldLayoutIdLst>
+  <p:hf hdr="0" dt="0"/>
+  <p:txStyles>
+    <p:titleStyle>
+      <a:lvl1pPr algn="l" defTabSz="914400" rtl="0" eaLnBrk="1" latinLnBrk="0" hangingPunct="1">
+        <a:lnSpc>
+          <a:spcPct val="85000"/>
+        </a:lnSpc>
+        <a:spcBef>
+          <a:spcPct val="0"/>
+        </a:spcBef>
+        <a:buNone/>
+        <a:defRPr sz="4800" kern="1200" spc="-50" baseline="0">
+          <a:solidFill>
+            <a:schemeClr val="tx1">
+              <a:lumMod val="75000"/>
+              <a:lumOff val="25000"/>
+            </a:schemeClr>
+          </a:solidFill>
+          <a:latin typeface="+mj-lt"/>
+          <a:ea typeface="+mj-ea"/>
+          <a:cs typeface="+mj-cs"/>
+        </a:defRPr>
+      </a:lvl1pPr>
+    </p:titleStyle>
+    <p:bodyStyle>
+      <a:lvl1pPr marL="91440" indent="-91440" algn="l" defTabSz="914400" rtl="0" eaLnBrk="1" latinLnBrk="0" hangingPunct="1">
+        <a:lnSpc>
+          <a:spcPct val="90000"/>
+        </a:lnSpc>
+        <a:spcBef>
+          <a:spcPts val="1200"/>
+        </a:spcBef>
+        <a:spcAft>
+          <a:spcPts val="200"/>
+        </a:spcAft>
+        <a:buClr>
+          <a:schemeClr val="accent1"/>
+        </a:buClr>
+        <a:buSzPct val="100000"/>
+        <a:buFont typeface="Calibri" panose="020F0502020204030204" pitchFamily="34" charset="0"/>
+        <a:buChar char=" "/>
+        <a:defRPr sz="2000" kern="1200">
+          <a:solidFill>
+            <a:schemeClr val="tx1">
+              <a:lumMod val="75000"/>
+              <a:lumOff val="25000"/>
+            </a:schemeClr>
+          </a:solidFill>
+          <a:latin typeface="+mn-lt"/>
+          <a:ea typeface="+mn-ea"/>
+          <a:cs typeface="+mn-cs"/>
+        </a:defRPr>
+      </a:lvl1pPr>
+      <a:lvl2pPr marL="384048" indent="-182880" algn="l" defTabSz="914400" rtl="0" eaLnBrk="1" latinLnBrk="0" hangingPunct="1">
+        <a:lnSpc>
+          <a:spcPct val="90000"/>
+        </a:lnSpc>
+        <a:spcBef>
+          <a:spcPts val="200"/>
+        </a:spcBef>
+        <a:spcAft>
+          <a:spcPts val="400"/>
+        </a:spcAft>
+        <a:buClr>
+          <a:schemeClr val="accent1"/>
+        </a:buClr>
+        <a:buFont typeface="Calibri" pitchFamily="34" charset="0"/>
+        <a:buChar char="◦"/>
+        <a:defRPr sz="1800" kern="1200">
+          <a:solidFill>
+            <a:schemeClr val="tx1">
+              <a:lumMod val="75000"/>
+              <a:lumOff val="25000"/>
+            </a:schemeClr>
+          </a:solidFill>
+          <a:latin typeface="+mn-lt"/>
+          <a:ea typeface="+mn-ea"/>
+          <a:cs typeface="+mn-cs"/>
+        </a:defRPr>
+      </a:lvl2pPr>
+      <a:lvl3pPr marL="566928" indent="-182880" algn="l" defTabSz="914400" rtl="0" eaLnBrk="1" latinLnBrk="0" hangingPunct="1">
+        <a:lnSpc>
+          <a:spcPct val="90000"/>
+        </a:lnSpc>
+        <a:spcBef>
+          <a:spcPts val="200"/>
+        </a:spcBef>
+        <a:spcAft>
+          <a:spcPts val="400"/>
+        </a:spcAft>
+        <a:buClr>
+          <a:schemeClr val="accent1"/>
+        </a:buClr>
+        <a:buFont typeface="Calibri" pitchFamily="34" charset="0"/>
+        <a:buChar char="◦"/>
+        <a:defRPr sz="1400" kern="1200">
+          <a:solidFill>
+            <a:schemeClr val="tx1">
+              <a:lumMod val="75000"/>
+              <a:lumOff val="25000"/>
+            </a:schemeClr>
+          </a:solidFill>
+          <a:latin typeface="+mn-lt"/>
+          <a:ea typeface="+mn-ea"/>
+          <a:cs typeface="+mn-cs"/>
+        </a:defRPr>
+      </a:lvl3pPr>
+      <a:lvl4pPr marL="749808" indent="-182880" algn="l" defTabSz="914400" rtl="0" eaLnBrk="1" latinLnBrk="0" hangingPunct="1">
+        <a:lnSpc>
+          <a:spcPct val="90000"/>
+        </a:lnSpc>
+        <a:spcBef>
+          <a:spcPts val="200"/>
+        </a:spcBef>
+        <a:spcAft>
+          <a:spcPts val="400"/>
+        </a:spcAft>
+        <a:buClr>
+          <a:schemeClr val="accent1"/>
+        </a:buClr>
+        <a:buFont typeface="Calibri" pitchFamily="34" charset="0"/>
+        <a:buChar char="◦"/>
+        <a:defRPr sz="1400" kern="1200">
+          <a:solidFill>
+            <a:schemeClr val="tx1">
+              <a:lumMod val="75000"/>
+              <a:lumOff val="25000"/>
+            </a:schemeClr>
+          </a:solidFill>
+          <a:latin typeface="+mn-lt"/>
+          <a:ea typeface="+mn-ea"/>
+          <a:cs typeface="+mn-cs"/>
+        </a:defRPr>
+      </a:lvl4pPr>
+      <a:lvl5pPr marL="932688" indent="-182880" algn="l" defTabSz="914400" rtl="0" eaLnBrk="1" latinLnBrk="0" hangingPunct="1">
+        <a:lnSpc>
+          <a:spcPct val="90000"/>
+        </a:lnSpc>
+        <a:spcBef>
+          <a:spcPts val="200"/>
+        </a:spcBef>
+        <a:spcAft>
+          <a:spcPts val="400"/>
+        </a:spcAft>
+        <a:buClr>
+          <a:schemeClr val="accent1"/>
+        </a:buClr>
+        <a:buFont typeface="Calibri" pitchFamily="34" charset="0"/>
+        <a:buChar char="◦"/>
+        <a:defRPr sz="1400" kern="1200">
+          <a:solidFill>
+            <a:schemeClr val="tx1">
+              <a:lumMod val="75000"/>
+              <a:lumOff val="25000"/>
+            </a:schemeClr>
+          </a:solidFill>
+          <a:latin typeface="+mn-lt"/>
+          <a:ea typeface="+mn-ea"/>
+          <a:cs typeface="+mn-cs"/>
+        </a:defRPr>
+      </a:lvl5pPr>
+      <a:lvl6pPr marL="1100000" indent="-228600" algn="l" defTabSz="914400" rtl="0" eaLnBrk="1" latinLnBrk="0" hangingPunct="1">
+        <a:lnSpc>
+          <a:spcPct val="90000"/>
+        </a:lnSpc>
+        <a:spcBef>
+          <a:spcPts val="200"/>
+        </a:spcBef>
+        <a:spcAft>
+          <a:spcPts val="400"/>
+        </a:spcAft>
+        <a:buClr>
+          <a:schemeClr val="accent1"/>
+        </a:buClr>
+        <a:buFont typeface="Calibri" pitchFamily="34" charset="0"/>
+        <a:buChar char="◦"/>
+        <a:defRPr sz="1400" kern="1200">
+          <a:solidFill>
+            <a:schemeClr val="tx1">
+              <a:lumMod val="75000"/>
+              <a:lumOff val="25000"/>
+            </a:schemeClr>
+          </a:solidFill>
+          <a:latin typeface="+mn-lt"/>
+          <a:ea typeface="+mn-ea"/>
+          <a:cs typeface="+mn-cs"/>
+        </a:defRPr>
+      </a:lvl6pPr>
+      <a:lvl7pPr marL="1300000" indent="-228600" algn="l" defTabSz="914400" rtl="0" eaLnBrk="1" latinLnBrk="0" hangingPunct="1">
+        <a:lnSpc>
+          <a:spcPct val="90000"/>
+        </a:lnSpc>
+        <a:spcBef>
+          <a:spcPts val="200"/>
+        </a:spcBef>
+        <a:spcAft>
+          <a:spcPts val="400"/>
+        </a:spcAft>
+        <a:buClr>
+          <a:schemeClr val="accent1"/>
+        </a:buClr>
+        <a:buFont typeface="Calibri" pitchFamily="34" charset="0"/>
+        <a:buChar char="◦"/>
+        <a:defRPr sz="1400" kern="1200">
+          <a:solidFill>
+            <a:schemeClr val="tx1">
+              <a:lumMod val="75000"/>
+              <a:lumOff val="25000"/>
+            </a:schemeClr>
+          </a:solidFill>
+          <a:latin typeface="+mn-lt"/>
+          <a:ea typeface="+mn-ea"/>
+          <a:cs typeface="+mn-cs"/>
+        </a:defRPr>
+      </a:lvl7pPr>
+      <a:lvl8pPr marL="1500000" indent="-228600" algn="l" defTabSz="914400" rtl="0" eaLnBrk="1" latinLnBrk="0" hangingPunct="1">
+        <a:lnSpc>
+          <a:spcPct val="90000"/>
+        </a:lnSpc>
+        <a:spcBef>
+          <a:spcPts val="200"/>
+        </a:spcBef>
+        <a:spcAft>
+          <a:spcPts val="400"/>
+        </a:spcAft>
+        <a:buClr>
+          <a:schemeClr val="accent1"/>
+        </a:buClr>
+        <a:buFont typeface="Calibri" pitchFamily="34" charset="0"/>
+        <a:buChar char="◦"/>
+        <a:defRPr sz="1400" kern="1200">
+          <a:solidFill>
+            <a:schemeClr val="tx1">
+              <a:lumMod val="75000"/>
+              <a:lumOff val="25000"/>
+            </a:schemeClr>
+          </a:solidFill>
+          <a:latin typeface="+mn-lt"/>
+          <a:ea typeface="+mn-ea"/>
+          <a:cs typeface="+mn-cs"/>
+        </a:defRPr>
+      </a:lvl8pPr>
+      <a:lvl9pPr marL="1700000" indent="-228600" algn="l" defTabSz="914400" rtl="0" eaLnBrk="1" latinLnBrk="0" hangingPunct="1">
+        <a:lnSpc>
+          <a:spcPct val="90000"/>
+        </a:lnSpc>
+        <a:spcBef>
+          <a:spcPts val="200"/>
+        </a:spcBef>
+        <a:spcAft>
+          <a:spcPts val="400"/>
+        </a:spcAft>
+        <a:buClr>
+          <a:schemeClr val="accent1"/>
+        </a:buClr>
+        <a:buFont typeface="Calibri" pitchFamily="34" charset="0"/>
+        <a:buChar char="◦"/>
+        <a:defRPr sz="1400" kern="1200">
+          <a:solidFill>
+            <a:schemeClr val="tx1">
+              <a:lumMod val="75000"/>
+              <a:lumOff val="25000"/>
+            </a:schemeClr>
+          </a:solidFill>
+          <a:latin typeface="+mn-lt"/>
+          <a:ea typeface="+mn-ea"/>
+          <a:cs typeface="+mn-cs"/>
+        </a:defRPr>
+      </a:lvl9pPr>
+    </p:bodyStyle>
+    <p:otherStyle>
+      <a:defPPr>
+        <a:defRPr lang="en-US"/>
+      </a:defPPr>
+      <a:lvl1pPr marL="0" algn="l" defTabSz="914400" rtl="0" eaLnBrk="1" latinLnBrk="0" hangingPunct="1">
+        <a:defRPr sz="1800" kern="1200">
+          <a:solidFill>
+            <a:schemeClr val="tx1"/>
+          </a:solidFill>
+          <a:latin typeface="+mn-lt"/>
+          <a:ea typeface="+mn-ea"/>
+          <a:cs typeface="+mn-cs"/>
+        </a:defRPr>
+      </a:lvl1pPr>
+      <a:lvl2pPr marL="457200" algn="l" defTabSz="914400" rtl="0" eaLnBrk="1" latinLnBrk="0" hangingPunct="1">
+        <a:defRPr sz="1800" kern="1200">
+          <a:solidFill>
+            <a:schemeClr val="tx1"/>
+          </a:solidFill>
+          <a:latin typeface="+mn-lt"/>
+          <a:ea typeface="+mn-ea"/>
+          <a:cs typeface="+mn-cs"/>
+        </a:defRPr>
+      </a:lvl2pPr>
+      <a:lvl3pPr marL="914400" algn="l" defTabSz="914400" rtl="0" eaLnBrk="1" latinLnBrk="0" hangingPunct="1">
+        <a:defRPr sz="1800" kern="1200">
+          <a:solidFill>
+            <a:schemeClr val="tx1"/>
+          </a:solidFill>
+          <a:latin typeface="+mn-lt"/>
+          <a:ea typeface="+mn-ea"/>
+          <a:cs typeface="+mn-cs"/>
+        </a:defRPr>
+      </a:lvl3pPr>
+      <a:lvl4pPr marL="1371600" algn="l" defTabSz="914400" rtl="0" eaLnBrk="1" latinLnBrk="0" hangingPunct="1">
+        <a:defRPr sz="1800" kern="1200">
+          <a:solidFill>
+            <a:schemeClr val="tx1"/>
+          </a:solidFill>
+          <a:latin typeface="+mn-lt"/>
+          <a:ea typeface="+mn-ea"/>
+          <a:cs typeface="+mn-cs"/>
+        </a:defRPr>
+      </a:lvl4pPr>
+      <a:lvl5pPr marL="1828800" algn="l" defTabSz="914400" rtl="0" eaLnBrk="1" latinLnBrk="0" hangingPunct="1">
+        <a:defRPr sz="1800" kern="1200">
+          <a:solidFill>
+            <a:schemeClr val="tx1"/>
+          </a:solidFill>
+          <a:latin typeface="+mn-lt"/>
+          <a:ea typeface="+mn-ea"/>
+          <a:cs typeface="+mn-cs"/>
+        </a:defRPr>
+      </a:lvl5pPr>
+      <a:lvl6pPr marL="2286000" algn="l" defTabSz="914400" rtl="0" eaLnBrk="1" latinLnBrk="0" hangingPunct="1">
+        <a:defRPr sz="1800" kern="1200">
+          <a:solidFill>
+            <a:schemeClr val="tx1"/>
+          </a:solidFill>
+          <a:latin typeface="+mn-lt"/>
+          <a:ea typeface="+mn-ea"/>
+          <a:cs typeface="+mn-cs"/>
+        </a:defRPr>
+      </a:lvl6pPr>
+      <a:lvl7pPr marL="2743200" algn="l" defTabSz="914400" rtl="0" eaLnBrk="1" latinLnBrk="0" hangingPunct="1">
+        <a:defRPr sz="1800" kern="1200">
+          <a:solidFill>
+            <a:schemeClr val="tx1"/>
+          </a:solidFill>
+          <a:latin typeface="+mn-lt"/>
+          <a:ea typeface="+mn-ea"/>
+          <a:cs typeface="+mn-cs"/>
+        </a:defRPr>
+      </a:lvl7pPr>
+      <a:lvl8pPr marL="3200400" algn="l" defTabSz="914400" rtl="0" eaLnBrk="1" latinLnBrk="0" hangingPunct="1">
+        <a:defRPr sz="1800" kern="1200">
+          <a:solidFill>
+            <a:schemeClr val="tx1"/>
+          </a:solidFill>
+          <a:latin typeface="+mn-lt"/>
+          <a:ea typeface="+mn-ea"/>
+          <a:cs typeface="+mn-cs"/>
+        </a:defRPr>
+      </a:lvl8pPr>
+      <a:lvl9pPr marL="3657600" algn="l" defTabSz="914400" rtl="0" eaLnBrk="1" latinLnBrk="0" hangingPunct="1">
+        <a:defRPr sz="1800" kern="1200">
+          <a:solidFill>
+            <a:schemeClr val="tx1"/>
+          </a:solidFill>
+          <a:latin typeface="+mn-lt"/>
+          <a:ea typeface="+mn-ea"/>
+          <a:cs typeface="+mn-cs"/>
+        </a:defRPr>
+      </a:lvl9pPr>
+    </p:otherStyle>
+  </p:txStyles>
+</p:sldMaster>
+</file>
+
 <file path=ppt/slides/slide1.xml><?xml version="1.0" encoding="utf-8"?>
 <p:sld xmlns:a="http://schemas.openxmlformats.org/drawingml/2006/main" xmlns:r="http://schemas.openxmlformats.org/officeDocument/2006/relationships" xmlns:p="http://schemas.openxmlformats.org/presentationml/2006/main">
   <p:cSld>
@@ -4847,15 +8766,14 @@
         <p:spPr/>
         <p:txBody>
           <a:bodyPr>
-            <a:normAutofit fontScale="90000"/>
+            <a:normAutofit/>
           </a:bodyPr>
           <a:lstStyle/>
           <a:p>
             <a:r>
-              <a:rPr lang="en-US" dirty="0" smtClean="0"/>
+              <a:rPr lang="en-US" dirty="0"/>
               <a:t>INTERMEDIATE PROGRAMMING LESSON</a:t>
             </a:r>
-            <a:endParaRPr lang="en-US" dirty="0"/>
           </a:p>
         </p:txBody>
       </p:sp>
@@ -4877,18 +8795,17 @@
           <a:lstStyle/>
           <a:p>
             <a:r>
-              <a:rPr lang="en-US" dirty="0" smtClean="0"/>
+              <a:rPr lang="en-US" dirty="0"/>
               <a:t>MOVE Distance My Block (</a:t>
             </a:r>
             <a:r>
-              <a:rPr lang="en-US" dirty="0" err="1" smtClean="0"/>
+              <a:rPr lang="en-US" dirty="0" err="1"/>
               <a:t>Move_CM</a:t>
             </a:r>
             <a:r>
-              <a:rPr lang="en-US" dirty="0" smtClean="0"/>
+              <a:rPr lang="en-US" dirty="0"/>
               <a:t>)</a:t>
             </a:r>
-            <a:endParaRPr lang="en-US" dirty="0"/>
           </a:p>
         </p:txBody>
       </p:sp>
@@ -4968,22 +8885,10 @@
           <a:lstStyle/>
           <a:p>
             <a:r>
-              <a:rPr lang="en-US" dirty="0" smtClean="0">
+              <a:rPr lang="en-US" dirty="0">
                 <a:cs typeface="Courier"/>
               </a:rPr>
-              <a:t>STEP 3A: </a:t>
-            </a:r>
-            <a:r>
-              <a:rPr lang="en-US" dirty="0" smtClean="0">
-                <a:cs typeface="Courier"/>
-              </a:rPr>
-              <a:t>Wire the My </a:t>
-            </a:r>
-            <a:r>
-              <a:rPr lang="en-US" dirty="0" smtClean="0">
-                <a:cs typeface="Courier"/>
-              </a:rPr>
-              <a:t>BLOCK</a:t>
+              <a:t>Step 3B: Wire the My BLOCK</a:t>
             </a:r>
             <a:endParaRPr lang="en-US" dirty="0"/>
           </a:p>
@@ -5005,10 +8910,9 @@
           <a:lstStyle/>
           <a:p>
             <a:r>
-              <a:rPr lang="en-US" smtClean="0"/>
-              <a:t>© 2015, EV3Lessons.com, (last edit 11/02/2015)</a:t>
-            </a:r>
-            <a:endParaRPr lang="en-US"/>
+              <a:rPr lang="en-US"/>
+              <a:t>Copytight © 2015 EV3Lessons.com, Last edit 7/06/2016</a:t>
+            </a:r>
           </a:p>
         </p:txBody>
       </p:sp>
@@ -5058,18 +8962,13 @@
           <a:lstStyle/>
           <a:p>
             <a:r>
-              <a:rPr lang="en-US" dirty="0" smtClean="0">
+              <a:rPr lang="en-US" dirty="0">
                 <a:solidFill>
                   <a:srgbClr val="7030A0"/>
                 </a:solidFill>
               </a:rPr>
               <a:t>C. Wire the inputs in the grey block.  The centimeters input connects to the Math Block. The power goes into the Move Steering Block’s power input. The result of the Math Block is wired into the degrees input in the Move Steering Block.</a:t>
             </a:r>
-            <a:endParaRPr lang="en-US" dirty="0">
-              <a:solidFill>
-                <a:srgbClr val="7030A0"/>
-              </a:solidFill>
-            </a:endParaRPr>
           </a:p>
         </p:txBody>
       </p:sp>
@@ -5083,13 +8982,6 @@
   <p:clrMapOvr>
     <a:masterClrMapping/>
   </p:clrMapOvr>
-  <p:timing>
-    <p:tnLst>
-      <p:par>
-        <p:cTn id="1" dur="indefinite" restart="never" nodeType="tmRoot"/>
-      </p:par>
-    </p:tnLst>
-  </p:timing>
 </p:sld>
 </file>
 
@@ -5128,15 +9020,11 @@
           <a:lstStyle/>
           <a:p>
             <a:r>
-              <a:rPr lang="en-US" dirty="0" smtClean="0"/>
-              <a:t>Step 3b: </a:t>
-            </a:r>
-            <a:r>
-              <a:rPr lang="en-US" dirty="0" smtClean="0"/>
-              <a:t>Completed </a:t>
-            </a:r>
-            <a:r>
-              <a:rPr lang="en-US" dirty="0" err="1" smtClean="0">
+              <a:rPr lang="en-US" dirty="0"/>
+              <a:t>Step 3C: Completed </a:t>
+            </a:r>
+            <a:r>
+              <a:rPr lang="en-US" dirty="0" err="1">
                 <a:latin typeface="Courier"/>
                 <a:cs typeface="Courier"/>
               </a:rPr>
@@ -5162,10 +9050,9 @@
           <a:lstStyle/>
           <a:p>
             <a:r>
-              <a:rPr lang="en-US" smtClean="0"/>
-              <a:t>© 2015, EV3Lessons.com, (last edit 11/02/2015)</a:t>
-            </a:r>
-            <a:endParaRPr lang="en-US"/>
+              <a:rPr lang="en-US"/>
+              <a:t>Copytight © 2015 EV3Lessons.com, Last edit 7/06/2016</a:t>
+            </a:r>
           </a:p>
         </p:txBody>
       </p:sp>
@@ -5232,13 +9119,6 @@
   <p:clrMapOvr>
     <a:masterClrMapping/>
   </p:clrMapOvr>
-  <p:timing>
-    <p:tnLst>
-      <p:par>
-        <p:cTn id="1" dur="indefinite" restart="never" nodeType="tmRoot"/>
-      </p:par>
-    </p:tnLst>
-  </p:timing>
 </p:sld>
 </file>
 
@@ -5275,7 +9155,7 @@
           <a:lstStyle/>
           <a:p>
             <a:r>
-              <a:rPr lang="en-US" smtClean="0"/>
+              <a:rPr lang="en-US"/>
               <a:t>Discussion</a:t>
             </a:r>
             <a:endParaRPr lang="en-US" dirty="0"/>
@@ -5294,75 +9174,77 @@
         </p:nvSpPr>
         <p:spPr/>
         <p:txBody>
-          <a:bodyPr/>
-          <a:lstStyle/>
-          <a:p>
-            <a:r>
-              <a:rPr lang="en-US" dirty="0" smtClean="0"/>
+          <a:bodyPr>
+            <a:normAutofit/>
+          </a:bodyPr>
+          <a:lstStyle/>
+          <a:p>
+            <a:r>
+              <a:rPr lang="en-US" dirty="0"/>
               <a:t>Why is a </a:t>
             </a:r>
             <a:r>
-              <a:rPr lang="en-US" dirty="0" err="1" smtClean="0"/>
+              <a:rPr lang="en-US" dirty="0" err="1"/>
               <a:t>Move_CM</a:t>
             </a:r>
             <a:r>
-              <a:rPr lang="en-US" dirty="0" smtClean="0"/>
+              <a:rPr lang="en-US" dirty="0"/>
               <a:t> My Block useful?</a:t>
             </a:r>
           </a:p>
           <a:p>
             <a:pPr lvl="1"/>
             <a:r>
-              <a:rPr lang="en-US" dirty="0" smtClean="0"/>
+              <a:rPr lang="en-US" dirty="0"/>
               <a:t>You can measure distances in centimeters and input this number into your block instead of programming in degrees or rotations</a:t>
-            </a:r>
-          </a:p>
-          <a:p>
-            <a:pPr lvl="1"/>
-            <a:endParaRPr lang="en-US" dirty="0" smtClean="0"/>
-          </a:p>
-          <a:p>
-            <a:r>
-              <a:rPr lang="en-US" dirty="0" smtClean="0"/>
-              <a:t>Will changing the inputs in one copy of </a:t>
-            </a:r>
-            <a:r>
-              <a:rPr lang="en-US" dirty="0" err="1" smtClean="0"/>
-              <a:t>Move_CM</a:t>
-            </a:r>
-            <a:r>
-              <a:rPr lang="en-US" dirty="0" smtClean="0"/>
-              <a:t> impact another copy of it?</a:t>
-            </a:r>
-          </a:p>
-          <a:p>
-            <a:pPr lvl="1"/>
-            <a:r>
-              <a:rPr lang="en-US" dirty="0" smtClean="0"/>
-              <a:t>No. That is exactly why a My Block is useful.  You can use the same block multiple times, each time using a different number for power and centimeters (or any other parameter you set up).</a:t>
-            </a:r>
-          </a:p>
-          <a:p>
-            <a:pPr lvl="1"/>
-            <a:endParaRPr lang="en-US" dirty="0" smtClean="0"/>
-          </a:p>
-          <a:p>
-            <a:r>
-              <a:rPr lang="en-US" dirty="0" smtClean="0"/>
-              <a:t>Can you alter a My Block after it is made?</a:t>
-            </a:r>
-          </a:p>
-          <a:p>
-            <a:pPr lvl="1"/>
-            <a:r>
-              <a:rPr lang="en-US" dirty="0" smtClean="0"/>
-              <a:t>You can change any of the contents, but not the grey blocks (input and output parameters). If you need to make changes to the parameters, you must remake your My Block.</a:t>
             </a:r>
           </a:p>
           <a:p>
             <a:pPr lvl="1"/>
             <a:endParaRPr lang="en-US" dirty="0"/>
           </a:p>
+          <a:p>
+            <a:r>
+              <a:rPr lang="en-US" dirty="0"/>
+              <a:t>Will changing the inputs in one copy of </a:t>
+            </a:r>
+            <a:r>
+              <a:rPr lang="en-US" dirty="0" err="1"/>
+              <a:t>Move_CM</a:t>
+            </a:r>
+            <a:r>
+              <a:rPr lang="en-US" dirty="0"/>
+              <a:t> impact another copy of it?</a:t>
+            </a:r>
+          </a:p>
+          <a:p>
+            <a:pPr lvl="1"/>
+            <a:r>
+              <a:rPr lang="en-US" dirty="0"/>
+              <a:t>No. That is exactly why a My Block is useful.  You can use the same block multiple times, each time using a different number for power and centimeters (or any other parameter you set up).</a:t>
+            </a:r>
+          </a:p>
+          <a:p>
+            <a:pPr lvl="1"/>
+            <a:endParaRPr lang="en-US" dirty="0"/>
+          </a:p>
+          <a:p>
+            <a:r>
+              <a:rPr lang="en-US" dirty="0"/>
+              <a:t>Can you alter a My Block after it is made?</a:t>
+            </a:r>
+          </a:p>
+          <a:p>
+            <a:pPr lvl="1"/>
+            <a:r>
+              <a:rPr lang="en-US" dirty="0"/>
+              <a:t>You can change any of the contents, but not the grey blocks (input and output parameters). If you need to make changes to the parameters, you must remake your My Block.</a:t>
+            </a:r>
+          </a:p>
+          <a:p>
+            <a:pPr lvl="1"/>
+            <a:endParaRPr lang="en-US" dirty="0"/>
+          </a:p>
         </p:txBody>
       </p:sp>
       <p:sp>
@@ -5381,10 +9263,9 @@
           <a:lstStyle/>
           <a:p>
             <a:r>
-              <a:rPr lang="en-US" smtClean="0"/>
-              <a:t>© 2015, EV3Lessons.com (last edit 11/02/15)</a:t>
-            </a:r>
-            <a:endParaRPr lang="en-US"/>
+              <a:rPr lang="en-US"/>
+              <a:t>Copytight © 2015 EV3Lessons.com, Last edit 7/06/2016</a:t>
+            </a:r>
           </a:p>
         </p:txBody>
       </p:sp>
@@ -5458,7 +9339,7 @@
           <a:lstStyle/>
           <a:p>
             <a:r>
-              <a:rPr lang="en-US" smtClean="0"/>
+              <a:rPr lang="en-US"/>
               <a:t>CREDITS</a:t>
             </a:r>
             <a:endParaRPr lang="en-US" dirty="0"/>
@@ -5481,36 +9362,16 @@
           <a:lstStyle/>
           <a:p>
             <a:r>
-              <a:rPr lang="en-US" dirty="0" smtClean="0"/>
-              <a:t>This tutorial was created by Sanjay Seshan and Arvind Seshan from Droids Robotics.</a:t>
-            </a:r>
-          </a:p>
-          <a:p>
-            <a:r>
-              <a:rPr lang="en-US" dirty="0" smtClean="0"/>
+              <a:rPr lang="en-US" dirty="0"/>
+              <a:t>This tutorial was created by Sanjay Seshan and Arvind Seshan</a:t>
+            </a:r>
+          </a:p>
+          <a:p>
+            <a:r>
+              <a:rPr lang="en-US" dirty="0"/>
               <a:t>More lessons are available at www.ev3lessons.com</a:t>
             </a:r>
           </a:p>
-          <a:p>
-            <a:r>
-              <a:rPr lang="en-US" dirty="0" smtClean="0"/>
-              <a:t>Author’s Email: </a:t>
-            </a:r>
-            <a:r>
-              <a:rPr lang="en-US" dirty="0" smtClean="0">
-                <a:hlinkClick r:id="rId3"/>
-              </a:rPr>
-              <a:t>team@droidsrobotics.org</a:t>
-            </a:r>
-            <a:r>
-              <a:rPr lang="en-US" dirty="0" smtClean="0"/>
-              <a:t/>
-            </a:r>
-            <a:br>
-              <a:rPr lang="en-US" dirty="0" smtClean="0"/>
-            </a:br>
-            <a:endParaRPr lang="en-US" dirty="0" smtClean="0"/>
-          </a:p>
         </p:txBody>
       </p:sp>
       <p:sp>
@@ -5529,8 +9390,8 @@
           <a:lstStyle/>
           <a:p>
             <a:r>
-              <a:rPr lang="en-US" smtClean="0"/>
-              <a:t>© 2015, EV3Lessons.com, (last edit 11/02/2015)</a:t>
+              <a:rPr lang="en-US"/>
+              <a:t>Copytight © 2015 EV3Lessons.com, Last edit 7/06/2016</a:t>
             </a:r>
             <a:endParaRPr lang="en-US" dirty="0"/>
           </a:p>
@@ -5766,7 +9627,7 @@
               <a:tabLst/>
             </a:pPr>
             <a:r>
-              <a:rPr kumimoji="0" lang="en-US" altLang="en-US" sz="2000" b="0" i="0" u="none" strike="noStrike" cap="none" normalizeH="0" baseline="0" dirty="0" smtClean="0">
+              <a:rPr kumimoji="0" lang="en-US" altLang="en-US" sz="2000" b="0" i="0" u="none" strike="noStrike" cap="none" normalizeH="0" baseline="0" dirty="0">
                 <a:ln>
                   <a:noFill/>
                 </a:ln>
@@ -5778,20 +9639,8 @@
               </a:rPr>
               <a:t>                         </a:t>
             </a:r>
-            <a:r>
-              <a:rPr kumimoji="0" lang="en-US" altLang="en-US" sz="1600" b="0" i="0" u="none" strike="noStrike" cap="none" normalizeH="0" baseline="0" dirty="0" smtClean="0">
-                <a:ln>
-                  <a:noFill/>
-                </a:ln>
-                <a:solidFill>
-                  <a:schemeClr val="tx1"/>
-                </a:solidFill>
-                <a:effectLst/>
-              </a:rPr>
-              <a:t/>
-            </a:r>
             <a:br>
-              <a:rPr kumimoji="0" lang="en-US" altLang="en-US" sz="1600" b="0" i="0" u="none" strike="noStrike" cap="none" normalizeH="0" baseline="0" dirty="0" smtClean="0">
+              <a:rPr kumimoji="0" lang="en-US" altLang="en-US" sz="1600" b="0" i="0" u="none" strike="noStrike" cap="none" normalizeH="0" baseline="0" dirty="0">
                 <a:ln>
                   <a:noFill/>
                 </a:ln>
@@ -5802,7 +9651,7 @@
               </a:rPr>
             </a:br>
             <a:r>
-              <a:rPr kumimoji="0" lang="en-US" altLang="en-US" sz="2000" b="0" i="0" u="none" strike="noStrike" cap="none" normalizeH="0" baseline="0" dirty="0" smtClean="0">
+              <a:rPr kumimoji="0" lang="en-US" altLang="en-US" sz="2000" b="0" i="0" u="none" strike="noStrike" cap="none" normalizeH="0" baseline="0" dirty="0">
                 <a:ln>
                   <a:noFill/>
                 </a:ln>
@@ -5815,7 +9664,7 @@
               <a:t>This work is licensed under a </a:t>
             </a:r>
             <a:r>
-              <a:rPr kumimoji="0" lang="en-US" altLang="en-US" sz="2000" b="0" i="0" u="none" strike="noStrike" cap="none" normalizeH="0" baseline="0" dirty="0" smtClean="0">
+              <a:rPr kumimoji="0" lang="en-US" altLang="en-US" sz="2000" b="0" i="0" u="none" strike="noStrike" cap="none" normalizeH="0" baseline="0" dirty="0">
                 <a:ln>
                   <a:noFill/>
                 </a:ln>
@@ -5824,12 +9673,12 @@
                 </a:solidFill>
                 <a:effectLst/>
                 <a:latin typeface="Helvetica Neue"/>
-                <a:hlinkClick r:id="rId4"/>
+                <a:hlinkClick r:id="rId3"/>
               </a:rPr>
               <a:t>Creative Commons Attribution-</a:t>
             </a:r>
             <a:r>
-              <a:rPr kumimoji="0" lang="en-US" altLang="en-US" sz="2000" b="0" i="0" u="none" strike="noStrike" cap="none" normalizeH="0" baseline="0" dirty="0" err="1" smtClean="0">
+              <a:rPr kumimoji="0" lang="en-US" altLang="en-US" sz="2000" b="0" i="0" u="none" strike="noStrike" cap="none" normalizeH="0" baseline="0" dirty="0" err="1">
                 <a:ln>
                   <a:noFill/>
                 </a:ln>
@@ -5838,12 +9687,12 @@
                 </a:solidFill>
                 <a:effectLst/>
                 <a:latin typeface="Helvetica Neue"/>
-                <a:hlinkClick r:id="rId4"/>
+                <a:hlinkClick r:id="rId3"/>
               </a:rPr>
               <a:t>NonCommercial</a:t>
             </a:r>
             <a:r>
-              <a:rPr kumimoji="0" lang="en-US" altLang="en-US" sz="2000" b="0" i="0" u="none" strike="noStrike" cap="none" normalizeH="0" baseline="0" dirty="0" smtClean="0">
+              <a:rPr kumimoji="0" lang="en-US" altLang="en-US" sz="2000" b="0" i="0" u="none" strike="noStrike" cap="none" normalizeH="0" baseline="0" dirty="0">
                 <a:ln>
                   <a:noFill/>
                 </a:ln>
@@ -5852,12 +9701,12 @@
                 </a:solidFill>
                 <a:effectLst/>
                 <a:latin typeface="Helvetica Neue"/>
-                <a:hlinkClick r:id="rId4"/>
+                <a:hlinkClick r:id="rId3"/>
               </a:rPr>
               <a:t>-</a:t>
             </a:r>
             <a:r>
-              <a:rPr kumimoji="0" lang="en-US" altLang="en-US" sz="2000" b="0" i="0" u="none" strike="noStrike" cap="none" normalizeH="0" baseline="0" dirty="0" err="1" smtClean="0">
+              <a:rPr kumimoji="0" lang="en-US" altLang="en-US" sz="2000" b="0" i="0" u="none" strike="noStrike" cap="none" normalizeH="0" baseline="0" dirty="0" err="1">
                 <a:ln>
                   <a:noFill/>
                 </a:ln>
@@ -5866,12 +9715,12 @@
                 </a:solidFill>
                 <a:effectLst/>
                 <a:latin typeface="Helvetica Neue"/>
-                <a:hlinkClick r:id="rId4"/>
+                <a:hlinkClick r:id="rId3"/>
               </a:rPr>
               <a:t>ShareAlike</a:t>
             </a:r>
             <a:r>
-              <a:rPr kumimoji="0" lang="en-US" altLang="en-US" sz="2000" b="0" i="0" u="none" strike="noStrike" cap="none" normalizeH="0" baseline="0" dirty="0" smtClean="0">
+              <a:rPr kumimoji="0" lang="en-US" altLang="en-US" sz="2000" b="0" i="0" u="none" strike="noStrike" cap="none" normalizeH="0" baseline="0" dirty="0">
                 <a:ln>
                   <a:noFill/>
                 </a:ln>
@@ -5880,12 +9729,12 @@
                 </a:solidFill>
                 <a:effectLst/>
                 <a:latin typeface="Helvetica Neue"/>
-                <a:hlinkClick r:id="rId4"/>
+                <a:hlinkClick r:id="rId3"/>
               </a:rPr>
               <a:t> 4.0 International License</a:t>
             </a:r>
             <a:r>
-              <a:rPr kumimoji="0" lang="en-US" altLang="en-US" sz="2000" b="0" i="0" u="none" strike="noStrike" cap="none" normalizeH="0" baseline="0" dirty="0" smtClean="0">
+              <a:rPr kumimoji="0" lang="en-US" altLang="en-US" sz="2000" b="0" i="0" u="none" strike="noStrike" cap="none" normalizeH="0" baseline="0" dirty="0">
                 <a:ln>
                   <a:noFill/>
                 </a:ln>
@@ -5898,7 +9747,7 @@
               <a:t>.</a:t>
             </a:r>
             <a:r>
-              <a:rPr kumimoji="0" lang="en-US" altLang="en-US" sz="1600" b="0" i="0" u="none" strike="noStrike" cap="none" normalizeH="0" baseline="0" dirty="0" smtClean="0">
+              <a:rPr kumimoji="0" lang="en-US" altLang="en-US" sz="1600" b="0" i="0" u="none" strike="noStrike" cap="none" normalizeH="0" baseline="0" dirty="0">
                 <a:ln>
                   <a:noFill/>
                 </a:ln>
@@ -5909,7 +9758,7 @@
               </a:rPr>
               <a:t> </a:t>
             </a:r>
-            <a:endParaRPr kumimoji="0" lang="en-US" altLang="en-US" sz="2000" b="0" i="0" u="none" strike="noStrike" cap="none" normalizeH="0" baseline="0" dirty="0" smtClean="0">
+            <a:endParaRPr kumimoji="0" lang="en-US" altLang="en-US" sz="2000" b="0" i="0" u="none" strike="noStrike" cap="none" normalizeH="0" baseline="0" dirty="0">
               <a:ln>
                 <a:noFill/>
               </a:ln>
@@ -5925,7 +9774,7 @@
       <p:pic>
         <p:nvPicPr>
           <p:cNvPr id="2050" name="Picture 2" descr="Creative Commons License">
-            <a:hlinkClick r:id="rId4"/>
+            <a:hlinkClick r:id="rId3"/>
           </p:cNvPr>
           <p:cNvPicPr>
             <a:picLocks noChangeAspect="1" noChangeArrowheads="1"/>
@@ -5933,7 +9782,7 @@
           <p:nvPr/>
         </p:nvPicPr>
         <p:blipFill>
-          <a:blip r:embed="rId5">
+          <a:blip r:embed="rId4">
             <a:extLst>
               <a:ext uri="{28A0092B-C50C-407E-A947-70E740481C1C}">
                 <a14:useLocalDpi xmlns:a14="http://schemas.microsoft.com/office/drawing/2010/main" val="0"/>
@@ -5975,13 +9824,6 @@
   <p:clrMapOvr>
     <a:masterClrMapping/>
   </p:clrMapOvr>
-  <p:timing>
-    <p:tnLst>
-      <p:par>
-        <p:cTn id="1" dur="indefinite" restart="never" nodeType="tmRoot"/>
-      </p:par>
-    </p:tnLst>
-  </p:timing>
 </p:sld>
 </file>
 
@@ -6018,10 +9860,9 @@
           <a:lstStyle/>
           <a:p>
             <a:r>
-              <a:rPr lang="en-US" dirty="0" smtClean="0"/>
+              <a:rPr lang="en-US" dirty="0"/>
               <a:t>Lesson Objectives</a:t>
             </a:r>
-            <a:endParaRPr lang="en-US" dirty="0"/>
           </a:p>
         </p:txBody>
       </p:sp>
@@ -6045,7 +9886,7 @@
               <a:buAutoNum type="arabicPeriod"/>
             </a:pPr>
             <a:r>
-              <a:rPr lang="en-US" dirty="0" smtClean="0"/>
+              <a:rPr lang="en-US" dirty="0"/>
               <a:t>Create a useful My Block</a:t>
             </a:r>
           </a:p>
@@ -6055,7 +9896,7 @@
               <a:buAutoNum type="arabicPeriod"/>
             </a:pPr>
             <a:r>
-              <a:rPr lang="en-US" dirty="0" smtClean="0"/>
+              <a:rPr lang="en-US" dirty="0"/>
               <a:t>Learn why creating a My Block that takes measurements made with a ruler can be useful</a:t>
             </a:r>
           </a:p>
@@ -6065,7 +9906,7 @@
               <a:buAutoNum type="arabicPeriod"/>
             </a:pPr>
             <a:r>
-              <a:rPr lang="en-US" dirty="0" smtClean="0"/>
+              <a:rPr lang="en-US" dirty="0"/>
               <a:t>Make a Move_CM My Block</a:t>
             </a:r>
           </a:p>
@@ -6079,21 +9920,8 @@
           <a:p>
             <a:r>
               <a:rPr lang="en-US" dirty="0"/>
-              <a:t>Prerequisites: </a:t>
-            </a:r>
-            <a:r>
-              <a:rPr lang="en-US" dirty="0" smtClean="0"/>
-              <a:t>Move Straight, Port View, My </a:t>
-            </a:r>
-            <a:r>
-              <a:rPr lang="en-US" dirty="0"/>
-              <a:t>Blocks with Inputs and Outputs, Math </a:t>
-            </a:r>
-            <a:r>
-              <a:rPr lang="en-US" dirty="0" smtClean="0"/>
-              <a:t>Blocks, Data Wires</a:t>
-            </a:r>
-            <a:endParaRPr lang="en-US" dirty="0"/>
+              <a:t>Prerequisites: Moving Straight, Port View, My Blocks with Inputs and Outputs, Math Blocks, Data Wires</a:t>
+            </a:r>
           </a:p>
           <a:p>
             <a:pPr marL="457200" indent="-457200">
@@ -6120,10 +9948,9 @@
           <a:lstStyle/>
           <a:p>
             <a:r>
-              <a:rPr lang="en-US" smtClean="0"/>
-              <a:t>© 2015, EV3Lessons.com, (last edit 11/02/2015)</a:t>
-            </a:r>
-            <a:endParaRPr lang="en-US"/>
+              <a:rPr lang="en-US"/>
+              <a:t>Copytight © 2015 EV3Lessons.com, Last edit 7/06/2016</a:t>
+            </a:r>
           </a:p>
         </p:txBody>
       </p:sp>
@@ -6160,13 +9987,6 @@
   <p:clrMapOvr>
     <a:masterClrMapping/>
   </p:clrMapOvr>
-  <p:timing>
-    <p:tnLst>
-      <p:par>
-        <p:cTn id="1" dur="indefinite" restart="never" nodeType="tmRoot"/>
-      </p:par>
-    </p:tnLst>
-  </p:timing>
 </p:sld>
 </file>
 
@@ -6205,21 +10025,62 @@
           <a:lstStyle/>
           <a:p>
             <a:r>
-              <a:rPr lang="en-US" dirty="0" smtClean="0"/>
+              <a:rPr lang="en-US" dirty="0"/>
               <a:t>Why a Move Distance My Block?</a:t>
             </a:r>
+          </a:p>
+        </p:txBody>
+      </p:sp>
+      <p:sp>
+        <p:nvSpPr>
+          <p:cNvPr id="3" name="Content Placeholder 2"/>
+          <p:cNvSpPr>
+            <a:spLocks noGrp="1"/>
+          </p:cNvSpPr>
+          <p:nvPr>
+            <p:ph idx="1"/>
+          </p:nvPr>
+        </p:nvSpPr>
+        <p:spPr/>
+        <p:txBody>
+          <a:bodyPr/>
+          <a:lstStyle/>
+          <a:p>
+            <a:r>
+              <a:rPr lang="en-US"/>
+              <a:t>Built-in move blocks will not take inputs (values) in centimeters or inches.  </a:t>
+            </a:r>
+          </a:p>
+          <a:p>
+            <a:r>
+              <a:rPr lang="en-US"/>
+              <a:t>It is much easier to measure distance with a ruler than degrees or rotations.</a:t>
+            </a:r>
+          </a:p>
+          <a:p>
+            <a:r>
+              <a:rPr lang="en-US"/>
+              <a:t>If you change your robot design to have bigger or smaller wheels later on, you don’t have to re-measure every movement of your robot</a:t>
+            </a:r>
+          </a:p>
+          <a:p>
+            <a:pPr lvl="1"/>
+            <a:r>
+              <a:rPr lang="en-US"/>
+              <a:t>Instead of changing distances in every single program you wrote, just go into your new Move Distance Block and change the value for how many inches/cm one motor rotation would take.</a:t>
+            </a:r>
             <a:endParaRPr lang="en-US" dirty="0"/>
           </a:p>
         </p:txBody>
       </p:sp>
       <p:sp>
         <p:nvSpPr>
-          <p:cNvPr id="3" name="Content Placeholder 2"/>
-          <p:cNvSpPr>
-            <a:spLocks noGrp="1"/>
-          </p:cNvSpPr>
-          <p:nvPr>
-            <p:ph idx="1"/>
+          <p:cNvPr id="4" name="Footer Placeholder 3"/>
+          <p:cNvSpPr>
+            <a:spLocks noGrp="1"/>
+          </p:cNvSpPr>
+          <p:nvPr>
+            <p:ph type="ftr" sz="quarter" idx="11"/>
           </p:nvPr>
         </p:nvSpPr>
         <p:spPr/>
@@ -6228,52 +10089,9 @@
           <a:lstStyle/>
           <a:p>
             <a:r>
-              <a:rPr lang="en-US" smtClean="0"/>
-              <a:t>Built-in move blocks will not take inputs (values) in centimeters or inches.  </a:t>
-            </a:r>
-          </a:p>
-          <a:p>
-            <a:r>
-              <a:rPr lang="en-US" smtClean="0"/>
-              <a:t>It is much easier to measure distance with a ruler than degrees or rotations.</a:t>
-            </a:r>
-          </a:p>
-          <a:p>
-            <a:r>
-              <a:rPr lang="en-US" smtClean="0"/>
-              <a:t>If you change your robot design to have bigger or smaller wheels later on, you don’t have to re-measure every movement of your robot</a:t>
-            </a:r>
-          </a:p>
-          <a:p>
-            <a:pPr lvl="1"/>
-            <a:r>
-              <a:rPr lang="en-US" smtClean="0"/>
-              <a:t>Instead of changing distances in every single program you wrote, just go into your new Move Distance Block and change the value for how many inches/cm one motor rotation would take.</a:t>
-            </a:r>
-            <a:endParaRPr lang="en-US" dirty="0"/>
-          </a:p>
-        </p:txBody>
-      </p:sp>
-      <p:sp>
-        <p:nvSpPr>
-          <p:cNvPr id="4" name="Footer Placeholder 3"/>
-          <p:cNvSpPr>
-            <a:spLocks noGrp="1"/>
-          </p:cNvSpPr>
-          <p:nvPr>
-            <p:ph type="ftr" sz="quarter" idx="11"/>
-          </p:nvPr>
-        </p:nvSpPr>
-        <p:spPr/>
-        <p:txBody>
-          <a:bodyPr/>
-          <a:lstStyle/>
-          <a:p>
-            <a:r>
-              <a:rPr lang="en-US" smtClean="0"/>
-              <a:t>© 2015, EV3Lessons.com, (last edit 11/02/2015)</a:t>
-            </a:r>
-            <a:endParaRPr lang="en-US"/>
+              <a:rPr lang="en-US"/>
+              <a:t>Copytight © 2015 EV3Lessons.com, Last edit 7/06/2016</a:t>
+            </a:r>
           </a:p>
         </p:txBody>
       </p:sp>
@@ -6341,13 +10159,6 @@
   <p:clrMapOvr>
     <a:masterClrMapping/>
   </p:clrMapOvr>
-  <p:timing>
-    <p:tnLst>
-      <p:par>
-        <p:cTn id="1" dur="indefinite" restart="never" nodeType="tmRoot"/>
-      </p:par>
-    </p:tnLst>
-  </p:timing>
 </p:sld>
 </file>
 
@@ -6384,10 +10195,9 @@
           <a:lstStyle/>
           <a:p>
             <a:r>
-              <a:rPr lang="en-US" dirty="0" smtClean="0"/>
+              <a:rPr lang="en-US" dirty="0"/>
               <a:t>MOVE_CM IN THREE EASY STEPS</a:t>
             </a:r>
-            <a:endParaRPr lang="en-US" dirty="0"/>
           </a:p>
         </p:txBody>
       </p:sp>
@@ -6414,32 +10224,24 @@
           <a:lstStyle/>
           <a:p>
             <a:r>
-              <a:rPr lang="en-US" b="1" dirty="0" smtClean="0"/>
+              <a:rPr lang="en-US" b="1" dirty="0"/>
               <a:t>STEP 1: </a:t>
             </a:r>
             <a:r>
-              <a:rPr lang="en-US" b="0" dirty="0" smtClean="0"/>
+              <a:rPr lang="en-US" b="0" dirty="0"/>
               <a:t>Determine how many motor degrees your robot moves in 1cm</a:t>
             </a:r>
           </a:p>
           <a:p>
             <a:r>
               <a:rPr lang="en-US" b="0" dirty="0"/>
-              <a:t>	</a:t>
-            </a:r>
-            <a:r>
-              <a:rPr lang="en-US" b="0" dirty="0" smtClean="0"/>
-              <a:t>STEP 1A: Wheel Measurement</a:t>
+              <a:t>	STEP 1A: Wheel Measurement</a:t>
             </a:r>
           </a:p>
           <a:p>
             <a:r>
               <a:rPr lang="en-US" b="0" dirty="0"/>
-              <a:t>	</a:t>
-            </a:r>
-            <a:r>
-              <a:rPr lang="en-US" b="0" dirty="0" smtClean="0"/>
-              <a:t>STEP 1B: Program the robot to move 1cm</a:t>
+              <a:t>	STEP 1B: Program the robot to move 1cm</a:t>
             </a:r>
           </a:p>
           <a:p>
@@ -6447,11 +10249,11 @@
           </a:p>
           <a:p>
             <a:r>
-              <a:rPr lang="en-US" b="1" dirty="0" smtClean="0"/>
+              <a:rPr lang="en-US" b="1" dirty="0"/>
               <a:t>STEP 2: </a:t>
             </a:r>
             <a:r>
-              <a:rPr lang="en-US" b="0" dirty="0" smtClean="0"/>
+              <a:rPr lang="en-US" b="0" dirty="0"/>
               <a:t>Add a Math Block to convert centimeters to degrees</a:t>
             </a:r>
           </a:p>
@@ -6460,11 +10262,11 @@
           </a:p>
           <a:p>
             <a:r>
-              <a:rPr lang="en-US" b="1" dirty="0" smtClean="0"/>
+              <a:rPr lang="en-US" b="1" dirty="0"/>
               <a:t>STEP 3: </a:t>
             </a:r>
             <a:r>
-              <a:rPr lang="en-US" b="0" dirty="0" smtClean="0"/>
+              <a:rPr lang="en-US" b="0" dirty="0"/>
               <a:t>Create a Move_CM My Block with 2 inputs (power and degrees)</a:t>
             </a:r>
           </a:p>
@@ -6493,10 +10295,9 @@
           <a:lstStyle/>
           <a:p>
             <a:r>
-              <a:rPr lang="en-US" smtClean="0"/>
-              <a:t>© 2015, EV3Lessons.com, (last edit 11/02/2015)</a:t>
-            </a:r>
-            <a:endParaRPr lang="en-US"/>
+              <a:rPr lang="en-US"/>
+              <a:t>Copytight © 2015 EV3Lessons.com, Last edit 7/06/2016</a:t>
+            </a:r>
           </a:p>
         </p:txBody>
       </p:sp>
@@ -6533,13 +10334,6 @@
   <p:clrMapOvr>
     <a:masterClrMapping/>
   </p:clrMapOvr>
-  <p:timing>
-    <p:tnLst>
-      <p:par>
-        <p:cTn id="1" dur="indefinite" restart="never" nodeType="tmRoot"/>
-      </p:par>
-    </p:tnLst>
-  </p:timing>
 </p:sld>
 </file>
 
@@ -6583,46 +10377,9 @@
           <a:lstStyle/>
           <a:p>
             <a:r>
-              <a:rPr lang="en-US" dirty="0" smtClean="0"/>
-              <a:t>Step 1A: How Many </a:t>
-            </a:r>
-            <a:r>
               <a:rPr lang="en-US" dirty="0"/>
-              <a:t>D</a:t>
-            </a:r>
-            <a:r>
-              <a:rPr lang="en-US" dirty="0" smtClean="0"/>
-              <a:t>egrees Does The </a:t>
-            </a:r>
-            <a:r>
-              <a:rPr lang="en-US" dirty="0" smtClean="0"/>
-              <a:t>R</a:t>
-            </a:r>
-            <a:r>
-              <a:rPr lang="en-US" dirty="0" smtClean="0"/>
-              <a:t>obot </a:t>
-            </a:r>
-            <a:r>
-              <a:rPr lang="en-US" dirty="0"/>
-              <a:t>M</a:t>
-            </a:r>
-            <a:r>
-              <a:rPr lang="en-US" dirty="0" smtClean="0"/>
-              <a:t>ove </a:t>
-            </a:r>
-            <a:r>
-              <a:rPr lang="en-US" dirty="0" smtClean="0"/>
-              <a:t>in 1 </a:t>
-            </a:r>
-            <a:r>
-              <a:rPr lang="en-US" dirty="0" smtClean="0"/>
-              <a:t>CM</a:t>
-            </a:r>
-            <a:r>
-              <a:rPr lang="en-US" dirty="0" smtClean="0"/>
-              <a:t>?</a:t>
-            </a:r>
-            <a:endParaRPr lang="en-US" dirty="0"/>
+              <a:t>Step 1A: How Many Degrees Does The Robot Move in 1 CM?</a:t>
+            </a:r>
           </a:p>
         </p:txBody>
       </p:sp>
@@ -6642,10 +10399,9 @@
           <a:lstStyle/>
           <a:p>
             <a:r>
-              <a:rPr lang="en-US" smtClean="0"/>
-              <a:t>© 2015, EV3Lessons.com, (last edit 11/02/2015)</a:t>
-            </a:r>
-            <a:endParaRPr lang="en-US"/>
+              <a:rPr lang="en-US"/>
+              <a:t>Copytight © 2015 EV3Lessons.com, Last edit 7/06/2016</a:t>
+            </a:r>
           </a:p>
         </p:txBody>
       </p:sp>
@@ -6695,7 +10451,7 @@
           <a:lstStyle/>
           <a:p>
             <a:r>
-              <a:rPr lang="en-US" sz="1600" b="1" dirty="0" smtClean="0"/>
+              <a:rPr lang="en-US" sz="1600" b="1" dirty="0"/>
               <a:t>Method 1: </a:t>
             </a:r>
           </a:p>
@@ -6704,16 +10460,8 @@
               <a:buAutoNum type="arabicPeriod"/>
             </a:pPr>
             <a:r>
-              <a:rPr lang="en-US" sz="1600" dirty="0" smtClean="0"/>
-              <a:t>Look </a:t>
-            </a:r>
-            <a:r>
               <a:rPr lang="en-US" sz="1600" dirty="0"/>
-              <a:t>up the wheel </a:t>
-            </a:r>
-            <a:r>
-              <a:rPr lang="en-US" sz="1600" dirty="0" smtClean="0"/>
-              <a:t>size in mm printed on your tire and divide by 10 to convert to cm (because 1cm=10mm)</a:t>
+              <a:t>Look up the wheel size in mm printed on your tire and divide by 10 to convert to cm (because 1cm=10mm)</a:t>
             </a:r>
           </a:p>
           <a:p>
@@ -6721,15 +10469,15 @@
               <a:buAutoNum type="arabicPeriod"/>
             </a:pPr>
             <a:r>
-              <a:rPr lang="en-US" sz="1600" dirty="0" smtClean="0"/>
+              <a:rPr lang="en-US" sz="1600" dirty="0"/>
               <a:t>Multiply the answer in step 1 by </a:t>
             </a:r>
             <a:r>
-              <a:rPr lang="el-GR" sz="1600" dirty="0" smtClean="0"/>
+              <a:rPr lang="el-GR" sz="1600" dirty="0"/>
               <a:t>π</a:t>
             </a:r>
             <a:r>
-              <a:rPr lang="en-US" sz="1600" dirty="0" smtClean="0"/>
+              <a:rPr lang="en-US" sz="1600" dirty="0"/>
               <a:t> (3.1415…) to compute circumference </a:t>
             </a:r>
           </a:p>
@@ -6739,24 +10487,8 @@
               <a:buAutoNum type="arabicPeriod"/>
             </a:pPr>
             <a:r>
-              <a:rPr lang="en-US" sz="1600" dirty="0" smtClean="0"/>
-              <a:t>Divide 360 degrees by value from step 2. This computes degrees in 1cm since you travel one circumference in 1 rotation and 1 </a:t>
-            </a:r>
-            <a:r>
               <a:rPr lang="en-US" sz="1600" dirty="0"/>
-              <a:t>rotation </a:t>
-            </a:r>
-            <a:r>
-              <a:rPr lang="en-US" sz="1600" dirty="0" smtClean="0"/>
-              <a:t>is </a:t>
-            </a:r>
-            <a:r>
-              <a:rPr lang="en-US" sz="1600" dirty="0"/>
-              <a:t>360 </a:t>
-            </a:r>
-            <a:r>
-              <a:rPr lang="en-US" sz="1600" dirty="0" smtClean="0"/>
-              <a:t>degrees</a:t>
+              <a:t>Divide 360 degrees by value from step 2. This computes degrees in 1cm since you travel one circumference in 1 rotation and 1 rotation is 360 degrees</a:t>
             </a:r>
           </a:p>
           <a:p>
@@ -6764,7 +10496,7 @@
               <a:buFont typeface="+mj-lt"/>
               <a:buAutoNum type="arabicPeriod"/>
             </a:pPr>
-            <a:endParaRPr lang="en-US" sz="1600" dirty="0" smtClean="0"/>
+            <a:endParaRPr lang="en-US" sz="1600" dirty="0"/>
           </a:p>
         </p:txBody>
       </p:sp>
@@ -6790,7 +10522,7 @@
           <a:lstStyle/>
           <a:p>
             <a:r>
-              <a:rPr lang="en-US" sz="1600" b="1" dirty="0" smtClean="0"/>
+              <a:rPr lang="en-US" sz="1600" b="1" dirty="0"/>
               <a:t>Example calculation using the standard EV3 Edu 45544 set wheels:</a:t>
             </a:r>
           </a:p>
@@ -6800,12 +10532,8 @@
               <a:buAutoNum type="arabicPeriod"/>
             </a:pPr>
             <a:r>
-              <a:rPr lang="en-US" sz="1600" dirty="0" smtClean="0"/>
-              <a:t>EV3 </a:t>
-            </a:r>
-            <a:r>
               <a:rPr lang="en-US" sz="1600" dirty="0"/>
-              <a:t>EDU (45544) wheels are 56mm = 5.6cm in diameter</a:t>
+              <a:t>EV3 EDU (45544) wheels are 56mm = 5.6cm in diameter</a:t>
             </a:r>
           </a:p>
           <a:p>
@@ -6814,28 +10542,16 @@
               <a:buAutoNum type="arabicPeriod"/>
             </a:pPr>
             <a:r>
-              <a:rPr lang="en-US" sz="1600" dirty="0" smtClean="0"/>
+              <a:rPr lang="en-US" sz="1600" dirty="0"/>
               <a:t>5.6cm × </a:t>
             </a:r>
             <a:r>
-              <a:rPr lang="el-GR" sz="1600" dirty="0" smtClean="0"/>
+              <a:rPr lang="el-GR" sz="1600" dirty="0"/>
               <a:t>π</a:t>
             </a:r>
             <a:r>
-              <a:rPr lang="en-US" sz="1600" dirty="0" smtClean="0"/>
-              <a:t> </a:t>
-            </a:r>
-            <a:r>
               <a:rPr lang="en-US" sz="1600" dirty="0"/>
-              <a:t>= </a:t>
-            </a:r>
-            <a:r>
-              <a:rPr lang="en-US" sz="1600" dirty="0" smtClean="0"/>
-              <a:t>17.6cm </a:t>
-            </a:r>
-            <a:r>
-              <a:rPr lang="en-US" sz="1600" dirty="0"/>
-              <a:t>per rotation</a:t>
+              <a:t> = 17.6cm per rotation</a:t>
             </a:r>
           </a:p>
           <a:p>
@@ -6844,34 +10560,9 @@
               <a:buAutoNum type="arabicPeriod"/>
             </a:pPr>
             <a:r>
-              <a:rPr lang="en-US" sz="1600" dirty="0" smtClean="0"/>
-              <a:t>360 </a:t>
-            </a:r>
-            <a:r>
               <a:rPr lang="en-US" sz="1600" dirty="0"/>
-              <a:t>degrees </a:t>
-            </a:r>
-            <a:r>
-              <a:rPr lang="en-US" sz="1600" dirty="0" smtClean="0"/>
-              <a:t>÷ 17.6cm </a:t>
-            </a:r>
-            <a:r>
-              <a:rPr lang="en-US" sz="1600" dirty="0"/>
-              <a:t>= </a:t>
-            </a:r>
-            <a:r>
-              <a:rPr lang="en-US" sz="1600" dirty="0" smtClean="0"/>
-              <a:t>20.5 motor degrees </a:t>
-            </a:r>
-            <a:r>
-              <a:rPr lang="en-US" sz="1600" dirty="0"/>
-              <a:t>per </a:t>
-            </a:r>
-            <a:r>
-              <a:rPr lang="en-US" sz="1600" dirty="0" smtClean="0"/>
-              <a:t>cm</a:t>
-            </a:r>
-            <a:endParaRPr lang="en-US" sz="1600" dirty="0"/>
+              <a:t>360 degrees ÷ 17.6cm = 20.5 motor degrees per cm</a:t>
+            </a:r>
           </a:p>
         </p:txBody>
       </p:sp>
@@ -6901,7 +10592,7 @@
           <a:p>
             <a:pPr algn="ctr"/>
             <a:r>
-              <a:rPr lang="en-US" dirty="0" smtClean="0">
+              <a:rPr lang="en-US" dirty="0">
                 <a:solidFill>
                   <a:schemeClr val="bg1"/>
                 </a:solidFill>
@@ -6939,13 +10630,6 @@
   <p:clrMapOvr>
     <a:masterClrMapping/>
   </p:clrMapOvr>
-  <p:timing>
-    <p:tnLst>
-      <p:par>
-        <p:cTn id="1" dur="indefinite" restart="never" nodeType="tmRoot"/>
-      </p:par>
-    </p:tnLst>
-  </p:timing>
 </p:sld>
 </file>
 
@@ -7064,14 +10748,9 @@
           <a:lstStyle/>
           <a:p>
             <a:r>
-              <a:rPr lang="en-US" dirty="0" smtClean="0"/>
-              <a:t>Step 1A: </a:t>
-            </a:r>
-            <a:r>
-              <a:rPr lang="en-US" dirty="0" smtClean="0"/>
-              <a:t>Alternative Method</a:t>
-            </a:r>
-            <a:endParaRPr lang="en-US" dirty="0"/>
+              <a:rPr lang="en-US" dirty="0"/>
+              <a:t>Step 1A: Alternative Method</a:t>
+            </a:r>
           </a:p>
         </p:txBody>
       </p:sp>
@@ -7091,10 +10770,9 @@
           <a:lstStyle/>
           <a:p>
             <a:r>
-              <a:rPr lang="en-US" smtClean="0"/>
-              <a:t>© 2015, EV3Lessons.com, (last edit 11/02/2015)</a:t>
-            </a:r>
-            <a:endParaRPr lang="en-US"/>
+              <a:rPr lang="en-US"/>
+              <a:t>Copytight © 2015 EV3Lessons.com, Last edit 7/06/2016</a:t>
+            </a:r>
           </a:p>
         </p:txBody>
       </p:sp>
@@ -7145,7 +10823,7 @@
           <a:p>
             <a:pPr marL="0" lvl="1"/>
             <a:r>
-              <a:rPr lang="en-US" sz="1600" dirty="0" smtClean="0"/>
+              <a:rPr lang="en-US" sz="1600" dirty="0"/>
               <a:t>Alternate Method: Use Port View to find the Motor Degrees value. Use this method if you cannot find the diameter value printed on your wheel. </a:t>
             </a:r>
           </a:p>
@@ -7155,24 +10833,8 @@
               <a:buAutoNum type="arabicPeriod"/>
             </a:pPr>
             <a:r>
-              <a:rPr lang="en-US" sz="1600" dirty="0" smtClean="0"/>
-              <a:t>Put </a:t>
-            </a:r>
-            <a:r>
               <a:rPr lang="en-US" sz="1600" dirty="0"/>
-              <a:t>your ruler next to your wheel/robot at 0 </a:t>
-            </a:r>
-            <a:r>
-              <a:rPr lang="en-US" sz="1600" dirty="0" smtClean="0"/>
-              <a:t>centimeters</a:t>
-            </a:r>
-            <a:r>
-              <a:rPr lang="en-US" sz="1600" dirty="0"/>
-              <a:t> </a:t>
-            </a:r>
-            <a:r>
-              <a:rPr lang="en-US" sz="1600" dirty="0" smtClean="0"/>
-              <a:t>(whatever part of the robot you use to align with 0, you should use to use to measure distance in step 2)</a:t>
+              <a:t>Put your ruler next to your wheel/robot at 0 centimeters (whatever part of the robot you use to align with 0, you should use to use to measure distance in step 2)</a:t>
             </a:r>
           </a:p>
           <a:p>
@@ -7181,24 +10843,8 @@
               <a:buAutoNum type="arabicPeriod"/>
             </a:pPr>
             <a:r>
-              <a:rPr lang="en-US" sz="1600" dirty="0" smtClean="0"/>
-              <a:t>Roll </a:t>
-            </a:r>
-            <a:r>
               <a:rPr lang="en-US" sz="1600" dirty="0"/>
-              <a:t>your robot forward any amount of </a:t>
-            </a:r>
-            <a:r>
-              <a:rPr lang="en-US" sz="1600" dirty="0" smtClean="0"/>
-              <a:t>centimeters, </a:t>
-            </a:r>
-            <a:r>
-              <a:rPr lang="en-US" sz="1600" dirty="0"/>
-              <a:t>making sure your robot does not slip</a:t>
-            </a:r>
-            <a:r>
-              <a:rPr lang="en-US" sz="1600" dirty="0" smtClean="0"/>
-              <a:t>.</a:t>
+              <a:t>Roll your robot forward any amount of centimeters, making sure your robot does not slip.</a:t>
             </a:r>
           </a:p>
           <a:p>
@@ -7207,14 +10853,9 @@
               <a:buAutoNum type="arabicPeriod"/>
             </a:pPr>
             <a:r>
-              <a:rPr lang="en-US" sz="1600" dirty="0" smtClean="0"/>
-              <a:t>Take </a:t>
-            </a:r>
-            <a:r>
               <a:rPr lang="en-US" sz="1600" dirty="0"/>
-              <a:t>the degree reading you see on the screen for the motor sensor and divide by the amount of centimeters you moved.  </a:t>
-            </a:r>
-            <a:endParaRPr lang="en-US" sz="1600" dirty="0" smtClean="0"/>
+              <a:t>Take the degree reading you see on the screen for the motor sensor and divide by the amount of centimeters you moved.  </a:t>
+            </a:r>
           </a:p>
           <a:p>
             <a:pPr marL="800100" lvl="1" indent="-342900">
@@ -7222,14 +10863,9 @@
               <a:buAutoNum type="arabicPeriod"/>
             </a:pPr>
             <a:r>
-              <a:rPr lang="en-US" sz="1600" dirty="0" smtClean="0"/>
-              <a:t>The </a:t>
-            </a:r>
-            <a:r>
               <a:rPr lang="en-US" sz="1600" dirty="0"/>
-              <a:t>answer will be the number of degrees your robot's wheels turn in 1 centimeter.</a:t>
-            </a:r>
-            <a:endParaRPr lang="en-US" sz="1600" dirty="0" smtClean="0"/>
+              <a:t>The answer will be the number of degrees your robot's wheels turn in 1 centimeter.</a:t>
+            </a:r>
           </a:p>
         </p:txBody>
       </p:sp>
@@ -7376,13 +11012,6 @@
   <p:clrMapOvr>
     <a:masterClrMapping/>
   </p:clrMapOvr>
-  <p:timing>
-    <p:tnLst>
-      <p:par>
-        <p:cTn id="1" dur="indefinite" restart="never" nodeType="tmRoot"/>
-      </p:par>
-    </p:tnLst>
-  </p:timing>
 </p:sld>
 </file>
 
@@ -7451,18 +11080,9 @@
           <a:lstStyle/>
           <a:p>
             <a:r>
-              <a:rPr lang="en-US" dirty="0" smtClean="0"/>
-              <a:t>Step 1B: </a:t>
-            </a:r>
-            <a:r>
-              <a:rPr lang="en-US" dirty="0" smtClean="0"/>
-              <a:t>Program Move </a:t>
-            </a:r>
-            <a:r>
-              <a:rPr lang="en-US" dirty="0" smtClean="0"/>
-              <a:t>1CM</a:t>
-            </a:r>
-            <a:endParaRPr lang="en-US" dirty="0"/>
+              <a:rPr lang="en-US" dirty="0"/>
+              <a:t>Step 1B: Program Move 1CM</a:t>
+            </a:r>
           </a:p>
         </p:txBody>
       </p:sp>
@@ -7482,10 +11102,9 @@
           <a:lstStyle/>
           <a:p>
             <a:r>
-              <a:rPr lang="en-US" smtClean="0"/>
-              <a:t>© 2015, EV3Lessons.com, (last edit 11/02/2015)</a:t>
-            </a:r>
-            <a:endParaRPr lang="en-US"/>
+              <a:rPr lang="en-US"/>
+              <a:t>Copytight © 2015 EV3Lessons.com, Last edit 7/06/2016</a:t>
+            </a:r>
           </a:p>
         </p:txBody>
       </p:sp>
@@ -7537,10 +11156,9 @@
           <a:lstStyle/>
           <a:p>
             <a:r>
-              <a:rPr lang="en-US" dirty="0" smtClean="0"/>
+              <a:rPr lang="en-US" dirty="0"/>
               <a:t>Use the Motor Degrees value you obtained for your robot in slides 5 or 6</a:t>
             </a:r>
-            <a:endParaRPr lang="en-US" dirty="0"/>
           </a:p>
         </p:txBody>
       </p:sp>
@@ -7586,13 +11204,6 @@
   <p:clrMapOvr>
     <a:masterClrMapping/>
   </p:clrMapOvr>
-  <p:timing>
-    <p:tnLst>
-      <p:par>
-        <p:cTn id="1" dur="indefinite" restart="never" nodeType="tmRoot"/>
-      </p:par>
-    </p:tnLst>
-  </p:timing>
 </p:sld>
 </file>
 
@@ -7631,30 +11242,9 @@
           <a:lstStyle/>
           <a:p>
             <a:r>
-              <a:rPr lang="en-US" dirty="0" smtClean="0"/>
-              <a:t>Step 2: </a:t>
-            </a:r>
-            <a:r>
-              <a:rPr lang="en-US" dirty="0" smtClean="0"/>
-              <a:t>Degree </a:t>
-            </a:r>
-            <a:r>
-              <a:rPr lang="en-US" dirty="0" smtClean="0"/>
-              <a:t>to </a:t>
-            </a:r>
-            <a:r>
-              <a:rPr lang="en-US" dirty="0" smtClean="0"/>
-              <a:t>CM </a:t>
-            </a:r>
-            <a:r>
               <a:rPr lang="en-US" dirty="0"/>
-              <a:t>C</a:t>
-            </a:r>
-            <a:r>
-              <a:rPr lang="en-US" dirty="0" smtClean="0"/>
-              <a:t>onversion</a:t>
-            </a:r>
-            <a:endParaRPr lang="en-US" dirty="0"/>
+              <a:t>Step 2: Degree to CM Conversion</a:t>
+            </a:r>
           </a:p>
         </p:txBody>
       </p:sp>
@@ -7674,10 +11264,9 @@
           <a:lstStyle/>
           <a:p>
             <a:r>
-              <a:rPr lang="en-US" smtClean="0"/>
-              <a:t>© 2015, EV3Lessons.com, (last edit 11/02/2015)</a:t>
-            </a:r>
-            <a:endParaRPr lang="en-US"/>
+              <a:rPr lang="en-US"/>
+              <a:t>Copytight © 2015 EV3Lessons.com, Last edit 7/06/2016</a:t>
+            </a:r>
           </a:p>
         </p:txBody>
       </p:sp>
@@ -7727,10 +11316,9 @@
           <a:lstStyle/>
           <a:p>
             <a:r>
-              <a:rPr lang="en-US" dirty="0" smtClean="0"/>
+              <a:rPr lang="en-US" dirty="0"/>
               <a:t>Create the Calculator that coverts degrees to centimeters</a:t>
             </a:r>
-            <a:endParaRPr lang="en-US" dirty="0"/>
           </a:p>
         </p:txBody>
       </p:sp>
@@ -7773,13 +11361,6 @@
   <p:clrMapOvr>
     <a:masterClrMapping/>
   </p:clrMapOvr>
-  <p:timing>
-    <p:tnLst>
-      <p:par>
-        <p:cTn id="1" dur="indefinite" restart="never" nodeType="tmRoot"/>
-      </p:par>
-    </p:tnLst>
-  </p:timing>
 </p:sld>
 </file>
 
@@ -7845,10 +11426,9 @@
           <a:lstStyle/>
           <a:p>
             <a:r>
-              <a:rPr lang="en-US" dirty="0" smtClean="0"/>
-              <a:t>Step 3a: SETUP the My Block</a:t>
-            </a:r>
-            <a:endParaRPr lang="en-US" dirty="0"/>
+              <a:rPr lang="en-US" dirty="0"/>
+              <a:t>Step 3A: Setup the My Block</a:t>
+            </a:r>
           </a:p>
         </p:txBody>
       </p:sp>
@@ -7879,7 +11459,7 @@
               <a:buChar char="•"/>
             </a:pPr>
             <a:r>
-              <a:rPr lang="en-US" dirty="0" smtClean="0">
+              <a:rPr lang="en-US" dirty="0">
                 <a:solidFill>
                   <a:srgbClr val="0070C0"/>
                 </a:solidFill>
@@ -7892,7 +11472,7 @@
               <a:buFont typeface="Arial" panose="020B0604020202020204" pitchFamily="34" charset="0"/>
               <a:buChar char="•"/>
             </a:pPr>
-            <a:endParaRPr lang="en-US" dirty="0" smtClean="0">
+            <a:endParaRPr lang="en-US" dirty="0">
               <a:solidFill>
                 <a:srgbClr val="0070C0"/>
               </a:solidFill>
@@ -7904,7 +11484,7 @@
               <a:buChar char="•"/>
             </a:pPr>
             <a:r>
-              <a:rPr lang="en-US" dirty="0" smtClean="0">
+              <a:rPr lang="en-US" dirty="0">
                 <a:solidFill>
                   <a:srgbClr val="00B050"/>
                 </a:solidFill>
@@ -7917,7 +11497,7 @@
               <a:buFont typeface="Arial" panose="020B0604020202020204" pitchFamily="34" charset="0"/>
               <a:buChar char="•"/>
             </a:pPr>
-            <a:endParaRPr lang="en-US" dirty="0" smtClean="0">
+            <a:endParaRPr lang="en-US" dirty="0">
               <a:solidFill>
                 <a:srgbClr val="00B050"/>
               </a:solidFill>
@@ -7929,10 +11509,9 @@
               <a:buChar char="•"/>
             </a:pPr>
             <a:r>
-              <a:rPr lang="en-US" dirty="0" smtClean="0"/>
+              <a:rPr lang="en-US" dirty="0"/>
               <a:t>If you need help in the My Block Builder, refer to the My Block with Inputs and Outputs Lesson in Intermediate</a:t>
             </a:r>
-            <a:endParaRPr lang="en-US" dirty="0"/>
           </a:p>
         </p:txBody>
       </p:sp>
@@ -7952,10 +11531,9 @@
           <a:lstStyle/>
           <a:p>
             <a:r>
-              <a:rPr lang="en-US" smtClean="0"/>
-              <a:t>© 2015, EV3Lessons.com, (last edit 11/02/2015)</a:t>
-            </a:r>
-            <a:endParaRPr lang="en-US"/>
+              <a:rPr lang="en-US"/>
+              <a:t>Copytight © 2015 EV3Lessons.com, Last edit 7/06/2016</a:t>
+            </a:r>
           </a:p>
         </p:txBody>
       </p:sp>
@@ -8190,18 +11768,13 @@
           <a:p>
             <a:pPr algn="ctr"/>
             <a:r>
-              <a:rPr lang="en-US" b="1" dirty="0" smtClean="0">
+              <a:rPr lang="en-US" b="1" dirty="0">
                 <a:solidFill>
                   <a:srgbClr val="0070C0"/>
                 </a:solidFill>
               </a:rPr>
               <a:t>A</a:t>
             </a:r>
-            <a:endParaRPr lang="en-US" b="1" dirty="0">
-              <a:solidFill>
-                <a:srgbClr val="0070C0"/>
-              </a:solidFill>
-            </a:endParaRPr>
           </a:p>
         </p:txBody>
       </p:sp>
@@ -8215,13 +11788,6 @@
   <p:clrMapOvr>
     <a:masterClrMapping/>
   </p:clrMapOvr>
-  <p:timing>
-    <p:tnLst>
-      <p:par>
-        <p:cTn id="1" dur="indefinite" restart="never" nodeType="tmRoot"/>
-      </p:par>
-    </p:tnLst>
-  </p:timing>
 </p:sld>
 </file>
 
@@ -8509,9 +12075,9 @@
 </file>
 
 <file path=ppt/theme/theme2.xml><?xml version="1.0" encoding="utf-8"?>
-<a:theme xmlns:a="http://schemas.openxmlformats.org/drawingml/2006/main" name="Office Theme">
+<a:theme xmlns:a="http://schemas.openxmlformats.org/drawingml/2006/main" name="intermediatev2">
   <a:themeElements>
-    <a:clrScheme name="Office">
+    <a:clrScheme name="Blue II">
       <a:dk1>
         <a:sysClr val="windowText" lastClr="000000"/>
       </a:dk1>
@@ -8519,39 +12085,39 @@
         <a:sysClr val="window" lastClr="FFFFFF"/>
       </a:lt1>
       <a:dk2>
-        <a:srgbClr val="1F497D"/>
+        <a:srgbClr val="335B74"/>
       </a:dk2>
       <a:lt2>
-        <a:srgbClr val="EEECE1"/>
+        <a:srgbClr val="DFE3E5"/>
       </a:lt2>
       <a:accent1>
-        <a:srgbClr val="4F81BD"/>
+        <a:srgbClr val="1CADE4"/>
       </a:accent1>
       <a:accent2>
-        <a:srgbClr val="C0504D"/>
+        <a:srgbClr val="2683C6"/>
       </a:accent2>
       <a:accent3>
-        <a:srgbClr val="9BBB59"/>
+        <a:srgbClr val="27CED7"/>
       </a:accent3>
       <a:accent4>
-        <a:srgbClr val="8064A2"/>
+        <a:srgbClr val="42BA97"/>
       </a:accent4>
       <a:accent5>
-        <a:srgbClr val="4BACC6"/>
+        <a:srgbClr val="3E8853"/>
       </a:accent5>
       <a:accent6>
-        <a:srgbClr val="F79646"/>
+        <a:srgbClr val="62A39F"/>
       </a:accent6>
       <a:hlink>
-        <a:srgbClr val="0000FF"/>
+        <a:srgbClr val="6EAC1C"/>
       </a:hlink>
       <a:folHlink>
-        <a:srgbClr val="800080"/>
+        <a:srgbClr val="B26B02"/>
       </a:folHlink>
     </a:clrScheme>
-    <a:fontScheme name="Office">
+    <a:fontScheme name="Retrospect">
       <a:majorFont>
-        <a:latin typeface="Calibri"/>
+        <a:latin typeface="Calibri Light" panose="020F0302020204030204"/>
         <a:ea typeface=""/>
         <a:cs typeface=""/>
         <a:font script="Jpan" typeface="ＭＳ Ｐゴシック"/>
@@ -8586,7 +12152,7 @@
         <a:font script="Geor" typeface="Sylfaen"/>
       </a:majorFont>
       <a:minorFont>
-        <a:latin typeface="Calibri"/>
+        <a:latin typeface="Calibri" panose="020F0502020204030204"/>
         <a:ea typeface=""/>
         <a:cs typeface=""/>
         <a:font script="Jpan" typeface="ＭＳ Ｐゴシック"/>
@@ -8621,7 +12187,7 @@
         <a:font script="Geor" typeface="Sylfaen"/>
       </a:minorFont>
     </a:fontScheme>
-    <a:fmtScheme name="Office">
+    <a:fmtScheme name="Retrospect">
       <a:fillStyleLst>
         <a:solidFill>
           <a:schemeClr val="phClr"/>
@@ -8630,52 +12196,73 @@
           <a:gsLst>
             <a:gs pos="0">
               <a:schemeClr val="phClr">
-                <a:tint val="50000"/>
-                <a:satMod val="300000"/>
+                <a:tint val="65000"/>
+                <a:shade val="92000"/>
+                <a:satMod val="130000"/>
               </a:schemeClr>
             </a:gs>
-            <a:gs pos="35000">
+            <a:gs pos="45000">
               <a:schemeClr val="phClr">
-                <a:tint val="37000"/>
-                <a:satMod val="300000"/>
+                <a:tint val="60000"/>
+                <a:shade val="99000"/>
+                <a:satMod val="120000"/>
               </a:schemeClr>
             </a:gs>
             <a:gs pos="100000">
               <a:schemeClr val="phClr">
-                <a:tint val="15000"/>
-                <a:satMod val="350000"/>
+                <a:tint val="55000"/>
+                <a:satMod val="140000"/>
               </a:schemeClr>
             </a:gs>
           </a:gsLst>
-          <a:lin ang="16200000" scaled="1"/>
+          <a:path path="circle">
+            <a:fillToRect l="100000" t="100000" r="100000" b="100000"/>
+          </a:path>
         </a:gradFill>
         <a:gradFill rotWithShape="1">
           <a:gsLst>
             <a:gs pos="0">
               <a:schemeClr val="phClr">
+                <a:shade val="85000"/>
+                <a:satMod val="130000"/>
+              </a:schemeClr>
+            </a:gs>
+            <a:gs pos="34000">
+              <a:schemeClr val="phClr">
+                <a:shade val="87000"/>
+                <a:satMod val="125000"/>
+              </a:schemeClr>
+            </a:gs>
+            <a:gs pos="70000">
+              <a:schemeClr val="phClr">
                 <a:tint val="100000"/>
-                <a:shade val="100000"/>
+                <a:shade val="90000"/>
                 <a:satMod val="130000"/>
               </a:schemeClr>
             </a:gs>
             <a:gs pos="100000">
               <a:schemeClr val="phClr">
-                <a:tint val="50000"/>
+                <a:tint val="100000"/>
                 <a:shade val="100000"/>
-                <a:satMod val="350000"/>
+                <a:satMod val="110000"/>
               </a:schemeClr>
             </a:gs>
           </a:gsLst>
-          <a:lin ang="16200000" scaled="0"/>
+          <a:path path="circle">
+            <a:fillToRect l="100000" t="100000" r="100000" b="100000"/>
+          </a:path>
         </a:gradFill>
       </a:fillStyleLst>
       <a:lnStyleLst>
-        <a:ln w="9525" cap="flat" cmpd="sng" algn="ctr">
+        <a:ln w="12700" cap="flat" cmpd="sng" algn="ctr">
           <a:solidFill>
-            <a:schemeClr val="phClr">
-              <a:shade val="95000"/>
-              <a:satMod val="105000"/>
-            </a:schemeClr>
+            <a:schemeClr val="phClr"/>
+          </a:solidFill>
+          <a:prstDash val="solid"/>
+        </a:ln>
+        <a:ln w="15875" cap="flat" cmpd="sng" algn="ctr">
+          <a:solidFill>
+            <a:schemeClr val="phClr"/>
           </a:solidFill>
           <a:prstDash val="solid"/>
         </a:ln>
@@ -8685,37 +12272,25 @@
           </a:solidFill>
           <a:prstDash val="solid"/>
         </a:ln>
-        <a:ln w="38100" cap="flat" cmpd="sng" algn="ctr">
-          <a:solidFill>
-            <a:schemeClr val="phClr"/>
-          </a:solidFill>
-          <a:prstDash val="solid"/>
-        </a:ln>
       </a:lnStyleLst>
       <a:effectStyleLst>
         <a:effectStyle>
+          <a:effectLst/>
+        </a:effectStyle>
+        <a:effectStyle>
           <a:effectLst>
-            <a:outerShdw blurRad="40000" dist="20000" dir="5400000" rotWithShape="0">
+            <a:outerShdw blurRad="38100" dist="25400" dir="2700000" algn="br" rotWithShape="0">
               <a:srgbClr val="000000">
-                <a:alpha val="38000"/>
+                <a:alpha val="60000"/>
               </a:srgbClr>
             </a:outerShdw>
           </a:effectLst>
         </a:effectStyle>
         <a:effectStyle>
           <a:effectLst>
-            <a:outerShdw blurRad="40000" dist="23000" dir="5400000" rotWithShape="0">
+            <a:outerShdw blurRad="44450" dist="25400" dir="2700000" algn="br" rotWithShape="0">
               <a:srgbClr val="000000">
-                <a:alpha val="35000"/>
-              </a:srgbClr>
-            </a:outerShdw>
-          </a:effectLst>
-        </a:effectStyle>
-        <a:effectStyle>
-          <a:effectLst>
-            <a:outerShdw blurRad="40000" dist="23000" dir="5400000" rotWithShape="0">
-              <a:srgbClr val="000000">
-                <a:alpha val="35000"/>
+                <a:alpha val="60000"/>
               </a:srgbClr>
             </a:outerShdw>
           </a:effectLst>
@@ -8724,11 +12299,11 @@
               <a:rot lat="0" lon="0" rev="0"/>
             </a:camera>
             <a:lightRig rig="threePt" dir="t">
-              <a:rot lat="0" lon="0" rev="1200000"/>
+              <a:rot lat="0" lon="0" rev="19800000"/>
             </a:lightRig>
           </a:scene3d>
-          <a:sp3d>
-            <a:bevelT w="63500" h="25400"/>
+          <a:sp3d prstMaterial="flat">
+            <a:bevelT w="25400" h="31750"/>
           </a:sp3d>
         </a:effectStyle>
       </a:effectStyleLst>
@@ -8736,95 +12311,49 @@
         <a:solidFill>
           <a:schemeClr val="phClr"/>
         </a:solidFill>
+        <a:solidFill>
+          <a:schemeClr val="phClr">
+            <a:tint val="90000"/>
+            <a:shade val="97000"/>
+            <a:satMod val="130000"/>
+          </a:schemeClr>
+        </a:solidFill>
         <a:gradFill rotWithShape="1">
           <a:gsLst>
             <a:gs pos="0">
               <a:schemeClr val="phClr">
-                <a:tint val="40000"/>
-                <a:satMod val="350000"/>
+                <a:tint val="96000"/>
+                <a:shade val="99000"/>
+                <a:satMod val="140000"/>
               </a:schemeClr>
             </a:gs>
-            <a:gs pos="40000">
+            <a:gs pos="65000">
               <a:schemeClr val="phClr">
-                <a:tint val="45000"/>
-                <a:shade val="99000"/>
-                <a:satMod val="350000"/>
+                <a:tint val="100000"/>
+                <a:shade val="80000"/>
+                <a:satMod val="130000"/>
               </a:schemeClr>
             </a:gs>
             <a:gs pos="100000">
               <a:schemeClr val="phClr">
-                <a:shade val="20000"/>
-                <a:satMod val="255000"/>
+                <a:tint val="100000"/>
+                <a:shade val="48000"/>
+                <a:satMod val="120000"/>
               </a:schemeClr>
             </a:gs>
           </a:gsLst>
-          <a:path path="circle">
-            <a:fillToRect l="50000" t="-80000" r="50000" b="180000"/>
-          </a:path>
-        </a:gradFill>
-        <a:gradFill rotWithShape="1">
-          <a:gsLst>
-            <a:gs pos="0">
-              <a:schemeClr val="phClr">
-                <a:tint val="80000"/>
-                <a:satMod val="300000"/>
-              </a:schemeClr>
-            </a:gs>
-            <a:gs pos="100000">
-              <a:schemeClr val="phClr">
-                <a:shade val="30000"/>
-                <a:satMod val="200000"/>
-              </a:schemeClr>
-            </a:gs>
-          </a:gsLst>
-          <a:path path="circle">
-            <a:fillToRect l="50000" t="50000" r="50000" b="50000"/>
-          </a:path>
+          <a:lin ang="16200000" scaled="0"/>
         </a:gradFill>
       </a:bgFillStyleLst>
     </a:fmtScheme>
   </a:themeElements>
-  <a:objectDefaults>
-    <a:spDef>
-      <a:spPr/>
-      <a:bodyPr/>
-      <a:lstStyle/>
-      <a:style>
-        <a:lnRef idx="1">
-          <a:schemeClr val="accent1"/>
-        </a:lnRef>
-        <a:fillRef idx="3">
-          <a:schemeClr val="accent1"/>
-        </a:fillRef>
-        <a:effectRef idx="2">
-          <a:schemeClr val="accent1"/>
-        </a:effectRef>
-        <a:fontRef idx="minor">
-          <a:schemeClr val="lt1"/>
-        </a:fontRef>
-      </a:style>
-    </a:spDef>
-    <a:lnDef>
-      <a:spPr/>
-      <a:bodyPr/>
-      <a:lstStyle/>
-      <a:style>
-        <a:lnRef idx="2">
-          <a:schemeClr val="accent1"/>
-        </a:lnRef>
-        <a:fillRef idx="0">
-          <a:schemeClr val="accent1"/>
-        </a:fillRef>
-        <a:effectRef idx="1">
-          <a:schemeClr val="accent1"/>
-        </a:effectRef>
-        <a:fontRef idx="minor">
-          <a:schemeClr val="tx1"/>
-        </a:fontRef>
-      </a:style>
-    </a:lnDef>
-  </a:objectDefaults>
+  <a:objectDefaults/>
   <a:extraClrSchemeLst/>
+  <a:extLst>
+    <a:ext uri="{05A4C25C-085E-4340-85A3-A5531E510DB2}">
+      <thm15:themeFamily xmlns:thm15="http://schemas.microsoft.com/office/thememl/2012/main" name="intermediatev2" id="{63F5E447-E8B5-4335-8726-12777BA731C5}" vid="{7C754D33-5435-4000-AB94-F54A58B2A981}"/>
+    </a:ext>
+  </a:extLst>
 </a:theme>
 </file>
 
@@ -9146,4 +12675,324 @@
   </a:objectDefaults>
   <a:extraClrSchemeLst/>
 </a:theme>
+</file>
+
+<file path=ppt/theme/theme4.xml><?xml version="1.0" encoding="utf-8"?>
+<a:theme xmlns:a="http://schemas.openxmlformats.org/drawingml/2006/main" name="Office Theme">
+  <a:themeElements>
+    <a:clrScheme name="Office">
+      <a:dk1>
+        <a:sysClr val="windowText" lastClr="000000"/>
+      </a:dk1>
+      <a:lt1>
+        <a:sysClr val="window" lastClr="FFFFFF"/>
+      </a:lt1>
+      <a:dk2>
+        <a:srgbClr val="1F497D"/>
+      </a:dk2>
+      <a:lt2>
+        <a:srgbClr val="EEECE1"/>
+      </a:lt2>
+      <a:accent1>
+        <a:srgbClr val="4F81BD"/>
+      </a:accent1>
+      <a:accent2>
+        <a:srgbClr val="C0504D"/>
+      </a:accent2>
+      <a:accent3>
+        <a:srgbClr val="9BBB59"/>
+      </a:accent3>
+      <a:accent4>
+        <a:srgbClr val="8064A2"/>
+      </a:accent4>
+      <a:accent5>
+        <a:srgbClr val="4BACC6"/>
+      </a:accent5>
+      <a:accent6>
+        <a:srgbClr val="F79646"/>
+      </a:accent6>
+      <a:hlink>
+        <a:srgbClr val="0000FF"/>
+      </a:hlink>
+      <a:folHlink>
+        <a:srgbClr val="800080"/>
+      </a:folHlink>
+    </a:clrScheme>
+    <a:fontScheme name="Office">
+      <a:majorFont>
+        <a:latin typeface="Calibri"/>
+        <a:ea typeface=""/>
+        <a:cs typeface=""/>
+        <a:font script="Jpan" typeface="ＭＳ Ｐゴシック"/>
+        <a:font script="Hang" typeface="맑은 고딕"/>
+        <a:font script="Hans" typeface="宋体"/>
+        <a:font script="Hant" typeface="新細明體"/>
+        <a:font script="Arab" typeface="Times New Roman"/>
+        <a:font script="Hebr" typeface="Times New Roman"/>
+        <a:font script="Thai" typeface="Angsana New"/>
+        <a:font script="Ethi" typeface="Nyala"/>
+        <a:font script="Beng" typeface="Vrinda"/>
+        <a:font script="Gujr" typeface="Shruti"/>
+        <a:font script="Khmr" typeface="MoolBoran"/>
+        <a:font script="Knda" typeface="Tunga"/>
+        <a:font script="Guru" typeface="Raavi"/>
+        <a:font script="Cans" typeface="Euphemia"/>
+        <a:font script="Cher" typeface="Plantagenet Cherokee"/>
+        <a:font script="Yiii" typeface="Microsoft Yi Baiti"/>
+        <a:font script="Tibt" typeface="Microsoft Himalaya"/>
+        <a:font script="Thaa" typeface="MV Boli"/>
+        <a:font script="Deva" typeface="Mangal"/>
+        <a:font script="Telu" typeface="Gautami"/>
+        <a:font script="Taml" typeface="Latha"/>
+        <a:font script="Syrc" typeface="Estrangelo Edessa"/>
+        <a:font script="Orya" typeface="Kalinga"/>
+        <a:font script="Mlym" typeface="Kartika"/>
+        <a:font script="Laoo" typeface="DokChampa"/>
+        <a:font script="Sinh" typeface="Iskoola Pota"/>
+        <a:font script="Mong" typeface="Mongolian Baiti"/>
+        <a:font script="Viet" typeface="Times New Roman"/>
+        <a:font script="Uigh" typeface="Microsoft Uighur"/>
+        <a:font script="Geor" typeface="Sylfaen"/>
+      </a:majorFont>
+      <a:minorFont>
+        <a:latin typeface="Calibri"/>
+        <a:ea typeface=""/>
+        <a:cs typeface=""/>
+        <a:font script="Jpan" typeface="ＭＳ Ｐゴシック"/>
+        <a:font script="Hang" typeface="맑은 고딕"/>
+        <a:font script="Hans" typeface="宋体"/>
+        <a:font script="Hant" typeface="新細明體"/>
+        <a:font script="Arab" typeface="Arial"/>
+        <a:font script="Hebr" typeface="Arial"/>
+        <a:font script="Thai" typeface="Cordia New"/>
+        <a:font script="Ethi" typeface="Nyala"/>
+        <a:font script="Beng" typeface="Vrinda"/>
+        <a:font script="Gujr" typeface="Shruti"/>
+        <a:font script="Khmr" typeface="DaunPenh"/>
+        <a:font script="Knda" typeface="Tunga"/>
+        <a:font script="Guru" typeface="Raavi"/>
+        <a:font script="Cans" typeface="Euphemia"/>
+        <a:font script="Cher" typeface="Plantagenet Cherokee"/>
+        <a:font script="Yiii" typeface="Microsoft Yi Baiti"/>
+        <a:font script="Tibt" typeface="Microsoft Himalaya"/>
+        <a:font script="Thaa" typeface="MV Boli"/>
+        <a:font script="Deva" typeface="Mangal"/>
+        <a:font script="Telu" typeface="Gautami"/>
+        <a:font script="Taml" typeface="Latha"/>
+        <a:font script="Syrc" typeface="Estrangelo Edessa"/>
+        <a:font script="Orya" typeface="Kalinga"/>
+        <a:font script="Mlym" typeface="Kartika"/>
+        <a:font script="Laoo" typeface="DokChampa"/>
+        <a:font script="Sinh" typeface="Iskoola Pota"/>
+        <a:font script="Mong" typeface="Mongolian Baiti"/>
+        <a:font script="Viet" typeface="Arial"/>
+        <a:font script="Uigh" typeface="Microsoft Uighur"/>
+        <a:font script="Geor" typeface="Sylfaen"/>
+      </a:minorFont>
+    </a:fontScheme>
+    <a:fmtScheme name="Office">
+      <a:fillStyleLst>
+        <a:solidFill>
+          <a:schemeClr val="phClr"/>
+        </a:solidFill>
+        <a:gradFill rotWithShape="1">
+          <a:gsLst>
+            <a:gs pos="0">
+              <a:schemeClr val="phClr">
+                <a:tint val="50000"/>
+                <a:satMod val="300000"/>
+              </a:schemeClr>
+            </a:gs>
+            <a:gs pos="35000">
+              <a:schemeClr val="phClr">
+                <a:tint val="37000"/>
+                <a:satMod val="300000"/>
+              </a:schemeClr>
+            </a:gs>
+            <a:gs pos="100000">
+              <a:schemeClr val="phClr">
+                <a:tint val="15000"/>
+                <a:satMod val="350000"/>
+              </a:schemeClr>
+            </a:gs>
+          </a:gsLst>
+          <a:lin ang="16200000" scaled="1"/>
+        </a:gradFill>
+        <a:gradFill rotWithShape="1">
+          <a:gsLst>
+            <a:gs pos="0">
+              <a:schemeClr val="phClr">
+                <a:tint val="100000"/>
+                <a:shade val="100000"/>
+                <a:satMod val="130000"/>
+              </a:schemeClr>
+            </a:gs>
+            <a:gs pos="100000">
+              <a:schemeClr val="phClr">
+                <a:tint val="50000"/>
+                <a:shade val="100000"/>
+                <a:satMod val="350000"/>
+              </a:schemeClr>
+            </a:gs>
+          </a:gsLst>
+          <a:lin ang="16200000" scaled="0"/>
+        </a:gradFill>
+      </a:fillStyleLst>
+      <a:lnStyleLst>
+        <a:ln w="9525" cap="flat" cmpd="sng" algn="ctr">
+          <a:solidFill>
+            <a:schemeClr val="phClr">
+              <a:shade val="95000"/>
+              <a:satMod val="105000"/>
+            </a:schemeClr>
+          </a:solidFill>
+          <a:prstDash val="solid"/>
+        </a:ln>
+        <a:ln w="25400" cap="flat" cmpd="sng" algn="ctr">
+          <a:solidFill>
+            <a:schemeClr val="phClr"/>
+          </a:solidFill>
+          <a:prstDash val="solid"/>
+        </a:ln>
+        <a:ln w="38100" cap="flat" cmpd="sng" algn="ctr">
+          <a:solidFill>
+            <a:schemeClr val="phClr"/>
+          </a:solidFill>
+          <a:prstDash val="solid"/>
+        </a:ln>
+      </a:lnStyleLst>
+      <a:effectStyleLst>
+        <a:effectStyle>
+          <a:effectLst>
+            <a:outerShdw blurRad="40000" dist="20000" dir="5400000" rotWithShape="0">
+              <a:srgbClr val="000000">
+                <a:alpha val="38000"/>
+              </a:srgbClr>
+            </a:outerShdw>
+          </a:effectLst>
+        </a:effectStyle>
+        <a:effectStyle>
+          <a:effectLst>
+            <a:outerShdw blurRad="40000" dist="23000" dir="5400000" rotWithShape="0">
+              <a:srgbClr val="000000">
+                <a:alpha val="35000"/>
+              </a:srgbClr>
+            </a:outerShdw>
+          </a:effectLst>
+        </a:effectStyle>
+        <a:effectStyle>
+          <a:effectLst>
+            <a:outerShdw blurRad="40000" dist="23000" dir="5400000" rotWithShape="0">
+              <a:srgbClr val="000000">
+                <a:alpha val="35000"/>
+              </a:srgbClr>
+            </a:outerShdw>
+          </a:effectLst>
+          <a:scene3d>
+            <a:camera prst="orthographicFront">
+              <a:rot lat="0" lon="0" rev="0"/>
+            </a:camera>
+            <a:lightRig rig="threePt" dir="t">
+              <a:rot lat="0" lon="0" rev="1200000"/>
+            </a:lightRig>
+          </a:scene3d>
+          <a:sp3d>
+            <a:bevelT w="63500" h="25400"/>
+          </a:sp3d>
+        </a:effectStyle>
+      </a:effectStyleLst>
+      <a:bgFillStyleLst>
+        <a:solidFill>
+          <a:schemeClr val="phClr"/>
+        </a:solidFill>
+        <a:gradFill rotWithShape="1">
+          <a:gsLst>
+            <a:gs pos="0">
+              <a:schemeClr val="phClr">
+                <a:tint val="40000"/>
+                <a:satMod val="350000"/>
+              </a:schemeClr>
+            </a:gs>
+            <a:gs pos="40000">
+              <a:schemeClr val="phClr">
+                <a:tint val="45000"/>
+                <a:shade val="99000"/>
+                <a:satMod val="350000"/>
+              </a:schemeClr>
+            </a:gs>
+            <a:gs pos="100000">
+              <a:schemeClr val="phClr">
+                <a:shade val="20000"/>
+                <a:satMod val="255000"/>
+              </a:schemeClr>
+            </a:gs>
+          </a:gsLst>
+          <a:path path="circle">
+            <a:fillToRect l="50000" t="-80000" r="50000" b="180000"/>
+          </a:path>
+        </a:gradFill>
+        <a:gradFill rotWithShape="1">
+          <a:gsLst>
+            <a:gs pos="0">
+              <a:schemeClr val="phClr">
+                <a:tint val="80000"/>
+                <a:satMod val="300000"/>
+              </a:schemeClr>
+            </a:gs>
+            <a:gs pos="100000">
+              <a:schemeClr val="phClr">
+                <a:shade val="30000"/>
+                <a:satMod val="200000"/>
+              </a:schemeClr>
+            </a:gs>
+          </a:gsLst>
+          <a:path path="circle">
+            <a:fillToRect l="50000" t="50000" r="50000" b="50000"/>
+          </a:path>
+        </a:gradFill>
+      </a:bgFillStyleLst>
+    </a:fmtScheme>
+  </a:themeElements>
+  <a:objectDefaults>
+    <a:spDef>
+      <a:spPr/>
+      <a:bodyPr/>
+      <a:lstStyle/>
+      <a:style>
+        <a:lnRef idx="1">
+          <a:schemeClr val="accent1"/>
+        </a:lnRef>
+        <a:fillRef idx="3">
+          <a:schemeClr val="accent1"/>
+        </a:fillRef>
+        <a:effectRef idx="2">
+          <a:schemeClr val="accent1"/>
+        </a:effectRef>
+        <a:fontRef idx="minor">
+          <a:schemeClr val="lt1"/>
+        </a:fontRef>
+      </a:style>
+    </a:spDef>
+    <a:lnDef>
+      <a:spPr/>
+      <a:bodyPr/>
+      <a:lstStyle/>
+      <a:style>
+        <a:lnRef idx="2">
+          <a:schemeClr val="accent1"/>
+        </a:lnRef>
+        <a:fillRef idx="0">
+          <a:schemeClr val="accent1"/>
+        </a:fillRef>
+        <a:effectRef idx="1">
+          <a:schemeClr val="accent1"/>
+        </a:effectRef>
+        <a:fontRef idx="minor">
+          <a:schemeClr val="tx1"/>
+        </a:fontRef>
+      </a:style>
+    </a:lnDef>
+  </a:objectDefaults>
+  <a:extraClrSchemeLst/>
+</a:theme>
 </file>
--- a/translations/en-us/intermediate/MoveDistance.pptx
+++ b/translations/en-us/intermediate/MoveDistance.pptx
@@ -224,7 +224,7 @@
           <a:p>
             <a:fld id="{E00FA3B4-5499-9244-86B5-B0871A9DDD84}" type="datetimeFigureOut">
               <a:rPr lang="en-US" smtClean="0"/>
-              <a:t>7/6/2016</a:t>
+              <a:t>7/19/16</a:t>
             </a:fld>
             <a:endParaRPr lang="en-US"/>
           </a:p>
@@ -390,7 +390,7 @@
           <a:p>
             <a:fld id="{FD3EFF1E-85A1-6640-AFB9-C38833E80A84}" type="datetimeFigureOut">
               <a:rPr lang="en-US" smtClean="0"/>
-              <a:t>7/6/2016</a:t>
+              <a:t>7/19/16</a:t>
             </a:fld>
             <a:endParaRPr lang="en-US"/>
           </a:p>
@@ -1099,7 +1099,7 @@
           <a:p>
             <a:fld id="{FFDA73B5-4D47-4C12-B031-C6EB4DD47DF2}" type="datetime1">
               <a:rPr lang="en-US" smtClean="0"/>
-              <a:t>7/6/2016</a:t>
+              <a:t>7/19/16</a:t>
             </a:fld>
             <a:endParaRPr lang="en-US"/>
           </a:p>
@@ -1296,7 +1296,7 @@
           <a:noFill/>
           <a:extLst>
             <a:ext uri="{909E8E84-426E-40dd-AFC4-6F175D3DCCD1}">
-              <a14:hiddenFill xmlns:a14="http://schemas.microsoft.com/office/drawing/2010/main" xmlns="">
+              <a14:hiddenFill xmlns="" xmlns:a14="http://schemas.microsoft.com/office/drawing/2010/main">
                 <a:solidFill>
                   <a:srgbClr val="FFFFFF"/>
                 </a:solidFill>
@@ -1427,7 +1427,7 @@
           <a:p>
             <a:fld id="{5325B47E-7241-4EF1-9178-D9CE84F0FCC1}" type="datetime1">
               <a:rPr lang="en-US" smtClean="0"/>
-              <a:t>7/6/2016</a:t>
+              <a:t>7/19/16</a:t>
             </a:fld>
             <a:endParaRPr lang="en-US"/>
           </a:p>
@@ -1686,7 +1686,7 @@
           <a:p>
             <a:fld id="{8A0E6C95-474F-43A9-9CA0-2486568B0A34}" type="datetime1">
               <a:rPr lang="en-US" smtClean="0"/>
-              <a:t>7/6/2016</a:t>
+              <a:t>7/19/16</a:t>
             </a:fld>
             <a:endParaRPr lang="en-US"/>
           </a:p>
@@ -1940,7 +1940,7 @@
           <a:p>
             <a:fld id="{572895A2-2FAB-40D9-BB30-AA72D76004B4}" type="datetime1">
               <a:rPr lang="en-US" smtClean="0"/>
-              <a:t>7/6/2016</a:t>
+              <a:t>7/19/16</a:t>
             </a:fld>
             <a:endParaRPr lang="en-US"/>
           </a:p>
@@ -2385,7 +2385,7 @@
           <a:p>
             <a:fld id="{7EA232B7-6933-4E43-94A2-9C134E606B88}" type="datetime1">
               <a:rPr lang="en-US" smtClean="0"/>
-              <a:t>7/6/2016</a:t>
+              <a:t>7/19/16</a:t>
             </a:fld>
             <a:endParaRPr lang="en-US"/>
           </a:p>
@@ -2731,7 +2731,7 @@
           <a:p>
             <a:fld id="{45B4FDE7-3A6F-43AB-8CC4-C2C3DB65659A}" type="datetime1">
               <a:rPr lang="en-US" smtClean="0"/>
-              <a:t>7/6/2016</a:t>
+              <a:t>7/19/16</a:t>
             </a:fld>
             <a:endParaRPr lang="en-US"/>
           </a:p>
@@ -3009,7 +3009,7 @@
           <a:p>
             <a:fld id="{94C8EE6C-F386-40F1-BAA1-2D05A7DD93CB}" type="datetime1">
               <a:rPr lang="en-US" smtClean="0"/>
-              <a:t>7/6/2016</a:t>
+              <a:t>7/19/16</a:t>
             </a:fld>
             <a:endParaRPr lang="en-US"/>
           </a:p>
@@ -3392,7 +3392,7 @@
           <a:p>
             <a:fld id="{12855211-F34D-49C5-8F06-9E0BDFA3F36F}" type="datetime1">
               <a:rPr lang="en-US" smtClean="0"/>
-              <a:t>7/6/2016</a:t>
+              <a:t>7/19/16</a:t>
             </a:fld>
             <a:endParaRPr lang="en-US"/>
           </a:p>
@@ -3513,7 +3513,7 @@
           <a:p>
             <a:fld id="{D9D9BF5A-F22C-422A-B687-4D54AB8B3370}" type="datetime1">
               <a:rPr lang="en-US" smtClean="0"/>
-              <a:t>7/6/2016</a:t>
+              <a:t>7/19/16</a:t>
             </a:fld>
             <a:endParaRPr lang="en-US"/>
           </a:p>
@@ -3687,7 +3687,7 @@
           <a:p>
             <a:fld id="{49777C6A-CC9E-476A-A8CB-6D2F1A445E9F}" type="datetime1">
               <a:rPr lang="en-US" smtClean="0"/>
-              <a:t>7/6/2016</a:t>
+              <a:t>7/19/16</a:t>
             </a:fld>
             <a:endParaRPr lang="en-US"/>
           </a:p>
@@ -4044,7 +4044,7 @@
           <a:p>
             <a:fld id="{CAB636F8-040F-4A36-83DD-2DD4FC328617}" type="datetime1">
               <a:rPr lang="en-US" smtClean="0"/>
-              <a:t>7/6/2016</a:t>
+              <a:t>7/19/16</a:t>
             </a:fld>
             <a:endParaRPr lang="en-US"/>
           </a:p>
@@ -4238,7 +4238,7 @@
           <a:p>
             <a:fld id="{50DFE116-022A-45C4-8A2D-FD19E89DEC6F}" type="datetime1">
               <a:rPr lang="en-US" smtClean="0"/>
-              <a:t>7/6/2016</a:t>
+              <a:t>7/19/16</a:t>
             </a:fld>
             <a:endParaRPr lang="en-US"/>
           </a:p>
@@ -4602,7 +4602,7 @@
           <a:p>
             <a:fld id="{0D00353D-7D0A-455D-B6CF-6C3C611ADDE8}" type="datetime1">
               <a:rPr lang="en-US" smtClean="0"/>
-              <a:t>7/6/2016</a:t>
+              <a:t>7/19/16</a:t>
             </a:fld>
             <a:endParaRPr lang="en-US"/>
           </a:p>
@@ -4775,7 +4775,7 @@
           <a:p>
             <a:fld id="{12CF0575-AC5A-445B-96BD-8E118C9EDC87}" type="datetime1">
               <a:rPr lang="en-US" smtClean="0"/>
-              <a:t>7/6/2016</a:t>
+              <a:t>7/19/16</a:t>
             </a:fld>
             <a:endParaRPr lang="en-US"/>
           </a:p>
@@ -5034,7 +5034,7 @@
           <a:p>
             <a:fld id="{325EDF6A-14D0-4714-9811-5F77F93AE8A6}" type="datetime1">
               <a:rPr lang="en-US" smtClean="0"/>
-              <a:t>7/6/2016</a:t>
+              <a:t>7/19/16</a:t>
             </a:fld>
             <a:endParaRPr lang="en-US"/>
           </a:p>
@@ -5380,7 +5380,7 @@
           <a:p>
             <a:fld id="{4B7525E5-E152-493C-9BF9-5DD827C69D60}" type="datetime1">
               <a:rPr lang="en-US" smtClean="0"/>
-              <a:t>7/6/2016</a:t>
+              <a:t>7/19/16</a:t>
             </a:fld>
             <a:endParaRPr lang="en-US"/>
           </a:p>
@@ -5658,7 +5658,7 @@
           <a:p>
             <a:fld id="{FECDBB99-88E0-49BC-A615-1923AC1D1092}" type="datetime1">
               <a:rPr lang="en-US" smtClean="0"/>
-              <a:t>7/6/2016</a:t>
+              <a:t>7/19/16</a:t>
             </a:fld>
             <a:endParaRPr lang="en-US"/>
           </a:p>
@@ -6041,7 +6041,7 @@
           <a:p>
             <a:fld id="{D6C78686-3407-46C4-920C-F51B64F20514}" type="datetime1">
               <a:rPr lang="en-US" smtClean="0"/>
-              <a:t>7/6/2016</a:t>
+              <a:t>7/19/16</a:t>
             </a:fld>
             <a:endParaRPr lang="en-US"/>
           </a:p>
@@ -6162,7 +6162,7 @@
           <a:p>
             <a:fld id="{926DB5E4-BF92-4A6E-81A8-60F64D43764C}" type="datetime1">
               <a:rPr lang="en-US" smtClean="0"/>
-              <a:t>7/6/2016</a:t>
+              <a:t>7/19/16</a:t>
             </a:fld>
             <a:endParaRPr lang="en-US"/>
           </a:p>
@@ -6336,7 +6336,7 @@
           <a:p>
             <a:fld id="{FBB88050-A3C3-4F14-B737-AC5556212625}" type="datetime1">
               <a:rPr lang="en-US" smtClean="0"/>
-              <a:t>7/6/2016</a:t>
+              <a:t>7/19/16</a:t>
             </a:fld>
             <a:endParaRPr lang="en-US"/>
           </a:p>
@@ -6693,7 +6693,7 @@
           <a:p>
             <a:fld id="{7D984CD8-ECD1-41E2-840B-30CBDD89B79E}" type="datetime1">
               <a:rPr lang="en-US" smtClean="0"/>
-              <a:t>7/6/2016</a:t>
+              <a:t>7/19/16</a:t>
             </a:fld>
             <a:endParaRPr lang="en-US"/>
           </a:p>
@@ -7078,7 +7078,7 @@
           <a:p>
             <a:fld id="{00FA5C16-E78E-45B0-9285-96EBEDCF97EF}" type="datetime1">
               <a:rPr lang="en-US" smtClean="0"/>
-              <a:t>7/6/2016</a:t>
+              <a:t>7/19/16</a:t>
             </a:fld>
             <a:endParaRPr lang="en-US"/>
           </a:p>
@@ -7370,7 +7370,7 @@
           <a:p>
             <a:fld id="{9D404A58-D6A3-4A1D-AB67-D80AE18AD20B}" type="datetime1">
               <a:rPr lang="en-US" smtClean="0"/>
-              <a:t>7/6/2016</a:t>
+              <a:t>7/19/16</a:t>
             </a:fld>
             <a:endParaRPr lang="en-US" dirty="0"/>
           </a:p>
@@ -8148,7 +8148,7 @@
           <a:p>
             <a:fld id="{3E849573-F806-4A61-8973-234EE3BAF147}" type="datetime1">
               <a:rPr lang="en-US" smtClean="0"/>
-              <a:t>7/6/2016</a:t>
+              <a:t>7/19/16</a:t>
             </a:fld>
             <a:endParaRPr lang="en-US" dirty="0"/>
           </a:p>
@@ -8809,6 +8809,35 @@
           </a:p>
         </p:txBody>
       </p:sp>
+      <p:pic>
+        <p:nvPicPr>
+          <p:cNvPr id="4" name="Picture 3"/>
+          <p:cNvPicPr>
+            <a:picLocks noChangeAspect="1"/>
+          </p:cNvPicPr>
+          <p:nvPr/>
+        </p:nvPicPr>
+        <p:blipFill rotWithShape="1">
+          <a:blip r:embed="rId2">
+            <a:extLst>
+              <a:ext uri="{28A0092B-C50C-407E-A947-70E740481C1C}">
+                <a14:useLocalDpi xmlns:a14="http://schemas.microsoft.com/office/drawing/2010/main" val="0"/>
+              </a:ext>
+            </a:extLst>
+          </a:blip>
+          <a:srcRect l="4523" t="17619" r="3095" b="25000"/>
+          <a:stretch/>
+        </p:blipFill>
+        <p:spPr>
+          <a:xfrm>
+            <a:off x="3711108" y="4592409"/>
+            <a:ext cx="1700816" cy="1056435"/>
+          </a:xfrm>
+          <a:prstGeom prst="rect">
+            <a:avLst/>
+          </a:prstGeom>
+        </p:spPr>
+      </p:pic>
     </p:spTree>
     <p:extLst>
       <p:ext uri="{BB962C8B-B14F-4D97-AF65-F5344CB8AC3E}">
@@ -9638,6 +9667,18 @@
                 <a:latin typeface="Helvetica Neue"/>
               </a:rPr>
               <a:t>                         </a:t>
+            </a:r>
+            <a:r>
+              <a:rPr kumimoji="0" lang="en-US" altLang="en-US" sz="1600" b="0" i="0" u="none" strike="noStrike" cap="none" normalizeH="0" baseline="0" dirty="0">
+                <a:ln>
+                  <a:noFill/>
+                </a:ln>
+                <a:solidFill>
+                  <a:schemeClr val="tx1"/>
+                </a:solidFill>
+                <a:effectLst/>
+              </a:rPr>
+              <a:t/>
             </a:r>
             <a:br>
               <a:rPr kumimoji="0" lang="en-US" altLang="en-US" sz="1600" b="0" i="0" u="none" strike="noStrike" cap="none" normalizeH="0" baseline="0" dirty="0">
